--- a/Workshop.pptx
+++ b/Workshop.pptx
@@ -2,7 +2,7 @@
 <file path=ppt/presentation.xml><?xml version="1.0" encoding="utf-8"?>
 <p:presentation xmlns:a="http://schemas.openxmlformats.org/drawingml/2006/main" xmlns:r="http://schemas.openxmlformats.org/officeDocument/2006/relationships" xmlns:p="http://schemas.openxmlformats.org/presentationml/2006/main" saveSubsetFonts="1">
   <p:sldMasterIdLst>
-    <p:sldMasterId id="2147483648" r:id="rId1"/>
+    <p:sldMasterId id="2147483678" r:id="rId1"/>
   </p:sldMasterIdLst>
   <p:sldIdLst>
     <p:sldId id="256" r:id="rId2"/>
@@ -11,14 +11,15 @@
     <p:sldId id="259" r:id="rId5"/>
     <p:sldId id="260" r:id="rId6"/>
     <p:sldId id="261" r:id="rId7"/>
+    <p:sldId id="262" r:id="rId8"/>
   </p:sldIdLst>
   <p:sldSz cx="12192000" cy="6858000"/>
   <p:notesSz cx="6858000" cy="9144000"/>
   <p:defaultTextStyle>
     <a:defPPr>
-      <a:defRPr lang="it-IT"/>
+      <a:defRPr lang="en-US"/>
     </a:defPPr>
-    <a:lvl1pPr marL="0" algn="l" defTabSz="914400" rtl="0" eaLnBrk="1" latinLnBrk="0" hangingPunct="1">
+    <a:lvl1pPr marL="0" algn="l" defTabSz="457200" rtl="0" eaLnBrk="1" latinLnBrk="0" hangingPunct="1">
       <a:defRPr sz="1800" kern="1200">
         <a:solidFill>
           <a:schemeClr val="tx1"/>
@@ -28,7 +29,7 @@
         <a:cs typeface="+mn-cs"/>
       </a:defRPr>
     </a:lvl1pPr>
-    <a:lvl2pPr marL="457200" algn="l" defTabSz="914400" rtl="0" eaLnBrk="1" latinLnBrk="0" hangingPunct="1">
+    <a:lvl2pPr marL="457200" algn="l" defTabSz="457200" rtl="0" eaLnBrk="1" latinLnBrk="0" hangingPunct="1">
       <a:defRPr sz="1800" kern="1200">
         <a:solidFill>
           <a:schemeClr val="tx1"/>
@@ -38,7 +39,7 @@
         <a:cs typeface="+mn-cs"/>
       </a:defRPr>
     </a:lvl2pPr>
-    <a:lvl3pPr marL="914400" algn="l" defTabSz="914400" rtl="0" eaLnBrk="1" latinLnBrk="0" hangingPunct="1">
+    <a:lvl3pPr marL="914400" algn="l" defTabSz="457200" rtl="0" eaLnBrk="1" latinLnBrk="0" hangingPunct="1">
       <a:defRPr sz="1800" kern="1200">
         <a:solidFill>
           <a:schemeClr val="tx1"/>
@@ -48,7 +49,7 @@
         <a:cs typeface="+mn-cs"/>
       </a:defRPr>
     </a:lvl3pPr>
-    <a:lvl4pPr marL="1371600" algn="l" defTabSz="914400" rtl="0" eaLnBrk="1" latinLnBrk="0" hangingPunct="1">
+    <a:lvl4pPr marL="1371600" algn="l" defTabSz="457200" rtl="0" eaLnBrk="1" latinLnBrk="0" hangingPunct="1">
       <a:defRPr sz="1800" kern="1200">
         <a:solidFill>
           <a:schemeClr val="tx1"/>
@@ -58,7 +59,7 @@
         <a:cs typeface="+mn-cs"/>
       </a:defRPr>
     </a:lvl4pPr>
-    <a:lvl5pPr marL="1828800" algn="l" defTabSz="914400" rtl="0" eaLnBrk="1" latinLnBrk="0" hangingPunct="1">
+    <a:lvl5pPr marL="1828800" algn="l" defTabSz="457200" rtl="0" eaLnBrk="1" latinLnBrk="0" hangingPunct="1">
       <a:defRPr sz="1800" kern="1200">
         <a:solidFill>
           <a:schemeClr val="tx1"/>
@@ -68,7 +69,7 @@
         <a:cs typeface="+mn-cs"/>
       </a:defRPr>
     </a:lvl5pPr>
-    <a:lvl6pPr marL="2286000" algn="l" defTabSz="914400" rtl="0" eaLnBrk="1" latinLnBrk="0" hangingPunct="1">
+    <a:lvl6pPr marL="2286000" algn="l" defTabSz="457200" rtl="0" eaLnBrk="1" latinLnBrk="0" hangingPunct="1">
       <a:defRPr sz="1800" kern="1200">
         <a:solidFill>
           <a:schemeClr val="tx1"/>
@@ -78,7 +79,7 @@
         <a:cs typeface="+mn-cs"/>
       </a:defRPr>
     </a:lvl6pPr>
-    <a:lvl7pPr marL="2743200" algn="l" defTabSz="914400" rtl="0" eaLnBrk="1" latinLnBrk="0" hangingPunct="1">
+    <a:lvl7pPr marL="2743200" algn="l" defTabSz="457200" rtl="0" eaLnBrk="1" latinLnBrk="0" hangingPunct="1">
       <a:defRPr sz="1800" kern="1200">
         <a:solidFill>
           <a:schemeClr val="tx1"/>
@@ -88,7 +89,7 @@
         <a:cs typeface="+mn-cs"/>
       </a:defRPr>
     </a:lvl7pPr>
-    <a:lvl8pPr marL="3200400" algn="l" defTabSz="914400" rtl="0" eaLnBrk="1" latinLnBrk="0" hangingPunct="1">
+    <a:lvl8pPr marL="3200400" algn="l" defTabSz="457200" rtl="0" eaLnBrk="1" latinLnBrk="0" hangingPunct="1">
       <a:defRPr sz="1800" kern="1200">
         <a:solidFill>
           <a:schemeClr val="tx1"/>
@@ -98,7 +99,7 @@
         <a:cs typeface="+mn-cs"/>
       </a:defRPr>
     </a:lvl8pPr>
-    <a:lvl9pPr marL="3657600" algn="l" defTabSz="914400" rtl="0" eaLnBrk="1" latinLnBrk="0" hangingPunct="1">
+    <a:lvl9pPr marL="3657600" algn="l" defTabSz="457200" rtl="0" eaLnBrk="1" latinLnBrk="0" hangingPunct="1">
       <a:defRPr sz="1800" kern="1200">
         <a:solidFill>
           <a:schemeClr val="tx1"/>
@@ -112,9 +113,3706 @@
 </p:presentation>
 </file>
 
+<file path=ppt/diagrams/colors1.xml><?xml version="1.0" encoding="utf-8"?>
+<dgm:colorsDef xmlns:dgm="http://schemas.openxmlformats.org/drawingml/2006/diagram" xmlns:a="http://schemas.openxmlformats.org/drawingml/2006/main" uniqueId="urn:microsoft.com/office/officeart/2005/8/colors/colorful1">
+  <dgm:title val=""/>
+  <dgm:desc val=""/>
+  <dgm:catLst>
+    <dgm:cat type="colorful" pri="10100"/>
+  </dgm:catLst>
+  <dgm:styleLbl name="node0">
+    <dgm:fillClrLst meth="repeat">
+      <a:schemeClr val="accent1"/>
+    </dgm:fillClrLst>
+    <dgm:linClrLst meth="repeat">
+      <a:schemeClr val="lt1"/>
+    </dgm:linClrLst>
+    <dgm:effectClrLst/>
+    <dgm:txLinClrLst/>
+    <dgm:txFillClrLst/>
+    <dgm:txEffectClrLst/>
+  </dgm:styleLbl>
+  <dgm:styleLbl name="node1">
+    <dgm:fillClrLst meth="repeat">
+      <a:schemeClr val="accent2"/>
+      <a:schemeClr val="accent3"/>
+      <a:schemeClr val="accent4"/>
+      <a:schemeClr val="accent5"/>
+      <a:schemeClr val="accent6"/>
+    </dgm:fillClrLst>
+    <dgm:linClrLst meth="repeat">
+      <a:schemeClr val="lt1"/>
+    </dgm:linClrLst>
+    <dgm:effectClrLst/>
+    <dgm:txLinClrLst/>
+    <dgm:txFillClrLst/>
+    <dgm:txEffectClrLst/>
+  </dgm:styleLbl>
+  <dgm:styleLbl name="alignNode1">
+    <dgm:fillClrLst meth="repeat">
+      <a:schemeClr val="accent2"/>
+      <a:schemeClr val="accent3"/>
+      <a:schemeClr val="accent4"/>
+      <a:schemeClr val="accent5"/>
+      <a:schemeClr val="accent6"/>
+    </dgm:fillClrLst>
+    <dgm:linClrLst meth="repeat">
+      <a:schemeClr val="accent2"/>
+      <a:schemeClr val="accent3"/>
+      <a:schemeClr val="accent4"/>
+      <a:schemeClr val="accent5"/>
+      <a:schemeClr val="accent6"/>
+    </dgm:linClrLst>
+    <dgm:effectClrLst/>
+    <dgm:txLinClrLst/>
+    <dgm:txFillClrLst/>
+    <dgm:txEffectClrLst/>
+  </dgm:styleLbl>
+  <dgm:styleLbl name="lnNode1">
+    <dgm:fillClrLst meth="repeat">
+      <a:schemeClr val="accent2"/>
+      <a:schemeClr val="accent3"/>
+      <a:schemeClr val="accent4"/>
+      <a:schemeClr val="accent5"/>
+      <a:schemeClr val="accent6"/>
+    </dgm:fillClrLst>
+    <dgm:linClrLst meth="repeat">
+      <a:schemeClr val="lt1"/>
+    </dgm:linClrLst>
+    <dgm:effectClrLst/>
+    <dgm:txLinClrLst/>
+    <dgm:txFillClrLst/>
+    <dgm:txEffectClrLst/>
+  </dgm:styleLbl>
+  <dgm:styleLbl name="vennNode1">
+    <dgm:fillClrLst meth="repeat">
+      <a:schemeClr val="accent2">
+        <a:alpha val="50000"/>
+      </a:schemeClr>
+      <a:schemeClr val="accent3">
+        <a:alpha val="50000"/>
+      </a:schemeClr>
+      <a:schemeClr val="accent4">
+        <a:alpha val="50000"/>
+      </a:schemeClr>
+      <a:schemeClr val="accent5">
+        <a:alpha val="50000"/>
+      </a:schemeClr>
+      <a:schemeClr val="accent6">
+        <a:alpha val="50000"/>
+      </a:schemeClr>
+    </dgm:fillClrLst>
+    <dgm:linClrLst meth="repeat">
+      <a:schemeClr val="lt1"/>
+    </dgm:linClrLst>
+    <dgm:effectClrLst/>
+    <dgm:txLinClrLst/>
+    <dgm:txFillClrLst/>
+    <dgm:txEffectClrLst/>
+  </dgm:styleLbl>
+  <dgm:styleLbl name="node2">
+    <dgm:fillClrLst>
+      <a:schemeClr val="accent2"/>
+    </dgm:fillClrLst>
+    <dgm:linClrLst meth="repeat">
+      <a:schemeClr val="lt1"/>
+    </dgm:linClrLst>
+    <dgm:effectClrLst/>
+    <dgm:txLinClrLst/>
+    <dgm:txFillClrLst/>
+    <dgm:txEffectClrLst/>
+  </dgm:styleLbl>
+  <dgm:styleLbl name="node3">
+    <dgm:fillClrLst>
+      <a:schemeClr val="accent3"/>
+    </dgm:fillClrLst>
+    <dgm:linClrLst meth="repeat">
+      <a:schemeClr val="lt1"/>
+    </dgm:linClrLst>
+    <dgm:effectClrLst/>
+    <dgm:txLinClrLst/>
+    <dgm:txFillClrLst/>
+    <dgm:txEffectClrLst/>
+  </dgm:styleLbl>
+  <dgm:styleLbl name="node4">
+    <dgm:fillClrLst>
+      <a:schemeClr val="accent4"/>
+    </dgm:fillClrLst>
+    <dgm:linClrLst meth="repeat">
+      <a:schemeClr val="lt1"/>
+    </dgm:linClrLst>
+    <dgm:effectClrLst/>
+    <dgm:txLinClrLst/>
+    <dgm:txFillClrLst/>
+    <dgm:txEffectClrLst/>
+  </dgm:styleLbl>
+  <dgm:styleLbl name="fgImgPlace1">
+    <dgm:fillClrLst meth="repeat">
+      <a:schemeClr val="accent2">
+        <a:tint val="50000"/>
+      </a:schemeClr>
+      <a:schemeClr val="accent3">
+        <a:tint val="50000"/>
+      </a:schemeClr>
+      <a:schemeClr val="accent4">
+        <a:tint val="50000"/>
+      </a:schemeClr>
+      <a:schemeClr val="accent5">
+        <a:tint val="50000"/>
+      </a:schemeClr>
+      <a:schemeClr val="accent6">
+        <a:tint val="50000"/>
+      </a:schemeClr>
+    </dgm:fillClrLst>
+    <dgm:linClrLst meth="repeat">
+      <a:schemeClr val="lt1"/>
+    </dgm:linClrLst>
+    <dgm:effectClrLst/>
+    <dgm:txLinClrLst/>
+    <dgm:txFillClrLst meth="repeat">
+      <a:schemeClr val="lt1"/>
+    </dgm:txFillClrLst>
+    <dgm:txEffectClrLst/>
+  </dgm:styleLbl>
+  <dgm:styleLbl name="alignImgPlace1">
+    <dgm:fillClrLst>
+      <a:schemeClr val="accent1">
+        <a:tint val="50000"/>
+      </a:schemeClr>
+      <a:schemeClr val="accent2">
+        <a:tint val="20000"/>
+      </a:schemeClr>
+    </dgm:fillClrLst>
+    <dgm:linClrLst meth="repeat">
+      <a:schemeClr val="lt1"/>
+    </dgm:linClrLst>
+    <dgm:effectClrLst/>
+    <dgm:txLinClrLst/>
+    <dgm:txFillClrLst meth="repeat">
+      <a:schemeClr val="lt1"/>
+    </dgm:txFillClrLst>
+    <dgm:txEffectClrLst/>
+  </dgm:styleLbl>
+  <dgm:styleLbl name="bgImgPlace1">
+    <dgm:fillClrLst>
+      <a:schemeClr val="accent1">
+        <a:tint val="50000"/>
+      </a:schemeClr>
+      <a:schemeClr val="accent2">
+        <a:tint val="20000"/>
+      </a:schemeClr>
+    </dgm:fillClrLst>
+    <dgm:linClrLst meth="repeat">
+      <a:schemeClr val="lt1"/>
+    </dgm:linClrLst>
+    <dgm:effectClrLst/>
+    <dgm:txLinClrLst/>
+    <dgm:txFillClrLst meth="repeat">
+      <a:schemeClr val="lt1"/>
+    </dgm:txFillClrLst>
+    <dgm:txEffectClrLst/>
+  </dgm:styleLbl>
+  <dgm:styleLbl name="sibTrans2D1">
+    <dgm:fillClrLst meth="repeat">
+      <a:schemeClr val="accent2"/>
+      <a:schemeClr val="accent3"/>
+      <a:schemeClr val="accent4"/>
+      <a:schemeClr val="accent5"/>
+      <a:schemeClr val="accent6"/>
+    </dgm:fillClrLst>
+    <dgm:linClrLst meth="cycle">
+      <a:schemeClr val="lt1"/>
+    </dgm:linClrLst>
+    <dgm:effectClrLst/>
+    <dgm:txLinClrLst/>
+    <dgm:txFillClrLst/>
+    <dgm:txEffectClrLst/>
+  </dgm:styleLbl>
+  <dgm:styleLbl name="fgSibTrans2D1">
+    <dgm:fillClrLst meth="repeat">
+      <a:schemeClr val="accent2"/>
+      <a:schemeClr val="accent3"/>
+      <a:schemeClr val="accent4"/>
+      <a:schemeClr val="accent5"/>
+      <a:schemeClr val="accent6"/>
+    </dgm:fillClrLst>
+    <dgm:linClrLst meth="cycle">
+      <a:schemeClr val="lt1"/>
+    </dgm:linClrLst>
+    <dgm:effectClrLst/>
+    <dgm:txLinClrLst/>
+    <dgm:txFillClrLst meth="repeat">
+      <a:schemeClr val="lt1"/>
+    </dgm:txFillClrLst>
+    <dgm:txEffectClrLst/>
+  </dgm:styleLbl>
+  <dgm:styleLbl name="bgSibTrans2D1">
+    <dgm:fillClrLst meth="repeat">
+      <a:schemeClr val="accent2"/>
+      <a:schemeClr val="accent3"/>
+      <a:schemeClr val="accent4"/>
+      <a:schemeClr val="accent5"/>
+      <a:schemeClr val="accent6"/>
+    </dgm:fillClrLst>
+    <dgm:linClrLst meth="cycle">
+      <a:schemeClr val="lt1"/>
+    </dgm:linClrLst>
+    <dgm:effectClrLst/>
+    <dgm:txLinClrLst/>
+    <dgm:txFillClrLst meth="repeat">
+      <a:schemeClr val="lt1"/>
+    </dgm:txFillClrLst>
+    <dgm:txEffectClrLst/>
+  </dgm:styleLbl>
+  <dgm:styleLbl name="sibTrans1D1">
+    <dgm:fillClrLst meth="repeat">
+      <a:schemeClr val="accent2"/>
+      <a:schemeClr val="accent3"/>
+      <a:schemeClr val="accent4"/>
+      <a:schemeClr val="accent5"/>
+      <a:schemeClr val="accent6"/>
+    </dgm:fillClrLst>
+    <dgm:linClrLst meth="repeat">
+      <a:schemeClr val="accent2"/>
+      <a:schemeClr val="accent3"/>
+      <a:schemeClr val="accent4"/>
+      <a:schemeClr val="accent5"/>
+      <a:schemeClr val="accent6"/>
+    </dgm:linClrLst>
+    <dgm:effectClrLst/>
+    <dgm:txLinClrLst/>
+    <dgm:txFillClrLst meth="repeat">
+      <a:schemeClr val="tx1"/>
+    </dgm:txFillClrLst>
+    <dgm:txEffectClrLst/>
+  </dgm:styleLbl>
+  <dgm:styleLbl name="callout">
+    <dgm:fillClrLst meth="repeat">
+      <a:schemeClr val="accent2"/>
+    </dgm:fillClrLst>
+    <dgm:linClrLst meth="repeat">
+      <a:schemeClr val="accent2">
+        <a:tint val="50000"/>
+      </a:schemeClr>
+    </dgm:linClrLst>
+    <dgm:effectClrLst/>
+    <dgm:txLinClrLst/>
+    <dgm:txFillClrLst meth="repeat">
+      <a:schemeClr val="tx1"/>
+    </dgm:txFillClrLst>
+    <dgm:txEffectClrLst/>
+  </dgm:styleLbl>
+  <dgm:styleLbl name="asst0">
+    <dgm:fillClrLst meth="repeat">
+      <a:schemeClr val="accent1"/>
+    </dgm:fillClrLst>
+    <dgm:linClrLst meth="repeat">
+      <a:schemeClr val="lt1"/>
+    </dgm:linClrLst>
+    <dgm:effectClrLst/>
+    <dgm:txLinClrLst/>
+    <dgm:txFillClrLst/>
+    <dgm:txEffectClrLst/>
+  </dgm:styleLbl>
+  <dgm:styleLbl name="asst1">
+    <dgm:fillClrLst meth="repeat">
+      <a:schemeClr val="accent2"/>
+    </dgm:fillClrLst>
+    <dgm:linClrLst meth="repeat">
+      <a:schemeClr val="lt1"/>
+    </dgm:linClrLst>
+    <dgm:effectClrLst/>
+    <dgm:txLinClrLst/>
+    <dgm:txFillClrLst/>
+    <dgm:txEffectClrLst/>
+  </dgm:styleLbl>
+  <dgm:styleLbl name="asst2">
+    <dgm:fillClrLst>
+      <a:schemeClr val="accent3"/>
+    </dgm:fillClrLst>
+    <dgm:linClrLst meth="repeat">
+      <a:schemeClr val="lt1"/>
+    </dgm:linClrLst>
+    <dgm:effectClrLst/>
+    <dgm:txLinClrLst/>
+    <dgm:txFillClrLst/>
+    <dgm:txEffectClrLst/>
+  </dgm:styleLbl>
+  <dgm:styleLbl name="asst3">
+    <dgm:fillClrLst>
+      <a:schemeClr val="accent4"/>
+    </dgm:fillClrLst>
+    <dgm:linClrLst meth="repeat">
+      <a:schemeClr val="lt1"/>
+    </dgm:linClrLst>
+    <dgm:effectClrLst/>
+    <dgm:txLinClrLst/>
+    <dgm:txFillClrLst/>
+    <dgm:txEffectClrLst/>
+  </dgm:styleLbl>
+  <dgm:styleLbl name="asst4">
+    <dgm:fillClrLst>
+      <a:schemeClr val="accent5"/>
+    </dgm:fillClrLst>
+    <dgm:linClrLst meth="repeat">
+      <a:schemeClr val="lt1"/>
+    </dgm:linClrLst>
+    <dgm:effectClrLst/>
+    <dgm:txLinClrLst/>
+    <dgm:txFillClrLst/>
+    <dgm:txEffectClrLst/>
+  </dgm:styleLbl>
+  <dgm:styleLbl name="parChTrans2D1">
+    <dgm:fillClrLst meth="repeat">
+      <a:schemeClr val="accent2"/>
+    </dgm:fillClrLst>
+    <dgm:linClrLst meth="repeat">
+      <a:schemeClr val="lt1"/>
+    </dgm:linClrLst>
+    <dgm:effectClrLst/>
+    <dgm:txLinClrLst/>
+    <dgm:txFillClrLst meth="repeat">
+      <a:schemeClr val="lt1"/>
+    </dgm:txFillClrLst>
+    <dgm:txEffectClrLst/>
+  </dgm:styleLbl>
+  <dgm:styleLbl name="parChTrans2D2">
+    <dgm:fillClrLst meth="repeat">
+      <a:schemeClr val="accent3"/>
+    </dgm:fillClrLst>
+    <dgm:linClrLst meth="repeat">
+      <a:schemeClr val="lt1"/>
+    </dgm:linClrLst>
+    <dgm:effectClrLst/>
+    <dgm:txLinClrLst/>
+    <dgm:txFillClrLst/>
+    <dgm:txEffectClrLst/>
+  </dgm:styleLbl>
+  <dgm:styleLbl name="parChTrans2D3">
+    <dgm:fillClrLst meth="repeat">
+      <a:schemeClr val="accent4"/>
+    </dgm:fillClrLst>
+    <dgm:linClrLst meth="repeat">
+      <a:schemeClr val="lt1"/>
+    </dgm:linClrLst>
+    <dgm:effectClrLst/>
+    <dgm:txLinClrLst/>
+    <dgm:txFillClrLst/>
+    <dgm:txEffectClrLst/>
+  </dgm:styleLbl>
+  <dgm:styleLbl name="parChTrans2D4">
+    <dgm:fillClrLst meth="repeat">
+      <a:schemeClr val="accent5"/>
+    </dgm:fillClrLst>
+    <dgm:linClrLst meth="repeat">
+      <a:schemeClr val="lt1"/>
+    </dgm:linClrLst>
+    <dgm:effectClrLst/>
+    <dgm:txLinClrLst/>
+    <dgm:txFillClrLst meth="repeat">
+      <a:schemeClr val="lt1"/>
+    </dgm:txFillClrLst>
+    <dgm:txEffectClrLst/>
+  </dgm:styleLbl>
+  <dgm:styleLbl name="parChTrans1D1">
+    <dgm:fillClrLst meth="repeat">
+      <a:schemeClr val="accent2"/>
+    </dgm:fillClrLst>
+    <dgm:linClrLst meth="repeat">
+      <a:schemeClr val="accent1"/>
+    </dgm:linClrLst>
+    <dgm:effectClrLst/>
+    <dgm:txLinClrLst/>
+    <dgm:txFillClrLst meth="repeat">
+      <a:schemeClr val="tx1"/>
+    </dgm:txFillClrLst>
+    <dgm:txEffectClrLst/>
+  </dgm:styleLbl>
+  <dgm:styleLbl name="parChTrans1D2">
+    <dgm:fillClrLst meth="repeat">
+      <a:schemeClr val="accent3">
+        <a:tint val="90000"/>
+      </a:schemeClr>
+    </dgm:fillClrLst>
+    <dgm:linClrLst meth="repeat">
+      <a:schemeClr val="accent2"/>
+    </dgm:linClrLst>
+    <dgm:effectClrLst/>
+    <dgm:txLinClrLst/>
+    <dgm:txFillClrLst meth="repeat">
+      <a:schemeClr val="tx1"/>
+    </dgm:txFillClrLst>
+    <dgm:txEffectClrLst/>
+  </dgm:styleLbl>
+  <dgm:styleLbl name="parChTrans1D3">
+    <dgm:fillClrLst meth="repeat">
+      <a:schemeClr val="accent4">
+        <a:tint val="70000"/>
+      </a:schemeClr>
+    </dgm:fillClrLst>
+    <dgm:linClrLst meth="repeat">
+      <a:schemeClr val="accent3"/>
+    </dgm:linClrLst>
+    <dgm:effectClrLst/>
+    <dgm:txLinClrLst/>
+    <dgm:txFillClrLst meth="repeat">
+      <a:schemeClr val="tx1"/>
+    </dgm:txFillClrLst>
+    <dgm:txEffectClrLst/>
+  </dgm:styleLbl>
+  <dgm:styleLbl name="parChTrans1D4">
+    <dgm:fillClrLst meth="repeat">
+      <a:schemeClr val="accent5">
+        <a:tint val="50000"/>
+      </a:schemeClr>
+    </dgm:fillClrLst>
+    <dgm:linClrLst meth="repeat">
+      <a:schemeClr val="accent4"/>
+    </dgm:linClrLst>
+    <dgm:effectClrLst/>
+    <dgm:txLinClrLst/>
+    <dgm:txFillClrLst meth="repeat">
+      <a:schemeClr val="tx1"/>
+    </dgm:txFillClrLst>
+    <dgm:txEffectClrLst/>
+  </dgm:styleLbl>
+  <dgm:styleLbl name="fgAcc1">
+    <dgm:fillClrLst meth="repeat">
+      <a:schemeClr val="lt1">
+        <a:alpha val="90000"/>
+      </a:schemeClr>
+    </dgm:fillClrLst>
+    <dgm:linClrLst meth="repeat">
+      <a:schemeClr val="accent2"/>
+      <a:schemeClr val="accent3"/>
+      <a:schemeClr val="accent4"/>
+      <a:schemeClr val="accent5"/>
+      <a:schemeClr val="accent6"/>
+    </dgm:linClrLst>
+    <dgm:effectClrLst/>
+    <dgm:txLinClrLst/>
+    <dgm:txFillClrLst meth="repeat">
+      <a:schemeClr val="dk1"/>
+    </dgm:txFillClrLst>
+    <dgm:txEffectClrLst/>
+  </dgm:styleLbl>
+  <dgm:styleLbl name="conFgAcc1">
+    <dgm:fillClrLst meth="repeat">
+      <a:schemeClr val="lt1">
+        <a:alpha val="90000"/>
+      </a:schemeClr>
+    </dgm:fillClrLst>
+    <dgm:linClrLst meth="repeat">
+      <a:schemeClr val="accent2"/>
+      <a:schemeClr val="accent3"/>
+      <a:schemeClr val="accent4"/>
+      <a:schemeClr val="accent5"/>
+      <a:schemeClr val="accent6"/>
+    </dgm:linClrLst>
+    <dgm:effectClrLst/>
+    <dgm:txLinClrLst/>
+    <dgm:txFillClrLst meth="repeat">
+      <a:schemeClr val="dk1"/>
+    </dgm:txFillClrLst>
+    <dgm:txEffectClrLst/>
+  </dgm:styleLbl>
+  <dgm:styleLbl name="alignAcc1">
+    <dgm:fillClrLst meth="repeat">
+      <a:schemeClr val="lt1">
+        <a:alpha val="90000"/>
+      </a:schemeClr>
+    </dgm:fillClrLst>
+    <dgm:linClrLst meth="repeat">
+      <a:schemeClr val="accent2"/>
+      <a:schemeClr val="accent3"/>
+      <a:schemeClr val="accent4"/>
+      <a:schemeClr val="accent5"/>
+      <a:schemeClr val="accent6"/>
+    </dgm:linClrLst>
+    <dgm:effectClrLst/>
+    <dgm:txLinClrLst/>
+    <dgm:txFillClrLst meth="repeat">
+      <a:schemeClr val="dk1"/>
+    </dgm:txFillClrLst>
+    <dgm:txEffectClrLst/>
+  </dgm:styleLbl>
+  <dgm:styleLbl name="trAlignAcc1">
+    <dgm:fillClrLst meth="repeat">
+      <a:schemeClr val="lt1">
+        <a:alpha val="40000"/>
+      </a:schemeClr>
+    </dgm:fillClrLst>
+    <dgm:linClrLst meth="repeat">
+      <a:schemeClr val="accent1"/>
+    </dgm:linClrLst>
+    <dgm:effectClrLst/>
+    <dgm:txLinClrLst/>
+    <dgm:txFillClrLst meth="repeat">
+      <a:schemeClr val="dk1"/>
+    </dgm:txFillClrLst>
+    <dgm:txEffectClrLst/>
+  </dgm:styleLbl>
+  <dgm:styleLbl name="bgAcc1">
+    <dgm:fillClrLst meth="repeat">
+      <a:schemeClr val="lt1">
+        <a:alpha val="90000"/>
+      </a:schemeClr>
+    </dgm:fillClrLst>
+    <dgm:linClrLst meth="repeat">
+      <a:schemeClr val="accent2"/>
+      <a:schemeClr val="accent3"/>
+      <a:schemeClr val="accent4"/>
+      <a:schemeClr val="accent5"/>
+      <a:schemeClr val="accent6"/>
+    </dgm:linClrLst>
+    <dgm:effectClrLst/>
+    <dgm:txLinClrLst/>
+    <dgm:txFillClrLst meth="repeat">
+      <a:schemeClr val="dk1"/>
+    </dgm:txFillClrLst>
+    <dgm:txEffectClrLst/>
+  </dgm:styleLbl>
+  <dgm:styleLbl name="solidFgAcc1">
+    <dgm:fillClrLst meth="repeat">
+      <a:schemeClr val="lt1"/>
+    </dgm:fillClrLst>
+    <dgm:linClrLst meth="repeat">
+      <a:schemeClr val="accent2"/>
+      <a:schemeClr val="accent3"/>
+      <a:schemeClr val="accent4"/>
+      <a:schemeClr val="accent5"/>
+      <a:schemeClr val="accent6"/>
+    </dgm:linClrLst>
+    <dgm:effectClrLst/>
+    <dgm:txLinClrLst/>
+    <dgm:txFillClrLst meth="repeat">
+      <a:schemeClr val="dk1"/>
+    </dgm:txFillClrLst>
+    <dgm:txEffectClrLst/>
+  </dgm:styleLbl>
+  <dgm:styleLbl name="solidAlignAcc1">
+    <dgm:fillClrLst meth="repeat">
+      <a:schemeClr val="lt1"/>
+    </dgm:fillClrLst>
+    <dgm:linClrLst meth="repeat">
+      <a:schemeClr val="accent2"/>
+      <a:schemeClr val="accent3"/>
+      <a:schemeClr val="accent4"/>
+      <a:schemeClr val="accent5"/>
+      <a:schemeClr val="accent6"/>
+    </dgm:linClrLst>
+    <dgm:effectClrLst/>
+    <dgm:txLinClrLst/>
+    <dgm:txFillClrLst meth="repeat">
+      <a:schemeClr val="dk1"/>
+    </dgm:txFillClrLst>
+    <dgm:txEffectClrLst/>
+  </dgm:styleLbl>
+  <dgm:styleLbl name="solidBgAcc1">
+    <dgm:fillClrLst meth="repeat">
+      <a:schemeClr val="lt1"/>
+    </dgm:fillClrLst>
+    <dgm:linClrLst meth="repeat">
+      <a:schemeClr val="accent2"/>
+      <a:schemeClr val="accent3"/>
+      <a:schemeClr val="accent4"/>
+      <a:schemeClr val="accent5"/>
+      <a:schemeClr val="accent6"/>
+    </dgm:linClrLst>
+    <dgm:effectClrLst/>
+    <dgm:txLinClrLst/>
+    <dgm:txFillClrLst meth="repeat">
+      <a:schemeClr val="dk1"/>
+    </dgm:txFillClrLst>
+    <dgm:txEffectClrLst/>
+  </dgm:styleLbl>
+  <dgm:styleLbl name="fgAccFollowNode1">
+    <dgm:fillClrLst meth="repeat">
+      <a:schemeClr val="accent2">
+        <a:tint val="40000"/>
+        <a:alpha val="90000"/>
+      </a:schemeClr>
+      <a:schemeClr val="accent3">
+        <a:tint val="40000"/>
+        <a:alpha val="90000"/>
+      </a:schemeClr>
+      <a:schemeClr val="accent4">
+        <a:tint val="40000"/>
+        <a:alpha val="90000"/>
+      </a:schemeClr>
+      <a:schemeClr val="accent5">
+        <a:tint val="40000"/>
+        <a:alpha val="90000"/>
+      </a:schemeClr>
+      <a:schemeClr val="accent6">
+        <a:tint val="40000"/>
+        <a:alpha val="90000"/>
+      </a:schemeClr>
+    </dgm:fillClrLst>
+    <dgm:linClrLst meth="repeat">
+      <a:schemeClr val="accent2">
+        <a:tint val="40000"/>
+        <a:alpha val="90000"/>
+      </a:schemeClr>
+      <a:schemeClr val="accent3">
+        <a:tint val="40000"/>
+        <a:alpha val="90000"/>
+      </a:schemeClr>
+      <a:schemeClr val="accent4">
+        <a:tint val="40000"/>
+        <a:alpha val="90000"/>
+      </a:schemeClr>
+      <a:schemeClr val="accent5">
+        <a:tint val="40000"/>
+        <a:alpha val="90000"/>
+      </a:schemeClr>
+      <a:schemeClr val="accent6">
+        <a:tint val="40000"/>
+        <a:alpha val="90000"/>
+      </a:schemeClr>
+    </dgm:linClrLst>
+    <dgm:effectClrLst/>
+    <dgm:txLinClrLst/>
+    <dgm:txFillClrLst meth="repeat">
+      <a:schemeClr val="dk1"/>
+    </dgm:txFillClrLst>
+    <dgm:txEffectClrLst/>
+  </dgm:styleLbl>
+  <dgm:styleLbl name="alignAccFollowNode1">
+    <dgm:fillClrLst meth="repeat">
+      <a:schemeClr val="accent2">
+        <a:tint val="40000"/>
+        <a:alpha val="90000"/>
+      </a:schemeClr>
+      <a:schemeClr val="accent3">
+        <a:tint val="40000"/>
+        <a:alpha val="90000"/>
+      </a:schemeClr>
+      <a:schemeClr val="accent4">
+        <a:tint val="40000"/>
+        <a:alpha val="90000"/>
+      </a:schemeClr>
+      <a:schemeClr val="accent5">
+        <a:tint val="40000"/>
+        <a:alpha val="90000"/>
+      </a:schemeClr>
+      <a:schemeClr val="accent6">
+        <a:tint val="40000"/>
+        <a:alpha val="90000"/>
+      </a:schemeClr>
+    </dgm:fillClrLst>
+    <dgm:linClrLst meth="repeat">
+      <a:schemeClr val="accent2">
+        <a:tint val="40000"/>
+        <a:alpha val="90000"/>
+      </a:schemeClr>
+      <a:schemeClr val="accent3">
+        <a:tint val="40000"/>
+        <a:alpha val="90000"/>
+      </a:schemeClr>
+      <a:schemeClr val="accent4">
+        <a:tint val="40000"/>
+        <a:alpha val="90000"/>
+      </a:schemeClr>
+      <a:schemeClr val="accent5">
+        <a:tint val="40000"/>
+        <a:alpha val="90000"/>
+      </a:schemeClr>
+      <a:schemeClr val="accent6">
+        <a:tint val="40000"/>
+        <a:alpha val="90000"/>
+      </a:schemeClr>
+    </dgm:linClrLst>
+    <dgm:effectClrLst/>
+    <dgm:txLinClrLst/>
+    <dgm:txFillClrLst meth="repeat">
+      <a:schemeClr val="dk1"/>
+    </dgm:txFillClrLst>
+    <dgm:txEffectClrLst/>
+  </dgm:styleLbl>
+  <dgm:styleLbl name="bgAccFollowNode1">
+    <dgm:fillClrLst meth="repeat">
+      <a:schemeClr val="accent2">
+        <a:tint val="40000"/>
+        <a:alpha val="90000"/>
+      </a:schemeClr>
+      <a:schemeClr val="accent3">
+        <a:tint val="40000"/>
+        <a:alpha val="90000"/>
+      </a:schemeClr>
+      <a:schemeClr val="accent4">
+        <a:tint val="40000"/>
+        <a:alpha val="90000"/>
+      </a:schemeClr>
+      <a:schemeClr val="accent5">
+        <a:tint val="40000"/>
+        <a:alpha val="90000"/>
+      </a:schemeClr>
+      <a:schemeClr val="accent6">
+        <a:tint val="40000"/>
+        <a:alpha val="90000"/>
+      </a:schemeClr>
+    </dgm:fillClrLst>
+    <dgm:linClrLst meth="repeat">
+      <a:schemeClr val="accent2">
+        <a:tint val="40000"/>
+        <a:alpha val="90000"/>
+      </a:schemeClr>
+      <a:schemeClr val="accent3">
+        <a:tint val="40000"/>
+        <a:alpha val="90000"/>
+      </a:schemeClr>
+      <a:schemeClr val="accent4">
+        <a:tint val="40000"/>
+        <a:alpha val="90000"/>
+      </a:schemeClr>
+      <a:schemeClr val="accent5">
+        <a:tint val="40000"/>
+        <a:alpha val="90000"/>
+      </a:schemeClr>
+      <a:schemeClr val="accent6">
+        <a:tint val="40000"/>
+        <a:alpha val="90000"/>
+      </a:schemeClr>
+    </dgm:linClrLst>
+    <dgm:effectClrLst/>
+    <dgm:txLinClrLst/>
+    <dgm:txFillClrLst meth="repeat">
+      <a:schemeClr val="dk1"/>
+    </dgm:txFillClrLst>
+    <dgm:txEffectClrLst/>
+  </dgm:styleLbl>
+  <dgm:styleLbl name="fgAcc0">
+    <dgm:fillClrLst meth="repeat">
+      <a:schemeClr val="lt1">
+        <a:alpha val="90000"/>
+      </a:schemeClr>
+    </dgm:fillClrLst>
+    <dgm:linClrLst>
+      <a:schemeClr val="accent1"/>
+    </dgm:linClrLst>
+    <dgm:effectClrLst/>
+    <dgm:txLinClrLst/>
+    <dgm:txFillClrLst meth="repeat">
+      <a:schemeClr val="dk1"/>
+    </dgm:txFillClrLst>
+    <dgm:txEffectClrLst/>
+  </dgm:styleLbl>
+  <dgm:styleLbl name="fgAcc2">
+    <dgm:fillClrLst meth="repeat">
+      <a:schemeClr val="lt1">
+        <a:alpha val="90000"/>
+      </a:schemeClr>
+    </dgm:fillClrLst>
+    <dgm:linClrLst>
+      <a:schemeClr val="accent2"/>
+    </dgm:linClrLst>
+    <dgm:effectClrLst/>
+    <dgm:txLinClrLst/>
+    <dgm:txFillClrLst meth="repeat">
+      <a:schemeClr val="dk1"/>
+    </dgm:txFillClrLst>
+    <dgm:txEffectClrLst/>
+  </dgm:styleLbl>
+  <dgm:styleLbl name="fgAcc3">
+    <dgm:fillClrLst meth="repeat">
+      <a:schemeClr val="lt1">
+        <a:alpha val="90000"/>
+      </a:schemeClr>
+    </dgm:fillClrLst>
+    <dgm:linClrLst>
+      <a:schemeClr val="accent3"/>
+    </dgm:linClrLst>
+    <dgm:effectClrLst/>
+    <dgm:txLinClrLst/>
+    <dgm:txFillClrLst meth="repeat">
+      <a:schemeClr val="dk1"/>
+    </dgm:txFillClrLst>
+    <dgm:txEffectClrLst/>
+  </dgm:styleLbl>
+  <dgm:styleLbl name="fgAcc4">
+    <dgm:fillClrLst meth="repeat">
+      <a:schemeClr val="lt1">
+        <a:alpha val="90000"/>
+      </a:schemeClr>
+    </dgm:fillClrLst>
+    <dgm:linClrLst>
+      <a:schemeClr val="accent4"/>
+    </dgm:linClrLst>
+    <dgm:effectClrLst/>
+    <dgm:txLinClrLst/>
+    <dgm:txFillClrLst meth="repeat">
+      <a:schemeClr val="dk1"/>
+    </dgm:txFillClrLst>
+    <dgm:txEffectClrLst/>
+  </dgm:styleLbl>
+  <dgm:styleLbl name="bgShp">
+    <dgm:fillClrLst meth="repeat">
+      <a:schemeClr val="accent2">
+        <a:tint val="40000"/>
+      </a:schemeClr>
+    </dgm:fillClrLst>
+    <dgm:linClrLst meth="repeat">
+      <a:schemeClr val="dk1"/>
+    </dgm:linClrLst>
+    <dgm:effectClrLst/>
+    <dgm:txLinClrLst/>
+    <dgm:txFillClrLst meth="repeat">
+      <a:schemeClr val="dk1"/>
+    </dgm:txFillClrLst>
+    <dgm:txEffectClrLst/>
+  </dgm:styleLbl>
+  <dgm:styleLbl name="dkBgShp">
+    <dgm:fillClrLst meth="repeat">
+      <a:schemeClr val="accent2">
+        <a:shade val="90000"/>
+      </a:schemeClr>
+    </dgm:fillClrLst>
+    <dgm:linClrLst meth="repeat">
+      <a:schemeClr val="dk1"/>
+    </dgm:linClrLst>
+    <dgm:effectClrLst/>
+    <dgm:txLinClrLst/>
+    <dgm:txFillClrLst meth="repeat">
+      <a:schemeClr val="lt1"/>
+    </dgm:txFillClrLst>
+    <dgm:txEffectClrLst/>
+  </dgm:styleLbl>
+  <dgm:styleLbl name="trBgShp">
+    <dgm:fillClrLst meth="repeat">
+      <a:schemeClr val="accent1">
+        <a:tint val="50000"/>
+        <a:alpha val="40000"/>
+      </a:schemeClr>
+    </dgm:fillClrLst>
+    <dgm:linClrLst meth="repeat">
+      <a:schemeClr val="accent2"/>
+    </dgm:linClrLst>
+    <dgm:effectClrLst/>
+    <dgm:txLinClrLst/>
+    <dgm:txFillClrLst meth="repeat">
+      <a:schemeClr val="lt1"/>
+    </dgm:txFillClrLst>
+    <dgm:txEffectClrLst/>
+  </dgm:styleLbl>
+  <dgm:styleLbl name="fgShp">
+    <dgm:fillClrLst meth="repeat">
+      <a:schemeClr val="accent2">
+        <a:tint val="40000"/>
+      </a:schemeClr>
+    </dgm:fillClrLst>
+    <dgm:linClrLst meth="repeat">
+      <a:schemeClr val="lt1"/>
+    </dgm:linClrLst>
+    <dgm:effectClrLst/>
+    <dgm:txLinClrLst/>
+    <dgm:txFillClrLst meth="repeat">
+      <a:schemeClr val="dk1"/>
+    </dgm:txFillClrLst>
+    <dgm:txEffectClrLst/>
+  </dgm:styleLbl>
+  <dgm:styleLbl name="revTx">
+    <dgm:fillClrLst meth="repeat">
+      <a:schemeClr val="lt1">
+        <a:alpha val="0"/>
+      </a:schemeClr>
+    </dgm:fillClrLst>
+    <dgm:linClrLst meth="repeat">
+      <a:schemeClr val="dk1">
+        <a:alpha val="0"/>
+      </a:schemeClr>
+    </dgm:linClrLst>
+    <dgm:effectClrLst/>
+    <dgm:txLinClrLst/>
+    <dgm:txFillClrLst meth="repeat">
+      <a:schemeClr val="tx1"/>
+    </dgm:txFillClrLst>
+    <dgm:txEffectClrLst/>
+  </dgm:styleLbl>
+</dgm:colorsDef>
+</file>
+
+<file path=ppt/diagrams/data1.xml><?xml version="1.0" encoding="utf-8"?>
+<dgm:dataModel xmlns:dgm="http://schemas.openxmlformats.org/drawingml/2006/diagram" xmlns:a="http://schemas.openxmlformats.org/drawingml/2006/main">
+  <dgm:ptLst>
+    <dgm:pt modelId="{1B26DB1C-E873-4588-B2C6-508D29D9AD33}" type="doc">
+      <dgm:prSet loTypeId="urn:microsoft.com/office/officeart/2005/8/layout/default" loCatId="list" qsTypeId="urn:microsoft.com/office/officeart/2005/8/quickstyle/simple1" qsCatId="simple" csTypeId="urn:microsoft.com/office/officeart/2005/8/colors/colorful1" csCatId="colorful"/>
+      <dgm:spPr/>
+      <dgm:t>
+        <a:bodyPr/>
+        <a:lstStyle/>
+        <a:p>
+          <a:endParaRPr lang="en-US"/>
+        </a:p>
+      </dgm:t>
+    </dgm:pt>
+    <dgm:pt modelId="{5DE5CC2F-CB88-4E48-8A53-F1EA2DF8C3A2}">
+      <dgm:prSet/>
+      <dgm:spPr/>
+      <dgm:t>
+        <a:bodyPr/>
+        <a:lstStyle/>
+        <a:p>
+          <a:r>
+            <a:rPr lang="en-US"/>
+            <a:t>Inaccurate Timestamping - Advice: prefer Stopwatch over DateTime</a:t>
+          </a:r>
+        </a:p>
+      </dgm:t>
+    </dgm:pt>
+    <dgm:pt modelId="{CFCE0118-E5DB-4EC7-A536-9169A60EF5F1}" type="parTrans" cxnId="{A4F383DB-AE26-42BC-95DD-A93C90A1904A}">
+      <dgm:prSet/>
+      <dgm:spPr/>
+      <dgm:t>
+        <a:bodyPr/>
+        <a:lstStyle/>
+        <a:p>
+          <a:endParaRPr lang="en-US"/>
+        </a:p>
+      </dgm:t>
+    </dgm:pt>
+    <dgm:pt modelId="{CCF09624-43FE-48DC-9FE7-F018AA60D351}" type="sibTrans" cxnId="{A4F383DB-AE26-42BC-95DD-A93C90A1904A}">
+      <dgm:prSet/>
+      <dgm:spPr/>
+      <dgm:t>
+        <a:bodyPr/>
+        <a:lstStyle/>
+        <a:p>
+          <a:endParaRPr lang="en-US"/>
+        </a:p>
+      </dgm:t>
+    </dgm:pt>
+    <dgm:pt modelId="{0C3505C6-1A79-4ACF-A5B1-2BBE134C8A1C}">
+      <dgm:prSet/>
+      <dgm:spPr/>
+      <dgm:t>
+        <a:bodyPr/>
+        <a:lstStyle/>
+        <a:p>
+          <a:r>
+            <a:rPr lang="en-US"/>
+            <a:t>Use Release - Advice: use Release and don't use empty loops to benchmark</a:t>
+          </a:r>
+        </a:p>
+      </dgm:t>
+    </dgm:pt>
+    <dgm:pt modelId="{9368A3E5-18B1-47B5-9565-4D2C8F874CD4}" type="parTrans" cxnId="{B7C9680D-F2A1-4A00-801C-40215D956091}">
+      <dgm:prSet/>
+      <dgm:spPr/>
+      <dgm:t>
+        <a:bodyPr/>
+        <a:lstStyle/>
+        <a:p>
+          <a:endParaRPr lang="en-US"/>
+        </a:p>
+      </dgm:t>
+    </dgm:pt>
+    <dgm:pt modelId="{969B95ED-6A71-4B02-98D0-5F9C061F0B28}" type="sibTrans" cxnId="{B7C9680D-F2A1-4A00-801C-40215D956091}">
+      <dgm:prSet/>
+      <dgm:spPr/>
+      <dgm:t>
+        <a:bodyPr/>
+        <a:lstStyle/>
+        <a:p>
+          <a:endParaRPr lang="en-US"/>
+        </a:p>
+      </dgm:t>
+    </dgm:pt>
+    <dgm:pt modelId="{3B50B6F7-2055-4637-895A-7072B6F73A25}">
+      <dgm:prSet/>
+      <dgm:spPr/>
+      <dgm:t>
+        <a:bodyPr/>
+        <a:lstStyle/>
+        <a:p>
+          <a:r>
+            <a:rPr lang="en-US"/>
+            <a:t>Natural Noise - Each benchmark iteration has random errors because of the natural noise.</a:t>
+          </a:r>
+        </a:p>
+      </dgm:t>
+    </dgm:pt>
+    <dgm:pt modelId="{46D2D8B1-8A01-4DAA-B0EE-CEEE5730A94B}" type="parTrans" cxnId="{E1690FEB-0EC5-4872-9385-AC074E8E4768}">
+      <dgm:prSet/>
+      <dgm:spPr/>
+      <dgm:t>
+        <a:bodyPr/>
+        <a:lstStyle/>
+        <a:p>
+          <a:endParaRPr lang="en-US"/>
+        </a:p>
+      </dgm:t>
+    </dgm:pt>
+    <dgm:pt modelId="{7781D314-F6A5-4A0C-A5CE-93B1C41BE311}" type="sibTrans" cxnId="{E1690FEB-0EC5-4872-9385-AC074E8E4768}">
+      <dgm:prSet/>
+      <dgm:spPr/>
+      <dgm:t>
+        <a:bodyPr/>
+        <a:lstStyle/>
+        <a:p>
+          <a:endParaRPr lang="en-US"/>
+        </a:p>
+      </dgm:t>
+    </dgm:pt>
+    <dgm:pt modelId="{F03B43A1-0DA3-494D-AAB7-07ABACF6EFCF}">
+      <dgm:prSet/>
+      <dgm:spPr/>
+      <dgm:t>
+        <a:bodyPr/>
+        <a:lstStyle/>
+        <a:p>
+          <a:r>
+            <a:rPr lang="en-US"/>
+            <a:t>Calculate Average - Advice: We can't prevent natural noise</a:t>
+          </a:r>
+        </a:p>
+      </dgm:t>
+    </dgm:pt>
+    <dgm:pt modelId="{C32B3DF8-A528-4F5B-8835-14C32391A0A1}" type="parTrans" cxnId="{2BF78DF5-8C50-4165-AD33-C67D41A0F408}">
+      <dgm:prSet/>
+      <dgm:spPr/>
+      <dgm:t>
+        <a:bodyPr/>
+        <a:lstStyle/>
+        <a:p>
+          <a:endParaRPr lang="en-US"/>
+        </a:p>
+      </dgm:t>
+    </dgm:pt>
+    <dgm:pt modelId="{5EDE8F73-A51C-4825-BEA1-A98202362240}" type="sibTrans" cxnId="{2BF78DF5-8C50-4165-AD33-C67D41A0F408}">
+      <dgm:prSet/>
+      <dgm:spPr/>
+      <dgm:t>
+        <a:bodyPr/>
+        <a:lstStyle/>
+        <a:p>
+          <a:endParaRPr lang="en-US"/>
+        </a:p>
+      </dgm:t>
+    </dgm:pt>
+    <dgm:pt modelId="{0CDB5FA2-14BD-428D-8091-E60B9A1D857A}">
+      <dgm:prSet/>
+      <dgm:spPr/>
+      <dgm:t>
+        <a:bodyPr/>
+        <a:lstStyle/>
+        <a:p>
+          <a:r>
+            <a:rPr lang="en-US"/>
+            <a:t>Tricky Distributions - Advice: always look at your distribution</a:t>
+          </a:r>
+        </a:p>
+      </dgm:t>
+    </dgm:pt>
+    <dgm:pt modelId="{3945924F-B24D-48DF-9340-F957C7B043E5}" type="parTrans" cxnId="{44DD35F5-A675-4380-ABA3-0DD2D0DBE1C2}">
+      <dgm:prSet/>
+      <dgm:spPr/>
+      <dgm:t>
+        <a:bodyPr/>
+        <a:lstStyle/>
+        <a:p>
+          <a:endParaRPr lang="en-US"/>
+        </a:p>
+      </dgm:t>
+    </dgm:pt>
+    <dgm:pt modelId="{D6025E1E-9BF7-4D12-B826-1E6F69499FD3}" type="sibTrans" cxnId="{44DD35F5-A675-4380-ABA3-0DD2D0DBE1C2}">
+      <dgm:prSet/>
+      <dgm:spPr/>
+      <dgm:t>
+        <a:bodyPr/>
+        <a:lstStyle/>
+        <a:p>
+          <a:endParaRPr lang="en-US"/>
+        </a:p>
+      </dgm:t>
+    </dgm:pt>
+    <dgm:pt modelId="{E203A770-546C-4CCA-9AD5-7BAC75772043}">
+      <dgm:prSet/>
+      <dgm:spPr/>
+      <dgm:t>
+        <a:bodyPr/>
+        <a:lstStyle/>
+        <a:p>
+          <a:r>
+            <a:rPr lang="en-US"/>
+            <a:t>Measuring Cold Start Instead of Warmed Steady State - Advice: use different approaches for cold and warm states</a:t>
+          </a:r>
+        </a:p>
+      </dgm:t>
+    </dgm:pt>
+    <dgm:pt modelId="{B6705321-13BB-4CE8-B0B9-B8E3E2CBF158}" type="parTrans" cxnId="{F7DCF321-2F65-4B7F-A82B-70E51727BF06}">
+      <dgm:prSet/>
+      <dgm:spPr/>
+      <dgm:t>
+        <a:bodyPr/>
+        <a:lstStyle/>
+        <a:p>
+          <a:endParaRPr lang="en-US"/>
+        </a:p>
+      </dgm:t>
+    </dgm:pt>
+    <dgm:pt modelId="{F5400C62-CEC1-40A0-A366-DABB178FB709}" type="sibTrans" cxnId="{F7DCF321-2F65-4B7F-A82B-70E51727BF06}">
+      <dgm:prSet/>
+      <dgm:spPr/>
+      <dgm:t>
+        <a:bodyPr/>
+        <a:lstStyle/>
+        <a:p>
+          <a:endParaRPr lang="en-US"/>
+        </a:p>
+      </dgm:t>
+    </dgm:pt>
+    <dgm:pt modelId="{5F4FD958-9357-4FF4-B9F3-3A0ED4814761}">
+      <dgm:prSet/>
+      <dgm:spPr/>
+      <dgm:t>
+        <a:bodyPr/>
+        <a:lstStyle/>
+        <a:p>
+          <a:r>
+            <a:rPr lang="en-US"/>
+            <a:t>Insufficient Number of Invocations - Advice: do many invocations</a:t>
+          </a:r>
+        </a:p>
+      </dgm:t>
+    </dgm:pt>
+    <dgm:pt modelId="{51ADA517-9ECB-4D31-AFA1-CD1AD16A2B40}" type="parTrans" cxnId="{1A1C5C1B-E9BB-452F-A811-07CDD53339C0}">
+      <dgm:prSet/>
+      <dgm:spPr/>
+      <dgm:t>
+        <a:bodyPr/>
+        <a:lstStyle/>
+        <a:p>
+          <a:endParaRPr lang="en-US"/>
+        </a:p>
+      </dgm:t>
+    </dgm:pt>
+    <dgm:pt modelId="{2A513240-A084-4CE7-B1A5-61DFDB32A3AA}" type="sibTrans" cxnId="{1A1C5C1B-E9BB-452F-A811-07CDD53339C0}">
+      <dgm:prSet/>
+      <dgm:spPr/>
+      <dgm:t>
+        <a:bodyPr/>
+        <a:lstStyle/>
+        <a:p>
+          <a:endParaRPr lang="en-US"/>
+        </a:p>
+      </dgm:t>
+    </dgm:pt>
+    <dgm:pt modelId="{7531AD4B-824C-4846-9254-5ABCE9EA3159}">
+      <dgm:prSet/>
+      <dgm:spPr/>
+      <dgm:t>
+        <a:bodyPr/>
+        <a:lstStyle/>
+        <a:p>
+          <a:r>
+            <a:rPr lang="en-US"/>
+            <a:t>Benchmark infrastructure overhead - Advice: always calculate your infrastructure overhead</a:t>
+          </a:r>
+        </a:p>
+      </dgm:t>
+    </dgm:pt>
+    <dgm:pt modelId="{A82C9619-E1FE-46FB-A407-1CF3DC99F5FF}" type="parTrans" cxnId="{841302EB-074A-4456-8A07-DEA569F5593A}">
+      <dgm:prSet/>
+      <dgm:spPr/>
+      <dgm:t>
+        <a:bodyPr/>
+        <a:lstStyle/>
+        <a:p>
+          <a:endParaRPr lang="en-US"/>
+        </a:p>
+      </dgm:t>
+    </dgm:pt>
+    <dgm:pt modelId="{734CED83-9A99-4A51-8500-8B335993B0BF}" type="sibTrans" cxnId="{841302EB-074A-4456-8A07-DEA569F5593A}">
+      <dgm:prSet/>
+      <dgm:spPr/>
+      <dgm:t>
+        <a:bodyPr/>
+        <a:lstStyle/>
+        <a:p>
+          <a:endParaRPr lang="en-US"/>
+        </a:p>
+      </dgm:t>
+    </dgm:pt>
+    <dgm:pt modelId="{497267E3-9C1B-451F-B04D-FDCF1A013A5A}">
+      <dgm:prSet/>
+      <dgm:spPr/>
+      <dgm:t>
+        <a:bodyPr/>
+        <a:lstStyle/>
+        <a:p>
+          <a:r>
+            <a:rPr lang="en-US"/>
+            <a:t>.NET-Specific Pitfalls</a:t>
+          </a:r>
+        </a:p>
+      </dgm:t>
+    </dgm:pt>
+    <dgm:pt modelId="{7977E4D4-7107-438B-B18E-BB47E02CF44A}" type="parTrans" cxnId="{1D63B65E-4603-49D1-B85C-A28673B421C1}">
+      <dgm:prSet/>
+      <dgm:spPr/>
+      <dgm:t>
+        <a:bodyPr/>
+        <a:lstStyle/>
+        <a:p>
+          <a:endParaRPr lang="en-US"/>
+        </a:p>
+      </dgm:t>
+    </dgm:pt>
+    <dgm:pt modelId="{5073A331-88F4-4A95-B063-A66093F2DE48}" type="sibTrans" cxnId="{1D63B65E-4603-49D1-B85C-A28673B421C1}">
+      <dgm:prSet/>
+      <dgm:spPr/>
+      <dgm:t>
+        <a:bodyPr/>
+        <a:lstStyle/>
+        <a:p>
+          <a:endParaRPr lang="en-US"/>
+        </a:p>
+      </dgm:t>
+    </dgm:pt>
+    <dgm:pt modelId="{C3F52FDC-0E8E-44B9-B6B5-83757293433E}">
+      <dgm:prSet/>
+      <dgm:spPr/>
+      <dgm:t>
+        <a:bodyPr/>
+        <a:lstStyle/>
+        <a:p>
+          <a:r>
+            <a:rPr lang="en-US"/>
+            <a:t>Loop Unrolling - Advice: use variables instead of constants in loops</a:t>
+          </a:r>
+        </a:p>
+      </dgm:t>
+    </dgm:pt>
+    <dgm:pt modelId="{05C8FF70-4872-4E0C-A4C5-521F5D6580F7}" type="parTrans" cxnId="{B71B2072-7DB3-4CD1-A61B-7B94240875D1}">
+      <dgm:prSet/>
+      <dgm:spPr/>
+      <dgm:t>
+        <a:bodyPr/>
+        <a:lstStyle/>
+        <a:p>
+          <a:endParaRPr lang="en-US"/>
+        </a:p>
+      </dgm:t>
+    </dgm:pt>
+    <dgm:pt modelId="{6CFB9A32-207D-434C-9637-5D533DD2F932}" type="sibTrans" cxnId="{B71B2072-7DB3-4CD1-A61B-7B94240875D1}">
+      <dgm:prSet/>
+      <dgm:spPr/>
+      <dgm:t>
+        <a:bodyPr/>
+        <a:lstStyle/>
+        <a:p>
+          <a:endParaRPr lang="en-US"/>
+        </a:p>
+      </dgm:t>
+    </dgm:pt>
+    <dgm:pt modelId="{9D56E41C-45CE-4FAA-B39C-76EAFC94870D}">
+      <dgm:prSet/>
+      <dgm:spPr/>
+      <dgm:t>
+        <a:bodyPr/>
+        <a:lstStyle/>
+        <a:p>
+          <a:r>
+            <a:rPr lang="en-US"/>
+            <a:t>Dead Code Elimination - Advice: always use results of your calculations</a:t>
+          </a:r>
+        </a:p>
+      </dgm:t>
+    </dgm:pt>
+    <dgm:pt modelId="{B6DCEA08-A36A-423F-BD4E-444B5767456D}" type="parTrans" cxnId="{EA65A394-EF1F-46C3-A6DC-C45832982D48}">
+      <dgm:prSet/>
+      <dgm:spPr/>
+      <dgm:t>
+        <a:bodyPr/>
+        <a:lstStyle/>
+        <a:p>
+          <a:endParaRPr lang="en-US"/>
+        </a:p>
+      </dgm:t>
+    </dgm:pt>
+    <dgm:pt modelId="{534E9888-4F70-4F89-A9F2-AC156294D1C9}" type="sibTrans" cxnId="{EA65A394-EF1F-46C3-A6DC-C45832982D48}">
+      <dgm:prSet/>
+      <dgm:spPr/>
+      <dgm:t>
+        <a:bodyPr/>
+        <a:lstStyle/>
+        <a:p>
+          <a:endParaRPr lang="en-US"/>
+        </a:p>
+      </dgm:t>
+    </dgm:pt>
+    <dgm:pt modelId="{289E202D-007F-4B88-AE8A-CAB05E683426}">
+      <dgm:prSet/>
+      <dgm:spPr/>
+      <dgm:t>
+        <a:bodyPr/>
+        <a:lstStyle/>
+        <a:p>
+          <a:r>
+            <a:rPr lang="en-US"/>
+            <a:t>Inlining - Advice: control inlining of the benchmarked methods</a:t>
+          </a:r>
+        </a:p>
+      </dgm:t>
+    </dgm:pt>
+    <dgm:pt modelId="{A5A7A570-BB5B-4FD0-8209-5E3F51FDEAE7}" type="parTrans" cxnId="{D470BEB2-91ED-4DD3-88BB-5E2CEFB8A3DC}">
+      <dgm:prSet/>
+      <dgm:spPr/>
+      <dgm:t>
+        <a:bodyPr/>
+        <a:lstStyle/>
+        <a:p>
+          <a:endParaRPr lang="en-US"/>
+        </a:p>
+      </dgm:t>
+    </dgm:pt>
+    <dgm:pt modelId="{0BFBD447-94A2-424C-8982-E1695F125D73}" type="sibTrans" cxnId="{D470BEB2-91ED-4DD3-88BB-5E2CEFB8A3DC}">
+      <dgm:prSet/>
+      <dgm:spPr/>
+      <dgm:t>
+        <a:bodyPr/>
+        <a:lstStyle/>
+        <a:p>
+          <a:endParaRPr lang="en-US"/>
+        </a:p>
+      </dgm:t>
+    </dgm:pt>
+    <dgm:pt modelId="{B40FD283-23CF-4028-9645-B1B884B98627}" type="pres">
+      <dgm:prSet presAssocID="{1B26DB1C-E873-4588-B2C6-508D29D9AD33}" presName="diagram" presStyleCnt="0">
+        <dgm:presLayoutVars>
+          <dgm:dir/>
+          <dgm:resizeHandles val="exact"/>
+        </dgm:presLayoutVars>
+      </dgm:prSet>
+      <dgm:spPr/>
+    </dgm:pt>
+    <dgm:pt modelId="{3E6E580B-C90F-44AE-A08A-09CF7B970C59}" type="pres">
+      <dgm:prSet presAssocID="{5DE5CC2F-CB88-4E48-8A53-F1EA2DF8C3A2}" presName="node" presStyleLbl="node1" presStyleIdx="0" presStyleCnt="12">
+        <dgm:presLayoutVars>
+          <dgm:bulletEnabled val="1"/>
+        </dgm:presLayoutVars>
+      </dgm:prSet>
+      <dgm:spPr/>
+    </dgm:pt>
+    <dgm:pt modelId="{560CC9E4-F56C-40E3-B5EC-C5EFDA8ECDE1}" type="pres">
+      <dgm:prSet presAssocID="{CCF09624-43FE-48DC-9FE7-F018AA60D351}" presName="sibTrans" presStyleCnt="0"/>
+      <dgm:spPr/>
+    </dgm:pt>
+    <dgm:pt modelId="{BBFBB412-C0AD-4DBE-A428-19E4DB73C21F}" type="pres">
+      <dgm:prSet presAssocID="{0C3505C6-1A79-4ACF-A5B1-2BBE134C8A1C}" presName="node" presStyleLbl="node1" presStyleIdx="1" presStyleCnt="12">
+        <dgm:presLayoutVars>
+          <dgm:bulletEnabled val="1"/>
+        </dgm:presLayoutVars>
+      </dgm:prSet>
+      <dgm:spPr/>
+    </dgm:pt>
+    <dgm:pt modelId="{11E8C10F-3DCA-41E4-9AFC-F035F9D257E5}" type="pres">
+      <dgm:prSet presAssocID="{969B95ED-6A71-4B02-98D0-5F9C061F0B28}" presName="sibTrans" presStyleCnt="0"/>
+      <dgm:spPr/>
+    </dgm:pt>
+    <dgm:pt modelId="{4714DB72-5627-4EEE-9567-8360800CA6C2}" type="pres">
+      <dgm:prSet presAssocID="{3B50B6F7-2055-4637-895A-7072B6F73A25}" presName="node" presStyleLbl="node1" presStyleIdx="2" presStyleCnt="12">
+        <dgm:presLayoutVars>
+          <dgm:bulletEnabled val="1"/>
+        </dgm:presLayoutVars>
+      </dgm:prSet>
+      <dgm:spPr/>
+    </dgm:pt>
+    <dgm:pt modelId="{BFD0D44A-32A0-489F-9EB1-6B9934A5703C}" type="pres">
+      <dgm:prSet presAssocID="{7781D314-F6A5-4A0C-A5CE-93B1C41BE311}" presName="sibTrans" presStyleCnt="0"/>
+      <dgm:spPr/>
+    </dgm:pt>
+    <dgm:pt modelId="{0D44F600-0BFC-450F-A53B-929A9F93677F}" type="pres">
+      <dgm:prSet presAssocID="{F03B43A1-0DA3-494D-AAB7-07ABACF6EFCF}" presName="node" presStyleLbl="node1" presStyleIdx="3" presStyleCnt="12">
+        <dgm:presLayoutVars>
+          <dgm:bulletEnabled val="1"/>
+        </dgm:presLayoutVars>
+      </dgm:prSet>
+      <dgm:spPr/>
+    </dgm:pt>
+    <dgm:pt modelId="{A2609214-2B7E-4B45-A014-1306A464DB37}" type="pres">
+      <dgm:prSet presAssocID="{5EDE8F73-A51C-4825-BEA1-A98202362240}" presName="sibTrans" presStyleCnt="0"/>
+      <dgm:spPr/>
+    </dgm:pt>
+    <dgm:pt modelId="{6C0DD193-EA07-4E1E-8797-2E1C64503470}" type="pres">
+      <dgm:prSet presAssocID="{0CDB5FA2-14BD-428D-8091-E60B9A1D857A}" presName="node" presStyleLbl="node1" presStyleIdx="4" presStyleCnt="12">
+        <dgm:presLayoutVars>
+          <dgm:bulletEnabled val="1"/>
+        </dgm:presLayoutVars>
+      </dgm:prSet>
+      <dgm:spPr/>
+    </dgm:pt>
+    <dgm:pt modelId="{C3F4783B-B002-4E8C-8827-1E2A0869B82F}" type="pres">
+      <dgm:prSet presAssocID="{D6025E1E-9BF7-4D12-B826-1E6F69499FD3}" presName="sibTrans" presStyleCnt="0"/>
+      <dgm:spPr/>
+    </dgm:pt>
+    <dgm:pt modelId="{766F5109-162A-450B-8AE7-1506948A5FC1}" type="pres">
+      <dgm:prSet presAssocID="{E203A770-546C-4CCA-9AD5-7BAC75772043}" presName="node" presStyleLbl="node1" presStyleIdx="5" presStyleCnt="12">
+        <dgm:presLayoutVars>
+          <dgm:bulletEnabled val="1"/>
+        </dgm:presLayoutVars>
+      </dgm:prSet>
+      <dgm:spPr/>
+    </dgm:pt>
+    <dgm:pt modelId="{735A2801-6611-4579-BA37-0DBAE87FF47B}" type="pres">
+      <dgm:prSet presAssocID="{F5400C62-CEC1-40A0-A366-DABB178FB709}" presName="sibTrans" presStyleCnt="0"/>
+      <dgm:spPr/>
+    </dgm:pt>
+    <dgm:pt modelId="{6B42FC40-6AEE-4452-B9B1-C67C70BF4DC9}" type="pres">
+      <dgm:prSet presAssocID="{5F4FD958-9357-4FF4-B9F3-3A0ED4814761}" presName="node" presStyleLbl="node1" presStyleIdx="6" presStyleCnt="12">
+        <dgm:presLayoutVars>
+          <dgm:bulletEnabled val="1"/>
+        </dgm:presLayoutVars>
+      </dgm:prSet>
+      <dgm:spPr/>
+    </dgm:pt>
+    <dgm:pt modelId="{FC4B5E60-6D5A-4703-A7AB-93F0B8A8622B}" type="pres">
+      <dgm:prSet presAssocID="{2A513240-A084-4CE7-B1A5-61DFDB32A3AA}" presName="sibTrans" presStyleCnt="0"/>
+      <dgm:spPr/>
+    </dgm:pt>
+    <dgm:pt modelId="{25BA001D-5994-4EC5-AF05-23DF6538D5F3}" type="pres">
+      <dgm:prSet presAssocID="{7531AD4B-824C-4846-9254-5ABCE9EA3159}" presName="node" presStyleLbl="node1" presStyleIdx="7" presStyleCnt="12">
+        <dgm:presLayoutVars>
+          <dgm:bulletEnabled val="1"/>
+        </dgm:presLayoutVars>
+      </dgm:prSet>
+      <dgm:spPr/>
+    </dgm:pt>
+    <dgm:pt modelId="{3CFE484F-9A74-43C1-B3DF-0A06341E7FEF}" type="pres">
+      <dgm:prSet presAssocID="{734CED83-9A99-4A51-8500-8B335993B0BF}" presName="sibTrans" presStyleCnt="0"/>
+      <dgm:spPr/>
+    </dgm:pt>
+    <dgm:pt modelId="{6F7CD74F-6D38-44C9-92BD-B1763C368B62}" type="pres">
+      <dgm:prSet presAssocID="{497267E3-9C1B-451F-B04D-FDCF1A013A5A}" presName="node" presStyleLbl="node1" presStyleIdx="8" presStyleCnt="12">
+        <dgm:presLayoutVars>
+          <dgm:bulletEnabled val="1"/>
+        </dgm:presLayoutVars>
+      </dgm:prSet>
+      <dgm:spPr/>
+    </dgm:pt>
+    <dgm:pt modelId="{40D79488-E7D0-4B2A-B68D-9C0E1987B920}" type="pres">
+      <dgm:prSet presAssocID="{5073A331-88F4-4A95-B063-A66093F2DE48}" presName="sibTrans" presStyleCnt="0"/>
+      <dgm:spPr/>
+    </dgm:pt>
+    <dgm:pt modelId="{5AB26260-65AE-4466-877C-AA1F1E8AEB2B}" type="pres">
+      <dgm:prSet presAssocID="{C3F52FDC-0E8E-44B9-B6B5-83757293433E}" presName="node" presStyleLbl="node1" presStyleIdx="9" presStyleCnt="12">
+        <dgm:presLayoutVars>
+          <dgm:bulletEnabled val="1"/>
+        </dgm:presLayoutVars>
+      </dgm:prSet>
+      <dgm:spPr/>
+    </dgm:pt>
+    <dgm:pt modelId="{F2FE7A4A-EC42-4A03-A442-2575B40E4AE2}" type="pres">
+      <dgm:prSet presAssocID="{6CFB9A32-207D-434C-9637-5D533DD2F932}" presName="sibTrans" presStyleCnt="0"/>
+      <dgm:spPr/>
+    </dgm:pt>
+    <dgm:pt modelId="{D4D1D6F1-D19C-4A89-885F-707D57B5DAFB}" type="pres">
+      <dgm:prSet presAssocID="{9D56E41C-45CE-4FAA-B39C-76EAFC94870D}" presName="node" presStyleLbl="node1" presStyleIdx="10" presStyleCnt="12">
+        <dgm:presLayoutVars>
+          <dgm:bulletEnabled val="1"/>
+        </dgm:presLayoutVars>
+      </dgm:prSet>
+      <dgm:spPr/>
+    </dgm:pt>
+    <dgm:pt modelId="{CED9C63F-8514-4908-8A06-C8B31AF3B3F7}" type="pres">
+      <dgm:prSet presAssocID="{534E9888-4F70-4F89-A9F2-AC156294D1C9}" presName="sibTrans" presStyleCnt="0"/>
+      <dgm:spPr/>
+    </dgm:pt>
+    <dgm:pt modelId="{F5635072-0A52-4BB5-99E3-FA99F7163F63}" type="pres">
+      <dgm:prSet presAssocID="{289E202D-007F-4B88-AE8A-CAB05E683426}" presName="node" presStyleLbl="node1" presStyleIdx="11" presStyleCnt="12">
+        <dgm:presLayoutVars>
+          <dgm:bulletEnabled val="1"/>
+        </dgm:presLayoutVars>
+      </dgm:prSet>
+      <dgm:spPr/>
+    </dgm:pt>
+  </dgm:ptLst>
+  <dgm:cxnLst>
+    <dgm:cxn modelId="{EAD01E00-EB38-4362-9604-C7BE62753192}" type="presOf" srcId="{F03B43A1-0DA3-494D-AAB7-07ABACF6EFCF}" destId="{0D44F600-0BFC-450F-A53B-929A9F93677F}" srcOrd="0" destOrd="0" presId="urn:microsoft.com/office/officeart/2005/8/layout/default"/>
+    <dgm:cxn modelId="{B7C9680D-F2A1-4A00-801C-40215D956091}" srcId="{1B26DB1C-E873-4588-B2C6-508D29D9AD33}" destId="{0C3505C6-1A79-4ACF-A5B1-2BBE134C8A1C}" srcOrd="1" destOrd="0" parTransId="{9368A3E5-18B1-47B5-9565-4D2C8F874CD4}" sibTransId="{969B95ED-6A71-4B02-98D0-5F9C061F0B28}"/>
+    <dgm:cxn modelId="{8844A816-8365-4FFB-B5B1-568CEBAC6A50}" type="presOf" srcId="{497267E3-9C1B-451F-B04D-FDCF1A013A5A}" destId="{6F7CD74F-6D38-44C9-92BD-B1763C368B62}" srcOrd="0" destOrd="0" presId="urn:microsoft.com/office/officeart/2005/8/layout/default"/>
+    <dgm:cxn modelId="{1A1C5C1B-E9BB-452F-A811-07CDD53339C0}" srcId="{1B26DB1C-E873-4588-B2C6-508D29D9AD33}" destId="{5F4FD958-9357-4FF4-B9F3-3A0ED4814761}" srcOrd="6" destOrd="0" parTransId="{51ADA517-9ECB-4D31-AFA1-CD1AD16A2B40}" sibTransId="{2A513240-A084-4CE7-B1A5-61DFDB32A3AA}"/>
+    <dgm:cxn modelId="{4C4E8420-1F80-4A47-A6DC-3F6FB23FC3C0}" type="presOf" srcId="{0CDB5FA2-14BD-428D-8091-E60B9A1D857A}" destId="{6C0DD193-EA07-4E1E-8797-2E1C64503470}" srcOrd="0" destOrd="0" presId="urn:microsoft.com/office/officeart/2005/8/layout/default"/>
+    <dgm:cxn modelId="{F7DCF321-2F65-4B7F-A82B-70E51727BF06}" srcId="{1B26DB1C-E873-4588-B2C6-508D29D9AD33}" destId="{E203A770-546C-4CCA-9AD5-7BAC75772043}" srcOrd="5" destOrd="0" parTransId="{B6705321-13BB-4CE8-B0B9-B8E3E2CBF158}" sibTransId="{F5400C62-CEC1-40A0-A366-DABB178FB709}"/>
+    <dgm:cxn modelId="{A946F127-5382-408C-9DA9-956FC0D1285A}" type="presOf" srcId="{9D56E41C-45CE-4FAA-B39C-76EAFC94870D}" destId="{D4D1D6F1-D19C-4A89-885F-707D57B5DAFB}" srcOrd="0" destOrd="0" presId="urn:microsoft.com/office/officeart/2005/8/layout/default"/>
+    <dgm:cxn modelId="{E05E1428-A095-45BD-A152-865C2A8C2652}" type="presOf" srcId="{C3F52FDC-0E8E-44B9-B6B5-83757293433E}" destId="{5AB26260-65AE-4466-877C-AA1F1E8AEB2B}" srcOrd="0" destOrd="0" presId="urn:microsoft.com/office/officeart/2005/8/layout/default"/>
+    <dgm:cxn modelId="{AF5E293C-3945-44A3-869E-0C9671EB6A12}" type="presOf" srcId="{0C3505C6-1A79-4ACF-A5B1-2BBE134C8A1C}" destId="{BBFBB412-C0AD-4DBE-A428-19E4DB73C21F}" srcOrd="0" destOrd="0" presId="urn:microsoft.com/office/officeart/2005/8/layout/default"/>
+    <dgm:cxn modelId="{1D63B65E-4603-49D1-B85C-A28673B421C1}" srcId="{1B26DB1C-E873-4588-B2C6-508D29D9AD33}" destId="{497267E3-9C1B-451F-B04D-FDCF1A013A5A}" srcOrd="8" destOrd="0" parTransId="{7977E4D4-7107-438B-B18E-BB47E02CF44A}" sibTransId="{5073A331-88F4-4A95-B063-A66093F2DE48}"/>
+    <dgm:cxn modelId="{B71B2072-7DB3-4CD1-A61B-7B94240875D1}" srcId="{1B26DB1C-E873-4588-B2C6-508D29D9AD33}" destId="{C3F52FDC-0E8E-44B9-B6B5-83757293433E}" srcOrd="9" destOrd="0" parTransId="{05C8FF70-4872-4E0C-A4C5-521F5D6580F7}" sibTransId="{6CFB9A32-207D-434C-9637-5D533DD2F932}"/>
+    <dgm:cxn modelId="{CB126173-51A2-4EE0-A833-6BA449986DBE}" type="presOf" srcId="{E203A770-546C-4CCA-9AD5-7BAC75772043}" destId="{766F5109-162A-450B-8AE7-1506948A5FC1}" srcOrd="0" destOrd="0" presId="urn:microsoft.com/office/officeart/2005/8/layout/default"/>
+    <dgm:cxn modelId="{0F2BC87C-1908-4C4C-B2F4-318FED90531C}" type="presOf" srcId="{289E202D-007F-4B88-AE8A-CAB05E683426}" destId="{F5635072-0A52-4BB5-99E3-FA99F7163F63}" srcOrd="0" destOrd="0" presId="urn:microsoft.com/office/officeart/2005/8/layout/default"/>
+    <dgm:cxn modelId="{EA65A394-EF1F-46C3-A6DC-C45832982D48}" srcId="{1B26DB1C-E873-4588-B2C6-508D29D9AD33}" destId="{9D56E41C-45CE-4FAA-B39C-76EAFC94870D}" srcOrd="10" destOrd="0" parTransId="{B6DCEA08-A36A-423F-BD4E-444B5767456D}" sibTransId="{534E9888-4F70-4F89-A9F2-AC156294D1C9}"/>
+    <dgm:cxn modelId="{330FC99B-728C-4ABB-83EF-9C504BC50213}" type="presOf" srcId="{1B26DB1C-E873-4588-B2C6-508D29D9AD33}" destId="{B40FD283-23CF-4028-9645-B1B884B98627}" srcOrd="0" destOrd="0" presId="urn:microsoft.com/office/officeart/2005/8/layout/default"/>
+    <dgm:cxn modelId="{D136A0A3-1D0E-45E7-B276-50F2F7EC772D}" type="presOf" srcId="{7531AD4B-824C-4846-9254-5ABCE9EA3159}" destId="{25BA001D-5994-4EC5-AF05-23DF6538D5F3}" srcOrd="0" destOrd="0" presId="urn:microsoft.com/office/officeart/2005/8/layout/default"/>
+    <dgm:cxn modelId="{D470BEB2-91ED-4DD3-88BB-5E2CEFB8A3DC}" srcId="{1B26DB1C-E873-4588-B2C6-508D29D9AD33}" destId="{289E202D-007F-4B88-AE8A-CAB05E683426}" srcOrd="11" destOrd="0" parTransId="{A5A7A570-BB5B-4FD0-8209-5E3F51FDEAE7}" sibTransId="{0BFBD447-94A2-424C-8982-E1695F125D73}"/>
+    <dgm:cxn modelId="{8AF842BE-EB38-40E2-916F-DC304953F022}" type="presOf" srcId="{5F4FD958-9357-4FF4-B9F3-3A0ED4814761}" destId="{6B42FC40-6AEE-4452-B9B1-C67C70BF4DC9}" srcOrd="0" destOrd="0" presId="urn:microsoft.com/office/officeart/2005/8/layout/default"/>
+    <dgm:cxn modelId="{6E1F13D0-E4BD-471F-8C41-DA812C138626}" type="presOf" srcId="{3B50B6F7-2055-4637-895A-7072B6F73A25}" destId="{4714DB72-5627-4EEE-9567-8360800CA6C2}" srcOrd="0" destOrd="0" presId="urn:microsoft.com/office/officeart/2005/8/layout/default"/>
+    <dgm:cxn modelId="{A4F383DB-AE26-42BC-95DD-A93C90A1904A}" srcId="{1B26DB1C-E873-4588-B2C6-508D29D9AD33}" destId="{5DE5CC2F-CB88-4E48-8A53-F1EA2DF8C3A2}" srcOrd="0" destOrd="0" parTransId="{CFCE0118-E5DB-4EC7-A536-9169A60EF5F1}" sibTransId="{CCF09624-43FE-48DC-9FE7-F018AA60D351}"/>
+    <dgm:cxn modelId="{533D02EA-9750-4B10-8D8D-48FBE6D9183A}" type="presOf" srcId="{5DE5CC2F-CB88-4E48-8A53-F1EA2DF8C3A2}" destId="{3E6E580B-C90F-44AE-A08A-09CF7B970C59}" srcOrd="0" destOrd="0" presId="urn:microsoft.com/office/officeart/2005/8/layout/default"/>
+    <dgm:cxn modelId="{841302EB-074A-4456-8A07-DEA569F5593A}" srcId="{1B26DB1C-E873-4588-B2C6-508D29D9AD33}" destId="{7531AD4B-824C-4846-9254-5ABCE9EA3159}" srcOrd="7" destOrd="0" parTransId="{A82C9619-E1FE-46FB-A407-1CF3DC99F5FF}" sibTransId="{734CED83-9A99-4A51-8500-8B335993B0BF}"/>
+    <dgm:cxn modelId="{E1690FEB-0EC5-4872-9385-AC074E8E4768}" srcId="{1B26DB1C-E873-4588-B2C6-508D29D9AD33}" destId="{3B50B6F7-2055-4637-895A-7072B6F73A25}" srcOrd="2" destOrd="0" parTransId="{46D2D8B1-8A01-4DAA-B0EE-CEEE5730A94B}" sibTransId="{7781D314-F6A5-4A0C-A5CE-93B1C41BE311}"/>
+    <dgm:cxn modelId="{44DD35F5-A675-4380-ABA3-0DD2D0DBE1C2}" srcId="{1B26DB1C-E873-4588-B2C6-508D29D9AD33}" destId="{0CDB5FA2-14BD-428D-8091-E60B9A1D857A}" srcOrd="4" destOrd="0" parTransId="{3945924F-B24D-48DF-9340-F957C7B043E5}" sibTransId="{D6025E1E-9BF7-4D12-B826-1E6F69499FD3}"/>
+    <dgm:cxn modelId="{2BF78DF5-8C50-4165-AD33-C67D41A0F408}" srcId="{1B26DB1C-E873-4588-B2C6-508D29D9AD33}" destId="{F03B43A1-0DA3-494D-AAB7-07ABACF6EFCF}" srcOrd="3" destOrd="0" parTransId="{C32B3DF8-A528-4F5B-8835-14C32391A0A1}" sibTransId="{5EDE8F73-A51C-4825-BEA1-A98202362240}"/>
+    <dgm:cxn modelId="{DD5D8610-E5C3-466E-B246-D1392EA56C9F}" type="presParOf" srcId="{B40FD283-23CF-4028-9645-B1B884B98627}" destId="{3E6E580B-C90F-44AE-A08A-09CF7B970C59}" srcOrd="0" destOrd="0" presId="urn:microsoft.com/office/officeart/2005/8/layout/default"/>
+    <dgm:cxn modelId="{8868E2BE-4843-450B-99CB-6895A161F15F}" type="presParOf" srcId="{B40FD283-23CF-4028-9645-B1B884B98627}" destId="{560CC9E4-F56C-40E3-B5EC-C5EFDA8ECDE1}" srcOrd="1" destOrd="0" presId="urn:microsoft.com/office/officeart/2005/8/layout/default"/>
+    <dgm:cxn modelId="{0232FDEB-C068-4078-B576-9561825A41FB}" type="presParOf" srcId="{B40FD283-23CF-4028-9645-B1B884B98627}" destId="{BBFBB412-C0AD-4DBE-A428-19E4DB73C21F}" srcOrd="2" destOrd="0" presId="urn:microsoft.com/office/officeart/2005/8/layout/default"/>
+    <dgm:cxn modelId="{150A63B8-A586-49A4-994A-8E89F728BE4A}" type="presParOf" srcId="{B40FD283-23CF-4028-9645-B1B884B98627}" destId="{11E8C10F-3DCA-41E4-9AFC-F035F9D257E5}" srcOrd="3" destOrd="0" presId="urn:microsoft.com/office/officeart/2005/8/layout/default"/>
+    <dgm:cxn modelId="{090F24A3-5463-45BC-9D5F-C8BF56BF5A84}" type="presParOf" srcId="{B40FD283-23CF-4028-9645-B1B884B98627}" destId="{4714DB72-5627-4EEE-9567-8360800CA6C2}" srcOrd="4" destOrd="0" presId="urn:microsoft.com/office/officeart/2005/8/layout/default"/>
+    <dgm:cxn modelId="{37EF9E45-FDD6-47DB-959F-36180CE595D3}" type="presParOf" srcId="{B40FD283-23CF-4028-9645-B1B884B98627}" destId="{BFD0D44A-32A0-489F-9EB1-6B9934A5703C}" srcOrd="5" destOrd="0" presId="urn:microsoft.com/office/officeart/2005/8/layout/default"/>
+    <dgm:cxn modelId="{305179AF-D56C-4D56-97D1-20606B2F615A}" type="presParOf" srcId="{B40FD283-23CF-4028-9645-B1B884B98627}" destId="{0D44F600-0BFC-450F-A53B-929A9F93677F}" srcOrd="6" destOrd="0" presId="urn:microsoft.com/office/officeart/2005/8/layout/default"/>
+    <dgm:cxn modelId="{C7D14C0B-B9CD-4B54-9618-D35BECDDDA9D}" type="presParOf" srcId="{B40FD283-23CF-4028-9645-B1B884B98627}" destId="{A2609214-2B7E-4B45-A014-1306A464DB37}" srcOrd="7" destOrd="0" presId="urn:microsoft.com/office/officeart/2005/8/layout/default"/>
+    <dgm:cxn modelId="{9BC96CE7-4769-467D-9F28-DCF5730B938F}" type="presParOf" srcId="{B40FD283-23CF-4028-9645-B1B884B98627}" destId="{6C0DD193-EA07-4E1E-8797-2E1C64503470}" srcOrd="8" destOrd="0" presId="urn:microsoft.com/office/officeart/2005/8/layout/default"/>
+    <dgm:cxn modelId="{128C4AF4-E6CD-4818-B321-F51908E97632}" type="presParOf" srcId="{B40FD283-23CF-4028-9645-B1B884B98627}" destId="{C3F4783B-B002-4E8C-8827-1E2A0869B82F}" srcOrd="9" destOrd="0" presId="urn:microsoft.com/office/officeart/2005/8/layout/default"/>
+    <dgm:cxn modelId="{B9131265-887C-490A-93F7-11F0D927E99C}" type="presParOf" srcId="{B40FD283-23CF-4028-9645-B1B884B98627}" destId="{766F5109-162A-450B-8AE7-1506948A5FC1}" srcOrd="10" destOrd="0" presId="urn:microsoft.com/office/officeart/2005/8/layout/default"/>
+    <dgm:cxn modelId="{038A7767-906B-4A91-BC18-540382867EA8}" type="presParOf" srcId="{B40FD283-23CF-4028-9645-B1B884B98627}" destId="{735A2801-6611-4579-BA37-0DBAE87FF47B}" srcOrd="11" destOrd="0" presId="urn:microsoft.com/office/officeart/2005/8/layout/default"/>
+    <dgm:cxn modelId="{456DDEF9-8482-4BED-8A73-70C7474DCA8A}" type="presParOf" srcId="{B40FD283-23CF-4028-9645-B1B884B98627}" destId="{6B42FC40-6AEE-4452-B9B1-C67C70BF4DC9}" srcOrd="12" destOrd="0" presId="urn:microsoft.com/office/officeart/2005/8/layout/default"/>
+    <dgm:cxn modelId="{7ED9A523-4D1A-4A39-929E-441B8797E525}" type="presParOf" srcId="{B40FD283-23CF-4028-9645-B1B884B98627}" destId="{FC4B5E60-6D5A-4703-A7AB-93F0B8A8622B}" srcOrd="13" destOrd="0" presId="urn:microsoft.com/office/officeart/2005/8/layout/default"/>
+    <dgm:cxn modelId="{6CDB6E2D-EDEB-459D-8148-E99990F33185}" type="presParOf" srcId="{B40FD283-23CF-4028-9645-B1B884B98627}" destId="{25BA001D-5994-4EC5-AF05-23DF6538D5F3}" srcOrd="14" destOrd="0" presId="urn:microsoft.com/office/officeart/2005/8/layout/default"/>
+    <dgm:cxn modelId="{87698880-481C-42C0-86B1-8A37DCAD68E6}" type="presParOf" srcId="{B40FD283-23CF-4028-9645-B1B884B98627}" destId="{3CFE484F-9A74-43C1-B3DF-0A06341E7FEF}" srcOrd="15" destOrd="0" presId="urn:microsoft.com/office/officeart/2005/8/layout/default"/>
+    <dgm:cxn modelId="{3D6535B8-DB60-4BC0-8C42-0029AC832CE7}" type="presParOf" srcId="{B40FD283-23CF-4028-9645-B1B884B98627}" destId="{6F7CD74F-6D38-44C9-92BD-B1763C368B62}" srcOrd="16" destOrd="0" presId="urn:microsoft.com/office/officeart/2005/8/layout/default"/>
+    <dgm:cxn modelId="{4865AD25-40A8-43D5-B47D-F5901505CE39}" type="presParOf" srcId="{B40FD283-23CF-4028-9645-B1B884B98627}" destId="{40D79488-E7D0-4B2A-B68D-9C0E1987B920}" srcOrd="17" destOrd="0" presId="urn:microsoft.com/office/officeart/2005/8/layout/default"/>
+    <dgm:cxn modelId="{1C933C9F-3568-4F46-8552-B80E00730A99}" type="presParOf" srcId="{B40FD283-23CF-4028-9645-B1B884B98627}" destId="{5AB26260-65AE-4466-877C-AA1F1E8AEB2B}" srcOrd="18" destOrd="0" presId="urn:microsoft.com/office/officeart/2005/8/layout/default"/>
+    <dgm:cxn modelId="{C0BE913A-8480-4353-BA1D-D3A725FB8F08}" type="presParOf" srcId="{B40FD283-23CF-4028-9645-B1B884B98627}" destId="{F2FE7A4A-EC42-4A03-A442-2575B40E4AE2}" srcOrd="19" destOrd="0" presId="urn:microsoft.com/office/officeart/2005/8/layout/default"/>
+    <dgm:cxn modelId="{11F065A1-C726-4861-BE4E-51AD52A7E05B}" type="presParOf" srcId="{B40FD283-23CF-4028-9645-B1B884B98627}" destId="{D4D1D6F1-D19C-4A89-885F-707D57B5DAFB}" srcOrd="20" destOrd="0" presId="urn:microsoft.com/office/officeart/2005/8/layout/default"/>
+    <dgm:cxn modelId="{4B5B526D-0DA1-44DF-9098-57084B8EF322}" type="presParOf" srcId="{B40FD283-23CF-4028-9645-B1B884B98627}" destId="{CED9C63F-8514-4908-8A06-C8B31AF3B3F7}" srcOrd="21" destOrd="0" presId="urn:microsoft.com/office/officeart/2005/8/layout/default"/>
+    <dgm:cxn modelId="{2C7246B7-6E33-45A7-9C61-5B1C619A1DD5}" type="presParOf" srcId="{B40FD283-23CF-4028-9645-B1B884B98627}" destId="{F5635072-0A52-4BB5-99E3-FA99F7163F63}" srcOrd="22" destOrd="0" presId="urn:microsoft.com/office/officeart/2005/8/layout/default"/>
+  </dgm:cxnLst>
+  <dgm:bg/>
+  <dgm:whole/>
+  <dgm:extLst>
+    <a:ext uri="http://schemas.microsoft.com/office/drawing/2008/diagram">
+      <dsp:dataModelExt xmlns:dsp="http://schemas.microsoft.com/office/drawing/2008/diagram" relId="rId6" minVer="http://schemas.openxmlformats.org/drawingml/2006/diagram"/>
+    </a:ext>
+  </dgm:extLst>
+</dgm:dataModel>
+</file>
+
+<file path=ppt/diagrams/drawing1.xml><?xml version="1.0" encoding="utf-8"?>
+<dsp:drawing xmlns:dgm="http://schemas.openxmlformats.org/drawingml/2006/diagram" xmlns:dsp="http://schemas.microsoft.com/office/drawing/2008/diagram" xmlns:a="http://schemas.openxmlformats.org/drawingml/2006/main">
+  <dsp:spTree>
+    <dsp:nvGrpSpPr>
+      <dsp:cNvPr id="0" name=""/>
+      <dsp:cNvGrpSpPr/>
+    </dsp:nvGrpSpPr>
+    <dsp:grpSpPr/>
+    <dsp:sp modelId="{3E6E580B-C90F-44AE-A08A-09CF7B970C59}">
+      <dsp:nvSpPr>
+        <dsp:cNvPr id="0" name=""/>
+        <dsp:cNvSpPr/>
+      </dsp:nvSpPr>
+      <dsp:spPr>
+        <a:xfrm>
+          <a:off x="0" y="192087"/>
+          <a:ext cx="1952625" cy="1171575"/>
+        </a:xfrm>
+        <a:prstGeom prst="rect">
+          <a:avLst/>
+        </a:prstGeom>
+        <a:solidFill>
+          <a:schemeClr val="accent2">
+            <a:hueOff val="0"/>
+            <a:satOff val="0"/>
+            <a:lumOff val="0"/>
+            <a:alphaOff val="0"/>
+          </a:schemeClr>
+        </a:solidFill>
+        <a:ln w="12700" cap="flat" cmpd="sng" algn="in">
+          <a:solidFill>
+            <a:schemeClr val="lt1">
+              <a:hueOff val="0"/>
+              <a:satOff val="0"/>
+              <a:lumOff val="0"/>
+              <a:alphaOff val="0"/>
+            </a:schemeClr>
+          </a:solidFill>
+          <a:prstDash val="solid"/>
+        </a:ln>
+        <a:effectLst/>
+      </dsp:spPr>
+      <dsp:style>
+        <a:lnRef idx="2">
+          <a:scrgbClr r="0" g="0" b="0"/>
+        </a:lnRef>
+        <a:fillRef idx="1">
+          <a:scrgbClr r="0" g="0" b="0"/>
+        </a:fillRef>
+        <a:effectRef idx="0">
+          <a:scrgbClr r="0" g="0" b="0"/>
+        </a:effectRef>
+        <a:fontRef idx="minor">
+          <a:schemeClr val="lt1"/>
+        </a:fontRef>
+      </dsp:style>
+      <dsp:txBody>
+        <a:bodyPr spcFirstLastPara="0" vert="horz" wrap="square" lIns="53340" tIns="53340" rIns="53340" bIns="53340" numCol="1" spcCol="1270" anchor="ctr" anchorCtr="0">
+          <a:noAutofit/>
+        </a:bodyPr>
+        <a:lstStyle/>
+        <a:p>
+          <a:pPr marL="0" lvl="0" indent="0" algn="ctr" defTabSz="622300">
+            <a:lnSpc>
+              <a:spcPct val="90000"/>
+            </a:lnSpc>
+            <a:spcBef>
+              <a:spcPct val="0"/>
+            </a:spcBef>
+            <a:spcAft>
+              <a:spcPct val="35000"/>
+            </a:spcAft>
+            <a:buNone/>
+          </a:pPr>
+          <a:r>
+            <a:rPr lang="en-US" sz="1400" kern="1200"/>
+            <a:t>Inaccurate Timestamping - Advice: prefer Stopwatch over DateTime</a:t>
+          </a:r>
+        </a:p>
+      </dsp:txBody>
+      <dsp:txXfrm>
+        <a:off x="0" y="192087"/>
+        <a:ext cx="1952625" cy="1171575"/>
+      </dsp:txXfrm>
+    </dsp:sp>
+    <dsp:sp modelId="{BBFBB412-C0AD-4DBE-A428-19E4DB73C21F}">
+      <dsp:nvSpPr>
+        <dsp:cNvPr id="0" name=""/>
+        <dsp:cNvSpPr/>
+      </dsp:nvSpPr>
+      <dsp:spPr>
+        <a:xfrm>
+          <a:off x="2147887" y="192087"/>
+          <a:ext cx="1952625" cy="1171575"/>
+        </a:xfrm>
+        <a:prstGeom prst="rect">
+          <a:avLst/>
+        </a:prstGeom>
+        <a:solidFill>
+          <a:schemeClr val="accent3">
+            <a:hueOff val="0"/>
+            <a:satOff val="0"/>
+            <a:lumOff val="0"/>
+            <a:alphaOff val="0"/>
+          </a:schemeClr>
+        </a:solidFill>
+        <a:ln w="12700" cap="flat" cmpd="sng" algn="in">
+          <a:solidFill>
+            <a:schemeClr val="lt1">
+              <a:hueOff val="0"/>
+              <a:satOff val="0"/>
+              <a:lumOff val="0"/>
+              <a:alphaOff val="0"/>
+            </a:schemeClr>
+          </a:solidFill>
+          <a:prstDash val="solid"/>
+        </a:ln>
+        <a:effectLst/>
+      </dsp:spPr>
+      <dsp:style>
+        <a:lnRef idx="2">
+          <a:scrgbClr r="0" g="0" b="0"/>
+        </a:lnRef>
+        <a:fillRef idx="1">
+          <a:scrgbClr r="0" g="0" b="0"/>
+        </a:fillRef>
+        <a:effectRef idx="0">
+          <a:scrgbClr r="0" g="0" b="0"/>
+        </a:effectRef>
+        <a:fontRef idx="minor">
+          <a:schemeClr val="lt1"/>
+        </a:fontRef>
+      </dsp:style>
+      <dsp:txBody>
+        <a:bodyPr spcFirstLastPara="0" vert="horz" wrap="square" lIns="53340" tIns="53340" rIns="53340" bIns="53340" numCol="1" spcCol="1270" anchor="ctr" anchorCtr="0">
+          <a:noAutofit/>
+        </a:bodyPr>
+        <a:lstStyle/>
+        <a:p>
+          <a:pPr marL="0" lvl="0" indent="0" algn="ctr" defTabSz="622300">
+            <a:lnSpc>
+              <a:spcPct val="90000"/>
+            </a:lnSpc>
+            <a:spcBef>
+              <a:spcPct val="0"/>
+            </a:spcBef>
+            <a:spcAft>
+              <a:spcPct val="35000"/>
+            </a:spcAft>
+            <a:buNone/>
+          </a:pPr>
+          <a:r>
+            <a:rPr lang="en-US" sz="1400" kern="1200"/>
+            <a:t>Use Release - Advice: use Release and don't use empty loops to benchmark</a:t>
+          </a:r>
+        </a:p>
+      </dsp:txBody>
+      <dsp:txXfrm>
+        <a:off x="2147887" y="192087"/>
+        <a:ext cx="1952625" cy="1171575"/>
+      </dsp:txXfrm>
+    </dsp:sp>
+    <dsp:sp modelId="{4714DB72-5627-4EEE-9567-8360800CA6C2}">
+      <dsp:nvSpPr>
+        <dsp:cNvPr id="0" name=""/>
+        <dsp:cNvSpPr/>
+      </dsp:nvSpPr>
+      <dsp:spPr>
+        <a:xfrm>
+          <a:off x="4295775" y="192087"/>
+          <a:ext cx="1952625" cy="1171575"/>
+        </a:xfrm>
+        <a:prstGeom prst="rect">
+          <a:avLst/>
+        </a:prstGeom>
+        <a:solidFill>
+          <a:schemeClr val="accent4">
+            <a:hueOff val="0"/>
+            <a:satOff val="0"/>
+            <a:lumOff val="0"/>
+            <a:alphaOff val="0"/>
+          </a:schemeClr>
+        </a:solidFill>
+        <a:ln w="12700" cap="flat" cmpd="sng" algn="in">
+          <a:solidFill>
+            <a:schemeClr val="lt1">
+              <a:hueOff val="0"/>
+              <a:satOff val="0"/>
+              <a:lumOff val="0"/>
+              <a:alphaOff val="0"/>
+            </a:schemeClr>
+          </a:solidFill>
+          <a:prstDash val="solid"/>
+        </a:ln>
+        <a:effectLst/>
+      </dsp:spPr>
+      <dsp:style>
+        <a:lnRef idx="2">
+          <a:scrgbClr r="0" g="0" b="0"/>
+        </a:lnRef>
+        <a:fillRef idx="1">
+          <a:scrgbClr r="0" g="0" b="0"/>
+        </a:fillRef>
+        <a:effectRef idx="0">
+          <a:scrgbClr r="0" g="0" b="0"/>
+        </a:effectRef>
+        <a:fontRef idx="minor">
+          <a:schemeClr val="lt1"/>
+        </a:fontRef>
+      </dsp:style>
+      <dsp:txBody>
+        <a:bodyPr spcFirstLastPara="0" vert="horz" wrap="square" lIns="53340" tIns="53340" rIns="53340" bIns="53340" numCol="1" spcCol="1270" anchor="ctr" anchorCtr="0">
+          <a:noAutofit/>
+        </a:bodyPr>
+        <a:lstStyle/>
+        <a:p>
+          <a:pPr marL="0" lvl="0" indent="0" algn="ctr" defTabSz="622300">
+            <a:lnSpc>
+              <a:spcPct val="90000"/>
+            </a:lnSpc>
+            <a:spcBef>
+              <a:spcPct val="0"/>
+            </a:spcBef>
+            <a:spcAft>
+              <a:spcPct val="35000"/>
+            </a:spcAft>
+            <a:buNone/>
+          </a:pPr>
+          <a:r>
+            <a:rPr lang="en-US" sz="1400" kern="1200"/>
+            <a:t>Natural Noise - Each benchmark iteration has random errors because of the natural noise.</a:t>
+          </a:r>
+        </a:p>
+      </dsp:txBody>
+      <dsp:txXfrm>
+        <a:off x="4295775" y="192087"/>
+        <a:ext cx="1952625" cy="1171575"/>
+      </dsp:txXfrm>
+    </dsp:sp>
+    <dsp:sp modelId="{0D44F600-0BFC-450F-A53B-929A9F93677F}">
+      <dsp:nvSpPr>
+        <dsp:cNvPr id="0" name=""/>
+        <dsp:cNvSpPr/>
+      </dsp:nvSpPr>
+      <dsp:spPr>
+        <a:xfrm>
+          <a:off x="0" y="1558925"/>
+          <a:ext cx="1952625" cy="1171575"/>
+        </a:xfrm>
+        <a:prstGeom prst="rect">
+          <a:avLst/>
+        </a:prstGeom>
+        <a:solidFill>
+          <a:schemeClr val="accent5">
+            <a:hueOff val="0"/>
+            <a:satOff val="0"/>
+            <a:lumOff val="0"/>
+            <a:alphaOff val="0"/>
+          </a:schemeClr>
+        </a:solidFill>
+        <a:ln w="12700" cap="flat" cmpd="sng" algn="in">
+          <a:solidFill>
+            <a:schemeClr val="lt1">
+              <a:hueOff val="0"/>
+              <a:satOff val="0"/>
+              <a:lumOff val="0"/>
+              <a:alphaOff val="0"/>
+            </a:schemeClr>
+          </a:solidFill>
+          <a:prstDash val="solid"/>
+        </a:ln>
+        <a:effectLst/>
+      </dsp:spPr>
+      <dsp:style>
+        <a:lnRef idx="2">
+          <a:scrgbClr r="0" g="0" b="0"/>
+        </a:lnRef>
+        <a:fillRef idx="1">
+          <a:scrgbClr r="0" g="0" b="0"/>
+        </a:fillRef>
+        <a:effectRef idx="0">
+          <a:scrgbClr r="0" g="0" b="0"/>
+        </a:effectRef>
+        <a:fontRef idx="minor">
+          <a:schemeClr val="lt1"/>
+        </a:fontRef>
+      </dsp:style>
+      <dsp:txBody>
+        <a:bodyPr spcFirstLastPara="0" vert="horz" wrap="square" lIns="53340" tIns="53340" rIns="53340" bIns="53340" numCol="1" spcCol="1270" anchor="ctr" anchorCtr="0">
+          <a:noAutofit/>
+        </a:bodyPr>
+        <a:lstStyle/>
+        <a:p>
+          <a:pPr marL="0" lvl="0" indent="0" algn="ctr" defTabSz="622300">
+            <a:lnSpc>
+              <a:spcPct val="90000"/>
+            </a:lnSpc>
+            <a:spcBef>
+              <a:spcPct val="0"/>
+            </a:spcBef>
+            <a:spcAft>
+              <a:spcPct val="35000"/>
+            </a:spcAft>
+            <a:buNone/>
+          </a:pPr>
+          <a:r>
+            <a:rPr lang="en-US" sz="1400" kern="1200"/>
+            <a:t>Calculate Average - Advice: We can't prevent natural noise</a:t>
+          </a:r>
+        </a:p>
+      </dsp:txBody>
+      <dsp:txXfrm>
+        <a:off x="0" y="1558925"/>
+        <a:ext cx="1952625" cy="1171575"/>
+      </dsp:txXfrm>
+    </dsp:sp>
+    <dsp:sp modelId="{6C0DD193-EA07-4E1E-8797-2E1C64503470}">
+      <dsp:nvSpPr>
+        <dsp:cNvPr id="0" name=""/>
+        <dsp:cNvSpPr/>
+      </dsp:nvSpPr>
+      <dsp:spPr>
+        <a:xfrm>
+          <a:off x="2147887" y="1558925"/>
+          <a:ext cx="1952625" cy="1171575"/>
+        </a:xfrm>
+        <a:prstGeom prst="rect">
+          <a:avLst/>
+        </a:prstGeom>
+        <a:solidFill>
+          <a:schemeClr val="accent6">
+            <a:hueOff val="0"/>
+            <a:satOff val="0"/>
+            <a:lumOff val="0"/>
+            <a:alphaOff val="0"/>
+          </a:schemeClr>
+        </a:solidFill>
+        <a:ln w="12700" cap="flat" cmpd="sng" algn="in">
+          <a:solidFill>
+            <a:schemeClr val="lt1">
+              <a:hueOff val="0"/>
+              <a:satOff val="0"/>
+              <a:lumOff val="0"/>
+              <a:alphaOff val="0"/>
+            </a:schemeClr>
+          </a:solidFill>
+          <a:prstDash val="solid"/>
+        </a:ln>
+        <a:effectLst/>
+      </dsp:spPr>
+      <dsp:style>
+        <a:lnRef idx="2">
+          <a:scrgbClr r="0" g="0" b="0"/>
+        </a:lnRef>
+        <a:fillRef idx="1">
+          <a:scrgbClr r="0" g="0" b="0"/>
+        </a:fillRef>
+        <a:effectRef idx="0">
+          <a:scrgbClr r="0" g="0" b="0"/>
+        </a:effectRef>
+        <a:fontRef idx="minor">
+          <a:schemeClr val="lt1"/>
+        </a:fontRef>
+      </dsp:style>
+      <dsp:txBody>
+        <a:bodyPr spcFirstLastPara="0" vert="horz" wrap="square" lIns="53340" tIns="53340" rIns="53340" bIns="53340" numCol="1" spcCol="1270" anchor="ctr" anchorCtr="0">
+          <a:noAutofit/>
+        </a:bodyPr>
+        <a:lstStyle/>
+        <a:p>
+          <a:pPr marL="0" lvl="0" indent="0" algn="ctr" defTabSz="622300">
+            <a:lnSpc>
+              <a:spcPct val="90000"/>
+            </a:lnSpc>
+            <a:spcBef>
+              <a:spcPct val="0"/>
+            </a:spcBef>
+            <a:spcAft>
+              <a:spcPct val="35000"/>
+            </a:spcAft>
+            <a:buNone/>
+          </a:pPr>
+          <a:r>
+            <a:rPr lang="en-US" sz="1400" kern="1200"/>
+            <a:t>Tricky Distributions - Advice: always look at your distribution</a:t>
+          </a:r>
+        </a:p>
+      </dsp:txBody>
+      <dsp:txXfrm>
+        <a:off x="2147887" y="1558925"/>
+        <a:ext cx="1952625" cy="1171575"/>
+      </dsp:txXfrm>
+    </dsp:sp>
+    <dsp:sp modelId="{766F5109-162A-450B-8AE7-1506948A5FC1}">
+      <dsp:nvSpPr>
+        <dsp:cNvPr id="0" name=""/>
+        <dsp:cNvSpPr/>
+      </dsp:nvSpPr>
+      <dsp:spPr>
+        <a:xfrm>
+          <a:off x="4295775" y="1558925"/>
+          <a:ext cx="1952625" cy="1171575"/>
+        </a:xfrm>
+        <a:prstGeom prst="rect">
+          <a:avLst/>
+        </a:prstGeom>
+        <a:solidFill>
+          <a:schemeClr val="accent2">
+            <a:hueOff val="0"/>
+            <a:satOff val="0"/>
+            <a:lumOff val="0"/>
+            <a:alphaOff val="0"/>
+          </a:schemeClr>
+        </a:solidFill>
+        <a:ln w="12700" cap="flat" cmpd="sng" algn="in">
+          <a:solidFill>
+            <a:schemeClr val="lt1">
+              <a:hueOff val="0"/>
+              <a:satOff val="0"/>
+              <a:lumOff val="0"/>
+              <a:alphaOff val="0"/>
+            </a:schemeClr>
+          </a:solidFill>
+          <a:prstDash val="solid"/>
+        </a:ln>
+        <a:effectLst/>
+      </dsp:spPr>
+      <dsp:style>
+        <a:lnRef idx="2">
+          <a:scrgbClr r="0" g="0" b="0"/>
+        </a:lnRef>
+        <a:fillRef idx="1">
+          <a:scrgbClr r="0" g="0" b="0"/>
+        </a:fillRef>
+        <a:effectRef idx="0">
+          <a:scrgbClr r="0" g="0" b="0"/>
+        </a:effectRef>
+        <a:fontRef idx="minor">
+          <a:schemeClr val="lt1"/>
+        </a:fontRef>
+      </dsp:style>
+      <dsp:txBody>
+        <a:bodyPr spcFirstLastPara="0" vert="horz" wrap="square" lIns="53340" tIns="53340" rIns="53340" bIns="53340" numCol="1" spcCol="1270" anchor="ctr" anchorCtr="0">
+          <a:noAutofit/>
+        </a:bodyPr>
+        <a:lstStyle/>
+        <a:p>
+          <a:pPr marL="0" lvl="0" indent="0" algn="ctr" defTabSz="622300">
+            <a:lnSpc>
+              <a:spcPct val="90000"/>
+            </a:lnSpc>
+            <a:spcBef>
+              <a:spcPct val="0"/>
+            </a:spcBef>
+            <a:spcAft>
+              <a:spcPct val="35000"/>
+            </a:spcAft>
+            <a:buNone/>
+          </a:pPr>
+          <a:r>
+            <a:rPr lang="en-US" sz="1400" kern="1200"/>
+            <a:t>Measuring Cold Start Instead of Warmed Steady State - Advice: use different approaches for cold and warm states</a:t>
+          </a:r>
+        </a:p>
+      </dsp:txBody>
+      <dsp:txXfrm>
+        <a:off x="4295775" y="1558925"/>
+        <a:ext cx="1952625" cy="1171575"/>
+      </dsp:txXfrm>
+    </dsp:sp>
+    <dsp:sp modelId="{6B42FC40-6AEE-4452-B9B1-C67C70BF4DC9}">
+      <dsp:nvSpPr>
+        <dsp:cNvPr id="0" name=""/>
+        <dsp:cNvSpPr/>
+      </dsp:nvSpPr>
+      <dsp:spPr>
+        <a:xfrm>
+          <a:off x="0" y="2925762"/>
+          <a:ext cx="1952625" cy="1171575"/>
+        </a:xfrm>
+        <a:prstGeom prst="rect">
+          <a:avLst/>
+        </a:prstGeom>
+        <a:solidFill>
+          <a:schemeClr val="accent3">
+            <a:hueOff val="0"/>
+            <a:satOff val="0"/>
+            <a:lumOff val="0"/>
+            <a:alphaOff val="0"/>
+          </a:schemeClr>
+        </a:solidFill>
+        <a:ln w="12700" cap="flat" cmpd="sng" algn="in">
+          <a:solidFill>
+            <a:schemeClr val="lt1">
+              <a:hueOff val="0"/>
+              <a:satOff val="0"/>
+              <a:lumOff val="0"/>
+              <a:alphaOff val="0"/>
+            </a:schemeClr>
+          </a:solidFill>
+          <a:prstDash val="solid"/>
+        </a:ln>
+        <a:effectLst/>
+      </dsp:spPr>
+      <dsp:style>
+        <a:lnRef idx="2">
+          <a:scrgbClr r="0" g="0" b="0"/>
+        </a:lnRef>
+        <a:fillRef idx="1">
+          <a:scrgbClr r="0" g="0" b="0"/>
+        </a:fillRef>
+        <a:effectRef idx="0">
+          <a:scrgbClr r="0" g="0" b="0"/>
+        </a:effectRef>
+        <a:fontRef idx="minor">
+          <a:schemeClr val="lt1"/>
+        </a:fontRef>
+      </dsp:style>
+      <dsp:txBody>
+        <a:bodyPr spcFirstLastPara="0" vert="horz" wrap="square" lIns="53340" tIns="53340" rIns="53340" bIns="53340" numCol="1" spcCol="1270" anchor="ctr" anchorCtr="0">
+          <a:noAutofit/>
+        </a:bodyPr>
+        <a:lstStyle/>
+        <a:p>
+          <a:pPr marL="0" lvl="0" indent="0" algn="ctr" defTabSz="622300">
+            <a:lnSpc>
+              <a:spcPct val="90000"/>
+            </a:lnSpc>
+            <a:spcBef>
+              <a:spcPct val="0"/>
+            </a:spcBef>
+            <a:spcAft>
+              <a:spcPct val="35000"/>
+            </a:spcAft>
+            <a:buNone/>
+          </a:pPr>
+          <a:r>
+            <a:rPr lang="en-US" sz="1400" kern="1200"/>
+            <a:t>Insufficient Number of Invocations - Advice: do many invocations</a:t>
+          </a:r>
+        </a:p>
+      </dsp:txBody>
+      <dsp:txXfrm>
+        <a:off x="0" y="2925762"/>
+        <a:ext cx="1952625" cy="1171575"/>
+      </dsp:txXfrm>
+    </dsp:sp>
+    <dsp:sp modelId="{25BA001D-5994-4EC5-AF05-23DF6538D5F3}">
+      <dsp:nvSpPr>
+        <dsp:cNvPr id="0" name=""/>
+        <dsp:cNvSpPr/>
+      </dsp:nvSpPr>
+      <dsp:spPr>
+        <a:xfrm>
+          <a:off x="2147887" y="2925762"/>
+          <a:ext cx="1952625" cy="1171575"/>
+        </a:xfrm>
+        <a:prstGeom prst="rect">
+          <a:avLst/>
+        </a:prstGeom>
+        <a:solidFill>
+          <a:schemeClr val="accent4">
+            <a:hueOff val="0"/>
+            <a:satOff val="0"/>
+            <a:lumOff val="0"/>
+            <a:alphaOff val="0"/>
+          </a:schemeClr>
+        </a:solidFill>
+        <a:ln w="12700" cap="flat" cmpd="sng" algn="in">
+          <a:solidFill>
+            <a:schemeClr val="lt1">
+              <a:hueOff val="0"/>
+              <a:satOff val="0"/>
+              <a:lumOff val="0"/>
+              <a:alphaOff val="0"/>
+            </a:schemeClr>
+          </a:solidFill>
+          <a:prstDash val="solid"/>
+        </a:ln>
+        <a:effectLst/>
+      </dsp:spPr>
+      <dsp:style>
+        <a:lnRef idx="2">
+          <a:scrgbClr r="0" g="0" b="0"/>
+        </a:lnRef>
+        <a:fillRef idx="1">
+          <a:scrgbClr r="0" g="0" b="0"/>
+        </a:fillRef>
+        <a:effectRef idx="0">
+          <a:scrgbClr r="0" g="0" b="0"/>
+        </a:effectRef>
+        <a:fontRef idx="minor">
+          <a:schemeClr val="lt1"/>
+        </a:fontRef>
+      </dsp:style>
+      <dsp:txBody>
+        <a:bodyPr spcFirstLastPara="0" vert="horz" wrap="square" lIns="53340" tIns="53340" rIns="53340" bIns="53340" numCol="1" spcCol="1270" anchor="ctr" anchorCtr="0">
+          <a:noAutofit/>
+        </a:bodyPr>
+        <a:lstStyle/>
+        <a:p>
+          <a:pPr marL="0" lvl="0" indent="0" algn="ctr" defTabSz="622300">
+            <a:lnSpc>
+              <a:spcPct val="90000"/>
+            </a:lnSpc>
+            <a:spcBef>
+              <a:spcPct val="0"/>
+            </a:spcBef>
+            <a:spcAft>
+              <a:spcPct val="35000"/>
+            </a:spcAft>
+            <a:buNone/>
+          </a:pPr>
+          <a:r>
+            <a:rPr lang="en-US" sz="1400" kern="1200"/>
+            <a:t>Benchmark infrastructure overhead - Advice: always calculate your infrastructure overhead</a:t>
+          </a:r>
+        </a:p>
+      </dsp:txBody>
+      <dsp:txXfrm>
+        <a:off x="2147887" y="2925762"/>
+        <a:ext cx="1952625" cy="1171575"/>
+      </dsp:txXfrm>
+    </dsp:sp>
+    <dsp:sp modelId="{6F7CD74F-6D38-44C9-92BD-B1763C368B62}">
+      <dsp:nvSpPr>
+        <dsp:cNvPr id="0" name=""/>
+        <dsp:cNvSpPr/>
+      </dsp:nvSpPr>
+      <dsp:spPr>
+        <a:xfrm>
+          <a:off x="4295775" y="2925762"/>
+          <a:ext cx="1952625" cy="1171575"/>
+        </a:xfrm>
+        <a:prstGeom prst="rect">
+          <a:avLst/>
+        </a:prstGeom>
+        <a:solidFill>
+          <a:schemeClr val="accent5">
+            <a:hueOff val="0"/>
+            <a:satOff val="0"/>
+            <a:lumOff val="0"/>
+            <a:alphaOff val="0"/>
+          </a:schemeClr>
+        </a:solidFill>
+        <a:ln w="12700" cap="flat" cmpd="sng" algn="in">
+          <a:solidFill>
+            <a:schemeClr val="lt1">
+              <a:hueOff val="0"/>
+              <a:satOff val="0"/>
+              <a:lumOff val="0"/>
+              <a:alphaOff val="0"/>
+            </a:schemeClr>
+          </a:solidFill>
+          <a:prstDash val="solid"/>
+        </a:ln>
+        <a:effectLst/>
+      </dsp:spPr>
+      <dsp:style>
+        <a:lnRef idx="2">
+          <a:scrgbClr r="0" g="0" b="0"/>
+        </a:lnRef>
+        <a:fillRef idx="1">
+          <a:scrgbClr r="0" g="0" b="0"/>
+        </a:fillRef>
+        <a:effectRef idx="0">
+          <a:scrgbClr r="0" g="0" b="0"/>
+        </a:effectRef>
+        <a:fontRef idx="minor">
+          <a:schemeClr val="lt1"/>
+        </a:fontRef>
+      </dsp:style>
+      <dsp:txBody>
+        <a:bodyPr spcFirstLastPara="0" vert="horz" wrap="square" lIns="53340" tIns="53340" rIns="53340" bIns="53340" numCol="1" spcCol="1270" anchor="ctr" anchorCtr="0">
+          <a:noAutofit/>
+        </a:bodyPr>
+        <a:lstStyle/>
+        <a:p>
+          <a:pPr marL="0" lvl="0" indent="0" algn="ctr" defTabSz="622300">
+            <a:lnSpc>
+              <a:spcPct val="90000"/>
+            </a:lnSpc>
+            <a:spcBef>
+              <a:spcPct val="0"/>
+            </a:spcBef>
+            <a:spcAft>
+              <a:spcPct val="35000"/>
+            </a:spcAft>
+            <a:buNone/>
+          </a:pPr>
+          <a:r>
+            <a:rPr lang="en-US" sz="1400" kern="1200"/>
+            <a:t>.NET-Specific Pitfalls</a:t>
+          </a:r>
+        </a:p>
+      </dsp:txBody>
+      <dsp:txXfrm>
+        <a:off x="4295775" y="2925762"/>
+        <a:ext cx="1952625" cy="1171575"/>
+      </dsp:txXfrm>
+    </dsp:sp>
+    <dsp:sp modelId="{5AB26260-65AE-4466-877C-AA1F1E8AEB2B}">
+      <dsp:nvSpPr>
+        <dsp:cNvPr id="0" name=""/>
+        <dsp:cNvSpPr/>
+      </dsp:nvSpPr>
+      <dsp:spPr>
+        <a:xfrm>
+          <a:off x="0" y="4292600"/>
+          <a:ext cx="1952625" cy="1171575"/>
+        </a:xfrm>
+        <a:prstGeom prst="rect">
+          <a:avLst/>
+        </a:prstGeom>
+        <a:solidFill>
+          <a:schemeClr val="accent6">
+            <a:hueOff val="0"/>
+            <a:satOff val="0"/>
+            <a:lumOff val="0"/>
+            <a:alphaOff val="0"/>
+          </a:schemeClr>
+        </a:solidFill>
+        <a:ln w="12700" cap="flat" cmpd="sng" algn="in">
+          <a:solidFill>
+            <a:schemeClr val="lt1">
+              <a:hueOff val="0"/>
+              <a:satOff val="0"/>
+              <a:lumOff val="0"/>
+              <a:alphaOff val="0"/>
+            </a:schemeClr>
+          </a:solidFill>
+          <a:prstDash val="solid"/>
+        </a:ln>
+        <a:effectLst/>
+      </dsp:spPr>
+      <dsp:style>
+        <a:lnRef idx="2">
+          <a:scrgbClr r="0" g="0" b="0"/>
+        </a:lnRef>
+        <a:fillRef idx="1">
+          <a:scrgbClr r="0" g="0" b="0"/>
+        </a:fillRef>
+        <a:effectRef idx="0">
+          <a:scrgbClr r="0" g="0" b="0"/>
+        </a:effectRef>
+        <a:fontRef idx="minor">
+          <a:schemeClr val="lt1"/>
+        </a:fontRef>
+      </dsp:style>
+      <dsp:txBody>
+        <a:bodyPr spcFirstLastPara="0" vert="horz" wrap="square" lIns="53340" tIns="53340" rIns="53340" bIns="53340" numCol="1" spcCol="1270" anchor="ctr" anchorCtr="0">
+          <a:noAutofit/>
+        </a:bodyPr>
+        <a:lstStyle/>
+        <a:p>
+          <a:pPr marL="0" lvl="0" indent="0" algn="ctr" defTabSz="622300">
+            <a:lnSpc>
+              <a:spcPct val="90000"/>
+            </a:lnSpc>
+            <a:spcBef>
+              <a:spcPct val="0"/>
+            </a:spcBef>
+            <a:spcAft>
+              <a:spcPct val="35000"/>
+            </a:spcAft>
+            <a:buNone/>
+          </a:pPr>
+          <a:r>
+            <a:rPr lang="en-US" sz="1400" kern="1200"/>
+            <a:t>Loop Unrolling - Advice: use variables instead of constants in loops</a:t>
+          </a:r>
+        </a:p>
+      </dsp:txBody>
+      <dsp:txXfrm>
+        <a:off x="0" y="4292600"/>
+        <a:ext cx="1952625" cy="1171575"/>
+      </dsp:txXfrm>
+    </dsp:sp>
+    <dsp:sp modelId="{D4D1D6F1-D19C-4A89-885F-707D57B5DAFB}">
+      <dsp:nvSpPr>
+        <dsp:cNvPr id="0" name=""/>
+        <dsp:cNvSpPr/>
+      </dsp:nvSpPr>
+      <dsp:spPr>
+        <a:xfrm>
+          <a:off x="2147887" y="4292600"/>
+          <a:ext cx="1952625" cy="1171575"/>
+        </a:xfrm>
+        <a:prstGeom prst="rect">
+          <a:avLst/>
+        </a:prstGeom>
+        <a:solidFill>
+          <a:schemeClr val="accent2">
+            <a:hueOff val="0"/>
+            <a:satOff val="0"/>
+            <a:lumOff val="0"/>
+            <a:alphaOff val="0"/>
+          </a:schemeClr>
+        </a:solidFill>
+        <a:ln w="12700" cap="flat" cmpd="sng" algn="in">
+          <a:solidFill>
+            <a:schemeClr val="lt1">
+              <a:hueOff val="0"/>
+              <a:satOff val="0"/>
+              <a:lumOff val="0"/>
+              <a:alphaOff val="0"/>
+            </a:schemeClr>
+          </a:solidFill>
+          <a:prstDash val="solid"/>
+        </a:ln>
+        <a:effectLst/>
+      </dsp:spPr>
+      <dsp:style>
+        <a:lnRef idx="2">
+          <a:scrgbClr r="0" g="0" b="0"/>
+        </a:lnRef>
+        <a:fillRef idx="1">
+          <a:scrgbClr r="0" g="0" b="0"/>
+        </a:fillRef>
+        <a:effectRef idx="0">
+          <a:scrgbClr r="0" g="0" b="0"/>
+        </a:effectRef>
+        <a:fontRef idx="minor">
+          <a:schemeClr val="lt1"/>
+        </a:fontRef>
+      </dsp:style>
+      <dsp:txBody>
+        <a:bodyPr spcFirstLastPara="0" vert="horz" wrap="square" lIns="53340" tIns="53340" rIns="53340" bIns="53340" numCol="1" spcCol="1270" anchor="ctr" anchorCtr="0">
+          <a:noAutofit/>
+        </a:bodyPr>
+        <a:lstStyle/>
+        <a:p>
+          <a:pPr marL="0" lvl="0" indent="0" algn="ctr" defTabSz="622300">
+            <a:lnSpc>
+              <a:spcPct val="90000"/>
+            </a:lnSpc>
+            <a:spcBef>
+              <a:spcPct val="0"/>
+            </a:spcBef>
+            <a:spcAft>
+              <a:spcPct val="35000"/>
+            </a:spcAft>
+            <a:buNone/>
+          </a:pPr>
+          <a:r>
+            <a:rPr lang="en-US" sz="1400" kern="1200"/>
+            <a:t>Dead Code Elimination - Advice: always use results of your calculations</a:t>
+          </a:r>
+        </a:p>
+      </dsp:txBody>
+      <dsp:txXfrm>
+        <a:off x="2147887" y="4292600"/>
+        <a:ext cx="1952625" cy="1171575"/>
+      </dsp:txXfrm>
+    </dsp:sp>
+    <dsp:sp modelId="{F5635072-0A52-4BB5-99E3-FA99F7163F63}">
+      <dsp:nvSpPr>
+        <dsp:cNvPr id="0" name=""/>
+        <dsp:cNvSpPr/>
+      </dsp:nvSpPr>
+      <dsp:spPr>
+        <a:xfrm>
+          <a:off x="4295775" y="4292600"/>
+          <a:ext cx="1952625" cy="1171575"/>
+        </a:xfrm>
+        <a:prstGeom prst="rect">
+          <a:avLst/>
+        </a:prstGeom>
+        <a:solidFill>
+          <a:schemeClr val="accent3">
+            <a:hueOff val="0"/>
+            <a:satOff val="0"/>
+            <a:lumOff val="0"/>
+            <a:alphaOff val="0"/>
+          </a:schemeClr>
+        </a:solidFill>
+        <a:ln w="12700" cap="flat" cmpd="sng" algn="in">
+          <a:solidFill>
+            <a:schemeClr val="lt1">
+              <a:hueOff val="0"/>
+              <a:satOff val="0"/>
+              <a:lumOff val="0"/>
+              <a:alphaOff val="0"/>
+            </a:schemeClr>
+          </a:solidFill>
+          <a:prstDash val="solid"/>
+        </a:ln>
+        <a:effectLst/>
+      </dsp:spPr>
+      <dsp:style>
+        <a:lnRef idx="2">
+          <a:scrgbClr r="0" g="0" b="0"/>
+        </a:lnRef>
+        <a:fillRef idx="1">
+          <a:scrgbClr r="0" g="0" b="0"/>
+        </a:fillRef>
+        <a:effectRef idx="0">
+          <a:scrgbClr r="0" g="0" b="0"/>
+        </a:effectRef>
+        <a:fontRef idx="minor">
+          <a:schemeClr val="lt1"/>
+        </a:fontRef>
+      </dsp:style>
+      <dsp:txBody>
+        <a:bodyPr spcFirstLastPara="0" vert="horz" wrap="square" lIns="53340" tIns="53340" rIns="53340" bIns="53340" numCol="1" spcCol="1270" anchor="ctr" anchorCtr="0">
+          <a:noAutofit/>
+        </a:bodyPr>
+        <a:lstStyle/>
+        <a:p>
+          <a:pPr marL="0" lvl="0" indent="0" algn="ctr" defTabSz="622300">
+            <a:lnSpc>
+              <a:spcPct val="90000"/>
+            </a:lnSpc>
+            <a:spcBef>
+              <a:spcPct val="0"/>
+            </a:spcBef>
+            <a:spcAft>
+              <a:spcPct val="35000"/>
+            </a:spcAft>
+            <a:buNone/>
+          </a:pPr>
+          <a:r>
+            <a:rPr lang="en-US" sz="1400" kern="1200"/>
+            <a:t>Inlining - Advice: control inlining of the benchmarked methods</a:t>
+          </a:r>
+        </a:p>
+      </dsp:txBody>
+      <dsp:txXfrm>
+        <a:off x="4295775" y="4292600"/>
+        <a:ext cx="1952625" cy="1171575"/>
+      </dsp:txXfrm>
+    </dsp:sp>
+  </dsp:spTree>
+</dsp:drawing>
+</file>
+
+<file path=ppt/diagrams/layout1.xml><?xml version="1.0" encoding="utf-8"?>
+<dgm:layoutDef xmlns:dgm="http://schemas.openxmlformats.org/drawingml/2006/diagram" xmlns:a="http://schemas.openxmlformats.org/drawingml/2006/main" uniqueId="urn:microsoft.com/office/officeart/2005/8/layout/default">
+  <dgm:title val=""/>
+  <dgm:desc val=""/>
+  <dgm:catLst>
+    <dgm:cat type="list" pri="400"/>
+  </dgm:catLst>
+  <dgm:sampData>
+    <dgm:dataModel>
+      <dgm:ptLst>
+        <dgm:pt modelId="0" type="doc"/>
+        <dgm:pt modelId="1">
+          <dgm:prSet phldr="1"/>
+        </dgm:pt>
+        <dgm:pt modelId="2">
+          <dgm:prSet phldr="1"/>
+        </dgm:pt>
+        <dgm:pt modelId="3">
+          <dgm:prSet phldr="1"/>
+        </dgm:pt>
+        <dgm:pt modelId="4">
+          <dgm:prSet phldr="1"/>
+        </dgm:pt>
+        <dgm:pt modelId="5">
+          <dgm:prSet phldr="1"/>
+        </dgm:pt>
+      </dgm:ptLst>
+      <dgm:cxnLst>
+        <dgm:cxn modelId="6" srcId="0" destId="1" srcOrd="0" destOrd="0"/>
+        <dgm:cxn modelId="7" srcId="0" destId="2" srcOrd="1" destOrd="0"/>
+        <dgm:cxn modelId="8" srcId="0" destId="3" srcOrd="2" destOrd="0"/>
+        <dgm:cxn modelId="9" srcId="0" destId="4" srcOrd="3" destOrd="0"/>
+        <dgm:cxn modelId="10" srcId="0" destId="5" srcOrd="4" destOrd="0"/>
+      </dgm:cxnLst>
+      <dgm:bg/>
+      <dgm:whole/>
+    </dgm:dataModel>
+  </dgm:sampData>
+  <dgm:styleData>
+    <dgm:dataModel>
+      <dgm:ptLst>
+        <dgm:pt modelId="0" type="doc"/>
+        <dgm:pt modelId="1"/>
+        <dgm:pt modelId="2"/>
+      </dgm:ptLst>
+      <dgm:cxnLst>
+        <dgm:cxn modelId="3" srcId="0" destId="1" srcOrd="0" destOrd="0"/>
+        <dgm:cxn modelId="4" srcId="0" destId="2" srcOrd="1" destOrd="0"/>
+      </dgm:cxnLst>
+      <dgm:bg/>
+      <dgm:whole/>
+    </dgm:dataModel>
+  </dgm:styleData>
+  <dgm:clrData>
+    <dgm:dataModel>
+      <dgm:ptLst>
+        <dgm:pt modelId="0" type="doc"/>
+        <dgm:pt modelId="1"/>
+        <dgm:pt modelId="2"/>
+        <dgm:pt modelId="3"/>
+        <dgm:pt modelId="4"/>
+        <dgm:pt modelId="5"/>
+        <dgm:pt modelId="6"/>
+      </dgm:ptLst>
+      <dgm:cxnLst>
+        <dgm:cxn modelId="7" srcId="0" destId="1" srcOrd="0" destOrd="0"/>
+        <dgm:cxn modelId="8" srcId="0" destId="2" srcOrd="1" destOrd="0"/>
+        <dgm:cxn modelId="9" srcId="0" destId="3" srcOrd="2" destOrd="0"/>
+        <dgm:cxn modelId="10" srcId="0" destId="4" srcOrd="3" destOrd="0"/>
+        <dgm:cxn modelId="11" srcId="0" destId="5" srcOrd="4" destOrd="0"/>
+        <dgm:cxn modelId="12" srcId="0" destId="6" srcOrd="5" destOrd="0"/>
+      </dgm:cxnLst>
+      <dgm:bg/>
+      <dgm:whole/>
+    </dgm:dataModel>
+  </dgm:clrData>
+  <dgm:layoutNode name="diagram">
+    <dgm:varLst>
+      <dgm:dir/>
+      <dgm:resizeHandles val="exact"/>
+    </dgm:varLst>
+    <dgm:choose name="Name0">
+      <dgm:if name="Name1" func="var" arg="dir" op="equ" val="norm">
+        <dgm:alg type="snake">
+          <dgm:param type="grDir" val="tL"/>
+          <dgm:param type="flowDir" val="row"/>
+          <dgm:param type="contDir" val="sameDir"/>
+          <dgm:param type="off" val="ctr"/>
+        </dgm:alg>
+      </dgm:if>
+      <dgm:else name="Name2">
+        <dgm:alg type="snake">
+          <dgm:param type="grDir" val="tR"/>
+          <dgm:param type="flowDir" val="row"/>
+          <dgm:param type="contDir" val="sameDir"/>
+          <dgm:param type="off" val="ctr"/>
+        </dgm:alg>
+      </dgm:else>
+    </dgm:choose>
+    <dgm:shape xmlns:r="http://schemas.openxmlformats.org/officeDocument/2006/relationships" r:blip="">
+      <dgm:adjLst/>
+    </dgm:shape>
+    <dgm:presOf/>
+    <dgm:constrLst>
+      <dgm:constr type="w" for="ch" forName="node" refType="w"/>
+      <dgm:constr type="h" for="ch" forName="node" refType="w" refFor="ch" refForName="node" fact="0.6"/>
+      <dgm:constr type="w" for="ch" forName="sibTrans" refType="w" refFor="ch" refForName="node" fact="0.1"/>
+      <dgm:constr type="sp" refType="w" refFor="ch" refForName="sibTrans"/>
+      <dgm:constr type="primFontSz" for="ch" forName="node" op="equ" val="65"/>
+    </dgm:constrLst>
+    <dgm:ruleLst/>
+    <dgm:forEach name="Name3" axis="ch" ptType="node">
+      <dgm:layoutNode name="node">
+        <dgm:varLst>
+          <dgm:bulletEnabled val="1"/>
+        </dgm:varLst>
+        <dgm:alg type="tx"/>
+        <dgm:shape xmlns:r="http://schemas.openxmlformats.org/officeDocument/2006/relationships" type="rect" r:blip="">
+          <dgm:adjLst/>
+        </dgm:shape>
+        <dgm:presOf axis="desOrSelf" ptType="node"/>
+        <dgm:constrLst>
+          <dgm:constr type="lMarg" refType="primFontSz" fact="0.3"/>
+          <dgm:constr type="rMarg" refType="primFontSz" fact="0.3"/>
+          <dgm:constr type="tMarg" refType="primFontSz" fact="0.3"/>
+          <dgm:constr type="bMarg" refType="primFontSz" fact="0.3"/>
+        </dgm:constrLst>
+        <dgm:ruleLst>
+          <dgm:rule type="primFontSz" val="5" fact="NaN" max="NaN"/>
+        </dgm:ruleLst>
+      </dgm:layoutNode>
+      <dgm:forEach name="Name4" axis="followSib" ptType="sibTrans" cnt="1">
+        <dgm:layoutNode name="sibTrans">
+          <dgm:alg type="sp"/>
+          <dgm:shape xmlns:r="http://schemas.openxmlformats.org/officeDocument/2006/relationships" r:blip="">
+            <dgm:adjLst/>
+          </dgm:shape>
+          <dgm:presOf/>
+          <dgm:constrLst/>
+          <dgm:ruleLst/>
+        </dgm:layoutNode>
+      </dgm:forEach>
+    </dgm:forEach>
+  </dgm:layoutNode>
+</dgm:layoutDef>
+</file>
+
+<file path=ppt/diagrams/quickStyle1.xml><?xml version="1.0" encoding="utf-8"?>
+<dgm:styleDef xmlns:dgm="http://schemas.openxmlformats.org/drawingml/2006/diagram" xmlns:a="http://schemas.openxmlformats.org/drawingml/2006/main" uniqueId="urn:microsoft.com/office/officeart/2005/8/quickstyle/simple1">
+  <dgm:title val=""/>
+  <dgm:desc val=""/>
+  <dgm:catLst>
+    <dgm:cat type="simple" pri="10100"/>
+  </dgm:catLst>
+  <dgm:scene3d>
+    <a:camera prst="orthographicFront"/>
+    <a:lightRig rig="threePt" dir="t"/>
+  </dgm:scene3d>
+  <dgm:styleLbl name="node0">
+    <dgm:scene3d>
+      <a:camera prst="orthographicFront"/>
+      <a:lightRig rig="threePt" dir="t"/>
+    </dgm:scene3d>
+    <dgm:sp3d/>
+    <dgm:txPr/>
+    <dgm:style>
+      <a:lnRef idx="2">
+        <a:scrgbClr r="0" g="0" b="0"/>
+      </a:lnRef>
+      <a:fillRef idx="1">
+        <a:scrgbClr r="0" g="0" b="0"/>
+      </a:fillRef>
+      <a:effectRef idx="0">
+        <a:scrgbClr r="0" g="0" b="0"/>
+      </a:effectRef>
+      <a:fontRef idx="minor">
+        <a:schemeClr val="lt1"/>
+      </a:fontRef>
+    </dgm:style>
+  </dgm:styleLbl>
+  <dgm:styleLbl name="lnNode1">
+    <dgm:scene3d>
+      <a:camera prst="orthographicFront"/>
+      <a:lightRig rig="threePt" dir="t"/>
+    </dgm:scene3d>
+    <dgm:sp3d/>
+    <dgm:txPr/>
+    <dgm:style>
+      <a:lnRef idx="2">
+        <a:scrgbClr r="0" g="0" b="0"/>
+      </a:lnRef>
+      <a:fillRef idx="1">
+        <a:scrgbClr r="0" g="0" b="0"/>
+      </a:fillRef>
+      <a:effectRef idx="0">
+        <a:scrgbClr r="0" g="0" b="0"/>
+      </a:effectRef>
+      <a:fontRef idx="minor">
+        <a:schemeClr val="lt1"/>
+      </a:fontRef>
+    </dgm:style>
+  </dgm:styleLbl>
+  <dgm:styleLbl name="vennNode1">
+    <dgm:scene3d>
+      <a:camera prst="orthographicFront"/>
+      <a:lightRig rig="threePt" dir="t"/>
+    </dgm:scene3d>
+    <dgm:sp3d/>
+    <dgm:txPr/>
+    <dgm:style>
+      <a:lnRef idx="2">
+        <a:scrgbClr r="0" g="0" b="0"/>
+      </a:lnRef>
+      <a:fillRef idx="1">
+        <a:scrgbClr r="0" g="0" b="0"/>
+      </a:fillRef>
+      <a:effectRef idx="0">
+        <a:scrgbClr r="0" g="0" b="0"/>
+      </a:effectRef>
+      <a:fontRef idx="minor">
+        <a:schemeClr val="tx1"/>
+      </a:fontRef>
+    </dgm:style>
+  </dgm:styleLbl>
+  <dgm:styleLbl name="alignNode1">
+    <dgm:scene3d>
+      <a:camera prst="orthographicFront"/>
+      <a:lightRig rig="threePt" dir="t"/>
+    </dgm:scene3d>
+    <dgm:sp3d/>
+    <dgm:txPr/>
+    <dgm:style>
+      <a:lnRef idx="2">
+        <a:scrgbClr r="0" g="0" b="0"/>
+      </a:lnRef>
+      <a:fillRef idx="1">
+        <a:scrgbClr r="0" g="0" b="0"/>
+      </a:fillRef>
+      <a:effectRef idx="0">
+        <a:scrgbClr r="0" g="0" b="0"/>
+      </a:effectRef>
+      <a:fontRef idx="minor">
+        <a:schemeClr val="lt1"/>
+      </a:fontRef>
+    </dgm:style>
+  </dgm:styleLbl>
+  <dgm:styleLbl name="node1">
+    <dgm:scene3d>
+      <a:camera prst="orthographicFront"/>
+      <a:lightRig rig="threePt" dir="t"/>
+    </dgm:scene3d>
+    <dgm:sp3d/>
+    <dgm:txPr/>
+    <dgm:style>
+      <a:lnRef idx="2">
+        <a:scrgbClr r="0" g="0" b="0"/>
+      </a:lnRef>
+      <a:fillRef idx="1">
+        <a:scrgbClr r="0" g="0" b="0"/>
+      </a:fillRef>
+      <a:effectRef idx="0">
+        <a:scrgbClr r="0" g="0" b="0"/>
+      </a:effectRef>
+      <a:fontRef idx="minor">
+        <a:schemeClr val="lt1"/>
+      </a:fontRef>
+    </dgm:style>
+  </dgm:styleLbl>
+  <dgm:styleLbl name="node2">
+    <dgm:scene3d>
+      <a:camera prst="orthographicFront"/>
+      <a:lightRig rig="threePt" dir="t"/>
+    </dgm:scene3d>
+    <dgm:sp3d/>
+    <dgm:txPr/>
+    <dgm:style>
+      <a:lnRef idx="2">
+        <a:scrgbClr r="0" g="0" b="0"/>
+      </a:lnRef>
+      <a:fillRef idx="1">
+        <a:scrgbClr r="0" g="0" b="0"/>
+      </a:fillRef>
+      <a:effectRef idx="0">
+        <a:scrgbClr r="0" g="0" b="0"/>
+      </a:effectRef>
+      <a:fontRef idx="minor">
+        <a:schemeClr val="lt1"/>
+      </a:fontRef>
+    </dgm:style>
+  </dgm:styleLbl>
+  <dgm:styleLbl name="node3">
+    <dgm:scene3d>
+      <a:camera prst="orthographicFront"/>
+      <a:lightRig rig="threePt" dir="t"/>
+    </dgm:scene3d>
+    <dgm:sp3d/>
+    <dgm:txPr/>
+    <dgm:style>
+      <a:lnRef idx="2">
+        <a:scrgbClr r="0" g="0" b="0"/>
+      </a:lnRef>
+      <a:fillRef idx="1">
+        <a:scrgbClr r="0" g="0" b="0"/>
+      </a:fillRef>
+      <a:effectRef idx="0">
+        <a:scrgbClr r="0" g="0" b="0"/>
+      </a:effectRef>
+      <a:fontRef idx="minor">
+        <a:schemeClr val="lt1"/>
+      </a:fontRef>
+    </dgm:style>
+  </dgm:styleLbl>
+  <dgm:styleLbl name="node4">
+    <dgm:scene3d>
+      <a:camera prst="orthographicFront"/>
+      <a:lightRig rig="threePt" dir="t"/>
+    </dgm:scene3d>
+    <dgm:sp3d/>
+    <dgm:txPr/>
+    <dgm:style>
+      <a:lnRef idx="2">
+        <a:scrgbClr r="0" g="0" b="0"/>
+      </a:lnRef>
+      <a:fillRef idx="1">
+        <a:scrgbClr r="0" g="0" b="0"/>
+      </a:fillRef>
+      <a:effectRef idx="0">
+        <a:scrgbClr r="0" g="0" b="0"/>
+      </a:effectRef>
+      <a:fontRef idx="minor">
+        <a:schemeClr val="lt1"/>
+      </a:fontRef>
+    </dgm:style>
+  </dgm:styleLbl>
+  <dgm:styleLbl name="fgImgPlace1">
+    <dgm:scene3d>
+      <a:camera prst="orthographicFront"/>
+      <a:lightRig rig="threePt" dir="t"/>
+    </dgm:scene3d>
+    <dgm:sp3d/>
+    <dgm:txPr/>
+    <dgm:style>
+      <a:lnRef idx="2">
+        <a:scrgbClr r="0" g="0" b="0"/>
+      </a:lnRef>
+      <a:fillRef idx="1">
+        <a:scrgbClr r="0" g="0" b="0"/>
+      </a:fillRef>
+      <a:effectRef idx="0">
+        <a:scrgbClr r="0" g="0" b="0"/>
+      </a:effectRef>
+      <a:fontRef idx="minor"/>
+    </dgm:style>
+  </dgm:styleLbl>
+  <dgm:styleLbl name="alignImgPlace1">
+    <dgm:scene3d>
+      <a:camera prst="orthographicFront"/>
+      <a:lightRig rig="threePt" dir="t"/>
+    </dgm:scene3d>
+    <dgm:sp3d/>
+    <dgm:txPr/>
+    <dgm:style>
+      <a:lnRef idx="2">
+        <a:scrgbClr r="0" g="0" b="0"/>
+      </a:lnRef>
+      <a:fillRef idx="1">
+        <a:scrgbClr r="0" g="0" b="0"/>
+      </a:fillRef>
+      <a:effectRef idx="0">
+        <a:scrgbClr r="0" g="0" b="0"/>
+      </a:effectRef>
+      <a:fontRef idx="minor"/>
+    </dgm:style>
+  </dgm:styleLbl>
+  <dgm:styleLbl name="bgImgPlace1">
+    <dgm:scene3d>
+      <a:camera prst="orthographicFront"/>
+      <a:lightRig rig="threePt" dir="t"/>
+    </dgm:scene3d>
+    <dgm:sp3d/>
+    <dgm:txPr/>
+    <dgm:style>
+      <a:lnRef idx="2">
+        <a:scrgbClr r="0" g="0" b="0"/>
+      </a:lnRef>
+      <a:fillRef idx="1">
+        <a:scrgbClr r="0" g="0" b="0"/>
+      </a:fillRef>
+      <a:effectRef idx="0">
+        <a:scrgbClr r="0" g="0" b="0"/>
+      </a:effectRef>
+      <a:fontRef idx="minor"/>
+    </dgm:style>
+  </dgm:styleLbl>
+  <dgm:styleLbl name="sibTrans2D1">
+    <dgm:scene3d>
+      <a:camera prst="orthographicFront"/>
+      <a:lightRig rig="threePt" dir="t"/>
+    </dgm:scene3d>
+    <dgm:sp3d/>
+    <dgm:txPr/>
+    <dgm:style>
+      <a:lnRef idx="0">
+        <a:scrgbClr r="0" g="0" b="0"/>
+      </a:lnRef>
+      <a:fillRef idx="1">
+        <a:scrgbClr r="0" g="0" b="0"/>
+      </a:fillRef>
+      <a:effectRef idx="0">
+        <a:scrgbClr r="0" g="0" b="0"/>
+      </a:effectRef>
+      <a:fontRef idx="minor">
+        <a:schemeClr val="lt1"/>
+      </a:fontRef>
+    </dgm:style>
+  </dgm:styleLbl>
+  <dgm:styleLbl name="fgSibTrans2D1">
+    <dgm:scene3d>
+      <a:camera prst="orthographicFront"/>
+      <a:lightRig rig="threePt" dir="t"/>
+    </dgm:scene3d>
+    <dgm:sp3d/>
+    <dgm:txPr/>
+    <dgm:style>
+      <a:lnRef idx="0">
+        <a:scrgbClr r="0" g="0" b="0"/>
+      </a:lnRef>
+      <a:fillRef idx="1">
+        <a:scrgbClr r="0" g="0" b="0"/>
+      </a:fillRef>
+      <a:effectRef idx="0">
+        <a:scrgbClr r="0" g="0" b="0"/>
+      </a:effectRef>
+      <a:fontRef idx="minor">
+        <a:schemeClr val="lt1"/>
+      </a:fontRef>
+    </dgm:style>
+  </dgm:styleLbl>
+  <dgm:styleLbl name="bgSibTrans2D1">
+    <dgm:scene3d>
+      <a:camera prst="orthographicFront"/>
+      <a:lightRig rig="threePt" dir="t"/>
+    </dgm:scene3d>
+    <dgm:sp3d/>
+    <dgm:txPr/>
+    <dgm:style>
+      <a:lnRef idx="0">
+        <a:scrgbClr r="0" g="0" b="0"/>
+      </a:lnRef>
+      <a:fillRef idx="1">
+        <a:scrgbClr r="0" g="0" b="0"/>
+      </a:fillRef>
+      <a:effectRef idx="0">
+        <a:scrgbClr r="0" g="0" b="0"/>
+      </a:effectRef>
+      <a:fontRef idx="minor">
+        <a:schemeClr val="lt1"/>
+      </a:fontRef>
+    </dgm:style>
+  </dgm:styleLbl>
+  <dgm:styleLbl name="sibTrans1D1">
+    <dgm:scene3d>
+      <a:camera prst="orthographicFront"/>
+      <a:lightRig rig="threePt" dir="t"/>
+    </dgm:scene3d>
+    <dgm:sp3d/>
+    <dgm:txPr/>
+    <dgm:style>
+      <a:lnRef idx="1">
+        <a:scrgbClr r="0" g="0" b="0"/>
+      </a:lnRef>
+      <a:fillRef idx="0">
+        <a:scrgbClr r="0" g="0" b="0"/>
+      </a:fillRef>
+      <a:effectRef idx="0">
+        <a:scrgbClr r="0" g="0" b="0"/>
+      </a:effectRef>
+      <a:fontRef idx="minor"/>
+    </dgm:style>
+  </dgm:styleLbl>
+  <dgm:styleLbl name="callout">
+    <dgm:scene3d>
+      <a:camera prst="orthographicFront"/>
+      <a:lightRig rig="threePt" dir="t"/>
+    </dgm:scene3d>
+    <dgm:sp3d/>
+    <dgm:txPr/>
+    <dgm:style>
+      <a:lnRef idx="2">
+        <a:scrgbClr r="0" g="0" b="0"/>
+      </a:lnRef>
+      <a:fillRef idx="1">
+        <a:scrgbClr r="0" g="0" b="0"/>
+      </a:fillRef>
+      <a:effectRef idx="0">
+        <a:scrgbClr r="0" g="0" b="0"/>
+      </a:effectRef>
+      <a:fontRef idx="minor"/>
+    </dgm:style>
+  </dgm:styleLbl>
+  <dgm:styleLbl name="asst0">
+    <dgm:scene3d>
+      <a:camera prst="orthographicFront"/>
+      <a:lightRig rig="threePt" dir="t"/>
+    </dgm:scene3d>
+    <dgm:sp3d/>
+    <dgm:txPr/>
+    <dgm:style>
+      <a:lnRef idx="2">
+        <a:scrgbClr r="0" g="0" b="0"/>
+      </a:lnRef>
+      <a:fillRef idx="1">
+        <a:scrgbClr r="0" g="0" b="0"/>
+      </a:fillRef>
+      <a:effectRef idx="0">
+        <a:scrgbClr r="0" g="0" b="0"/>
+      </a:effectRef>
+      <a:fontRef idx="minor">
+        <a:schemeClr val="lt1"/>
+      </a:fontRef>
+    </dgm:style>
+  </dgm:styleLbl>
+  <dgm:styleLbl name="asst1">
+    <dgm:scene3d>
+      <a:camera prst="orthographicFront"/>
+      <a:lightRig rig="threePt" dir="t"/>
+    </dgm:scene3d>
+    <dgm:sp3d/>
+    <dgm:txPr/>
+    <dgm:style>
+      <a:lnRef idx="2">
+        <a:scrgbClr r="0" g="0" b="0"/>
+      </a:lnRef>
+      <a:fillRef idx="1">
+        <a:scrgbClr r="0" g="0" b="0"/>
+      </a:fillRef>
+      <a:effectRef idx="0">
+        <a:scrgbClr r="0" g="0" b="0"/>
+      </a:effectRef>
+      <a:fontRef idx="minor">
+        <a:schemeClr val="lt1"/>
+      </a:fontRef>
+    </dgm:style>
+  </dgm:styleLbl>
+  <dgm:styleLbl name="asst2">
+    <dgm:scene3d>
+      <a:camera prst="orthographicFront"/>
+      <a:lightRig rig="threePt" dir="t"/>
+    </dgm:scene3d>
+    <dgm:sp3d/>
+    <dgm:txPr/>
+    <dgm:style>
+      <a:lnRef idx="2">
+        <a:scrgbClr r="0" g="0" b="0"/>
+      </a:lnRef>
+      <a:fillRef idx="1">
+        <a:scrgbClr r="0" g="0" b="0"/>
+      </a:fillRef>
+      <a:effectRef idx="0">
+        <a:scrgbClr r="0" g="0" b="0"/>
+      </a:effectRef>
+      <a:fontRef idx="minor">
+        <a:schemeClr val="lt1"/>
+      </a:fontRef>
+    </dgm:style>
+  </dgm:styleLbl>
+  <dgm:styleLbl name="asst3">
+    <dgm:scene3d>
+      <a:camera prst="orthographicFront"/>
+      <a:lightRig rig="threePt" dir="t"/>
+    </dgm:scene3d>
+    <dgm:sp3d/>
+    <dgm:txPr/>
+    <dgm:style>
+      <a:lnRef idx="2">
+        <a:scrgbClr r="0" g="0" b="0"/>
+      </a:lnRef>
+      <a:fillRef idx="1">
+        <a:scrgbClr r="0" g="0" b="0"/>
+      </a:fillRef>
+      <a:effectRef idx="0">
+        <a:scrgbClr r="0" g="0" b="0"/>
+      </a:effectRef>
+      <a:fontRef idx="minor">
+        <a:schemeClr val="lt1"/>
+      </a:fontRef>
+    </dgm:style>
+  </dgm:styleLbl>
+  <dgm:styleLbl name="asst4">
+    <dgm:scene3d>
+      <a:camera prst="orthographicFront"/>
+      <a:lightRig rig="threePt" dir="t"/>
+    </dgm:scene3d>
+    <dgm:sp3d/>
+    <dgm:txPr/>
+    <dgm:style>
+      <a:lnRef idx="2">
+        <a:scrgbClr r="0" g="0" b="0"/>
+      </a:lnRef>
+      <a:fillRef idx="1">
+        <a:scrgbClr r="0" g="0" b="0"/>
+      </a:fillRef>
+      <a:effectRef idx="0">
+        <a:scrgbClr r="0" g="0" b="0"/>
+      </a:effectRef>
+      <a:fontRef idx="minor">
+        <a:schemeClr val="lt1"/>
+      </a:fontRef>
+    </dgm:style>
+  </dgm:styleLbl>
+  <dgm:styleLbl name="parChTrans2D1">
+    <dgm:scene3d>
+      <a:camera prst="orthographicFront"/>
+      <a:lightRig rig="threePt" dir="t"/>
+    </dgm:scene3d>
+    <dgm:sp3d/>
+    <dgm:txPr/>
+    <dgm:style>
+      <a:lnRef idx="2">
+        <a:scrgbClr r="0" g="0" b="0"/>
+      </a:lnRef>
+      <a:fillRef idx="1">
+        <a:scrgbClr r="0" g="0" b="0"/>
+      </a:fillRef>
+      <a:effectRef idx="0">
+        <a:scrgbClr r="0" g="0" b="0"/>
+      </a:effectRef>
+      <a:fontRef idx="minor">
+        <a:schemeClr val="lt1"/>
+      </a:fontRef>
+    </dgm:style>
+  </dgm:styleLbl>
+  <dgm:styleLbl name="parChTrans2D2">
+    <dgm:scene3d>
+      <a:camera prst="orthographicFront"/>
+      <a:lightRig rig="threePt" dir="t"/>
+    </dgm:scene3d>
+    <dgm:sp3d/>
+    <dgm:txPr/>
+    <dgm:style>
+      <a:lnRef idx="2">
+        <a:scrgbClr r="0" g="0" b="0"/>
+      </a:lnRef>
+      <a:fillRef idx="1">
+        <a:scrgbClr r="0" g="0" b="0"/>
+      </a:fillRef>
+      <a:effectRef idx="0">
+        <a:scrgbClr r="0" g="0" b="0"/>
+      </a:effectRef>
+      <a:fontRef idx="minor">
+        <a:schemeClr val="lt1"/>
+      </a:fontRef>
+    </dgm:style>
+  </dgm:styleLbl>
+  <dgm:styleLbl name="parChTrans2D3">
+    <dgm:scene3d>
+      <a:camera prst="orthographicFront"/>
+      <a:lightRig rig="threePt" dir="t"/>
+    </dgm:scene3d>
+    <dgm:sp3d/>
+    <dgm:txPr/>
+    <dgm:style>
+      <a:lnRef idx="2">
+        <a:scrgbClr r="0" g="0" b="0"/>
+      </a:lnRef>
+      <a:fillRef idx="1">
+        <a:scrgbClr r="0" g="0" b="0"/>
+      </a:fillRef>
+      <a:effectRef idx="0">
+        <a:scrgbClr r="0" g="0" b="0"/>
+      </a:effectRef>
+      <a:fontRef idx="minor">
+        <a:schemeClr val="lt1"/>
+      </a:fontRef>
+    </dgm:style>
+  </dgm:styleLbl>
+  <dgm:styleLbl name="parChTrans2D4">
+    <dgm:scene3d>
+      <a:camera prst="orthographicFront"/>
+      <a:lightRig rig="threePt" dir="t"/>
+    </dgm:scene3d>
+    <dgm:sp3d/>
+    <dgm:txPr/>
+    <dgm:style>
+      <a:lnRef idx="2">
+        <a:scrgbClr r="0" g="0" b="0"/>
+      </a:lnRef>
+      <a:fillRef idx="1">
+        <a:scrgbClr r="0" g="0" b="0"/>
+      </a:fillRef>
+      <a:effectRef idx="0">
+        <a:scrgbClr r="0" g="0" b="0"/>
+      </a:effectRef>
+      <a:fontRef idx="minor">
+        <a:schemeClr val="lt1"/>
+      </a:fontRef>
+    </dgm:style>
+  </dgm:styleLbl>
+  <dgm:styleLbl name="parChTrans1D1">
+    <dgm:scene3d>
+      <a:camera prst="orthographicFront"/>
+      <a:lightRig rig="threePt" dir="t"/>
+    </dgm:scene3d>
+    <dgm:sp3d/>
+    <dgm:txPr/>
+    <dgm:style>
+      <a:lnRef idx="2">
+        <a:scrgbClr r="0" g="0" b="0"/>
+      </a:lnRef>
+      <a:fillRef idx="0">
+        <a:scrgbClr r="0" g="0" b="0"/>
+      </a:fillRef>
+      <a:effectRef idx="0">
+        <a:scrgbClr r="0" g="0" b="0"/>
+      </a:effectRef>
+      <a:fontRef idx="minor"/>
+    </dgm:style>
+  </dgm:styleLbl>
+  <dgm:styleLbl name="parChTrans1D2">
+    <dgm:scene3d>
+      <a:camera prst="orthographicFront"/>
+      <a:lightRig rig="threePt" dir="t"/>
+    </dgm:scene3d>
+    <dgm:sp3d/>
+    <dgm:txPr/>
+    <dgm:style>
+      <a:lnRef idx="2">
+        <a:scrgbClr r="0" g="0" b="0"/>
+      </a:lnRef>
+      <a:fillRef idx="0">
+        <a:scrgbClr r="0" g="0" b="0"/>
+      </a:fillRef>
+      <a:effectRef idx="0">
+        <a:scrgbClr r="0" g="0" b="0"/>
+      </a:effectRef>
+      <a:fontRef idx="minor"/>
+    </dgm:style>
+  </dgm:styleLbl>
+  <dgm:styleLbl name="parChTrans1D3">
+    <dgm:scene3d>
+      <a:camera prst="orthographicFront"/>
+      <a:lightRig rig="threePt" dir="t"/>
+    </dgm:scene3d>
+    <dgm:sp3d/>
+    <dgm:txPr/>
+    <dgm:style>
+      <a:lnRef idx="2">
+        <a:scrgbClr r="0" g="0" b="0"/>
+      </a:lnRef>
+      <a:fillRef idx="0">
+        <a:scrgbClr r="0" g="0" b="0"/>
+      </a:fillRef>
+      <a:effectRef idx="0">
+        <a:scrgbClr r="0" g="0" b="0"/>
+      </a:effectRef>
+      <a:fontRef idx="minor"/>
+    </dgm:style>
+  </dgm:styleLbl>
+  <dgm:styleLbl name="parChTrans1D4">
+    <dgm:scene3d>
+      <a:camera prst="orthographicFront"/>
+      <a:lightRig rig="threePt" dir="t"/>
+    </dgm:scene3d>
+    <dgm:sp3d/>
+    <dgm:txPr/>
+    <dgm:style>
+      <a:lnRef idx="2">
+        <a:scrgbClr r="0" g="0" b="0"/>
+      </a:lnRef>
+      <a:fillRef idx="0">
+        <a:scrgbClr r="0" g="0" b="0"/>
+      </a:fillRef>
+      <a:effectRef idx="0">
+        <a:scrgbClr r="0" g="0" b="0"/>
+      </a:effectRef>
+      <a:fontRef idx="minor"/>
+    </dgm:style>
+  </dgm:styleLbl>
+  <dgm:styleLbl name="fgAcc1">
+    <dgm:scene3d>
+      <a:camera prst="orthographicFront"/>
+      <a:lightRig rig="threePt" dir="t"/>
+    </dgm:scene3d>
+    <dgm:sp3d/>
+    <dgm:txPr/>
+    <dgm:style>
+      <a:lnRef idx="2">
+        <a:scrgbClr r="0" g="0" b="0"/>
+      </a:lnRef>
+      <a:fillRef idx="1">
+        <a:scrgbClr r="0" g="0" b="0"/>
+      </a:fillRef>
+      <a:effectRef idx="0">
+        <a:scrgbClr r="0" g="0" b="0"/>
+      </a:effectRef>
+      <a:fontRef idx="minor"/>
+    </dgm:style>
+  </dgm:styleLbl>
+  <dgm:styleLbl name="conFgAcc1">
+    <dgm:scene3d>
+      <a:camera prst="orthographicFront"/>
+      <a:lightRig rig="threePt" dir="t"/>
+    </dgm:scene3d>
+    <dgm:sp3d/>
+    <dgm:txPr/>
+    <dgm:style>
+      <a:lnRef idx="2">
+        <a:scrgbClr r="0" g="0" b="0"/>
+      </a:lnRef>
+      <a:fillRef idx="1">
+        <a:scrgbClr r="0" g="0" b="0"/>
+      </a:fillRef>
+      <a:effectRef idx="0">
+        <a:scrgbClr r="0" g="0" b="0"/>
+      </a:effectRef>
+      <a:fontRef idx="minor"/>
+    </dgm:style>
+  </dgm:styleLbl>
+  <dgm:styleLbl name="alignAcc1">
+    <dgm:scene3d>
+      <a:camera prst="orthographicFront"/>
+      <a:lightRig rig="threePt" dir="t"/>
+    </dgm:scene3d>
+    <dgm:sp3d/>
+    <dgm:txPr/>
+    <dgm:style>
+      <a:lnRef idx="2">
+        <a:scrgbClr r="0" g="0" b="0"/>
+      </a:lnRef>
+      <a:fillRef idx="1">
+        <a:scrgbClr r="0" g="0" b="0"/>
+      </a:fillRef>
+      <a:effectRef idx="0">
+        <a:scrgbClr r="0" g="0" b="0"/>
+      </a:effectRef>
+      <a:fontRef idx="minor"/>
+    </dgm:style>
+  </dgm:styleLbl>
+  <dgm:styleLbl name="trAlignAcc1">
+    <dgm:scene3d>
+      <a:camera prst="orthographicFront"/>
+      <a:lightRig rig="threePt" dir="t"/>
+    </dgm:scene3d>
+    <dgm:sp3d/>
+    <dgm:txPr/>
+    <dgm:style>
+      <a:lnRef idx="1">
+        <a:scrgbClr r="0" g="0" b="0"/>
+      </a:lnRef>
+      <a:fillRef idx="1">
+        <a:scrgbClr r="0" g="0" b="0"/>
+      </a:fillRef>
+      <a:effectRef idx="0">
+        <a:scrgbClr r="0" g="0" b="0"/>
+      </a:effectRef>
+      <a:fontRef idx="minor"/>
+    </dgm:style>
+  </dgm:styleLbl>
+  <dgm:styleLbl name="bgAcc1">
+    <dgm:scene3d>
+      <a:camera prst="orthographicFront"/>
+      <a:lightRig rig="threePt" dir="t"/>
+    </dgm:scene3d>
+    <dgm:sp3d/>
+    <dgm:txPr/>
+    <dgm:style>
+      <a:lnRef idx="2">
+        <a:scrgbClr r="0" g="0" b="0"/>
+      </a:lnRef>
+      <a:fillRef idx="1">
+        <a:scrgbClr r="0" g="0" b="0"/>
+      </a:fillRef>
+      <a:effectRef idx="0">
+        <a:scrgbClr r="0" g="0" b="0"/>
+      </a:effectRef>
+      <a:fontRef idx="minor"/>
+    </dgm:style>
+  </dgm:styleLbl>
+  <dgm:styleLbl name="solidFgAcc1">
+    <dgm:scene3d>
+      <a:camera prst="orthographicFront"/>
+      <a:lightRig rig="threePt" dir="t"/>
+    </dgm:scene3d>
+    <dgm:sp3d/>
+    <dgm:txPr/>
+    <dgm:style>
+      <a:lnRef idx="2">
+        <a:scrgbClr r="0" g="0" b="0"/>
+      </a:lnRef>
+      <a:fillRef idx="1">
+        <a:scrgbClr r="0" g="0" b="0"/>
+      </a:fillRef>
+      <a:effectRef idx="0">
+        <a:scrgbClr r="0" g="0" b="0"/>
+      </a:effectRef>
+      <a:fontRef idx="minor"/>
+    </dgm:style>
+  </dgm:styleLbl>
+  <dgm:styleLbl name="solidAlignAcc1">
+    <dgm:scene3d>
+      <a:camera prst="orthographicFront"/>
+      <a:lightRig rig="threePt" dir="t"/>
+    </dgm:scene3d>
+    <dgm:sp3d/>
+    <dgm:txPr/>
+    <dgm:style>
+      <a:lnRef idx="2">
+        <a:scrgbClr r="0" g="0" b="0"/>
+      </a:lnRef>
+      <a:fillRef idx="1">
+        <a:scrgbClr r="0" g="0" b="0"/>
+      </a:fillRef>
+      <a:effectRef idx="0">
+        <a:scrgbClr r="0" g="0" b="0"/>
+      </a:effectRef>
+      <a:fontRef idx="minor"/>
+    </dgm:style>
+  </dgm:styleLbl>
+  <dgm:styleLbl name="solidBgAcc1">
+    <dgm:scene3d>
+      <a:camera prst="orthographicFront"/>
+      <a:lightRig rig="threePt" dir="t"/>
+    </dgm:scene3d>
+    <dgm:sp3d/>
+    <dgm:txPr/>
+    <dgm:style>
+      <a:lnRef idx="2">
+        <a:scrgbClr r="0" g="0" b="0"/>
+      </a:lnRef>
+      <a:fillRef idx="1">
+        <a:scrgbClr r="0" g="0" b="0"/>
+      </a:fillRef>
+      <a:effectRef idx="0">
+        <a:scrgbClr r="0" g="0" b="0"/>
+      </a:effectRef>
+      <a:fontRef idx="minor"/>
+    </dgm:style>
+  </dgm:styleLbl>
+  <dgm:styleLbl name="fgAccFollowNode1">
+    <dgm:scene3d>
+      <a:camera prst="orthographicFront"/>
+      <a:lightRig rig="threePt" dir="t"/>
+    </dgm:scene3d>
+    <dgm:sp3d/>
+    <dgm:txPr/>
+    <dgm:style>
+      <a:lnRef idx="2">
+        <a:scrgbClr r="0" g="0" b="0"/>
+      </a:lnRef>
+      <a:fillRef idx="1">
+        <a:scrgbClr r="0" g="0" b="0"/>
+      </a:fillRef>
+      <a:effectRef idx="0">
+        <a:scrgbClr r="0" g="0" b="0"/>
+      </a:effectRef>
+      <a:fontRef idx="minor"/>
+    </dgm:style>
+  </dgm:styleLbl>
+  <dgm:styleLbl name="alignAccFollowNode1">
+    <dgm:scene3d>
+      <a:camera prst="orthographicFront"/>
+      <a:lightRig rig="threePt" dir="t"/>
+    </dgm:scene3d>
+    <dgm:sp3d/>
+    <dgm:txPr/>
+    <dgm:style>
+      <a:lnRef idx="2">
+        <a:scrgbClr r="0" g="0" b="0"/>
+      </a:lnRef>
+      <a:fillRef idx="1">
+        <a:scrgbClr r="0" g="0" b="0"/>
+      </a:fillRef>
+      <a:effectRef idx="0">
+        <a:scrgbClr r="0" g="0" b="0"/>
+      </a:effectRef>
+      <a:fontRef idx="minor"/>
+    </dgm:style>
+  </dgm:styleLbl>
+  <dgm:styleLbl name="bgAccFollowNode1">
+    <dgm:scene3d>
+      <a:camera prst="orthographicFront"/>
+      <a:lightRig rig="threePt" dir="t"/>
+    </dgm:scene3d>
+    <dgm:sp3d/>
+    <dgm:txPr/>
+    <dgm:style>
+      <a:lnRef idx="2">
+        <a:scrgbClr r="0" g="0" b="0"/>
+      </a:lnRef>
+      <a:fillRef idx="1">
+        <a:scrgbClr r="0" g="0" b="0"/>
+      </a:fillRef>
+      <a:effectRef idx="0">
+        <a:scrgbClr r="0" g="0" b="0"/>
+      </a:effectRef>
+      <a:fontRef idx="minor"/>
+    </dgm:style>
+  </dgm:styleLbl>
+  <dgm:styleLbl name="fgAcc0">
+    <dgm:scene3d>
+      <a:camera prst="orthographicFront"/>
+      <a:lightRig rig="threePt" dir="t"/>
+    </dgm:scene3d>
+    <dgm:sp3d/>
+    <dgm:txPr/>
+    <dgm:style>
+      <a:lnRef idx="2">
+        <a:scrgbClr r="0" g="0" b="0"/>
+      </a:lnRef>
+      <a:fillRef idx="1">
+        <a:scrgbClr r="0" g="0" b="0"/>
+      </a:fillRef>
+      <a:effectRef idx="0">
+        <a:scrgbClr r="0" g="0" b="0"/>
+      </a:effectRef>
+      <a:fontRef idx="minor"/>
+    </dgm:style>
+  </dgm:styleLbl>
+  <dgm:styleLbl name="fgAcc2">
+    <dgm:scene3d>
+      <a:camera prst="orthographicFront"/>
+      <a:lightRig rig="threePt" dir="t"/>
+    </dgm:scene3d>
+    <dgm:sp3d/>
+    <dgm:txPr/>
+    <dgm:style>
+      <a:lnRef idx="2">
+        <a:scrgbClr r="0" g="0" b="0"/>
+      </a:lnRef>
+      <a:fillRef idx="1">
+        <a:scrgbClr r="0" g="0" b="0"/>
+      </a:fillRef>
+      <a:effectRef idx="0">
+        <a:scrgbClr r="0" g="0" b="0"/>
+      </a:effectRef>
+      <a:fontRef idx="minor"/>
+    </dgm:style>
+  </dgm:styleLbl>
+  <dgm:styleLbl name="fgAcc3">
+    <dgm:scene3d>
+      <a:camera prst="orthographicFront"/>
+      <a:lightRig rig="threePt" dir="t"/>
+    </dgm:scene3d>
+    <dgm:sp3d/>
+    <dgm:txPr/>
+    <dgm:style>
+      <a:lnRef idx="2">
+        <a:scrgbClr r="0" g="0" b="0"/>
+      </a:lnRef>
+      <a:fillRef idx="1">
+        <a:scrgbClr r="0" g="0" b="0"/>
+      </a:fillRef>
+      <a:effectRef idx="0">
+        <a:scrgbClr r="0" g="0" b="0"/>
+      </a:effectRef>
+      <a:fontRef idx="minor"/>
+    </dgm:style>
+  </dgm:styleLbl>
+  <dgm:styleLbl name="fgAcc4">
+    <dgm:scene3d>
+      <a:camera prst="orthographicFront"/>
+      <a:lightRig rig="threePt" dir="t"/>
+    </dgm:scene3d>
+    <dgm:sp3d/>
+    <dgm:txPr/>
+    <dgm:style>
+      <a:lnRef idx="2">
+        <a:scrgbClr r="0" g="0" b="0"/>
+      </a:lnRef>
+      <a:fillRef idx="1">
+        <a:scrgbClr r="0" g="0" b="0"/>
+      </a:fillRef>
+      <a:effectRef idx="0">
+        <a:scrgbClr r="0" g="0" b="0"/>
+      </a:effectRef>
+      <a:fontRef idx="minor"/>
+    </dgm:style>
+  </dgm:styleLbl>
+  <dgm:styleLbl name="bgShp">
+    <dgm:scene3d>
+      <a:camera prst="orthographicFront"/>
+      <a:lightRig rig="threePt" dir="t"/>
+    </dgm:scene3d>
+    <dgm:sp3d/>
+    <dgm:txPr/>
+    <dgm:style>
+      <a:lnRef idx="0">
+        <a:scrgbClr r="0" g="0" b="0"/>
+      </a:lnRef>
+      <a:fillRef idx="1">
+        <a:scrgbClr r="0" g="0" b="0"/>
+      </a:fillRef>
+      <a:effectRef idx="0">
+        <a:scrgbClr r="0" g="0" b="0"/>
+      </a:effectRef>
+      <a:fontRef idx="minor"/>
+    </dgm:style>
+  </dgm:styleLbl>
+  <dgm:styleLbl name="dkBgShp">
+    <dgm:scene3d>
+      <a:camera prst="orthographicFront"/>
+      <a:lightRig rig="threePt" dir="t"/>
+    </dgm:scene3d>
+    <dgm:sp3d/>
+    <dgm:txPr/>
+    <dgm:style>
+      <a:lnRef idx="0">
+        <a:scrgbClr r="0" g="0" b="0"/>
+      </a:lnRef>
+      <a:fillRef idx="1">
+        <a:scrgbClr r="0" g="0" b="0"/>
+      </a:fillRef>
+      <a:effectRef idx="0">
+        <a:scrgbClr r="0" g="0" b="0"/>
+      </a:effectRef>
+      <a:fontRef idx="minor"/>
+    </dgm:style>
+  </dgm:styleLbl>
+  <dgm:styleLbl name="trBgShp">
+    <dgm:scene3d>
+      <a:camera prst="orthographicFront"/>
+      <a:lightRig rig="threePt" dir="t"/>
+    </dgm:scene3d>
+    <dgm:sp3d/>
+    <dgm:txPr/>
+    <dgm:style>
+      <a:lnRef idx="0">
+        <a:scrgbClr r="0" g="0" b="0"/>
+      </a:lnRef>
+      <a:fillRef idx="1">
+        <a:scrgbClr r="0" g="0" b="0"/>
+      </a:fillRef>
+      <a:effectRef idx="0">
+        <a:scrgbClr r="0" g="0" b="0"/>
+      </a:effectRef>
+      <a:fontRef idx="minor"/>
+    </dgm:style>
+  </dgm:styleLbl>
+  <dgm:styleLbl name="fgShp">
+    <dgm:scene3d>
+      <a:camera prst="orthographicFront"/>
+      <a:lightRig rig="threePt" dir="t"/>
+    </dgm:scene3d>
+    <dgm:sp3d/>
+    <dgm:txPr/>
+    <dgm:style>
+      <a:lnRef idx="2">
+        <a:scrgbClr r="0" g="0" b="0"/>
+      </a:lnRef>
+      <a:fillRef idx="1">
+        <a:scrgbClr r="0" g="0" b="0"/>
+      </a:fillRef>
+      <a:effectRef idx="0">
+        <a:scrgbClr r="0" g="0" b="0"/>
+      </a:effectRef>
+      <a:fontRef idx="minor"/>
+    </dgm:style>
+  </dgm:styleLbl>
+  <dgm:styleLbl name="revTx">
+    <dgm:scene3d>
+      <a:camera prst="orthographicFront"/>
+      <a:lightRig rig="threePt" dir="t"/>
+    </dgm:scene3d>
+    <dgm:sp3d/>
+    <dgm:txPr/>
+    <dgm:style>
+      <a:lnRef idx="0">
+        <a:scrgbClr r="0" g="0" b="0"/>
+      </a:lnRef>
+      <a:fillRef idx="0">
+        <a:scrgbClr r="0" g="0" b="0"/>
+      </a:fillRef>
+      <a:effectRef idx="0">
+        <a:scrgbClr r="0" g="0" b="0"/>
+      </a:effectRef>
+      <a:fontRef idx="minor"/>
+    </dgm:style>
+  </dgm:styleLbl>
+</dgm:styleDef>
+</file>
+
 <file path=ppt/slideLayouts/slideLayout1.xml><?xml version="1.0" encoding="utf-8"?>
-<p:sldLayout xmlns:a="http://schemas.openxmlformats.org/drawingml/2006/main" xmlns:r="http://schemas.openxmlformats.org/officeDocument/2006/relationships" xmlns:p="http://schemas.openxmlformats.org/presentationml/2006/main" type="title" preserve="1">
+<p:sldLayout xmlns:a="http://schemas.openxmlformats.org/drawingml/2006/main" xmlns:r="http://schemas.openxmlformats.org/officeDocument/2006/relationships" xmlns:p="http://schemas.openxmlformats.org/presentationml/2006/main" showMasterSp="0" type="title" preserve="1">
   <p:cSld name="Title Slide">
+    <p:bg>
+      <p:bgRef idx="1001">
+        <a:schemeClr val="bg2"/>
+      </p:bgRef>
+    </p:bg>
     <p:spTree>
       <p:nvGrpSpPr>
         <p:cNvPr id="1" name=""/>
@@ -131,13 +3829,204 @@
       </p:grpSpPr>
       <p:sp>
         <p:nvSpPr>
-          <p:cNvPr id="2" name="Title 1">
-            <a:extLst>
-              <a:ext uri="{FF2B5EF4-FFF2-40B4-BE49-F238E27FC236}">
-                <a16:creationId xmlns:a16="http://schemas.microsoft.com/office/drawing/2014/main" id="{ED241A12-DD7F-4FCC-8420-B8CDF31AE8B2}"/>
-              </a:ext>
-            </a:extLst>
-          </p:cNvPr>
+          <p:cNvPr id="12" name="Freeform 6" title="Page Number Shape"/>
+          <p:cNvSpPr/>
+          <p:nvPr/>
+        </p:nvSpPr>
+        <p:spPr bwMode="auto">
+          <a:xfrm>
+            <a:off x="11784011" y="1189204"/>
+            <a:ext cx="407988" cy="819150"/>
+          </a:xfrm>
+          <a:custGeom>
+            <a:avLst/>
+            <a:gdLst/>
+            <a:ahLst/>
+            <a:cxnLst/>
+            <a:rect l="0" t="0" r="r" b="b"/>
+            <a:pathLst>
+              <a:path w="1799" h="3612">
+                <a:moveTo>
+                  <a:pt x="1799" y="0"/>
+                </a:moveTo>
+                <a:lnTo>
+                  <a:pt x="1799" y="3612"/>
+                </a:lnTo>
+                <a:lnTo>
+                  <a:pt x="1686" y="3609"/>
+                </a:lnTo>
+                <a:lnTo>
+                  <a:pt x="1574" y="3598"/>
+                </a:lnTo>
+                <a:lnTo>
+                  <a:pt x="1464" y="3581"/>
+                </a:lnTo>
+                <a:lnTo>
+                  <a:pt x="1357" y="3557"/>
+                </a:lnTo>
+                <a:lnTo>
+                  <a:pt x="1251" y="3527"/>
+                </a:lnTo>
+                <a:lnTo>
+                  <a:pt x="1150" y="3490"/>
+                </a:lnTo>
+                <a:lnTo>
+                  <a:pt x="1050" y="3448"/>
+                </a:lnTo>
+                <a:lnTo>
+                  <a:pt x="953" y="3401"/>
+                </a:lnTo>
+                <a:lnTo>
+                  <a:pt x="860" y="3347"/>
+                </a:lnTo>
+                <a:lnTo>
+                  <a:pt x="771" y="3289"/>
+                </a:lnTo>
+                <a:lnTo>
+                  <a:pt x="686" y="3224"/>
+                </a:lnTo>
+                <a:lnTo>
+                  <a:pt x="604" y="3156"/>
+                </a:lnTo>
+                <a:lnTo>
+                  <a:pt x="527" y="3083"/>
+                </a:lnTo>
+                <a:lnTo>
+                  <a:pt x="454" y="3005"/>
+                </a:lnTo>
+                <a:lnTo>
+                  <a:pt x="386" y="2923"/>
+                </a:lnTo>
+                <a:lnTo>
+                  <a:pt x="323" y="2838"/>
+                </a:lnTo>
+                <a:lnTo>
+                  <a:pt x="265" y="2748"/>
+                </a:lnTo>
+                <a:lnTo>
+                  <a:pt x="211" y="2655"/>
+                </a:lnTo>
+                <a:lnTo>
+                  <a:pt x="163" y="2559"/>
+                </a:lnTo>
+                <a:lnTo>
+                  <a:pt x="121" y="2459"/>
+                </a:lnTo>
+                <a:lnTo>
+                  <a:pt x="85" y="2356"/>
+                </a:lnTo>
+                <a:lnTo>
+                  <a:pt x="55" y="2251"/>
+                </a:lnTo>
+                <a:lnTo>
+                  <a:pt x="32" y="2143"/>
+                </a:lnTo>
+                <a:lnTo>
+                  <a:pt x="14" y="2033"/>
+                </a:lnTo>
+                <a:lnTo>
+                  <a:pt x="4" y="1920"/>
+                </a:lnTo>
+                <a:lnTo>
+                  <a:pt x="0" y="1806"/>
+                </a:lnTo>
+                <a:lnTo>
+                  <a:pt x="4" y="1692"/>
+                </a:lnTo>
+                <a:lnTo>
+                  <a:pt x="14" y="1580"/>
+                </a:lnTo>
+                <a:lnTo>
+                  <a:pt x="32" y="1469"/>
+                </a:lnTo>
+                <a:lnTo>
+                  <a:pt x="55" y="1362"/>
+                </a:lnTo>
+                <a:lnTo>
+                  <a:pt x="85" y="1256"/>
+                </a:lnTo>
+                <a:lnTo>
+                  <a:pt x="121" y="1154"/>
+                </a:lnTo>
+                <a:lnTo>
+                  <a:pt x="163" y="1054"/>
+                </a:lnTo>
+                <a:lnTo>
+                  <a:pt x="211" y="958"/>
+                </a:lnTo>
+                <a:lnTo>
+                  <a:pt x="265" y="864"/>
+                </a:lnTo>
+                <a:lnTo>
+                  <a:pt x="323" y="774"/>
+                </a:lnTo>
+                <a:lnTo>
+                  <a:pt x="386" y="689"/>
+                </a:lnTo>
+                <a:lnTo>
+                  <a:pt x="454" y="607"/>
+                </a:lnTo>
+                <a:lnTo>
+                  <a:pt x="527" y="529"/>
+                </a:lnTo>
+                <a:lnTo>
+                  <a:pt x="604" y="456"/>
+                </a:lnTo>
+                <a:lnTo>
+                  <a:pt x="686" y="388"/>
+                </a:lnTo>
+                <a:lnTo>
+                  <a:pt x="771" y="325"/>
+                </a:lnTo>
+                <a:lnTo>
+                  <a:pt x="860" y="266"/>
+                </a:lnTo>
+                <a:lnTo>
+                  <a:pt x="953" y="212"/>
+                </a:lnTo>
+                <a:lnTo>
+                  <a:pt x="1050" y="164"/>
+                </a:lnTo>
+                <a:lnTo>
+                  <a:pt x="1150" y="122"/>
+                </a:lnTo>
+                <a:lnTo>
+                  <a:pt x="1251" y="85"/>
+                </a:lnTo>
+                <a:lnTo>
+                  <a:pt x="1357" y="55"/>
+                </a:lnTo>
+                <a:lnTo>
+                  <a:pt x="1464" y="32"/>
+                </a:lnTo>
+                <a:lnTo>
+                  <a:pt x="1574" y="14"/>
+                </a:lnTo>
+                <a:lnTo>
+                  <a:pt x="1686" y="5"/>
+                </a:lnTo>
+                <a:lnTo>
+                  <a:pt x="1799" y="0"/>
+                </a:lnTo>
+                <a:close/>
+              </a:path>
+            </a:pathLst>
+          </a:custGeom>
+          <a:solidFill>
+            <a:schemeClr val="tx2"/>
+          </a:solidFill>
+          <a:ln w="0">
+            <a:noFill/>
+            <a:prstDash val="solid"/>
+            <a:round/>
+            <a:headEnd/>
+            <a:tailEnd/>
+          </a:ln>
+        </p:spPr>
+      </p:sp>
+      <p:sp>
+        <p:nvSpPr>
+          <p:cNvPr id="2" name="Title 1"/>
           <p:cNvSpPr>
             <a:spLocks noGrp="1"/>
           </p:cNvSpPr>
@@ -147,15 +4036,24 @@
         </p:nvSpPr>
         <p:spPr>
           <a:xfrm>
-            <a:off x="1524000" y="1122363"/>
-            <a:ext cx="9144000" cy="2387600"/>
+            <a:off x="1088913" y="1143293"/>
+            <a:ext cx="7034362" cy="4268965"/>
           </a:xfrm>
         </p:spPr>
         <p:txBody>
-          <a:bodyPr anchor="b"/>
+          <a:bodyPr anchor="t">
+            <a:normAutofit/>
+          </a:bodyPr>
           <a:lstStyle>
-            <a:lvl1pPr algn="ctr">
-              <a:defRPr sz="6000"/>
+            <a:lvl1pPr algn="l">
+              <a:lnSpc>
+                <a:spcPct val="85000"/>
+              </a:lnSpc>
+              <a:defRPr sz="7700" cap="all" baseline="0">
+                <a:solidFill>
+                  <a:schemeClr val="tx2"/>
+                </a:solidFill>
+              </a:defRPr>
             </a:lvl1pPr>
           </a:lstStyle>
           <a:p>
@@ -163,19 +4061,13 @@
               <a:rPr lang="en-US"/>
               <a:t>Click to edit Master title style</a:t>
             </a:r>
-            <a:endParaRPr lang="it-IT"/>
+            <a:endParaRPr lang="en-US" dirty="0"/>
           </a:p>
         </p:txBody>
       </p:sp>
       <p:sp>
         <p:nvSpPr>
-          <p:cNvPr id="3" name="Subtitle 2">
-            <a:extLst>
-              <a:ext uri="{FF2B5EF4-FFF2-40B4-BE49-F238E27FC236}">
-                <a16:creationId xmlns:a16="http://schemas.microsoft.com/office/drawing/2014/main" id="{FA0CE806-62F7-46E9-8F14-4DC71F86E991}"/>
-              </a:ext>
-            </a:extLst>
-          </p:cNvPr>
+          <p:cNvPr id="3" name="Subtitle 2"/>
           <p:cNvSpPr>
             <a:spLocks noGrp="1"/>
           </p:cNvSpPr>
@@ -185,16 +4077,28 @@
         </p:nvSpPr>
         <p:spPr>
           <a:xfrm>
-            <a:off x="1524000" y="3602038"/>
-            <a:ext cx="9144000" cy="1655762"/>
+            <a:off x="1088914" y="5537925"/>
+            <a:ext cx="7034362" cy="706355"/>
           </a:xfrm>
         </p:spPr>
         <p:txBody>
-          <a:bodyPr/>
+          <a:bodyPr>
+            <a:normAutofit/>
+          </a:bodyPr>
           <a:lstStyle>
-            <a:lvl1pPr marL="0" indent="0" algn="ctr">
+            <a:lvl1pPr marL="0" indent="0" algn="l">
+              <a:lnSpc>
+                <a:spcPct val="114000"/>
+              </a:lnSpc>
+              <a:spcBef>
+                <a:spcPts val="0"/>
+              </a:spcBef>
               <a:buNone/>
-              <a:defRPr sz="2400"/>
+              <a:defRPr sz="2000" b="0" i="1" baseline="0">
+                <a:solidFill>
+                  <a:schemeClr val="tx2"/>
+                </a:solidFill>
+              </a:defRPr>
             </a:lvl1pPr>
             <a:lvl2pPr marL="457200" indent="0" algn="ctr">
               <a:buNone/>
@@ -234,19 +4138,13 @@
               <a:rPr lang="en-US"/>
               <a:t>Click to edit Master subtitle style</a:t>
             </a:r>
-            <a:endParaRPr lang="it-IT"/>
+            <a:endParaRPr lang="en-US" dirty="0"/>
           </a:p>
         </p:txBody>
       </p:sp>
       <p:sp>
         <p:nvSpPr>
-          <p:cNvPr id="4" name="Date Placeholder 3">
-            <a:extLst>
-              <a:ext uri="{FF2B5EF4-FFF2-40B4-BE49-F238E27FC236}">
-                <a16:creationId xmlns:a16="http://schemas.microsoft.com/office/drawing/2014/main" id="{C52E5A66-4BD5-478A-82E0-255AF9FD61DB}"/>
-              </a:ext>
-            </a:extLst>
-          </p:cNvPr>
+          <p:cNvPr id="4" name="Date Placeholder 3"/>
           <p:cNvSpPr>
             <a:spLocks noGrp="1"/>
           </p:cNvSpPr>
@@ -254,10 +4152,23 @@
             <p:ph type="dt" sz="half" idx="10"/>
           </p:nvPr>
         </p:nvSpPr>
-        <p:spPr/>
+        <p:spPr>
+          <a:xfrm>
+            <a:off x="1088913" y="6314440"/>
+            <a:ext cx="1596622" cy="365125"/>
+          </a:xfrm>
+        </p:spPr>
         <p:txBody>
           <a:bodyPr/>
-          <a:lstStyle/>
+          <a:lstStyle>
+            <a:lvl1pPr algn="l">
+              <a:defRPr sz="1200">
+                <a:solidFill>
+                  <a:schemeClr val="tx2"/>
+                </a:solidFill>
+              </a:defRPr>
+            </a:lvl1pPr>
+          </a:lstStyle>
           <a:p>
             <a:fld id="{A1167A9F-5E02-475A-AA8F-A56623B3A27F}" type="datetimeFigureOut">
               <a:rPr lang="it-IT" smtClean="0"/>
@@ -269,13 +4180,7 @@
       </p:sp>
       <p:sp>
         <p:nvSpPr>
-          <p:cNvPr id="5" name="Footer Placeholder 4">
-            <a:extLst>
-              <a:ext uri="{FF2B5EF4-FFF2-40B4-BE49-F238E27FC236}">
-                <a16:creationId xmlns:a16="http://schemas.microsoft.com/office/drawing/2014/main" id="{CDC7340F-8C81-4911-A2DE-FEBB0623736C}"/>
-              </a:ext>
-            </a:extLst>
-          </p:cNvPr>
+          <p:cNvPr id="5" name="Footer Placeholder 4"/>
           <p:cNvSpPr>
             <a:spLocks noGrp="1"/>
           </p:cNvSpPr>
@@ -283,10 +4188,23 @@
             <p:ph type="ftr" sz="quarter" idx="11"/>
           </p:nvPr>
         </p:nvSpPr>
-        <p:spPr/>
+        <p:spPr>
+          <a:xfrm>
+            <a:off x="3000591" y="6314440"/>
+            <a:ext cx="5122683" cy="365125"/>
+          </a:xfrm>
+        </p:spPr>
         <p:txBody>
           <a:bodyPr/>
-          <a:lstStyle/>
+          <a:lstStyle>
+            <a:lvl1pPr algn="l">
+              <a:defRPr b="0">
+                <a:solidFill>
+                  <a:schemeClr val="tx2"/>
+                </a:solidFill>
+              </a:defRPr>
+            </a:lvl1pPr>
+          </a:lstStyle>
           <a:p>
             <a:endParaRPr lang="it-IT"/>
           </a:p>
@@ -294,13 +4212,7 @@
       </p:sp>
       <p:sp>
         <p:nvSpPr>
-          <p:cNvPr id="6" name="Slide Number Placeholder 5">
-            <a:extLst>
-              <a:ext uri="{FF2B5EF4-FFF2-40B4-BE49-F238E27FC236}">
-                <a16:creationId xmlns:a16="http://schemas.microsoft.com/office/drawing/2014/main" id="{D01F2499-4069-4E16-927C-207E9142FE74}"/>
-              </a:ext>
-            </a:extLst>
-          </p:cNvPr>
+          <p:cNvPr id="6" name="Slide Number Placeholder 5"/>
           <p:cNvSpPr>
             <a:spLocks noGrp="1"/>
           </p:cNvSpPr>
@@ -308,10 +4220,23 @@
             <p:ph type="sldNum" sz="quarter" idx="12"/>
           </p:nvPr>
         </p:nvSpPr>
-        <p:spPr/>
+        <p:spPr>
+          <a:xfrm>
+            <a:off x="11784011" y="1416216"/>
+            <a:ext cx="407988" cy="365125"/>
+          </a:xfrm>
+        </p:spPr>
         <p:txBody>
           <a:bodyPr/>
-          <a:lstStyle/>
+          <a:lstStyle>
+            <a:lvl1pPr algn="r">
+              <a:defRPr>
+                <a:solidFill>
+                  <a:schemeClr val="bg2"/>
+                </a:solidFill>
+              </a:defRPr>
+            </a:lvl1pPr>
+          </a:lstStyle>
           <a:p>
             <a:fld id="{100C1500-5EB1-4CEF-9169-12A91CBA439C}" type="slidenum">
               <a:rPr lang="it-IT" smtClean="0"/>
@@ -321,16 +4246,62 @@
           </a:p>
         </p:txBody>
       </p:sp>
+      <p:cxnSp>
+        <p:nvCxnSpPr>
+          <p:cNvPr id="9" name="Straight Connector 8" title="Verticle Rule Line"/>
+          <p:cNvCxnSpPr/>
+          <p:nvPr/>
+        </p:nvCxnSpPr>
+        <p:spPr>
+          <a:xfrm>
+            <a:off x="773855" y="1257300"/>
+            <a:ext cx="0" cy="5600700"/>
+          </a:xfrm>
+          <a:prstGeom prst="line">
+            <a:avLst/>
+          </a:prstGeom>
+          <a:ln w="25400">
+            <a:solidFill>
+              <a:schemeClr val="tx2"/>
+            </a:solidFill>
+          </a:ln>
+        </p:spPr>
+        <p:style>
+          <a:lnRef idx="1">
+            <a:schemeClr val="accent1"/>
+          </a:lnRef>
+          <a:fillRef idx="0">
+            <a:schemeClr val="accent1"/>
+          </a:fillRef>
+          <a:effectRef idx="0">
+            <a:schemeClr val="accent1"/>
+          </a:effectRef>
+          <a:fontRef idx="minor">
+            <a:schemeClr val="tx1"/>
+          </a:fontRef>
+        </p:style>
+      </p:cxnSp>
     </p:spTree>
     <p:extLst>
       <p:ext uri="{BB962C8B-B14F-4D97-AF65-F5344CB8AC3E}">
-        <p14:creationId xmlns:p14="http://schemas.microsoft.com/office/powerpoint/2010/main" val="2730204790"/>
+        <p14:creationId xmlns:p14="http://schemas.microsoft.com/office/powerpoint/2010/main" val="3656418951"/>
       </p:ext>
     </p:extLst>
   </p:cSld>
   <p:clrMapOvr>
-    <a:masterClrMapping/>
+    <a:overrideClrMapping bg1="dk1" tx1="lt1" bg2="dk2" tx2="lt2" accent1="accent1" accent2="accent2" accent3="accent3" accent4="accent4" accent5="accent5" accent6="accent6" hlink="hlink" folHlink="folHlink"/>
   </p:clrMapOvr>
+  <p:extLst>
+    <p:ext uri="{DCECCB84-F9BA-43D5-87BE-67443E8EF086}">
+      <p15:sldGuideLst xmlns:p15="http://schemas.microsoft.com/office/powerpoint/2012/main">
+        <p15:guide id="1" orient="horz" pos="792">
+          <p15:clr>
+            <a:srgbClr val="FBAE40"/>
+          </p15:clr>
+        </p15:guide>
+      </p15:sldGuideLst>
+    </p:ext>
+  </p:extLst>
 </p:sldLayout>
 </file>
 
@@ -353,13 +4324,7 @@
       </p:grpSpPr>
       <p:sp>
         <p:nvSpPr>
-          <p:cNvPr id="2" name="Title 1">
-            <a:extLst>
-              <a:ext uri="{FF2B5EF4-FFF2-40B4-BE49-F238E27FC236}">
-                <a16:creationId xmlns:a16="http://schemas.microsoft.com/office/drawing/2014/main" id="{C2694C98-1B14-49ED-91E4-35340AAA921B}"/>
-              </a:ext>
-            </a:extLst>
-          </p:cNvPr>
+          <p:cNvPr id="2" name="Title 1"/>
           <p:cNvSpPr>
             <a:spLocks noGrp="1"/>
           </p:cNvSpPr>
@@ -376,19 +4341,13 @@
               <a:rPr lang="en-US"/>
               <a:t>Click to edit Master title style</a:t>
             </a:r>
-            <a:endParaRPr lang="it-IT"/>
+            <a:endParaRPr lang="en-US" dirty="0"/>
           </a:p>
         </p:txBody>
       </p:sp>
       <p:sp>
         <p:nvSpPr>
-          <p:cNvPr id="3" name="Vertical Text Placeholder 2">
-            <a:extLst>
-              <a:ext uri="{FF2B5EF4-FFF2-40B4-BE49-F238E27FC236}">
-                <a16:creationId xmlns:a16="http://schemas.microsoft.com/office/drawing/2014/main" id="{2D2E206F-4310-4C21-B28C-14FAA8FB94B8}"/>
-              </a:ext>
-            </a:extLst>
-          </p:cNvPr>
+          <p:cNvPr id="3" name="Vertical Text Placeholder 2"/>
           <p:cNvSpPr>
             <a:spLocks noGrp="1"/>
           </p:cNvSpPr>
@@ -396,7 +4355,12 @@
             <p:ph type="body" orient="vert" idx="1"/>
           </p:nvPr>
         </p:nvSpPr>
-        <p:spPr/>
+        <p:spPr>
+          <a:xfrm>
+            <a:off x="5181600" y="640080"/>
+            <a:ext cx="6248398" cy="5584142"/>
+          </a:xfrm>
+        </p:spPr>
         <p:txBody>
           <a:bodyPr vert="eaVert"/>
           <a:lstStyle/>
@@ -434,19 +4398,13 @@
               <a:rPr lang="en-US"/>
               <a:t>Fifth level</a:t>
             </a:r>
-            <a:endParaRPr lang="it-IT"/>
+            <a:endParaRPr lang="en-US" dirty="0"/>
           </a:p>
         </p:txBody>
       </p:sp>
       <p:sp>
         <p:nvSpPr>
-          <p:cNvPr id="4" name="Date Placeholder 3">
-            <a:extLst>
-              <a:ext uri="{FF2B5EF4-FFF2-40B4-BE49-F238E27FC236}">
-                <a16:creationId xmlns:a16="http://schemas.microsoft.com/office/drawing/2014/main" id="{E7150F69-455B-4C39-BAAD-2702BC5DB931}"/>
-              </a:ext>
-            </a:extLst>
-          </p:cNvPr>
+          <p:cNvPr id="4" name="Date Placeholder 3"/>
           <p:cNvSpPr>
             <a:spLocks noGrp="1"/>
           </p:cNvSpPr>
@@ -469,13 +4427,7 @@
       </p:sp>
       <p:sp>
         <p:nvSpPr>
-          <p:cNvPr id="5" name="Footer Placeholder 4">
-            <a:extLst>
-              <a:ext uri="{FF2B5EF4-FFF2-40B4-BE49-F238E27FC236}">
-                <a16:creationId xmlns:a16="http://schemas.microsoft.com/office/drawing/2014/main" id="{0D23AC16-6A9E-4BBC-9722-1A81609BF856}"/>
-              </a:ext>
-            </a:extLst>
-          </p:cNvPr>
+          <p:cNvPr id="5" name="Footer Placeholder 4"/>
           <p:cNvSpPr>
             <a:spLocks noGrp="1"/>
           </p:cNvSpPr>
@@ -494,13 +4446,7 @@
       </p:sp>
       <p:sp>
         <p:nvSpPr>
-          <p:cNvPr id="6" name="Slide Number Placeholder 5">
-            <a:extLst>
-              <a:ext uri="{FF2B5EF4-FFF2-40B4-BE49-F238E27FC236}">
-                <a16:creationId xmlns:a16="http://schemas.microsoft.com/office/drawing/2014/main" id="{FD81ECD6-3038-44BC-B9F2-49E7C088D0C7}"/>
-              </a:ext>
-            </a:extLst>
-          </p:cNvPr>
+          <p:cNvPr id="6" name="Slide Number Placeholder 5"/>
           <p:cNvSpPr>
             <a:spLocks noGrp="1"/>
           </p:cNvSpPr>
@@ -524,7 +4470,7 @@
     </p:spTree>
     <p:extLst>
       <p:ext uri="{BB962C8B-B14F-4D97-AF65-F5344CB8AC3E}">
-        <p14:creationId xmlns:p14="http://schemas.microsoft.com/office/powerpoint/2010/main" val="982467690"/>
+        <p14:creationId xmlns:p14="http://schemas.microsoft.com/office/powerpoint/2010/main" val="3097755868"/>
       </p:ext>
     </p:extLst>
   </p:cSld>
@@ -535,7 +4481,7 @@
 </file>
 
 <file path=ppt/slideLayouts/slideLayout11.xml><?xml version="1.0" encoding="utf-8"?>
-<p:sldLayout xmlns:a="http://schemas.openxmlformats.org/drawingml/2006/main" xmlns:r="http://schemas.openxmlformats.org/officeDocument/2006/relationships" xmlns:p="http://schemas.openxmlformats.org/presentationml/2006/main" type="vertTitleAndTx" preserve="1">
+<p:sldLayout xmlns:a="http://schemas.openxmlformats.org/drawingml/2006/main" xmlns:r="http://schemas.openxmlformats.org/officeDocument/2006/relationships" xmlns:p="http://schemas.openxmlformats.org/presentationml/2006/main" showMasterSp="0" type="vertTitleAndTx" preserve="1">
   <p:cSld name="Vertical Title and Text">
     <p:spTree>
       <p:nvGrpSpPr>
@@ -553,13 +4499,204 @@
       </p:grpSpPr>
       <p:sp>
         <p:nvSpPr>
-          <p:cNvPr id="2" name="Vertical Title 1">
-            <a:extLst>
-              <a:ext uri="{FF2B5EF4-FFF2-40B4-BE49-F238E27FC236}">
-                <a16:creationId xmlns:a16="http://schemas.microsoft.com/office/drawing/2014/main" id="{85BBEA69-12A3-4F94-93BE-101E98093DF3}"/>
-              </a:ext>
-            </a:extLst>
-          </p:cNvPr>
+          <p:cNvPr id="12" name="Freeform 6" title="Page Number Shape"/>
+          <p:cNvSpPr/>
+          <p:nvPr/>
+        </p:nvSpPr>
+        <p:spPr bwMode="auto">
+          <a:xfrm>
+            <a:off x="11784011" y="5380580"/>
+            <a:ext cx="407988" cy="819150"/>
+          </a:xfrm>
+          <a:custGeom>
+            <a:avLst/>
+            <a:gdLst/>
+            <a:ahLst/>
+            <a:cxnLst/>
+            <a:rect l="0" t="0" r="r" b="b"/>
+            <a:pathLst>
+              <a:path w="1799" h="3612">
+                <a:moveTo>
+                  <a:pt x="1799" y="0"/>
+                </a:moveTo>
+                <a:lnTo>
+                  <a:pt x="1799" y="3612"/>
+                </a:lnTo>
+                <a:lnTo>
+                  <a:pt x="1686" y="3609"/>
+                </a:lnTo>
+                <a:lnTo>
+                  <a:pt x="1574" y="3598"/>
+                </a:lnTo>
+                <a:lnTo>
+                  <a:pt x="1464" y="3581"/>
+                </a:lnTo>
+                <a:lnTo>
+                  <a:pt x="1357" y="3557"/>
+                </a:lnTo>
+                <a:lnTo>
+                  <a:pt x="1251" y="3527"/>
+                </a:lnTo>
+                <a:lnTo>
+                  <a:pt x="1150" y="3490"/>
+                </a:lnTo>
+                <a:lnTo>
+                  <a:pt x="1050" y="3448"/>
+                </a:lnTo>
+                <a:lnTo>
+                  <a:pt x="953" y="3401"/>
+                </a:lnTo>
+                <a:lnTo>
+                  <a:pt x="860" y="3347"/>
+                </a:lnTo>
+                <a:lnTo>
+                  <a:pt x="771" y="3289"/>
+                </a:lnTo>
+                <a:lnTo>
+                  <a:pt x="686" y="3224"/>
+                </a:lnTo>
+                <a:lnTo>
+                  <a:pt x="604" y="3156"/>
+                </a:lnTo>
+                <a:lnTo>
+                  <a:pt x="527" y="3083"/>
+                </a:lnTo>
+                <a:lnTo>
+                  <a:pt x="454" y="3005"/>
+                </a:lnTo>
+                <a:lnTo>
+                  <a:pt x="386" y="2923"/>
+                </a:lnTo>
+                <a:lnTo>
+                  <a:pt x="323" y="2838"/>
+                </a:lnTo>
+                <a:lnTo>
+                  <a:pt x="265" y="2748"/>
+                </a:lnTo>
+                <a:lnTo>
+                  <a:pt x="211" y="2655"/>
+                </a:lnTo>
+                <a:lnTo>
+                  <a:pt x="163" y="2559"/>
+                </a:lnTo>
+                <a:lnTo>
+                  <a:pt x="121" y="2459"/>
+                </a:lnTo>
+                <a:lnTo>
+                  <a:pt x="85" y="2356"/>
+                </a:lnTo>
+                <a:lnTo>
+                  <a:pt x="55" y="2251"/>
+                </a:lnTo>
+                <a:lnTo>
+                  <a:pt x="32" y="2143"/>
+                </a:lnTo>
+                <a:lnTo>
+                  <a:pt x="14" y="2033"/>
+                </a:lnTo>
+                <a:lnTo>
+                  <a:pt x="4" y="1920"/>
+                </a:lnTo>
+                <a:lnTo>
+                  <a:pt x="0" y="1806"/>
+                </a:lnTo>
+                <a:lnTo>
+                  <a:pt x="4" y="1692"/>
+                </a:lnTo>
+                <a:lnTo>
+                  <a:pt x="14" y="1580"/>
+                </a:lnTo>
+                <a:lnTo>
+                  <a:pt x="32" y="1469"/>
+                </a:lnTo>
+                <a:lnTo>
+                  <a:pt x="55" y="1362"/>
+                </a:lnTo>
+                <a:lnTo>
+                  <a:pt x="85" y="1256"/>
+                </a:lnTo>
+                <a:lnTo>
+                  <a:pt x="121" y="1154"/>
+                </a:lnTo>
+                <a:lnTo>
+                  <a:pt x="163" y="1054"/>
+                </a:lnTo>
+                <a:lnTo>
+                  <a:pt x="211" y="958"/>
+                </a:lnTo>
+                <a:lnTo>
+                  <a:pt x="265" y="864"/>
+                </a:lnTo>
+                <a:lnTo>
+                  <a:pt x="323" y="774"/>
+                </a:lnTo>
+                <a:lnTo>
+                  <a:pt x="386" y="689"/>
+                </a:lnTo>
+                <a:lnTo>
+                  <a:pt x="454" y="607"/>
+                </a:lnTo>
+                <a:lnTo>
+                  <a:pt x="527" y="529"/>
+                </a:lnTo>
+                <a:lnTo>
+                  <a:pt x="604" y="456"/>
+                </a:lnTo>
+                <a:lnTo>
+                  <a:pt x="686" y="388"/>
+                </a:lnTo>
+                <a:lnTo>
+                  <a:pt x="771" y="325"/>
+                </a:lnTo>
+                <a:lnTo>
+                  <a:pt x="860" y="266"/>
+                </a:lnTo>
+                <a:lnTo>
+                  <a:pt x="953" y="212"/>
+                </a:lnTo>
+                <a:lnTo>
+                  <a:pt x="1050" y="164"/>
+                </a:lnTo>
+                <a:lnTo>
+                  <a:pt x="1150" y="122"/>
+                </a:lnTo>
+                <a:lnTo>
+                  <a:pt x="1251" y="85"/>
+                </a:lnTo>
+                <a:lnTo>
+                  <a:pt x="1357" y="55"/>
+                </a:lnTo>
+                <a:lnTo>
+                  <a:pt x="1464" y="32"/>
+                </a:lnTo>
+                <a:lnTo>
+                  <a:pt x="1574" y="14"/>
+                </a:lnTo>
+                <a:lnTo>
+                  <a:pt x="1686" y="5"/>
+                </a:lnTo>
+                <a:lnTo>
+                  <a:pt x="1799" y="0"/>
+                </a:lnTo>
+                <a:close/>
+              </a:path>
+            </a:pathLst>
+          </a:custGeom>
+          <a:solidFill>
+            <a:srgbClr val="262626"/>
+          </a:solidFill>
+          <a:ln w="0">
+            <a:noFill/>
+            <a:prstDash val="solid"/>
+            <a:round/>
+            <a:headEnd/>
+            <a:tailEnd/>
+          </a:ln>
+        </p:spPr>
+      </p:sp>
+      <p:sp>
+        <p:nvSpPr>
+          <p:cNvPr id="2" name="Vertical Title 1"/>
           <p:cNvSpPr>
             <a:spLocks noGrp="1"/>
           </p:cNvSpPr>
@@ -569,31 +4706,29 @@
         </p:nvSpPr>
         <p:spPr>
           <a:xfrm>
-            <a:off x="8724900" y="365125"/>
-            <a:ext cx="2628900" cy="5811838"/>
+            <a:off x="7990765" y="642931"/>
+            <a:ext cx="2446670" cy="4678106"/>
           </a:xfrm>
         </p:spPr>
         <p:txBody>
           <a:bodyPr vert="eaVert"/>
-          <a:lstStyle/>
+          <a:lstStyle>
+            <a:lvl1pPr algn="l">
+              <a:defRPr/>
+            </a:lvl1pPr>
+          </a:lstStyle>
           <a:p>
             <a:r>
               <a:rPr lang="en-US"/>
               <a:t>Click to edit Master title style</a:t>
             </a:r>
-            <a:endParaRPr lang="it-IT"/>
+            <a:endParaRPr lang="en-US" dirty="0"/>
           </a:p>
         </p:txBody>
       </p:sp>
       <p:sp>
         <p:nvSpPr>
-          <p:cNvPr id="3" name="Vertical Text Placeholder 2">
-            <a:extLst>
-              <a:ext uri="{FF2B5EF4-FFF2-40B4-BE49-F238E27FC236}">
-                <a16:creationId xmlns:a16="http://schemas.microsoft.com/office/drawing/2014/main" id="{F739C9A9-8F24-49E8-8780-44E4499AE99C}"/>
-              </a:ext>
-            </a:extLst>
-          </p:cNvPr>
+          <p:cNvPr id="3" name="Vertical Text Placeholder 2"/>
           <p:cNvSpPr>
             <a:spLocks noGrp="1"/>
           </p:cNvSpPr>
@@ -603,8 +4738,8 @@
         </p:nvSpPr>
         <p:spPr>
           <a:xfrm>
-            <a:off x="838200" y="365125"/>
-            <a:ext cx="7734300" cy="5811838"/>
+            <a:off x="838200" y="642932"/>
+            <a:ext cx="7070678" cy="4678105"/>
           </a:xfrm>
         </p:spPr>
         <p:txBody>
@@ -644,19 +4779,13 @@
               <a:rPr lang="en-US"/>
               <a:t>Fifth level</a:t>
             </a:r>
-            <a:endParaRPr lang="it-IT"/>
+            <a:endParaRPr lang="en-US" dirty="0"/>
           </a:p>
         </p:txBody>
       </p:sp>
       <p:sp>
         <p:nvSpPr>
-          <p:cNvPr id="4" name="Date Placeholder 3">
-            <a:extLst>
-              <a:ext uri="{FF2B5EF4-FFF2-40B4-BE49-F238E27FC236}">
-                <a16:creationId xmlns:a16="http://schemas.microsoft.com/office/drawing/2014/main" id="{1F7ADAAB-E610-4BA9-8EAE-54D8F6346DC4}"/>
-              </a:ext>
-            </a:extLst>
-          </p:cNvPr>
+          <p:cNvPr id="4" name="Date Placeholder 3"/>
           <p:cNvSpPr>
             <a:spLocks noGrp="1"/>
           </p:cNvSpPr>
@@ -664,7 +4793,12 @@
             <p:ph type="dt" sz="half" idx="10"/>
           </p:nvPr>
         </p:nvSpPr>
-        <p:spPr/>
+        <p:spPr>
+          <a:xfrm>
+            <a:off x="6536187" y="5927131"/>
+            <a:ext cx="3814856" cy="365125"/>
+          </a:xfrm>
+        </p:spPr>
         <p:txBody>
           <a:bodyPr/>
           <a:lstStyle/>
@@ -679,13 +4813,7 @@
       </p:sp>
       <p:sp>
         <p:nvSpPr>
-          <p:cNvPr id="5" name="Footer Placeholder 4">
-            <a:extLst>
-              <a:ext uri="{FF2B5EF4-FFF2-40B4-BE49-F238E27FC236}">
-                <a16:creationId xmlns:a16="http://schemas.microsoft.com/office/drawing/2014/main" id="{80727276-CC8B-44E1-B228-9D5EA3D3DE86}"/>
-              </a:ext>
-            </a:extLst>
-          </p:cNvPr>
+          <p:cNvPr id="5" name="Footer Placeholder 4"/>
           <p:cNvSpPr>
             <a:spLocks noGrp="1"/>
           </p:cNvSpPr>
@@ -693,7 +4821,12 @@
             <p:ph type="ftr" sz="quarter" idx="11"/>
           </p:nvPr>
         </p:nvSpPr>
-        <p:spPr/>
+        <p:spPr>
+          <a:xfrm>
+            <a:off x="6536187" y="6315949"/>
+            <a:ext cx="3814856" cy="365125"/>
+          </a:xfrm>
+        </p:spPr>
         <p:txBody>
           <a:bodyPr/>
           <a:lstStyle/>
@@ -704,13 +4837,7 @@
       </p:sp>
       <p:sp>
         <p:nvSpPr>
-          <p:cNvPr id="6" name="Slide Number Placeholder 5">
-            <a:extLst>
-              <a:ext uri="{FF2B5EF4-FFF2-40B4-BE49-F238E27FC236}">
-                <a16:creationId xmlns:a16="http://schemas.microsoft.com/office/drawing/2014/main" id="{56C6F54B-EC39-4B1E-AEEC-9B9D353A447C}"/>
-              </a:ext>
-            </a:extLst>
-          </p:cNvPr>
+          <p:cNvPr id="6" name="Slide Number Placeholder 5"/>
           <p:cNvSpPr>
             <a:spLocks noGrp="1"/>
           </p:cNvSpPr>
@@ -718,7 +4845,12 @@
             <p:ph type="sldNum" sz="quarter" idx="12"/>
           </p:nvPr>
         </p:nvSpPr>
-        <p:spPr/>
+        <p:spPr>
+          <a:xfrm>
+            <a:off x="11784011" y="5607592"/>
+            <a:ext cx="407988" cy="365125"/>
+          </a:xfrm>
+        </p:spPr>
         <p:txBody>
           <a:bodyPr/>
           <a:lstStyle/>
@@ -731,16 +4863,65 @@
           </a:p>
         </p:txBody>
       </p:sp>
+      <p:cxnSp>
+        <p:nvCxnSpPr>
+          <p:cNvPr id="13" name="Straight Connector 12" title="Horizontal Rule Line"/>
+          <p:cNvCxnSpPr/>
+          <p:nvPr/>
+        </p:nvCxnSpPr>
+        <p:spPr>
+          <a:xfrm>
+            <a:off x="0" y="6199730"/>
+            <a:ext cx="10260011" cy="0"/>
+          </a:xfrm>
+          <a:prstGeom prst="line">
+            <a:avLst/>
+          </a:prstGeom>
+          <a:ln w="25400">
+            <a:solidFill>
+              <a:schemeClr val="tx1">
+                <a:lumMod val="85000"/>
+                <a:lumOff val="15000"/>
+              </a:schemeClr>
+            </a:solidFill>
+          </a:ln>
+        </p:spPr>
+        <p:style>
+          <a:lnRef idx="1">
+            <a:schemeClr val="accent1"/>
+          </a:lnRef>
+          <a:fillRef idx="0">
+            <a:schemeClr val="accent1"/>
+          </a:fillRef>
+          <a:effectRef idx="0">
+            <a:schemeClr val="accent1"/>
+          </a:effectRef>
+          <a:fontRef idx="minor">
+            <a:schemeClr val="tx1"/>
+          </a:fontRef>
+        </p:style>
+      </p:cxnSp>
     </p:spTree>
     <p:extLst>
       <p:ext uri="{BB962C8B-B14F-4D97-AF65-F5344CB8AC3E}">
-        <p14:creationId xmlns:p14="http://schemas.microsoft.com/office/powerpoint/2010/main" val="2921920679"/>
+        <p14:creationId xmlns:p14="http://schemas.microsoft.com/office/powerpoint/2010/main" val="1505015453"/>
       </p:ext>
     </p:extLst>
   </p:cSld>
   <p:clrMapOvr>
     <a:masterClrMapping/>
   </p:clrMapOvr>
+  <p:extLst>
+    <p:ext uri="{DCECCB84-F9BA-43D5-87BE-67443E8EF086}">
+      <p15:sldGuideLst xmlns:p15="http://schemas.microsoft.com/office/powerpoint/2012/main">
+        <p15:guide id="1" pos="6456">
+          <p15:clr>
+            <a:srgbClr val="FBAE40"/>
+          </p15:clr>
+        </p15:guide>
+      </p15:sldGuideLst>
+    </p:ext>
+  </p:extLst>
 </p:sldLayout>
 </file>
 
@@ -763,13 +4944,7 @@
       </p:grpSpPr>
       <p:sp>
         <p:nvSpPr>
-          <p:cNvPr id="2" name="Title 1">
-            <a:extLst>
-              <a:ext uri="{FF2B5EF4-FFF2-40B4-BE49-F238E27FC236}">
-                <a16:creationId xmlns:a16="http://schemas.microsoft.com/office/drawing/2014/main" id="{30FF5D36-2902-4CB3-8ECE-8DD77F2531D9}"/>
-              </a:ext>
-            </a:extLst>
-          </p:cNvPr>
+          <p:cNvPr id="2" name="Title 1"/>
           <p:cNvSpPr>
             <a:spLocks noGrp="1"/>
           </p:cNvSpPr>
@@ -786,19 +4961,13 @@
               <a:rPr lang="en-US"/>
               <a:t>Click to edit Master title style</a:t>
             </a:r>
-            <a:endParaRPr lang="it-IT"/>
+            <a:endParaRPr lang="en-US" dirty="0"/>
           </a:p>
         </p:txBody>
       </p:sp>
       <p:sp>
         <p:nvSpPr>
-          <p:cNvPr id="3" name="Content Placeholder 2">
-            <a:extLst>
-              <a:ext uri="{FF2B5EF4-FFF2-40B4-BE49-F238E27FC236}">
-                <a16:creationId xmlns:a16="http://schemas.microsoft.com/office/drawing/2014/main" id="{FD7484F0-0AD0-492D-A830-2017498D1789}"/>
-              </a:ext>
-            </a:extLst>
-          </p:cNvPr>
+          <p:cNvPr id="3" name="Content Placeholder 2"/>
           <p:cNvSpPr>
             <a:spLocks noGrp="1"/>
           </p:cNvSpPr>
@@ -844,19 +5013,13 @@
               <a:rPr lang="en-US"/>
               <a:t>Fifth level</a:t>
             </a:r>
-            <a:endParaRPr lang="it-IT"/>
+            <a:endParaRPr lang="en-US" dirty="0"/>
           </a:p>
         </p:txBody>
       </p:sp>
       <p:sp>
         <p:nvSpPr>
-          <p:cNvPr id="4" name="Date Placeholder 3">
-            <a:extLst>
-              <a:ext uri="{FF2B5EF4-FFF2-40B4-BE49-F238E27FC236}">
-                <a16:creationId xmlns:a16="http://schemas.microsoft.com/office/drawing/2014/main" id="{B84DF665-A06A-48D0-A304-35CBD6DFC0C0}"/>
-              </a:ext>
-            </a:extLst>
-          </p:cNvPr>
+          <p:cNvPr id="4" name="Date Placeholder 3"/>
           <p:cNvSpPr>
             <a:spLocks noGrp="1"/>
           </p:cNvSpPr>
@@ -879,13 +5042,7 @@
       </p:sp>
       <p:sp>
         <p:nvSpPr>
-          <p:cNvPr id="5" name="Footer Placeholder 4">
-            <a:extLst>
-              <a:ext uri="{FF2B5EF4-FFF2-40B4-BE49-F238E27FC236}">
-                <a16:creationId xmlns:a16="http://schemas.microsoft.com/office/drawing/2014/main" id="{B5DC8C1A-7D74-4453-B02F-B5F13E7A42DA}"/>
-              </a:ext>
-            </a:extLst>
-          </p:cNvPr>
+          <p:cNvPr id="5" name="Footer Placeholder 4"/>
           <p:cNvSpPr>
             <a:spLocks noGrp="1"/>
           </p:cNvSpPr>
@@ -904,13 +5061,7 @@
       </p:sp>
       <p:sp>
         <p:nvSpPr>
-          <p:cNvPr id="6" name="Slide Number Placeholder 5">
-            <a:extLst>
-              <a:ext uri="{FF2B5EF4-FFF2-40B4-BE49-F238E27FC236}">
-                <a16:creationId xmlns:a16="http://schemas.microsoft.com/office/drawing/2014/main" id="{46DEF2EA-4606-4086-BFEF-27D69905C4C9}"/>
-              </a:ext>
-            </a:extLst>
-          </p:cNvPr>
+          <p:cNvPr id="6" name="Slide Number Placeholder 5"/>
           <p:cNvSpPr>
             <a:spLocks noGrp="1"/>
           </p:cNvSpPr>
@@ -934,7 +5085,7 @@
     </p:spTree>
     <p:extLst>
       <p:ext uri="{BB962C8B-B14F-4D97-AF65-F5344CB8AC3E}">
-        <p14:creationId xmlns:p14="http://schemas.microsoft.com/office/powerpoint/2010/main" val="4255205710"/>
+        <p14:creationId xmlns:p14="http://schemas.microsoft.com/office/powerpoint/2010/main" val="807983"/>
       </p:ext>
     </p:extLst>
   </p:cSld>
@@ -945,8 +5096,16 @@
 </file>
 
 <file path=ppt/slideLayouts/slideLayout3.xml><?xml version="1.0" encoding="utf-8"?>
-<p:sldLayout xmlns:a="http://schemas.openxmlformats.org/drawingml/2006/main" xmlns:r="http://schemas.openxmlformats.org/officeDocument/2006/relationships" xmlns:p="http://schemas.openxmlformats.org/presentationml/2006/main" type="secHead" preserve="1">
+<p:sldLayout xmlns:a="http://schemas.openxmlformats.org/drawingml/2006/main" xmlns:r="http://schemas.openxmlformats.org/officeDocument/2006/relationships" xmlns:p="http://schemas.openxmlformats.org/presentationml/2006/main" showMasterSp="0" type="secHead" preserve="1">
   <p:cSld name="Section Header">
+    <p:bg>
+      <p:bgPr>
+        <a:solidFill>
+          <a:schemeClr val="bg2"/>
+        </a:solidFill>
+        <a:effectLst/>
+      </p:bgPr>
+    </p:bg>
     <p:spTree>
       <p:nvGrpSpPr>
         <p:cNvPr id="1" name=""/>
@@ -963,13 +5122,207 @@
       </p:grpSpPr>
       <p:sp>
         <p:nvSpPr>
-          <p:cNvPr id="2" name="Title 1">
-            <a:extLst>
-              <a:ext uri="{FF2B5EF4-FFF2-40B4-BE49-F238E27FC236}">
-                <a16:creationId xmlns:a16="http://schemas.microsoft.com/office/drawing/2014/main" id="{EDE9B67B-31D3-4FEC-9458-2FB281C74D1E}"/>
-              </a:ext>
-            </a:extLst>
-          </p:cNvPr>
+          <p:cNvPr id="7" name="Freeform 6" title="Page Number Shape"/>
+          <p:cNvSpPr/>
+          <p:nvPr/>
+        </p:nvSpPr>
+        <p:spPr bwMode="auto">
+          <a:xfrm>
+            <a:off x="11784011" y="1393748"/>
+            <a:ext cx="407988" cy="819150"/>
+          </a:xfrm>
+          <a:custGeom>
+            <a:avLst/>
+            <a:gdLst/>
+            <a:ahLst/>
+            <a:cxnLst/>
+            <a:rect l="0" t="0" r="r" b="b"/>
+            <a:pathLst>
+              <a:path w="1799" h="3612">
+                <a:moveTo>
+                  <a:pt x="1799" y="0"/>
+                </a:moveTo>
+                <a:lnTo>
+                  <a:pt x="1799" y="3612"/>
+                </a:lnTo>
+                <a:lnTo>
+                  <a:pt x="1686" y="3609"/>
+                </a:lnTo>
+                <a:lnTo>
+                  <a:pt x="1574" y="3598"/>
+                </a:lnTo>
+                <a:lnTo>
+                  <a:pt x="1464" y="3581"/>
+                </a:lnTo>
+                <a:lnTo>
+                  <a:pt x="1357" y="3557"/>
+                </a:lnTo>
+                <a:lnTo>
+                  <a:pt x="1251" y="3527"/>
+                </a:lnTo>
+                <a:lnTo>
+                  <a:pt x="1150" y="3490"/>
+                </a:lnTo>
+                <a:lnTo>
+                  <a:pt x="1050" y="3448"/>
+                </a:lnTo>
+                <a:lnTo>
+                  <a:pt x="953" y="3401"/>
+                </a:lnTo>
+                <a:lnTo>
+                  <a:pt x="860" y="3347"/>
+                </a:lnTo>
+                <a:lnTo>
+                  <a:pt x="771" y="3289"/>
+                </a:lnTo>
+                <a:lnTo>
+                  <a:pt x="686" y="3224"/>
+                </a:lnTo>
+                <a:lnTo>
+                  <a:pt x="604" y="3156"/>
+                </a:lnTo>
+                <a:lnTo>
+                  <a:pt x="527" y="3083"/>
+                </a:lnTo>
+                <a:lnTo>
+                  <a:pt x="454" y="3005"/>
+                </a:lnTo>
+                <a:lnTo>
+                  <a:pt x="386" y="2923"/>
+                </a:lnTo>
+                <a:lnTo>
+                  <a:pt x="323" y="2838"/>
+                </a:lnTo>
+                <a:lnTo>
+                  <a:pt x="265" y="2748"/>
+                </a:lnTo>
+                <a:lnTo>
+                  <a:pt x="211" y="2655"/>
+                </a:lnTo>
+                <a:lnTo>
+                  <a:pt x="163" y="2559"/>
+                </a:lnTo>
+                <a:lnTo>
+                  <a:pt x="121" y="2459"/>
+                </a:lnTo>
+                <a:lnTo>
+                  <a:pt x="85" y="2356"/>
+                </a:lnTo>
+                <a:lnTo>
+                  <a:pt x="55" y="2251"/>
+                </a:lnTo>
+                <a:lnTo>
+                  <a:pt x="32" y="2143"/>
+                </a:lnTo>
+                <a:lnTo>
+                  <a:pt x="14" y="2033"/>
+                </a:lnTo>
+                <a:lnTo>
+                  <a:pt x="4" y="1920"/>
+                </a:lnTo>
+                <a:lnTo>
+                  <a:pt x="0" y="1806"/>
+                </a:lnTo>
+                <a:lnTo>
+                  <a:pt x="4" y="1692"/>
+                </a:lnTo>
+                <a:lnTo>
+                  <a:pt x="14" y="1580"/>
+                </a:lnTo>
+                <a:lnTo>
+                  <a:pt x="32" y="1469"/>
+                </a:lnTo>
+                <a:lnTo>
+                  <a:pt x="55" y="1362"/>
+                </a:lnTo>
+                <a:lnTo>
+                  <a:pt x="85" y="1256"/>
+                </a:lnTo>
+                <a:lnTo>
+                  <a:pt x="121" y="1154"/>
+                </a:lnTo>
+                <a:lnTo>
+                  <a:pt x="163" y="1054"/>
+                </a:lnTo>
+                <a:lnTo>
+                  <a:pt x="211" y="958"/>
+                </a:lnTo>
+                <a:lnTo>
+                  <a:pt x="265" y="864"/>
+                </a:lnTo>
+                <a:lnTo>
+                  <a:pt x="323" y="774"/>
+                </a:lnTo>
+                <a:lnTo>
+                  <a:pt x="386" y="689"/>
+                </a:lnTo>
+                <a:lnTo>
+                  <a:pt x="454" y="607"/>
+                </a:lnTo>
+                <a:lnTo>
+                  <a:pt x="527" y="529"/>
+                </a:lnTo>
+                <a:lnTo>
+                  <a:pt x="604" y="456"/>
+                </a:lnTo>
+                <a:lnTo>
+                  <a:pt x="686" y="388"/>
+                </a:lnTo>
+                <a:lnTo>
+                  <a:pt x="771" y="325"/>
+                </a:lnTo>
+                <a:lnTo>
+                  <a:pt x="860" y="266"/>
+                </a:lnTo>
+                <a:lnTo>
+                  <a:pt x="953" y="212"/>
+                </a:lnTo>
+                <a:lnTo>
+                  <a:pt x="1050" y="164"/>
+                </a:lnTo>
+                <a:lnTo>
+                  <a:pt x="1150" y="122"/>
+                </a:lnTo>
+                <a:lnTo>
+                  <a:pt x="1251" y="85"/>
+                </a:lnTo>
+                <a:lnTo>
+                  <a:pt x="1357" y="55"/>
+                </a:lnTo>
+                <a:lnTo>
+                  <a:pt x="1464" y="32"/>
+                </a:lnTo>
+                <a:lnTo>
+                  <a:pt x="1574" y="14"/>
+                </a:lnTo>
+                <a:lnTo>
+                  <a:pt x="1686" y="5"/>
+                </a:lnTo>
+                <a:lnTo>
+                  <a:pt x="1799" y="0"/>
+                </a:lnTo>
+                <a:close/>
+              </a:path>
+            </a:pathLst>
+          </a:custGeom>
+          <a:solidFill>
+            <a:schemeClr val="tx1">
+              <a:lumMod val="85000"/>
+              <a:lumOff val="15000"/>
+            </a:schemeClr>
+          </a:solidFill>
+          <a:ln w="0">
+            <a:noFill/>
+            <a:prstDash val="solid"/>
+            <a:round/>
+            <a:headEnd/>
+            <a:tailEnd/>
+          </a:ln>
+        </p:spPr>
+      </p:sp>
+      <p:sp>
+        <p:nvSpPr>
+          <p:cNvPr id="2" name="Title 1"/>
           <p:cNvSpPr>
             <a:spLocks noGrp="1"/>
           </p:cNvSpPr>
@@ -979,15 +5332,27 @@
         </p:nvSpPr>
         <p:spPr>
           <a:xfrm>
-            <a:off x="831850" y="1709738"/>
-            <a:ext cx="10515600" cy="2852737"/>
+            <a:off x="1947673" y="2571722"/>
+            <a:ext cx="8296654" cy="3286153"/>
           </a:xfrm>
         </p:spPr>
         <p:txBody>
-          <a:bodyPr anchor="b"/>
+          <a:bodyPr anchor="t">
+            <a:normAutofit/>
+          </a:bodyPr>
           <a:lstStyle>
             <a:lvl1pPr>
-              <a:defRPr sz="6000"/>
+              <a:lnSpc>
+                <a:spcPct val="85000"/>
+              </a:lnSpc>
+              <a:defRPr sz="7700" cap="all" baseline="0">
+                <a:solidFill>
+                  <a:schemeClr val="tx1">
+                    <a:lumMod val="85000"/>
+                    <a:lumOff val="15000"/>
+                  </a:schemeClr>
+                </a:solidFill>
+              </a:defRPr>
             </a:lvl1pPr>
           </a:lstStyle>
           <a:p>
@@ -995,19 +5360,13 @@
               <a:rPr lang="en-US"/>
               <a:t>Click to edit Master title style</a:t>
             </a:r>
-            <a:endParaRPr lang="it-IT"/>
+            <a:endParaRPr lang="en-US" dirty="0"/>
           </a:p>
         </p:txBody>
       </p:sp>
       <p:sp>
         <p:nvSpPr>
-          <p:cNvPr id="3" name="Text Placeholder 2">
-            <a:extLst>
-              <a:ext uri="{FF2B5EF4-FFF2-40B4-BE49-F238E27FC236}">
-                <a16:creationId xmlns:a16="http://schemas.microsoft.com/office/drawing/2014/main" id="{85DBB4A1-4391-499B-8C76-3EB030BA6018}"/>
-              </a:ext>
-            </a:extLst>
-          </p:cNvPr>
+          <p:cNvPr id="3" name="Text Placeholder 2"/>
           <p:cNvSpPr>
             <a:spLocks noGrp="1"/>
           </p:cNvSpPr>
@@ -1017,19 +5376,28 @@
         </p:nvSpPr>
         <p:spPr>
           <a:xfrm>
-            <a:off x="831850" y="4589463"/>
-            <a:ext cx="10515600" cy="1500187"/>
+            <a:off x="1947673" y="1393748"/>
+            <a:ext cx="8401429" cy="819150"/>
           </a:xfrm>
         </p:spPr>
         <p:txBody>
-          <a:bodyPr/>
+          <a:bodyPr anchor="ctr">
+            <a:normAutofit/>
+          </a:bodyPr>
           <a:lstStyle>
-            <a:lvl1pPr marL="0" indent="0">
+            <a:lvl1pPr marL="0" indent="0" algn="r">
+              <a:lnSpc>
+                <a:spcPct val="113000"/>
+              </a:lnSpc>
+              <a:spcBef>
+                <a:spcPts val="0"/>
+              </a:spcBef>
               <a:buNone/>
-              <a:defRPr sz="2400">
+              <a:defRPr sz="2000" b="0" i="1" baseline="0">
                 <a:solidFill>
                   <a:schemeClr val="tx1">
-                    <a:tint val="75000"/>
+                    <a:lumMod val="85000"/>
+                    <a:lumOff val="15000"/>
                   </a:schemeClr>
                 </a:solidFill>
               </a:defRPr>
@@ -1126,13 +5494,7 @@
       </p:sp>
       <p:sp>
         <p:nvSpPr>
-          <p:cNvPr id="4" name="Date Placeholder 3">
-            <a:extLst>
-              <a:ext uri="{FF2B5EF4-FFF2-40B4-BE49-F238E27FC236}">
-                <a16:creationId xmlns:a16="http://schemas.microsoft.com/office/drawing/2014/main" id="{AF77DA7C-51A0-4CB6-A2D5-3D5D45578110}"/>
-              </a:ext>
-            </a:extLst>
-          </p:cNvPr>
+          <p:cNvPr id="4" name="Date Placeholder 3"/>
           <p:cNvSpPr>
             <a:spLocks noGrp="1"/>
           </p:cNvSpPr>
@@ -1140,10 +5502,26 @@
             <p:ph type="dt" sz="half" idx="10"/>
           </p:nvPr>
         </p:nvSpPr>
-        <p:spPr/>
+        <p:spPr>
+          <a:xfrm>
+            <a:off x="8742955" y="6314439"/>
+            <a:ext cx="1596622" cy="365125"/>
+          </a:xfrm>
+        </p:spPr>
         <p:txBody>
           <a:bodyPr/>
-          <a:lstStyle/>
+          <a:lstStyle>
+            <a:lvl1pPr>
+              <a:defRPr sz="1200">
+                <a:solidFill>
+                  <a:schemeClr val="tx1">
+                    <a:lumMod val="85000"/>
+                    <a:lumOff val="15000"/>
+                  </a:schemeClr>
+                </a:solidFill>
+              </a:defRPr>
+            </a:lvl1pPr>
+          </a:lstStyle>
           <a:p>
             <a:fld id="{A1167A9F-5E02-475A-AA8F-A56623B3A27F}" type="datetimeFigureOut">
               <a:rPr lang="it-IT" smtClean="0"/>
@@ -1155,13 +5533,7 @@
       </p:sp>
       <p:sp>
         <p:nvSpPr>
-          <p:cNvPr id="5" name="Footer Placeholder 4">
-            <a:extLst>
-              <a:ext uri="{FF2B5EF4-FFF2-40B4-BE49-F238E27FC236}">
-                <a16:creationId xmlns:a16="http://schemas.microsoft.com/office/drawing/2014/main" id="{CB610830-AAFF-44E2-9BF8-C21C22DA8029}"/>
-              </a:ext>
-            </a:extLst>
-          </p:cNvPr>
+          <p:cNvPr id="5" name="Footer Placeholder 4"/>
           <p:cNvSpPr>
             <a:spLocks noGrp="1"/>
           </p:cNvSpPr>
@@ -1169,10 +5541,26 @@
             <p:ph type="ftr" sz="quarter" idx="11"/>
           </p:nvPr>
         </p:nvSpPr>
-        <p:spPr/>
+        <p:spPr>
+          <a:xfrm>
+            <a:off x="1947673" y="6314440"/>
+            <a:ext cx="6480226" cy="365125"/>
+          </a:xfrm>
+        </p:spPr>
         <p:txBody>
           <a:bodyPr/>
-          <a:lstStyle/>
+          <a:lstStyle>
+            <a:lvl1pPr>
+              <a:defRPr b="0">
+                <a:solidFill>
+                  <a:schemeClr val="tx1">
+                    <a:lumMod val="85000"/>
+                    <a:lumOff val="15000"/>
+                  </a:schemeClr>
+                </a:solidFill>
+              </a:defRPr>
+            </a:lvl1pPr>
+          </a:lstStyle>
           <a:p>
             <a:endParaRPr lang="it-IT"/>
           </a:p>
@@ -1180,13 +5568,7 @@
       </p:sp>
       <p:sp>
         <p:nvSpPr>
-          <p:cNvPr id="6" name="Slide Number Placeholder 5">
-            <a:extLst>
-              <a:ext uri="{FF2B5EF4-FFF2-40B4-BE49-F238E27FC236}">
-                <a16:creationId xmlns:a16="http://schemas.microsoft.com/office/drawing/2014/main" id="{35665D48-5005-4AED-8999-9F6FEEC4B0EF}"/>
-              </a:ext>
-            </a:extLst>
-          </p:cNvPr>
+          <p:cNvPr id="6" name="Slide Number Placeholder 5"/>
           <p:cNvSpPr>
             <a:spLocks noGrp="1"/>
           </p:cNvSpPr>
@@ -1194,10 +5576,23 @@
             <p:ph type="sldNum" sz="quarter" idx="12"/>
           </p:nvPr>
         </p:nvSpPr>
-        <p:spPr/>
+        <p:spPr>
+          <a:xfrm>
+            <a:off x="11784011" y="1620760"/>
+            <a:ext cx="407988" cy="365125"/>
+          </a:xfrm>
+        </p:spPr>
         <p:txBody>
           <a:bodyPr/>
-          <a:lstStyle/>
+          <a:lstStyle>
+            <a:lvl1pPr>
+              <a:defRPr>
+                <a:solidFill>
+                  <a:schemeClr val="bg2"/>
+                </a:solidFill>
+              </a:defRPr>
+            </a:lvl1pPr>
+          </a:lstStyle>
           <a:p>
             <a:fld id="{100C1500-5EB1-4CEF-9169-12A91CBA439C}" type="slidenum">
               <a:rPr lang="it-IT" smtClean="0"/>
@@ -1207,16 +5602,65 @@
           </a:p>
         </p:txBody>
       </p:sp>
+      <p:cxnSp>
+        <p:nvCxnSpPr>
+          <p:cNvPr id="10" name="Straight Connector 9" title="Horizontal Rule Line"/>
+          <p:cNvCxnSpPr/>
+          <p:nvPr/>
+        </p:nvCxnSpPr>
+        <p:spPr>
+          <a:xfrm flipH="1">
+            <a:off x="1" y="6178167"/>
+            <a:ext cx="10244326" cy="0"/>
+          </a:xfrm>
+          <a:prstGeom prst="line">
+            <a:avLst/>
+          </a:prstGeom>
+          <a:ln w="25400">
+            <a:solidFill>
+              <a:schemeClr val="tx1">
+                <a:lumMod val="85000"/>
+                <a:lumOff val="15000"/>
+              </a:schemeClr>
+            </a:solidFill>
+          </a:ln>
+        </p:spPr>
+        <p:style>
+          <a:lnRef idx="1">
+            <a:schemeClr val="accent1"/>
+          </a:lnRef>
+          <a:fillRef idx="0">
+            <a:schemeClr val="accent1"/>
+          </a:fillRef>
+          <a:effectRef idx="0">
+            <a:schemeClr val="accent1"/>
+          </a:effectRef>
+          <a:fontRef idx="minor">
+            <a:schemeClr val="tx1"/>
+          </a:fontRef>
+        </p:style>
+      </p:cxnSp>
     </p:spTree>
     <p:extLst>
       <p:ext uri="{BB962C8B-B14F-4D97-AF65-F5344CB8AC3E}">
-        <p14:creationId xmlns:p14="http://schemas.microsoft.com/office/powerpoint/2010/main" val="595866701"/>
+        <p14:creationId xmlns:p14="http://schemas.microsoft.com/office/powerpoint/2010/main" val="2312951730"/>
       </p:ext>
     </p:extLst>
   </p:cSld>
   <p:clrMapOvr>
     <a:masterClrMapping/>
   </p:clrMapOvr>
+  <p:extLst>
+    <p:ext uri="{DCECCB84-F9BA-43D5-87BE-67443E8EF086}">
+      <p15:sldGuideLst xmlns:p15="http://schemas.microsoft.com/office/powerpoint/2012/main">
+        <p15:guide id="1" pos="6456">
+          <p15:clr>
+            <a:srgbClr val="FBAE40"/>
+          </p15:clr>
+        </p15:guide>
+      </p15:sldGuideLst>
+    </p:ext>
+  </p:extLst>
 </p:sldLayout>
 </file>
 
@@ -1239,13 +5683,7 @@
       </p:grpSpPr>
       <p:sp>
         <p:nvSpPr>
-          <p:cNvPr id="2" name="Title 1">
-            <a:extLst>
-              <a:ext uri="{FF2B5EF4-FFF2-40B4-BE49-F238E27FC236}">
-                <a16:creationId xmlns:a16="http://schemas.microsoft.com/office/drawing/2014/main" id="{C584D672-032F-42B1-AADF-74D16E655ED1}"/>
-              </a:ext>
-            </a:extLst>
-          </p:cNvPr>
+          <p:cNvPr id="2" name="Title 1"/>
           <p:cNvSpPr>
             <a:spLocks noGrp="1"/>
           </p:cNvSpPr>
@@ -1262,19 +5700,13 @@
               <a:rPr lang="en-US"/>
               <a:t>Click to edit Master title style</a:t>
             </a:r>
-            <a:endParaRPr lang="it-IT"/>
+            <a:endParaRPr lang="en-US" dirty="0"/>
           </a:p>
         </p:txBody>
       </p:sp>
       <p:sp>
         <p:nvSpPr>
-          <p:cNvPr id="3" name="Content Placeholder 2">
-            <a:extLst>
-              <a:ext uri="{FF2B5EF4-FFF2-40B4-BE49-F238E27FC236}">
-                <a16:creationId xmlns:a16="http://schemas.microsoft.com/office/drawing/2014/main" id="{760AE692-B48A-4E3D-848C-62711F2CC5FB}"/>
-              </a:ext>
-            </a:extLst>
-          </p:cNvPr>
+          <p:cNvPr id="3" name="Content Placeholder 2"/>
           <p:cNvSpPr>
             <a:spLocks noGrp="1"/>
           </p:cNvSpPr>
@@ -1284,8 +5716,8 @@
         </p:nvSpPr>
         <p:spPr>
           <a:xfrm>
-            <a:off x="838200" y="1825625"/>
-            <a:ext cx="5181600" cy="4351338"/>
+            <a:off x="5181600" y="540628"/>
+            <a:ext cx="6248400" cy="2488946"/>
           </a:xfrm>
         </p:spPr>
         <p:txBody>
@@ -1325,19 +5757,13 @@
               <a:rPr lang="en-US"/>
               <a:t>Fifth level</a:t>
             </a:r>
-            <a:endParaRPr lang="it-IT"/>
+            <a:endParaRPr lang="en-US" dirty="0"/>
           </a:p>
         </p:txBody>
       </p:sp>
       <p:sp>
         <p:nvSpPr>
-          <p:cNvPr id="4" name="Content Placeholder 3">
-            <a:extLst>
-              <a:ext uri="{FF2B5EF4-FFF2-40B4-BE49-F238E27FC236}">
-                <a16:creationId xmlns:a16="http://schemas.microsoft.com/office/drawing/2014/main" id="{1CFC0310-D739-460D-B99D-AC4A4933A1A3}"/>
-              </a:ext>
-            </a:extLst>
-          </p:cNvPr>
+          <p:cNvPr id="4" name="Content Placeholder 3"/>
           <p:cNvSpPr>
             <a:spLocks noGrp="1"/>
           </p:cNvSpPr>
@@ -1347,8 +5773,8 @@
         </p:nvSpPr>
         <p:spPr>
           <a:xfrm>
-            <a:off x="6172200" y="1825625"/>
-            <a:ext cx="5181600" cy="4351338"/>
+            <a:off x="5181600" y="3712467"/>
+            <a:ext cx="6248400" cy="2482228"/>
           </a:xfrm>
         </p:spPr>
         <p:txBody>
@@ -1388,19 +5814,13 @@
               <a:rPr lang="en-US"/>
               <a:t>Fifth level</a:t>
             </a:r>
-            <a:endParaRPr lang="it-IT"/>
+            <a:endParaRPr lang="en-US" dirty="0"/>
           </a:p>
         </p:txBody>
       </p:sp>
       <p:sp>
         <p:nvSpPr>
-          <p:cNvPr id="5" name="Date Placeholder 4">
-            <a:extLst>
-              <a:ext uri="{FF2B5EF4-FFF2-40B4-BE49-F238E27FC236}">
-                <a16:creationId xmlns:a16="http://schemas.microsoft.com/office/drawing/2014/main" id="{85E4982F-4C95-4D7E-BBF7-7975587367E6}"/>
-              </a:ext>
-            </a:extLst>
-          </p:cNvPr>
+          <p:cNvPr id="5" name="Date Placeholder 4"/>
           <p:cNvSpPr>
             <a:spLocks noGrp="1"/>
           </p:cNvSpPr>
@@ -1423,13 +5843,7 @@
       </p:sp>
       <p:sp>
         <p:nvSpPr>
-          <p:cNvPr id="6" name="Footer Placeholder 5">
-            <a:extLst>
-              <a:ext uri="{FF2B5EF4-FFF2-40B4-BE49-F238E27FC236}">
-                <a16:creationId xmlns:a16="http://schemas.microsoft.com/office/drawing/2014/main" id="{08413C9B-7E5D-471E-AEC9-63A90FDBBBDC}"/>
-              </a:ext>
-            </a:extLst>
-          </p:cNvPr>
+          <p:cNvPr id="6" name="Footer Placeholder 5"/>
           <p:cNvSpPr>
             <a:spLocks noGrp="1"/>
           </p:cNvSpPr>
@@ -1448,13 +5862,7 @@
       </p:sp>
       <p:sp>
         <p:nvSpPr>
-          <p:cNvPr id="7" name="Slide Number Placeholder 6">
-            <a:extLst>
-              <a:ext uri="{FF2B5EF4-FFF2-40B4-BE49-F238E27FC236}">
-                <a16:creationId xmlns:a16="http://schemas.microsoft.com/office/drawing/2014/main" id="{3AC332CC-86B5-43C2-B146-83A714E231A8}"/>
-              </a:ext>
-            </a:extLst>
-          </p:cNvPr>
+          <p:cNvPr id="7" name="Slide Number Placeholder 6"/>
           <p:cNvSpPr>
             <a:spLocks noGrp="1"/>
           </p:cNvSpPr>
@@ -1478,7 +5886,7 @@
     </p:spTree>
     <p:extLst>
       <p:ext uri="{BB962C8B-B14F-4D97-AF65-F5344CB8AC3E}">
-        <p14:creationId xmlns:p14="http://schemas.microsoft.com/office/powerpoint/2010/main" val="3767911489"/>
+        <p14:creationId xmlns:p14="http://schemas.microsoft.com/office/powerpoint/2010/main" val="2072043944"/>
       </p:ext>
     </p:extLst>
   </p:cSld>
@@ -1507,13 +5915,7 @@
       </p:grpSpPr>
       <p:sp>
         <p:nvSpPr>
-          <p:cNvPr id="2" name="Title 1">
-            <a:extLst>
-              <a:ext uri="{FF2B5EF4-FFF2-40B4-BE49-F238E27FC236}">
-                <a16:creationId xmlns:a16="http://schemas.microsoft.com/office/drawing/2014/main" id="{809F4187-2639-4F31-BC7A-E5F84989CA3F}"/>
-              </a:ext>
-            </a:extLst>
-          </p:cNvPr>
+          <p:cNvPr id="2" name="Title 1"/>
           <p:cNvSpPr>
             <a:spLocks noGrp="1"/>
           </p:cNvSpPr>
@@ -1523,8 +5925,8 @@
         </p:nvSpPr>
         <p:spPr>
           <a:xfrm>
-            <a:off x="839788" y="365125"/>
-            <a:ext cx="10515600" cy="1325563"/>
+            <a:off x="762000" y="557784"/>
+            <a:ext cx="3831336" cy="4956048"/>
           </a:xfrm>
         </p:spPr>
         <p:txBody>
@@ -1535,19 +5937,13 @@
               <a:rPr lang="en-US"/>
               <a:t>Click to edit Master title style</a:t>
             </a:r>
-            <a:endParaRPr lang="it-IT"/>
+            <a:endParaRPr lang="en-US" dirty="0"/>
           </a:p>
         </p:txBody>
       </p:sp>
       <p:sp>
         <p:nvSpPr>
-          <p:cNvPr id="3" name="Text Placeholder 2">
-            <a:extLst>
-              <a:ext uri="{FF2B5EF4-FFF2-40B4-BE49-F238E27FC236}">
-                <a16:creationId xmlns:a16="http://schemas.microsoft.com/office/drawing/2014/main" id="{5AEACA42-9160-4FD6-81DE-7B11D378911B}"/>
-              </a:ext>
-            </a:extLst>
-          </p:cNvPr>
+          <p:cNvPr id="3" name="Text Placeholder 2"/>
           <p:cNvSpPr>
             <a:spLocks noGrp="1"/>
           </p:cNvSpPr>
@@ -1557,16 +5953,31 @@
         </p:nvSpPr>
         <p:spPr>
           <a:xfrm>
-            <a:off x="839788" y="1681163"/>
-            <a:ext cx="5157787" cy="823912"/>
+            <a:off x="5181600" y="558065"/>
+            <a:ext cx="6245352" cy="914400"/>
           </a:xfrm>
         </p:spPr>
         <p:txBody>
-          <a:bodyPr anchor="b"/>
+          <a:bodyPr anchor="b">
+            <a:normAutofit/>
+          </a:bodyPr>
           <a:lstStyle>
             <a:lvl1pPr marL="0" indent="0">
+              <a:lnSpc>
+                <a:spcPct val="113000"/>
+              </a:lnSpc>
+              <a:spcBef>
+                <a:spcPts val="0"/>
+              </a:spcBef>
               <a:buNone/>
-              <a:defRPr sz="2400" b="1"/>
+              <a:defRPr sz="2400" b="0" i="1" baseline="0">
+                <a:solidFill>
+                  <a:schemeClr val="tx1">
+                    <a:lumMod val="85000"/>
+                    <a:lumOff val="15000"/>
+                  </a:schemeClr>
+                </a:solidFill>
+              </a:defRPr>
             </a:lvl1pPr>
             <a:lvl2pPr marL="457200" indent="0">
               <a:buNone/>
@@ -1612,13 +6023,7 @@
       </p:sp>
       <p:sp>
         <p:nvSpPr>
-          <p:cNvPr id="4" name="Content Placeholder 3">
-            <a:extLst>
-              <a:ext uri="{FF2B5EF4-FFF2-40B4-BE49-F238E27FC236}">
-                <a16:creationId xmlns:a16="http://schemas.microsoft.com/office/drawing/2014/main" id="{BACBD2CD-B908-42EB-BDB2-B0B671E5A04B}"/>
-              </a:ext>
-            </a:extLst>
-          </p:cNvPr>
+          <p:cNvPr id="4" name="Content Placeholder 3"/>
           <p:cNvSpPr>
             <a:spLocks noGrp="1"/>
           </p:cNvSpPr>
@@ -1628,8 +6033,8 @@
         </p:nvSpPr>
         <p:spPr>
           <a:xfrm>
-            <a:off x="839788" y="2505075"/>
-            <a:ext cx="5157787" cy="3684588"/>
+            <a:off x="5181600" y="1526671"/>
+            <a:ext cx="6245352" cy="1755648"/>
           </a:xfrm>
         </p:spPr>
         <p:txBody>
@@ -1669,19 +6074,13 @@
               <a:rPr lang="en-US"/>
               <a:t>Fifth level</a:t>
             </a:r>
-            <a:endParaRPr lang="it-IT"/>
+            <a:endParaRPr lang="en-US" dirty="0"/>
           </a:p>
         </p:txBody>
       </p:sp>
       <p:sp>
         <p:nvSpPr>
-          <p:cNvPr id="5" name="Text Placeholder 4">
-            <a:extLst>
-              <a:ext uri="{FF2B5EF4-FFF2-40B4-BE49-F238E27FC236}">
-                <a16:creationId xmlns:a16="http://schemas.microsoft.com/office/drawing/2014/main" id="{10BC2E04-4528-47D1-8B3A-6E3DD4440483}"/>
-              </a:ext>
-            </a:extLst>
-          </p:cNvPr>
+          <p:cNvPr id="5" name="Text Placeholder 4"/>
           <p:cNvSpPr>
             <a:spLocks noGrp="1"/>
           </p:cNvSpPr>
@@ -1691,16 +6090,25 @@
         </p:nvSpPr>
         <p:spPr>
           <a:xfrm>
-            <a:off x="6172200" y="1681163"/>
-            <a:ext cx="5183188" cy="823912"/>
+            <a:off x="5181600" y="3700826"/>
+            <a:ext cx="6248400" cy="914400"/>
           </a:xfrm>
         </p:spPr>
         <p:txBody>
-          <a:bodyPr anchor="b"/>
+          <a:bodyPr anchor="b">
+            <a:normAutofit/>
+          </a:bodyPr>
           <a:lstStyle>
             <a:lvl1pPr marL="0" indent="0">
               <a:buNone/>
-              <a:defRPr sz="2400" b="1"/>
+              <a:defRPr sz="2400" b="0" i="1" baseline="0">
+                <a:solidFill>
+                  <a:schemeClr val="tx1">
+                    <a:lumMod val="85000"/>
+                    <a:lumOff val="15000"/>
+                  </a:schemeClr>
+                </a:solidFill>
+              </a:defRPr>
             </a:lvl1pPr>
             <a:lvl2pPr marL="457200" indent="0">
               <a:buNone/>
@@ -1746,13 +6154,7 @@
       </p:sp>
       <p:sp>
         <p:nvSpPr>
-          <p:cNvPr id="6" name="Content Placeholder 5">
-            <a:extLst>
-              <a:ext uri="{FF2B5EF4-FFF2-40B4-BE49-F238E27FC236}">
-                <a16:creationId xmlns:a16="http://schemas.microsoft.com/office/drawing/2014/main" id="{BDA44F93-FF7B-4FAB-9DB0-C05AE04C550E}"/>
-              </a:ext>
-            </a:extLst>
-          </p:cNvPr>
+          <p:cNvPr id="6" name="Content Placeholder 5"/>
           <p:cNvSpPr>
             <a:spLocks noGrp="1"/>
           </p:cNvSpPr>
@@ -1762,8 +6164,8 @@
         </p:nvSpPr>
         <p:spPr>
           <a:xfrm>
-            <a:off x="6172200" y="2505075"/>
-            <a:ext cx="5183188" cy="3684588"/>
+            <a:off x="5181600" y="4669432"/>
+            <a:ext cx="6245352" cy="1755648"/>
           </a:xfrm>
         </p:spPr>
         <p:txBody>
@@ -1803,19 +6205,13 @@
               <a:rPr lang="en-US"/>
               <a:t>Fifth level</a:t>
             </a:r>
-            <a:endParaRPr lang="it-IT"/>
+            <a:endParaRPr lang="en-US" dirty="0"/>
           </a:p>
         </p:txBody>
       </p:sp>
       <p:sp>
         <p:nvSpPr>
-          <p:cNvPr id="7" name="Date Placeholder 6">
-            <a:extLst>
-              <a:ext uri="{FF2B5EF4-FFF2-40B4-BE49-F238E27FC236}">
-                <a16:creationId xmlns:a16="http://schemas.microsoft.com/office/drawing/2014/main" id="{03633D2E-7234-4751-ADC0-6322A99649CA}"/>
-              </a:ext>
-            </a:extLst>
-          </p:cNvPr>
+          <p:cNvPr id="7" name="Date Placeholder 6"/>
           <p:cNvSpPr>
             <a:spLocks noGrp="1"/>
           </p:cNvSpPr>
@@ -1838,13 +6234,7 @@
       </p:sp>
       <p:sp>
         <p:nvSpPr>
-          <p:cNvPr id="8" name="Footer Placeholder 7">
-            <a:extLst>
-              <a:ext uri="{FF2B5EF4-FFF2-40B4-BE49-F238E27FC236}">
-                <a16:creationId xmlns:a16="http://schemas.microsoft.com/office/drawing/2014/main" id="{42217358-7B37-4C14-9AF8-6B21E88159F7}"/>
-              </a:ext>
-            </a:extLst>
-          </p:cNvPr>
+          <p:cNvPr id="8" name="Footer Placeholder 7"/>
           <p:cNvSpPr>
             <a:spLocks noGrp="1"/>
           </p:cNvSpPr>
@@ -1863,13 +6253,7 @@
       </p:sp>
       <p:sp>
         <p:nvSpPr>
-          <p:cNvPr id="9" name="Slide Number Placeholder 8">
-            <a:extLst>
-              <a:ext uri="{FF2B5EF4-FFF2-40B4-BE49-F238E27FC236}">
-                <a16:creationId xmlns:a16="http://schemas.microsoft.com/office/drawing/2014/main" id="{9F4297BA-D233-4C8E-A4E8-427A2EE9431D}"/>
-              </a:ext>
-            </a:extLst>
-          </p:cNvPr>
+          <p:cNvPr id="9" name="Slide Number Placeholder 8"/>
           <p:cNvSpPr>
             <a:spLocks noGrp="1"/>
           </p:cNvSpPr>
@@ -1893,7 +6277,7 @@
     </p:spTree>
     <p:extLst>
       <p:ext uri="{BB962C8B-B14F-4D97-AF65-F5344CB8AC3E}">
-        <p14:creationId xmlns:p14="http://schemas.microsoft.com/office/powerpoint/2010/main" val="2097277992"/>
+        <p14:creationId xmlns:p14="http://schemas.microsoft.com/office/powerpoint/2010/main" val="2564281212"/>
       </p:ext>
     </p:extLst>
   </p:cSld>
@@ -1922,13 +6306,7 @@
       </p:grpSpPr>
       <p:sp>
         <p:nvSpPr>
-          <p:cNvPr id="2" name="Title 1">
-            <a:extLst>
-              <a:ext uri="{FF2B5EF4-FFF2-40B4-BE49-F238E27FC236}">
-                <a16:creationId xmlns:a16="http://schemas.microsoft.com/office/drawing/2014/main" id="{430510B1-EDEB-47CA-8D39-8A9D1BE8C1D4}"/>
-              </a:ext>
-            </a:extLst>
-          </p:cNvPr>
+          <p:cNvPr id="2" name="Title 1"/>
           <p:cNvSpPr>
             <a:spLocks noGrp="1"/>
           </p:cNvSpPr>
@@ -1945,19 +6323,13 @@
               <a:rPr lang="en-US"/>
               <a:t>Click to edit Master title style</a:t>
             </a:r>
-            <a:endParaRPr lang="it-IT"/>
+            <a:endParaRPr lang="en-US" dirty="0"/>
           </a:p>
         </p:txBody>
       </p:sp>
       <p:sp>
         <p:nvSpPr>
-          <p:cNvPr id="3" name="Date Placeholder 2">
-            <a:extLst>
-              <a:ext uri="{FF2B5EF4-FFF2-40B4-BE49-F238E27FC236}">
-                <a16:creationId xmlns:a16="http://schemas.microsoft.com/office/drawing/2014/main" id="{87A41D42-106D-4DA8-A09B-DCAF84494CE9}"/>
-              </a:ext>
-            </a:extLst>
-          </p:cNvPr>
+          <p:cNvPr id="3" name="Date Placeholder 2"/>
           <p:cNvSpPr>
             <a:spLocks noGrp="1"/>
           </p:cNvSpPr>
@@ -1980,13 +6352,7 @@
       </p:sp>
       <p:sp>
         <p:nvSpPr>
-          <p:cNvPr id="4" name="Footer Placeholder 3">
-            <a:extLst>
-              <a:ext uri="{FF2B5EF4-FFF2-40B4-BE49-F238E27FC236}">
-                <a16:creationId xmlns:a16="http://schemas.microsoft.com/office/drawing/2014/main" id="{37B0FA50-7103-4D27-9C78-C5FF74B8CBF9}"/>
-              </a:ext>
-            </a:extLst>
-          </p:cNvPr>
+          <p:cNvPr id="4" name="Footer Placeholder 3"/>
           <p:cNvSpPr>
             <a:spLocks noGrp="1"/>
           </p:cNvSpPr>
@@ -2005,13 +6371,7 @@
       </p:sp>
       <p:sp>
         <p:nvSpPr>
-          <p:cNvPr id="5" name="Slide Number Placeholder 4">
-            <a:extLst>
-              <a:ext uri="{FF2B5EF4-FFF2-40B4-BE49-F238E27FC236}">
-                <a16:creationId xmlns:a16="http://schemas.microsoft.com/office/drawing/2014/main" id="{BB65C5E7-78DB-440E-BEC0-183C37ACD6EA}"/>
-              </a:ext>
-            </a:extLst>
-          </p:cNvPr>
+          <p:cNvPr id="5" name="Slide Number Placeholder 4"/>
           <p:cNvSpPr>
             <a:spLocks noGrp="1"/>
           </p:cNvSpPr>
@@ -2035,7 +6395,7 @@
     </p:spTree>
     <p:extLst>
       <p:ext uri="{BB962C8B-B14F-4D97-AF65-F5344CB8AC3E}">
-        <p14:creationId xmlns:p14="http://schemas.microsoft.com/office/powerpoint/2010/main" val="2244247132"/>
+        <p14:creationId xmlns:p14="http://schemas.microsoft.com/office/powerpoint/2010/main" val="3448676643"/>
       </p:ext>
     </p:extLst>
   </p:cSld>
@@ -2064,13 +6424,7 @@
       </p:grpSpPr>
       <p:sp>
         <p:nvSpPr>
-          <p:cNvPr id="2" name="Date Placeholder 1">
-            <a:extLst>
-              <a:ext uri="{FF2B5EF4-FFF2-40B4-BE49-F238E27FC236}">
-                <a16:creationId xmlns:a16="http://schemas.microsoft.com/office/drawing/2014/main" id="{29D336D3-82FB-479F-8985-820D5222C41D}"/>
-              </a:ext>
-            </a:extLst>
-          </p:cNvPr>
+          <p:cNvPr id="2" name="Date Placeholder 1"/>
           <p:cNvSpPr>
             <a:spLocks noGrp="1"/>
           </p:cNvSpPr>
@@ -2093,13 +6447,7 @@
       </p:sp>
       <p:sp>
         <p:nvSpPr>
-          <p:cNvPr id="3" name="Footer Placeholder 2">
-            <a:extLst>
-              <a:ext uri="{FF2B5EF4-FFF2-40B4-BE49-F238E27FC236}">
-                <a16:creationId xmlns:a16="http://schemas.microsoft.com/office/drawing/2014/main" id="{C490BB52-F56A-426C-9999-148C2CE351BA}"/>
-              </a:ext>
-            </a:extLst>
-          </p:cNvPr>
+          <p:cNvPr id="3" name="Footer Placeholder 2"/>
           <p:cNvSpPr>
             <a:spLocks noGrp="1"/>
           </p:cNvSpPr>
@@ -2118,13 +6466,7 @@
       </p:sp>
       <p:sp>
         <p:nvSpPr>
-          <p:cNvPr id="4" name="Slide Number Placeholder 3">
-            <a:extLst>
-              <a:ext uri="{FF2B5EF4-FFF2-40B4-BE49-F238E27FC236}">
-                <a16:creationId xmlns:a16="http://schemas.microsoft.com/office/drawing/2014/main" id="{40C21B9D-0CA1-4D55-9537-BBA6D51856AC}"/>
-              </a:ext>
-            </a:extLst>
-          </p:cNvPr>
+          <p:cNvPr id="4" name="Slide Number Placeholder 3"/>
           <p:cNvSpPr>
             <a:spLocks noGrp="1"/>
           </p:cNvSpPr>
@@ -2148,7 +6490,7 @@
     </p:spTree>
     <p:extLst>
       <p:ext uri="{BB962C8B-B14F-4D97-AF65-F5344CB8AC3E}">
-        <p14:creationId xmlns:p14="http://schemas.microsoft.com/office/powerpoint/2010/main" val="3582483276"/>
+        <p14:creationId xmlns:p14="http://schemas.microsoft.com/office/powerpoint/2010/main" val="4016488520"/>
       </p:ext>
     </p:extLst>
   </p:cSld>
@@ -2177,13 +6519,7 @@
       </p:grpSpPr>
       <p:sp>
         <p:nvSpPr>
-          <p:cNvPr id="2" name="Title 1">
-            <a:extLst>
-              <a:ext uri="{FF2B5EF4-FFF2-40B4-BE49-F238E27FC236}">
-                <a16:creationId xmlns:a16="http://schemas.microsoft.com/office/drawing/2014/main" id="{CD5F1B8F-D5F1-44F0-A127-A5C78E298F2B}"/>
-              </a:ext>
-            </a:extLst>
-          </p:cNvPr>
+          <p:cNvPr id="2" name="Title 1"/>
           <p:cNvSpPr>
             <a:spLocks noGrp="1"/>
           </p:cNvSpPr>
@@ -2193,15 +6529,20 @@
         </p:nvSpPr>
         <p:spPr>
           <a:xfrm>
-            <a:off x="839788" y="457200"/>
-            <a:ext cx="3932237" cy="1600200"/>
+            <a:off x="762000" y="555479"/>
+            <a:ext cx="3838776" cy="1921022"/>
           </a:xfrm>
         </p:spPr>
         <p:txBody>
-          <a:bodyPr anchor="b"/>
+          <a:bodyPr anchor="t">
+            <a:noAutofit/>
+          </a:bodyPr>
           <a:lstStyle>
             <a:lvl1pPr>
-              <a:defRPr sz="3200"/>
+              <a:lnSpc>
+                <a:spcPct val="93000"/>
+              </a:lnSpc>
+              <a:defRPr sz="4000"/>
             </a:lvl1pPr>
           </a:lstStyle>
           <a:p>
@@ -2209,19 +6550,13 @@
               <a:rPr lang="en-US"/>
               <a:t>Click to edit Master title style</a:t>
             </a:r>
-            <a:endParaRPr lang="it-IT"/>
+            <a:endParaRPr lang="en-US" dirty="0"/>
           </a:p>
         </p:txBody>
       </p:sp>
       <p:sp>
         <p:nvSpPr>
-          <p:cNvPr id="3" name="Content Placeholder 2">
-            <a:extLst>
-              <a:ext uri="{FF2B5EF4-FFF2-40B4-BE49-F238E27FC236}">
-                <a16:creationId xmlns:a16="http://schemas.microsoft.com/office/drawing/2014/main" id="{416FAA32-660F-43E4-8825-0D436C774749}"/>
-              </a:ext>
-            </a:extLst>
-          </p:cNvPr>
+          <p:cNvPr id="3" name="Content Placeholder 2"/>
           <p:cNvSpPr>
             <a:spLocks noGrp="1"/>
           </p:cNvSpPr>
@@ -2231,39 +6566,54 @@
         </p:nvSpPr>
         <p:spPr>
           <a:xfrm>
-            <a:off x="5183188" y="987425"/>
-            <a:ext cx="6172200" cy="4873625"/>
+            <a:off x="5181600" y="564147"/>
+            <a:ext cx="6248400" cy="5622644"/>
           </a:xfrm>
         </p:spPr>
         <p:txBody>
           <a:bodyPr/>
           <a:lstStyle>
             <a:lvl1pPr>
-              <a:defRPr sz="3200"/>
+              <a:lnSpc>
+                <a:spcPct val="112000"/>
+              </a:lnSpc>
+              <a:defRPr sz="2000"/>
             </a:lvl1pPr>
             <a:lvl2pPr>
-              <a:defRPr sz="2800"/>
+              <a:lnSpc>
+                <a:spcPct val="112000"/>
+              </a:lnSpc>
+              <a:defRPr sz="1800"/>
             </a:lvl2pPr>
             <a:lvl3pPr>
-              <a:defRPr sz="2400"/>
+              <a:lnSpc>
+                <a:spcPct val="112000"/>
+              </a:lnSpc>
+              <a:defRPr sz="1600"/>
             </a:lvl3pPr>
             <a:lvl4pPr>
-              <a:defRPr sz="2000"/>
+              <a:lnSpc>
+                <a:spcPct val="112000"/>
+              </a:lnSpc>
+              <a:defRPr sz="1400"/>
             </a:lvl4pPr>
             <a:lvl5pPr>
-              <a:defRPr sz="2000"/>
+              <a:lnSpc>
+                <a:spcPct val="112000"/>
+              </a:lnSpc>
+              <a:defRPr sz="1400"/>
             </a:lvl5pPr>
             <a:lvl6pPr>
-              <a:defRPr sz="2000"/>
+              <a:defRPr sz="1400"/>
             </a:lvl6pPr>
             <a:lvl7pPr>
-              <a:defRPr sz="2000"/>
+              <a:defRPr sz="1400"/>
             </a:lvl7pPr>
             <a:lvl8pPr>
-              <a:defRPr sz="2000"/>
+              <a:defRPr sz="1400"/>
             </a:lvl8pPr>
             <a:lvl9pPr>
-              <a:defRPr sz="2000"/>
+              <a:defRPr sz="1400"/>
             </a:lvl9pPr>
           </a:lstStyle>
           <a:p>
@@ -2300,19 +6650,13 @@
               <a:rPr lang="en-US"/>
               <a:t>Fifth level</a:t>
             </a:r>
-            <a:endParaRPr lang="it-IT"/>
+            <a:endParaRPr lang="en-US" dirty="0"/>
           </a:p>
         </p:txBody>
       </p:sp>
       <p:sp>
         <p:nvSpPr>
-          <p:cNvPr id="4" name="Text Placeholder 3">
-            <a:extLst>
-              <a:ext uri="{FF2B5EF4-FFF2-40B4-BE49-F238E27FC236}">
-                <a16:creationId xmlns:a16="http://schemas.microsoft.com/office/drawing/2014/main" id="{C7957E8A-4105-49A2-A8B0-F3AF86DAF17C}"/>
-              </a:ext>
-            </a:extLst>
-          </p:cNvPr>
+          <p:cNvPr id="4" name="Text Placeholder 3"/>
           <p:cNvSpPr>
             <a:spLocks noGrp="1"/>
           </p:cNvSpPr>
@@ -2322,14 +6666,17 @@
         </p:nvSpPr>
         <p:spPr>
           <a:xfrm>
-            <a:off x="839788" y="2057400"/>
-            <a:ext cx="3932237" cy="3811588"/>
+            <a:off x="762000" y="2621512"/>
+            <a:ext cx="3838776" cy="3239537"/>
           </a:xfrm>
         </p:spPr>
         <p:txBody>
           <a:bodyPr/>
           <a:lstStyle>
-            <a:lvl1pPr marL="0" indent="0">
+            <a:lvl1pPr marL="0" indent="0" algn="r">
+              <a:lnSpc>
+                <a:spcPct val="125000"/>
+              </a:lnSpc>
               <a:buNone/>
               <a:defRPr sz="1600"/>
             </a:lvl1pPr>
@@ -2377,13 +6724,7 @@
       </p:sp>
       <p:sp>
         <p:nvSpPr>
-          <p:cNvPr id="5" name="Date Placeholder 4">
-            <a:extLst>
-              <a:ext uri="{FF2B5EF4-FFF2-40B4-BE49-F238E27FC236}">
-                <a16:creationId xmlns:a16="http://schemas.microsoft.com/office/drawing/2014/main" id="{0412A209-2D5A-4419-B298-9FA328659288}"/>
-              </a:ext>
-            </a:extLst>
-          </p:cNvPr>
+          <p:cNvPr id="5" name="Date Placeholder 4"/>
           <p:cNvSpPr>
             <a:spLocks noGrp="1"/>
           </p:cNvSpPr>
@@ -2406,13 +6747,7 @@
       </p:sp>
       <p:sp>
         <p:nvSpPr>
-          <p:cNvPr id="6" name="Footer Placeholder 5">
-            <a:extLst>
-              <a:ext uri="{FF2B5EF4-FFF2-40B4-BE49-F238E27FC236}">
-                <a16:creationId xmlns:a16="http://schemas.microsoft.com/office/drawing/2014/main" id="{833C9B90-3410-4ECB-872B-E1E0587C67E1}"/>
-              </a:ext>
-            </a:extLst>
-          </p:cNvPr>
+          <p:cNvPr id="6" name="Footer Placeholder 5"/>
           <p:cNvSpPr>
             <a:spLocks noGrp="1"/>
           </p:cNvSpPr>
@@ -2431,13 +6766,7 @@
       </p:sp>
       <p:sp>
         <p:nvSpPr>
-          <p:cNvPr id="7" name="Slide Number Placeholder 6">
-            <a:extLst>
-              <a:ext uri="{FF2B5EF4-FFF2-40B4-BE49-F238E27FC236}">
-                <a16:creationId xmlns:a16="http://schemas.microsoft.com/office/drawing/2014/main" id="{58F8A092-8BD9-4A0B-9E06-6946149FFDAE}"/>
-              </a:ext>
-            </a:extLst>
-          </p:cNvPr>
+          <p:cNvPr id="7" name="Slide Number Placeholder 6"/>
           <p:cNvSpPr>
             <a:spLocks noGrp="1"/>
           </p:cNvSpPr>
@@ -2461,7 +6790,7 @@
     </p:spTree>
     <p:extLst>
       <p:ext uri="{BB962C8B-B14F-4D97-AF65-F5344CB8AC3E}">
-        <p14:creationId xmlns:p14="http://schemas.microsoft.com/office/powerpoint/2010/main" val="551128535"/>
+        <p14:creationId xmlns:p14="http://schemas.microsoft.com/office/powerpoint/2010/main" val="2229989696"/>
       </p:ext>
     </p:extLst>
   </p:cSld>
@@ -2490,13 +6819,7 @@
       </p:grpSpPr>
       <p:sp>
         <p:nvSpPr>
-          <p:cNvPr id="2" name="Title 1">
-            <a:extLst>
-              <a:ext uri="{FF2B5EF4-FFF2-40B4-BE49-F238E27FC236}">
-                <a16:creationId xmlns:a16="http://schemas.microsoft.com/office/drawing/2014/main" id="{1149E837-8B0D-40A5-99FC-2ECE6FEF11E9}"/>
-              </a:ext>
-            </a:extLst>
-          </p:cNvPr>
+          <p:cNvPr id="2" name="Title 1"/>
           <p:cNvSpPr>
             <a:spLocks noGrp="1"/>
           </p:cNvSpPr>
@@ -2506,15 +6829,20 @@
         </p:nvSpPr>
         <p:spPr>
           <a:xfrm>
-            <a:off x="839788" y="457200"/>
-            <a:ext cx="3932237" cy="1600200"/>
+            <a:off x="758952" y="557261"/>
+            <a:ext cx="3840480" cy="1919239"/>
           </a:xfrm>
         </p:spPr>
         <p:txBody>
-          <a:bodyPr anchor="b"/>
+          <a:bodyPr anchor="t">
+            <a:noAutofit/>
+          </a:bodyPr>
           <a:lstStyle>
             <a:lvl1pPr>
-              <a:defRPr sz="3200"/>
+              <a:lnSpc>
+                <a:spcPct val="93000"/>
+              </a:lnSpc>
+              <a:defRPr sz="4000" baseline="0"/>
             </a:lvl1pPr>
           </a:lstStyle>
           <a:p>
@@ -2522,21 +6850,15 @@
               <a:rPr lang="en-US"/>
               <a:t>Click to edit Master title style</a:t>
             </a:r>
-            <a:endParaRPr lang="it-IT"/>
+            <a:endParaRPr lang="en-US" dirty="0"/>
           </a:p>
         </p:txBody>
       </p:sp>
       <p:sp>
         <p:nvSpPr>
-          <p:cNvPr id="3" name="Picture Placeholder 2">
-            <a:extLst>
-              <a:ext uri="{FF2B5EF4-FFF2-40B4-BE49-F238E27FC236}">
-                <a16:creationId xmlns:a16="http://schemas.microsoft.com/office/drawing/2014/main" id="{152301A4-7F48-4119-A840-D4037C604A9A}"/>
-              </a:ext>
-            </a:extLst>
-          </p:cNvPr>
+          <p:cNvPr id="3" name="Picture Placeholder 2"/>
           <p:cNvSpPr>
-            <a:spLocks noGrp="1"/>
+            <a:spLocks noGrp="1" noChangeAspect="1"/>
           </p:cNvSpPr>
           <p:nvPr>
             <p:ph type="pic" idx="1"/>
@@ -2544,12 +6866,12 @@
         </p:nvSpPr>
         <p:spPr>
           <a:xfrm>
-            <a:off x="5183188" y="987425"/>
-            <a:ext cx="6172200" cy="4873625"/>
+            <a:off x="5257800" y="0"/>
+            <a:ext cx="6172200" cy="6857999"/>
           </a:xfrm>
         </p:spPr>
         <p:txBody>
-          <a:bodyPr/>
+          <a:bodyPr anchor="t"/>
           <a:lstStyle>
             <a:lvl1pPr marL="0" indent="0">
               <a:buNone/>
@@ -2589,19 +6911,17 @@
             </a:lvl9pPr>
           </a:lstStyle>
           <a:p>
-            <a:endParaRPr lang="it-IT"/>
+            <a:r>
+              <a:rPr lang="en-US"/>
+              <a:t>Click icon to add picture</a:t>
+            </a:r>
+            <a:endParaRPr lang="en-US" dirty="0"/>
           </a:p>
         </p:txBody>
       </p:sp>
       <p:sp>
         <p:nvSpPr>
-          <p:cNvPr id="4" name="Text Placeholder 3">
-            <a:extLst>
-              <a:ext uri="{FF2B5EF4-FFF2-40B4-BE49-F238E27FC236}">
-                <a16:creationId xmlns:a16="http://schemas.microsoft.com/office/drawing/2014/main" id="{F47B29F7-DE2B-4FAB-9CFF-9BA274B4B656}"/>
-              </a:ext>
-            </a:extLst>
-          </p:cNvPr>
+          <p:cNvPr id="4" name="Text Placeholder 3"/>
           <p:cNvSpPr>
             <a:spLocks noGrp="1"/>
           </p:cNvSpPr>
@@ -2611,14 +6931,17 @@
         </p:nvSpPr>
         <p:spPr>
           <a:xfrm>
-            <a:off x="839788" y="2057400"/>
-            <a:ext cx="3932237" cy="3811588"/>
+            <a:off x="758952" y="2621512"/>
+            <a:ext cx="3840480" cy="3236976"/>
           </a:xfrm>
         </p:spPr>
         <p:txBody>
           <a:bodyPr/>
           <a:lstStyle>
-            <a:lvl1pPr marL="0" indent="0">
+            <a:lvl1pPr marL="0" indent="0" algn="r">
+              <a:lnSpc>
+                <a:spcPct val="125000"/>
+              </a:lnSpc>
               <a:buNone/>
               <a:defRPr sz="1600"/>
             </a:lvl1pPr>
@@ -2666,13 +6989,7 @@
       </p:sp>
       <p:sp>
         <p:nvSpPr>
-          <p:cNvPr id="5" name="Date Placeholder 4">
-            <a:extLst>
-              <a:ext uri="{FF2B5EF4-FFF2-40B4-BE49-F238E27FC236}">
-                <a16:creationId xmlns:a16="http://schemas.microsoft.com/office/drawing/2014/main" id="{72101D09-99BA-4A82-A452-59A7FCA2A204}"/>
-              </a:ext>
-            </a:extLst>
-          </p:cNvPr>
+          <p:cNvPr id="5" name="Date Placeholder 4"/>
           <p:cNvSpPr>
             <a:spLocks noGrp="1"/>
           </p:cNvSpPr>
@@ -2695,13 +7012,7 @@
       </p:sp>
       <p:sp>
         <p:nvSpPr>
-          <p:cNvPr id="6" name="Footer Placeholder 5">
-            <a:extLst>
-              <a:ext uri="{FF2B5EF4-FFF2-40B4-BE49-F238E27FC236}">
-                <a16:creationId xmlns:a16="http://schemas.microsoft.com/office/drawing/2014/main" id="{8EB80E0D-DA15-4751-899B-A49D8D8BB00D}"/>
-              </a:ext>
-            </a:extLst>
-          </p:cNvPr>
+          <p:cNvPr id="6" name="Footer Placeholder 5"/>
           <p:cNvSpPr>
             <a:spLocks noGrp="1"/>
           </p:cNvSpPr>
@@ -2720,13 +7031,7 @@
       </p:sp>
       <p:sp>
         <p:nvSpPr>
-          <p:cNvPr id="7" name="Slide Number Placeholder 6">
-            <a:extLst>
-              <a:ext uri="{FF2B5EF4-FFF2-40B4-BE49-F238E27FC236}">
-                <a16:creationId xmlns:a16="http://schemas.microsoft.com/office/drawing/2014/main" id="{0A693FA8-E4BB-496E-A843-EE862FA52F12}"/>
-              </a:ext>
-            </a:extLst>
-          </p:cNvPr>
+          <p:cNvPr id="7" name="Slide Number Placeholder 6"/>
           <p:cNvSpPr>
             <a:spLocks noGrp="1"/>
           </p:cNvSpPr>
@@ -2750,7 +7055,7 @@
     </p:spTree>
     <p:extLst>
       <p:ext uri="{BB962C8B-B14F-4D97-AF65-F5344CB8AC3E}">
-        <p14:creationId xmlns:p14="http://schemas.microsoft.com/office/powerpoint/2010/main" val="2730182238"/>
+        <p14:creationId xmlns:p14="http://schemas.microsoft.com/office/powerpoint/2010/main" val="1277725320"/>
       </p:ext>
     </p:extLst>
   </p:cSld>
@@ -2764,9 +7069,12 @@
 <p:sldMaster xmlns:a="http://schemas.openxmlformats.org/drawingml/2006/main" xmlns:r="http://schemas.openxmlformats.org/officeDocument/2006/relationships" xmlns:p="http://schemas.openxmlformats.org/presentationml/2006/main">
   <p:cSld>
     <p:bg>
-      <p:bgRef idx="1001">
-        <a:schemeClr val="bg1"/>
-      </p:bgRef>
+      <p:bgPr>
+        <a:solidFill>
+          <a:schemeClr val="bg2"/>
+        </a:solidFill>
+        <a:effectLst/>
+      </p:bgPr>
     </p:bg>
     <p:spTree>
       <p:nvGrpSpPr>
@@ -2784,13 +7092,207 @@
       </p:grpSpPr>
       <p:sp>
         <p:nvSpPr>
-          <p:cNvPr id="2" name="Title Placeholder 1">
-            <a:extLst>
-              <a:ext uri="{FF2B5EF4-FFF2-40B4-BE49-F238E27FC236}">
-                <a16:creationId xmlns:a16="http://schemas.microsoft.com/office/drawing/2014/main" id="{B2F84346-F767-4CF2-8767-3F89F26AA7B5}"/>
-              </a:ext>
-            </a:extLst>
-          </p:cNvPr>
+          <p:cNvPr id="20" name="Freeform 6" title="Page Number Shape"/>
+          <p:cNvSpPr/>
+          <p:nvPr/>
+        </p:nvSpPr>
+        <p:spPr bwMode="auto">
+          <a:xfrm>
+            <a:off x="11784011" y="5380580"/>
+            <a:ext cx="407988" cy="819150"/>
+          </a:xfrm>
+          <a:custGeom>
+            <a:avLst/>
+            <a:gdLst/>
+            <a:ahLst/>
+            <a:cxnLst/>
+            <a:rect l="0" t="0" r="r" b="b"/>
+            <a:pathLst>
+              <a:path w="1799" h="3612">
+                <a:moveTo>
+                  <a:pt x="1799" y="0"/>
+                </a:moveTo>
+                <a:lnTo>
+                  <a:pt x="1799" y="3612"/>
+                </a:lnTo>
+                <a:lnTo>
+                  <a:pt x="1686" y="3609"/>
+                </a:lnTo>
+                <a:lnTo>
+                  <a:pt x="1574" y="3598"/>
+                </a:lnTo>
+                <a:lnTo>
+                  <a:pt x="1464" y="3581"/>
+                </a:lnTo>
+                <a:lnTo>
+                  <a:pt x="1357" y="3557"/>
+                </a:lnTo>
+                <a:lnTo>
+                  <a:pt x="1251" y="3527"/>
+                </a:lnTo>
+                <a:lnTo>
+                  <a:pt x="1150" y="3490"/>
+                </a:lnTo>
+                <a:lnTo>
+                  <a:pt x="1050" y="3448"/>
+                </a:lnTo>
+                <a:lnTo>
+                  <a:pt x="953" y="3401"/>
+                </a:lnTo>
+                <a:lnTo>
+                  <a:pt x="860" y="3347"/>
+                </a:lnTo>
+                <a:lnTo>
+                  <a:pt x="771" y="3289"/>
+                </a:lnTo>
+                <a:lnTo>
+                  <a:pt x="686" y="3224"/>
+                </a:lnTo>
+                <a:lnTo>
+                  <a:pt x="604" y="3156"/>
+                </a:lnTo>
+                <a:lnTo>
+                  <a:pt x="527" y="3083"/>
+                </a:lnTo>
+                <a:lnTo>
+                  <a:pt x="454" y="3005"/>
+                </a:lnTo>
+                <a:lnTo>
+                  <a:pt x="386" y="2923"/>
+                </a:lnTo>
+                <a:lnTo>
+                  <a:pt x="323" y="2838"/>
+                </a:lnTo>
+                <a:lnTo>
+                  <a:pt x="265" y="2748"/>
+                </a:lnTo>
+                <a:lnTo>
+                  <a:pt x="211" y="2655"/>
+                </a:lnTo>
+                <a:lnTo>
+                  <a:pt x="163" y="2559"/>
+                </a:lnTo>
+                <a:lnTo>
+                  <a:pt x="121" y="2459"/>
+                </a:lnTo>
+                <a:lnTo>
+                  <a:pt x="85" y="2356"/>
+                </a:lnTo>
+                <a:lnTo>
+                  <a:pt x="55" y="2251"/>
+                </a:lnTo>
+                <a:lnTo>
+                  <a:pt x="32" y="2143"/>
+                </a:lnTo>
+                <a:lnTo>
+                  <a:pt x="14" y="2033"/>
+                </a:lnTo>
+                <a:lnTo>
+                  <a:pt x="4" y="1920"/>
+                </a:lnTo>
+                <a:lnTo>
+                  <a:pt x="0" y="1806"/>
+                </a:lnTo>
+                <a:lnTo>
+                  <a:pt x="4" y="1692"/>
+                </a:lnTo>
+                <a:lnTo>
+                  <a:pt x="14" y="1580"/>
+                </a:lnTo>
+                <a:lnTo>
+                  <a:pt x="32" y="1469"/>
+                </a:lnTo>
+                <a:lnTo>
+                  <a:pt x="55" y="1362"/>
+                </a:lnTo>
+                <a:lnTo>
+                  <a:pt x="85" y="1256"/>
+                </a:lnTo>
+                <a:lnTo>
+                  <a:pt x="121" y="1154"/>
+                </a:lnTo>
+                <a:lnTo>
+                  <a:pt x="163" y="1054"/>
+                </a:lnTo>
+                <a:lnTo>
+                  <a:pt x="211" y="958"/>
+                </a:lnTo>
+                <a:lnTo>
+                  <a:pt x="265" y="864"/>
+                </a:lnTo>
+                <a:lnTo>
+                  <a:pt x="323" y="774"/>
+                </a:lnTo>
+                <a:lnTo>
+                  <a:pt x="386" y="689"/>
+                </a:lnTo>
+                <a:lnTo>
+                  <a:pt x="454" y="607"/>
+                </a:lnTo>
+                <a:lnTo>
+                  <a:pt x="527" y="529"/>
+                </a:lnTo>
+                <a:lnTo>
+                  <a:pt x="604" y="456"/>
+                </a:lnTo>
+                <a:lnTo>
+                  <a:pt x="686" y="388"/>
+                </a:lnTo>
+                <a:lnTo>
+                  <a:pt x="771" y="325"/>
+                </a:lnTo>
+                <a:lnTo>
+                  <a:pt x="860" y="266"/>
+                </a:lnTo>
+                <a:lnTo>
+                  <a:pt x="953" y="212"/>
+                </a:lnTo>
+                <a:lnTo>
+                  <a:pt x="1050" y="164"/>
+                </a:lnTo>
+                <a:lnTo>
+                  <a:pt x="1150" y="122"/>
+                </a:lnTo>
+                <a:lnTo>
+                  <a:pt x="1251" y="85"/>
+                </a:lnTo>
+                <a:lnTo>
+                  <a:pt x="1357" y="55"/>
+                </a:lnTo>
+                <a:lnTo>
+                  <a:pt x="1464" y="32"/>
+                </a:lnTo>
+                <a:lnTo>
+                  <a:pt x="1574" y="14"/>
+                </a:lnTo>
+                <a:lnTo>
+                  <a:pt x="1686" y="5"/>
+                </a:lnTo>
+                <a:lnTo>
+                  <a:pt x="1799" y="0"/>
+                </a:lnTo>
+                <a:close/>
+              </a:path>
+            </a:pathLst>
+          </a:custGeom>
+          <a:solidFill>
+            <a:schemeClr val="tx1">
+              <a:lumMod val="85000"/>
+              <a:lumOff val="15000"/>
+            </a:schemeClr>
+          </a:solidFill>
+          <a:ln w="0">
+            <a:noFill/>
+            <a:prstDash val="solid"/>
+            <a:round/>
+            <a:headEnd/>
+            <a:tailEnd/>
+          </a:ln>
+        </p:spPr>
+      </p:sp>
+      <p:sp>
+        <p:nvSpPr>
+          <p:cNvPr id="2" name="Title Placeholder 1"/>
           <p:cNvSpPr>
             <a:spLocks noGrp="1"/>
           </p:cNvSpPr>
@@ -2800,15 +7302,15 @@
         </p:nvSpPr>
         <p:spPr>
           <a:xfrm>
-            <a:off x="838200" y="365125"/>
-            <a:ext cx="10515600" cy="1325563"/>
+            <a:off x="762000" y="559678"/>
+            <a:ext cx="3833906" cy="4952492"/>
           </a:xfrm>
           <a:prstGeom prst="rect">
             <a:avLst/>
           </a:prstGeom>
         </p:spPr>
         <p:txBody>
-          <a:bodyPr vert="horz" lIns="91440" tIns="45720" rIns="91440" bIns="45720" rtlCol="0" anchor="ctr">
+          <a:bodyPr vert="horz" lIns="91440" tIns="45720" rIns="91440" bIns="45720" rtlCol="0" anchor="t">
             <a:normAutofit/>
           </a:bodyPr>
           <a:lstStyle/>
@@ -2817,19 +7319,13 @@
               <a:rPr lang="en-US"/>
               <a:t>Click to edit Master title style</a:t>
             </a:r>
-            <a:endParaRPr lang="it-IT"/>
+            <a:endParaRPr lang="en-US" dirty="0"/>
           </a:p>
         </p:txBody>
       </p:sp>
       <p:sp>
         <p:nvSpPr>
-          <p:cNvPr id="3" name="Text Placeholder 2">
-            <a:extLst>
-              <a:ext uri="{FF2B5EF4-FFF2-40B4-BE49-F238E27FC236}">
-                <a16:creationId xmlns:a16="http://schemas.microsoft.com/office/drawing/2014/main" id="{04A25DE5-E434-4CB9-BE79-055CAA92C23A}"/>
-              </a:ext>
-            </a:extLst>
-          </p:cNvPr>
+          <p:cNvPr id="3" name="Text Placeholder 2"/>
           <p:cNvSpPr>
             <a:spLocks noGrp="1"/>
           </p:cNvSpPr>
@@ -2839,8 +7335,8 @@
         </p:nvSpPr>
         <p:spPr>
           <a:xfrm>
-            <a:off x="838200" y="1825625"/>
-            <a:ext cx="10515600" cy="4351338"/>
+            <a:off x="5181600" y="569066"/>
+            <a:ext cx="6248398" cy="5655156"/>
           </a:xfrm>
           <a:prstGeom prst="rect">
             <a:avLst/>
@@ -2885,19 +7381,13 @@
               <a:rPr lang="en-US"/>
               <a:t>Fifth level</a:t>
             </a:r>
-            <a:endParaRPr lang="it-IT"/>
+            <a:endParaRPr lang="en-US" dirty="0"/>
           </a:p>
         </p:txBody>
       </p:sp>
       <p:sp>
         <p:nvSpPr>
-          <p:cNvPr id="4" name="Date Placeholder 3">
-            <a:extLst>
-              <a:ext uri="{FF2B5EF4-FFF2-40B4-BE49-F238E27FC236}">
-                <a16:creationId xmlns:a16="http://schemas.microsoft.com/office/drawing/2014/main" id="{9FDD2BBD-8EDB-4D91-A017-992AD80D27C5}"/>
-              </a:ext>
-            </a:extLst>
-          </p:cNvPr>
+          <p:cNvPr id="4" name="Date Placeholder 3"/>
           <p:cNvSpPr>
             <a:spLocks noGrp="1"/>
           </p:cNvSpPr>
@@ -2907,23 +7397,25 @@
         </p:nvSpPr>
         <p:spPr>
           <a:xfrm>
-            <a:off x="838200" y="6356350"/>
-            <a:ext cx="2743200" cy="365125"/>
+            <a:off x="762001" y="5930060"/>
+            <a:ext cx="3814856" cy="365125"/>
           </a:xfrm>
           <a:prstGeom prst="rect">
             <a:avLst/>
           </a:prstGeom>
         </p:spPr>
         <p:txBody>
-          <a:bodyPr vert="horz" lIns="91440" tIns="45720" rIns="91440" bIns="45720" rtlCol="0" anchor="ctr"/>
+          <a:bodyPr vert="horz" lIns="91440" tIns="45720" rIns="91440" bIns="45720" rtlCol="0" anchor="t"/>
           <a:lstStyle>
-            <a:lvl1pPr algn="l">
-              <a:defRPr sz="1200">
+            <a:lvl1pPr algn="r">
+              <a:defRPr sz="1000" b="0" i="1" baseline="0">
                 <a:solidFill>
                   <a:schemeClr val="tx1">
-                    <a:tint val="75000"/>
+                    <a:lumMod val="85000"/>
+                    <a:lumOff val="15000"/>
                   </a:schemeClr>
                 </a:solidFill>
+                <a:latin typeface="+mj-lt"/>
               </a:defRPr>
             </a:lvl1pPr>
           </a:lstStyle>
@@ -2938,13 +7430,7 @@
       </p:sp>
       <p:sp>
         <p:nvSpPr>
-          <p:cNvPr id="5" name="Footer Placeholder 4">
-            <a:extLst>
-              <a:ext uri="{FF2B5EF4-FFF2-40B4-BE49-F238E27FC236}">
-                <a16:creationId xmlns:a16="http://schemas.microsoft.com/office/drawing/2014/main" id="{49D1CE89-A5DA-4420-B685-F1FE4720919B}"/>
-              </a:ext>
-            </a:extLst>
-          </p:cNvPr>
+          <p:cNvPr id="5" name="Footer Placeholder 4"/>
           <p:cNvSpPr>
             <a:spLocks noGrp="1"/>
           </p:cNvSpPr>
@@ -2954,23 +7440,25 @@
         </p:nvSpPr>
         <p:spPr>
           <a:xfrm>
-            <a:off x="4038600" y="6356350"/>
-            <a:ext cx="4114800" cy="365125"/>
+            <a:off x="762001" y="6314440"/>
+            <a:ext cx="3814856" cy="365125"/>
           </a:xfrm>
           <a:prstGeom prst="rect">
             <a:avLst/>
           </a:prstGeom>
         </p:spPr>
         <p:txBody>
-          <a:bodyPr vert="horz" lIns="91440" tIns="45720" rIns="91440" bIns="45720" rtlCol="0" anchor="ctr"/>
+          <a:bodyPr vert="horz" lIns="91440" tIns="45720" rIns="91440" bIns="45720" rtlCol="0" anchor="t"/>
           <a:lstStyle>
-            <a:lvl1pPr algn="ctr">
-              <a:defRPr sz="1200">
+            <a:lvl1pPr algn="r">
+              <a:defRPr sz="1200" b="1" i="1" baseline="0">
                 <a:solidFill>
                   <a:schemeClr val="tx1">
-                    <a:tint val="75000"/>
+                    <a:lumMod val="85000"/>
+                    <a:lumOff val="15000"/>
                   </a:schemeClr>
                 </a:solidFill>
+                <a:latin typeface="+mj-lt"/>
               </a:defRPr>
             </a:lvl1pPr>
           </a:lstStyle>
@@ -2981,13 +7469,7 @@
       </p:sp>
       <p:sp>
         <p:nvSpPr>
-          <p:cNvPr id="6" name="Slide Number Placeholder 5">
-            <a:extLst>
-              <a:ext uri="{FF2B5EF4-FFF2-40B4-BE49-F238E27FC236}">
-                <a16:creationId xmlns:a16="http://schemas.microsoft.com/office/drawing/2014/main" id="{881A3570-81B5-49A1-9E15-CCA3407B1989}"/>
-              </a:ext>
-            </a:extLst>
-          </p:cNvPr>
+          <p:cNvPr id="6" name="Slide Number Placeholder 5"/>
           <p:cNvSpPr>
             <a:spLocks noGrp="1"/>
           </p:cNvSpPr>
@@ -2997,8 +7479,8 @@
         </p:nvSpPr>
         <p:spPr>
           <a:xfrm>
-            <a:off x="8610600" y="6356350"/>
-            <a:ext cx="2743200" cy="365125"/>
+            <a:off x="11784011" y="5607592"/>
+            <a:ext cx="407988" cy="365125"/>
           </a:xfrm>
           <a:prstGeom prst="rect">
             <a:avLst/>
@@ -3008,12 +7490,11 @@
           <a:bodyPr vert="horz" lIns="91440" tIns="45720" rIns="91440" bIns="45720" rtlCol="0" anchor="ctr"/>
           <a:lstStyle>
             <a:lvl1pPr algn="r">
-              <a:defRPr sz="1200">
+              <a:defRPr sz="1200" b="0" i="1" baseline="0">
                 <a:solidFill>
-                  <a:schemeClr val="tx1">
-                    <a:tint val="75000"/>
-                  </a:schemeClr>
+                  <a:schemeClr val="bg2"/>
                 </a:solidFill>
+                <a:latin typeface="+mj-lt"/>
               </a:defRPr>
             </a:lvl1pPr>
           </a:lstStyle>
@@ -3026,30 +7507,68 @@
           </a:p>
         </p:txBody>
       </p:sp>
+      <p:cxnSp>
+        <p:nvCxnSpPr>
+          <p:cNvPr id="10" name="Straight Connector 9" title="Horizontal Rule Line"/>
+          <p:cNvCxnSpPr/>
+          <p:nvPr/>
+        </p:nvCxnSpPr>
+        <p:spPr>
+          <a:xfrm>
+            <a:off x="0" y="6199730"/>
+            <a:ext cx="4495800" cy="0"/>
+          </a:xfrm>
+          <a:prstGeom prst="line">
+            <a:avLst/>
+          </a:prstGeom>
+          <a:ln w="25400">
+            <a:solidFill>
+              <a:schemeClr val="tx1">
+                <a:lumMod val="85000"/>
+                <a:lumOff val="15000"/>
+              </a:schemeClr>
+            </a:solidFill>
+          </a:ln>
+        </p:spPr>
+        <p:style>
+          <a:lnRef idx="1">
+            <a:schemeClr val="accent1"/>
+          </a:lnRef>
+          <a:fillRef idx="0">
+            <a:schemeClr val="accent1"/>
+          </a:fillRef>
+          <a:effectRef idx="0">
+            <a:schemeClr val="accent1"/>
+          </a:effectRef>
+          <a:fontRef idx="minor">
+            <a:schemeClr val="tx1"/>
+          </a:fontRef>
+        </p:style>
+      </p:cxnSp>
     </p:spTree>
     <p:extLst>
       <p:ext uri="{BB962C8B-B14F-4D97-AF65-F5344CB8AC3E}">
-        <p14:creationId xmlns:p14="http://schemas.microsoft.com/office/powerpoint/2010/main" val="1183530794"/>
+        <p14:creationId xmlns:p14="http://schemas.microsoft.com/office/powerpoint/2010/main" val="216409208"/>
       </p:ext>
     </p:extLst>
   </p:cSld>
   <p:clrMap bg1="lt1" tx1="dk1" bg2="lt2" tx2="dk2" accent1="accent1" accent2="accent2" accent3="accent3" accent4="accent4" accent5="accent5" accent6="accent6" hlink="hlink" folHlink="folHlink"/>
   <p:sldLayoutIdLst>
-    <p:sldLayoutId id="2147483649" r:id="rId1"/>
-    <p:sldLayoutId id="2147483650" r:id="rId2"/>
-    <p:sldLayoutId id="2147483651" r:id="rId3"/>
-    <p:sldLayoutId id="2147483652" r:id="rId4"/>
-    <p:sldLayoutId id="2147483653" r:id="rId5"/>
-    <p:sldLayoutId id="2147483654" r:id="rId6"/>
-    <p:sldLayoutId id="2147483655" r:id="rId7"/>
-    <p:sldLayoutId id="2147483656" r:id="rId8"/>
-    <p:sldLayoutId id="2147483657" r:id="rId9"/>
-    <p:sldLayoutId id="2147483658" r:id="rId10"/>
-    <p:sldLayoutId id="2147483659" r:id="rId11"/>
+    <p:sldLayoutId id="2147483679" r:id="rId1"/>
+    <p:sldLayoutId id="2147483680" r:id="rId2"/>
+    <p:sldLayoutId id="2147483681" r:id="rId3"/>
+    <p:sldLayoutId id="2147483682" r:id="rId4"/>
+    <p:sldLayoutId id="2147483683" r:id="rId5"/>
+    <p:sldLayoutId id="2147483684" r:id="rId6"/>
+    <p:sldLayoutId id="2147483685" r:id="rId7"/>
+    <p:sldLayoutId id="2147483686" r:id="rId8"/>
+    <p:sldLayoutId id="2147483687" r:id="rId9"/>
+    <p:sldLayoutId id="2147483688" r:id="rId10"/>
+    <p:sldLayoutId id="2147483689" r:id="rId11"/>
   </p:sldLayoutIdLst>
   <p:txStyles>
     <p:titleStyle>
-      <a:lvl1pPr algn="l" defTabSz="914400" rtl="0" eaLnBrk="1" latinLnBrk="0" hangingPunct="1">
+      <a:lvl1pPr algn="r" defTabSz="914400" rtl="0" eaLnBrk="1" latinLnBrk="0" hangingPunct="1">
         <a:lnSpc>
           <a:spcPct val="90000"/>
         </a:lnSpc>
@@ -3057,9 +7576,12 @@
           <a:spcPct val="0"/>
         </a:spcBef>
         <a:buNone/>
-        <a:defRPr sz="4400" kern="1200">
+        <a:defRPr sz="5000" b="0" i="1" kern="1200" baseline="0">
           <a:solidFill>
-            <a:schemeClr val="tx1"/>
+            <a:schemeClr val="tx1">
+              <a:lumMod val="85000"/>
+              <a:lumOff val="15000"/>
+            </a:schemeClr>
           </a:solidFill>
           <a:latin typeface="+mj-lt"/>
           <a:ea typeface="+mj-ea"/>
@@ -3068,162 +7590,189 @@
       </a:lvl1pPr>
     </p:titleStyle>
     <p:bodyStyle>
-      <a:lvl1pPr marL="228600" indent="-228600" algn="l" defTabSz="914400" rtl="0" eaLnBrk="1" latinLnBrk="0" hangingPunct="1">
+      <a:lvl1pPr marL="283464" indent="-283464" algn="l" defTabSz="914400" rtl="0" eaLnBrk="1" latinLnBrk="0" hangingPunct="1">
         <a:lnSpc>
-          <a:spcPct val="90000"/>
+          <a:spcPct val="112000"/>
         </a:lnSpc>
         <a:spcBef>
-          <a:spcPts val="1000"/>
+          <a:spcPts val="900"/>
         </a:spcBef>
         <a:buFont typeface="Arial" panose="020B0604020202020204" pitchFamily="34" charset="0"/>
         <a:buChar char="•"/>
-        <a:defRPr sz="2800" kern="1200">
+        <a:defRPr sz="2000" kern="1200" baseline="0">
           <a:solidFill>
-            <a:schemeClr val="tx1"/>
+            <a:schemeClr val="tx1">
+              <a:lumMod val="85000"/>
+              <a:lumOff val="15000"/>
+            </a:schemeClr>
           </a:solidFill>
           <a:latin typeface="+mn-lt"/>
           <a:ea typeface="+mn-ea"/>
           <a:cs typeface="+mn-cs"/>
         </a:defRPr>
       </a:lvl1pPr>
-      <a:lvl2pPr marL="685800" indent="-228600" algn="l" defTabSz="914400" rtl="0" eaLnBrk="1" latinLnBrk="0" hangingPunct="1">
+      <a:lvl2pPr marL="685800" indent="-283464" algn="l" defTabSz="914400" rtl="0" eaLnBrk="1" latinLnBrk="0" hangingPunct="1">
         <a:lnSpc>
-          <a:spcPct val="90000"/>
+          <a:spcPct val="112000"/>
         </a:lnSpc>
         <a:spcBef>
-          <a:spcPts val="500"/>
+          <a:spcPts val="900"/>
         </a:spcBef>
-        <a:buFont typeface="Arial" panose="020B0604020202020204" pitchFamily="34" charset="0"/>
-        <a:buChar char="•"/>
-        <a:defRPr sz="2400" kern="1200">
+        <a:buFont typeface="Corbel" panose="020B0503020204020204" pitchFamily="34" charset="0"/>
+        <a:buChar char="–"/>
+        <a:defRPr sz="1800" kern="1200" baseline="0">
           <a:solidFill>
-            <a:schemeClr val="tx1"/>
+            <a:schemeClr val="tx1">
+              <a:lumMod val="85000"/>
+              <a:lumOff val="15000"/>
+            </a:schemeClr>
           </a:solidFill>
           <a:latin typeface="+mn-lt"/>
           <a:ea typeface="+mn-ea"/>
           <a:cs typeface="+mn-cs"/>
         </a:defRPr>
       </a:lvl2pPr>
-      <a:lvl3pPr marL="1143000" indent="-228600" algn="l" defTabSz="914400" rtl="0" eaLnBrk="1" latinLnBrk="0" hangingPunct="1">
+      <a:lvl3pPr marL="1143000" indent="-283464" algn="l" defTabSz="914400" rtl="0" eaLnBrk="1" latinLnBrk="0" hangingPunct="1">
         <a:lnSpc>
-          <a:spcPct val="90000"/>
+          <a:spcPct val="112000"/>
         </a:lnSpc>
         <a:spcBef>
-          <a:spcPts val="500"/>
+          <a:spcPts val="900"/>
         </a:spcBef>
         <a:buFont typeface="Arial" panose="020B0604020202020204" pitchFamily="34" charset="0"/>
         <a:buChar char="•"/>
-        <a:defRPr sz="2000" kern="1200">
+        <a:defRPr sz="1600" kern="1200" baseline="0">
           <a:solidFill>
-            <a:schemeClr val="tx1"/>
+            <a:schemeClr val="tx1">
+              <a:lumMod val="85000"/>
+              <a:lumOff val="15000"/>
+            </a:schemeClr>
           </a:solidFill>
           <a:latin typeface="+mn-lt"/>
           <a:ea typeface="+mn-ea"/>
           <a:cs typeface="+mn-cs"/>
         </a:defRPr>
       </a:lvl3pPr>
-      <a:lvl4pPr marL="1600200" indent="-228600" algn="l" defTabSz="914400" rtl="0" eaLnBrk="1" latinLnBrk="0" hangingPunct="1">
+      <a:lvl4pPr marL="1600200" indent="-283464" algn="l" defTabSz="914400" rtl="0" eaLnBrk="1" latinLnBrk="0" hangingPunct="1">
         <a:lnSpc>
-          <a:spcPct val="90000"/>
+          <a:spcPct val="112000"/>
         </a:lnSpc>
         <a:spcBef>
-          <a:spcPts val="500"/>
+          <a:spcPts val="900"/>
         </a:spcBef>
-        <a:buFont typeface="Arial" panose="020B0604020202020204" pitchFamily="34" charset="0"/>
-        <a:buChar char="•"/>
-        <a:defRPr sz="1800" kern="1200">
+        <a:buFont typeface="Corbel" panose="020B0503020204020204" pitchFamily="34" charset="0"/>
+        <a:buChar char="–"/>
+        <a:defRPr sz="1400" kern="1200" baseline="0">
           <a:solidFill>
-            <a:schemeClr val="tx1"/>
+            <a:schemeClr val="tx1">
+              <a:lumMod val="85000"/>
+              <a:lumOff val="15000"/>
+            </a:schemeClr>
           </a:solidFill>
           <a:latin typeface="+mn-lt"/>
           <a:ea typeface="+mn-ea"/>
           <a:cs typeface="+mn-cs"/>
         </a:defRPr>
       </a:lvl4pPr>
-      <a:lvl5pPr marL="2057400" indent="-228600" algn="l" defTabSz="914400" rtl="0" eaLnBrk="1" latinLnBrk="0" hangingPunct="1">
+      <a:lvl5pPr marL="2057400" indent="-283464" algn="l" defTabSz="914400" rtl="0" eaLnBrk="1" latinLnBrk="0" hangingPunct="1">
         <a:lnSpc>
-          <a:spcPct val="90000"/>
+          <a:spcPct val="112000"/>
         </a:lnSpc>
         <a:spcBef>
-          <a:spcPts val="500"/>
+          <a:spcPts val="900"/>
         </a:spcBef>
         <a:buFont typeface="Arial" panose="020B0604020202020204" pitchFamily="34" charset="0"/>
         <a:buChar char="•"/>
-        <a:defRPr sz="1800" kern="1200">
+        <a:defRPr sz="1400" i="1" kern="1200" baseline="0">
           <a:solidFill>
-            <a:schemeClr val="tx1"/>
+            <a:schemeClr val="tx1">
+              <a:lumMod val="85000"/>
+              <a:lumOff val="15000"/>
+            </a:schemeClr>
           </a:solidFill>
           <a:latin typeface="+mn-lt"/>
           <a:ea typeface="+mn-ea"/>
           <a:cs typeface="+mn-cs"/>
         </a:defRPr>
       </a:lvl5pPr>
-      <a:lvl6pPr marL="2514600" indent="-228600" algn="l" defTabSz="914400" rtl="0" eaLnBrk="1" latinLnBrk="0" hangingPunct="1">
+      <a:lvl6pPr marL="2514600" indent="-283464" algn="l" defTabSz="914400" rtl="0" eaLnBrk="1" latinLnBrk="0" hangingPunct="1">
         <a:lnSpc>
-          <a:spcPct val="90000"/>
+          <a:spcPct val="112000"/>
         </a:lnSpc>
         <a:spcBef>
-          <a:spcPts val="500"/>
+          <a:spcPts val="1300"/>
         </a:spcBef>
-        <a:buFont typeface="Arial" panose="020B0604020202020204" pitchFamily="34" charset="0"/>
-        <a:buChar char="•"/>
-        <a:defRPr sz="1800" kern="1200">
+        <a:buFont typeface="Corbel" panose="020B0503020204020204" pitchFamily="34" charset="0"/>
+        <a:buChar char="–"/>
+        <a:defRPr sz="1400" kern="1200">
           <a:solidFill>
-            <a:schemeClr val="tx1"/>
+            <a:schemeClr val="tx1">
+              <a:lumMod val="85000"/>
+              <a:lumOff val="15000"/>
+            </a:schemeClr>
           </a:solidFill>
           <a:latin typeface="+mn-lt"/>
           <a:ea typeface="+mn-ea"/>
           <a:cs typeface="+mn-cs"/>
         </a:defRPr>
       </a:lvl6pPr>
-      <a:lvl7pPr marL="2971800" indent="-228600" algn="l" defTabSz="914400" rtl="0" eaLnBrk="1" latinLnBrk="0" hangingPunct="1">
+      <a:lvl7pPr marL="2971800" indent="-283464" algn="l" defTabSz="914400" rtl="0" eaLnBrk="1" latinLnBrk="0" hangingPunct="1">
         <a:lnSpc>
-          <a:spcPct val="90000"/>
+          <a:spcPct val="112000"/>
         </a:lnSpc>
         <a:spcBef>
-          <a:spcPts val="500"/>
+          <a:spcPts val="1300"/>
         </a:spcBef>
         <a:buFont typeface="Arial" panose="020B0604020202020204" pitchFamily="34" charset="0"/>
         <a:buChar char="•"/>
-        <a:defRPr sz="1800" kern="1200">
+        <a:defRPr sz="1400" i="1" kern="1200">
           <a:solidFill>
-            <a:schemeClr val="tx1"/>
+            <a:schemeClr val="tx1">
+              <a:lumMod val="85000"/>
+              <a:lumOff val="15000"/>
+            </a:schemeClr>
           </a:solidFill>
           <a:latin typeface="+mn-lt"/>
           <a:ea typeface="+mn-ea"/>
           <a:cs typeface="+mn-cs"/>
         </a:defRPr>
       </a:lvl7pPr>
-      <a:lvl8pPr marL="3429000" indent="-228600" algn="l" defTabSz="914400" rtl="0" eaLnBrk="1" latinLnBrk="0" hangingPunct="1">
+      <a:lvl8pPr marL="3429000" indent="-283464" algn="l" defTabSz="914400" rtl="0" eaLnBrk="1" latinLnBrk="0" hangingPunct="1">
         <a:lnSpc>
-          <a:spcPct val="90000"/>
+          <a:spcPct val="112000"/>
         </a:lnSpc>
         <a:spcBef>
-          <a:spcPts val="500"/>
+          <a:spcPts val="1300"/>
         </a:spcBef>
-        <a:buFont typeface="Arial" panose="020B0604020202020204" pitchFamily="34" charset="0"/>
-        <a:buChar char="•"/>
-        <a:defRPr sz="1800" kern="1200">
+        <a:buFont typeface="Corbel" panose="020B0503020204020204" pitchFamily="34" charset="0"/>
+        <a:buChar char="–"/>
+        <a:defRPr sz="1400" kern="1200">
           <a:solidFill>
-            <a:schemeClr val="tx1"/>
+            <a:schemeClr val="tx1">
+              <a:lumMod val="85000"/>
+              <a:lumOff val="15000"/>
+            </a:schemeClr>
           </a:solidFill>
           <a:latin typeface="+mn-lt"/>
           <a:ea typeface="+mn-ea"/>
           <a:cs typeface="+mn-cs"/>
         </a:defRPr>
       </a:lvl8pPr>
-      <a:lvl9pPr marL="3886200" indent="-228600" algn="l" defTabSz="914400" rtl="0" eaLnBrk="1" latinLnBrk="0" hangingPunct="1">
+      <a:lvl9pPr marL="3886200" indent="-283464" algn="l" defTabSz="914400" rtl="0" eaLnBrk="1" latinLnBrk="0" hangingPunct="1">
         <a:lnSpc>
-          <a:spcPct val="90000"/>
+          <a:spcPct val="112000"/>
         </a:lnSpc>
         <a:spcBef>
-          <a:spcPts val="500"/>
+          <a:spcPts val="1300"/>
         </a:spcBef>
         <a:buFont typeface="Arial" panose="020B0604020202020204" pitchFamily="34" charset="0"/>
         <a:buChar char="•"/>
-        <a:defRPr sz="1800" kern="1200">
+        <a:defRPr sz="1400" i="1" kern="1200" baseline="0">
           <a:solidFill>
-            <a:schemeClr val="tx1"/>
+            <a:schemeClr val="tx1">
+              <a:lumMod val="85000"/>
+              <a:lumOff val="15000"/>
+            </a:schemeClr>
           </a:solidFill>
           <a:latin typeface="+mn-lt"/>
           <a:ea typeface="+mn-ea"/>
@@ -3233,7 +7782,7 @@
     </p:bodyStyle>
     <p:otherStyle>
       <a:defPPr>
-        <a:defRPr lang="it-IT"/>
+        <a:defRPr lang="en-US"/>
       </a:defPPr>
       <a:lvl1pPr marL="0" algn="l" defTabSz="914400" rtl="0" eaLnBrk="1" latinLnBrk="0" hangingPunct="1">
         <a:defRPr sz="1800" kern="1200">
@@ -3327,6 +7876,37 @@
       </a:lvl9pPr>
     </p:otherStyle>
   </p:txStyles>
+  <p:extLst>
+    <p:ext uri="{27BBF7A9-308A-43DC-89C8-2F10F3537804}">
+      <p15:sldGuideLst xmlns:p15="http://schemas.microsoft.com/office/powerpoint/2012/main">
+        <p15:guide id="1" pos="2832">
+          <p15:clr>
+            <a:srgbClr val="F26B43"/>
+          </p15:clr>
+        </p15:guide>
+        <p15:guide id="2" pos="480">
+          <p15:clr>
+            <a:srgbClr val="F26B43"/>
+          </p15:clr>
+        </p15:guide>
+        <p15:guide id="3" orient="horz" pos="432">
+          <p15:clr>
+            <a:srgbClr val="F26B43"/>
+          </p15:clr>
+        </p15:guide>
+        <p15:guide id="4" pos="7200">
+          <p15:clr>
+            <a:srgbClr val="F26B43"/>
+          </p15:clr>
+        </p15:guide>
+        <p15:guide id="5" pos="3264">
+          <p15:clr>
+            <a:srgbClr val="F26B43"/>
+          </p15:clr>
+        </p15:guide>
+      </p15:sldGuideLst>
+    </p:ext>
+  </p:extLst>
 </p:sldMaster>
 </file>
 
@@ -3386,148 +7966,6 @@
       </p:pic>
       <p:sp>
         <p:nvSpPr>
-          <p:cNvPr id="9" name="Freeform 5">
-            <a:extLst>
-              <a:ext uri="{FF2B5EF4-FFF2-40B4-BE49-F238E27FC236}">
-                <a16:creationId xmlns:a16="http://schemas.microsoft.com/office/drawing/2014/main" id="{87CC2527-562A-4F69-B487-4371E5B243E7}"/>
-              </a:ext>
-              <a:ext uri="{C183D7F6-B498-43B3-948B-1728B52AA6E4}">
-                <adec:decorative xmlns:adec="http://schemas.microsoft.com/office/drawing/2017/decorative" val="1"/>
-              </a:ext>
-            </a:extLst>
-          </p:cNvPr>
-          <p:cNvSpPr>
-            <a:spLocks noGrp="1" noRot="1" noChangeAspect="1" noMove="1" noResize="1" noEditPoints="1" noAdjustHandles="1" noChangeArrowheads="1" noChangeShapeType="1" noTextEdit="1"/>
-          </p:cNvSpPr>
-          <p:nvPr>
-            <p:extLst>
-              <p:ext uri="{386F3935-93C4-4BCD-93E2-E3B085C9AB24}">
-                <p16:designElem xmlns:p16="http://schemas.microsoft.com/office/powerpoint/2015/main" val="1"/>
-              </p:ext>
-            </p:extLst>
-          </p:nvPr>
-        </p:nvSpPr>
-        <p:spPr bwMode="grayWhite">
-          <a:xfrm>
-            <a:off x="7488621" y="2277613"/>
-            <a:ext cx="4703379" cy="4580387"/>
-          </a:xfrm>
-          <a:custGeom>
-            <a:avLst/>
-            <a:gdLst>
-              <a:gd name="T0" fmla="*/ 1333 w 1333"/>
-              <a:gd name="T1" fmla="*/ 1031 h 1298"/>
-              <a:gd name="T2" fmla="*/ 1333 w 1333"/>
-              <a:gd name="T3" fmla="*/ 380 h 1298"/>
-              <a:gd name="T4" fmla="*/ 706 w 1333"/>
-              <a:gd name="T5" fmla="*/ 0 h 1298"/>
-              <a:gd name="T6" fmla="*/ 0 w 1333"/>
-              <a:gd name="T7" fmla="*/ 706 h 1298"/>
-              <a:gd name="T8" fmla="*/ 323 w 1333"/>
-              <a:gd name="T9" fmla="*/ 1298 h 1298"/>
-              <a:gd name="T10" fmla="*/ 1090 w 1333"/>
-              <a:gd name="T11" fmla="*/ 1298 h 1298"/>
-              <a:gd name="T12" fmla="*/ 1333 w 1333"/>
-              <a:gd name="T13" fmla="*/ 1031 h 1298"/>
-            </a:gdLst>
-            <a:ahLst/>
-            <a:cxnLst>
-              <a:cxn ang="0">
-                <a:pos x="T0" y="T1"/>
-              </a:cxn>
-              <a:cxn ang="0">
-                <a:pos x="T2" y="T3"/>
-              </a:cxn>
-              <a:cxn ang="0">
-                <a:pos x="T4" y="T5"/>
-              </a:cxn>
-              <a:cxn ang="0">
-                <a:pos x="T6" y="T7"/>
-              </a:cxn>
-              <a:cxn ang="0">
-                <a:pos x="T8" y="T9"/>
-              </a:cxn>
-              <a:cxn ang="0">
-                <a:pos x="T10" y="T11"/>
-              </a:cxn>
-              <a:cxn ang="0">
-                <a:pos x="T12" y="T13"/>
-              </a:cxn>
-            </a:cxnLst>
-            <a:rect l="0" t="0" r="r" b="b"/>
-            <a:pathLst>
-              <a:path w="1333" h="1298">
-                <a:moveTo>
-                  <a:pt x="1333" y="1031"/>
-                </a:moveTo>
-                <a:cubicBezTo>
-                  <a:pt x="1333" y="380"/>
-                  <a:pt x="1333" y="380"/>
-                  <a:pt x="1333" y="380"/>
-                </a:cubicBezTo>
-                <a:cubicBezTo>
-                  <a:pt x="1215" y="154"/>
-                  <a:pt x="979" y="0"/>
-                  <a:pt x="706" y="0"/>
-                </a:cubicBezTo>
-                <a:cubicBezTo>
-                  <a:pt x="317" y="0"/>
-                  <a:pt x="0" y="316"/>
-                  <a:pt x="0" y="706"/>
-                </a:cubicBezTo>
-                <a:cubicBezTo>
-                  <a:pt x="0" y="954"/>
-                  <a:pt x="129" y="1172"/>
-                  <a:pt x="323" y="1298"/>
-                </a:cubicBezTo>
-                <a:cubicBezTo>
-                  <a:pt x="1090" y="1298"/>
-                  <a:pt x="1090" y="1298"/>
-                  <a:pt x="1090" y="1298"/>
-                </a:cubicBezTo>
-                <a:cubicBezTo>
-                  <a:pt x="1193" y="1232"/>
-                  <a:pt x="1276" y="1140"/>
-                  <a:pt x="1333" y="1031"/>
-                </a:cubicBezTo>
-                <a:close/>
-              </a:path>
-            </a:pathLst>
-          </a:custGeom>
-          <a:solidFill>
-            <a:schemeClr val="bg1">
-              <a:alpha val="70000"/>
-            </a:schemeClr>
-          </a:solidFill>
-          <a:ln w="50800" cap="sq" cmpd="dbl">
-            <a:noFill/>
-            <a:miter lim="800000"/>
-          </a:ln>
-          <a:effectLst/>
-        </p:spPr>
-        <p:txBody>
-          <a:bodyPr vert="horz" lIns="91440" tIns="45720" rIns="91440" bIns="45720" rtlCol="0" anchor="t">
-            <a:normAutofit/>
-          </a:bodyPr>
-          <a:lstStyle/>
-          <a:p>
-            <a:pPr algn="ctr">
-              <a:spcAft>
-                <a:spcPts val="1000"/>
-              </a:spcAft>
-              <a:buClr>
-                <a:schemeClr val="tx1"/>
-              </a:buClr>
-              <a:buSzPct val="100000"/>
-              <a:buFont typeface="Arial"/>
-              <a:buNone/>
-            </a:pPr>
-            <a:endParaRPr lang="en-US" sz="1600" cap="all"/>
-          </a:p>
-        </p:txBody>
-      </p:sp>
-      <p:sp>
-        <p:nvSpPr>
           <p:cNvPr id="2" name="Title 1">
             <a:extLst>
               <a:ext uri="{FF2B5EF4-FFF2-40B4-BE49-F238E27FC236}">
@@ -3561,62 +7999,6 @@
           </a:p>
         </p:txBody>
       </p:sp>
-      <p:cxnSp>
-        <p:nvCxnSpPr>
-          <p:cNvPr id="11" name="Straight Connector 10">
-            <a:extLst>
-              <a:ext uri="{FF2B5EF4-FFF2-40B4-BE49-F238E27FC236}">
-                <a16:creationId xmlns:a16="http://schemas.microsoft.com/office/drawing/2014/main" id="{BCDAEC91-5BCE-4B55-9CC0-43EF94CB734B}"/>
-              </a:ext>
-              <a:ext uri="{C183D7F6-B498-43B3-948B-1728B52AA6E4}">
-                <adec:decorative xmlns:adec="http://schemas.microsoft.com/office/drawing/2017/decorative" val="1"/>
-              </a:ext>
-            </a:extLst>
-          </p:cNvPr>
-          <p:cNvCxnSpPr>
-            <a:cxnSpLocks noGrp="1" noRot="1" noChangeAspect="1" noMove="1" noResize="1" noEditPoints="1" noAdjustHandles="1" noChangeArrowheads="1" noChangeShapeType="1"/>
-          </p:cNvCxnSpPr>
-          <p:nvPr>
-            <p:extLst>
-              <p:ext uri="{386F3935-93C4-4BCD-93E2-E3B085C9AB24}">
-                <p16:designElem xmlns:p16="http://schemas.microsoft.com/office/powerpoint/2015/main" val="1"/>
-              </p:ext>
-            </p:extLst>
-          </p:nvPr>
-        </p:nvCxnSpPr>
-        <p:spPr>
-          <a:xfrm>
-            <a:off x="9480331" y="5123793"/>
-            <a:ext cx="935420" cy="0"/>
-          </a:xfrm>
-          <a:prstGeom prst="line">
-            <a:avLst/>
-          </a:prstGeom>
-          <a:ln w="25400" cap="sq">
-            <a:solidFill>
-              <a:schemeClr val="tx1">
-                <a:lumMod val="85000"/>
-                <a:lumOff val="15000"/>
-              </a:schemeClr>
-            </a:solidFill>
-            <a:bevel/>
-          </a:ln>
-        </p:spPr>
-        <p:style>
-          <a:lnRef idx="1">
-            <a:schemeClr val="accent1"/>
-          </a:lnRef>
-          <a:fillRef idx="0">
-            <a:schemeClr val="accent1"/>
-          </a:fillRef>
-          <a:effectRef idx="0">
-            <a:schemeClr val="accent1"/>
-          </a:effectRef>
-          <a:fontRef idx="minor">
-            <a:schemeClr val="tx1"/>
-          </a:fontRef>
-        </p:style>
-      </p:cxnSp>
     </p:spTree>
     <p:extLst>
       <p:ext uri="{BB962C8B-B14F-4D97-AF65-F5344CB8AC3E}">
@@ -3657,71 +8039,6 @@
       </p:grpSpPr>
       <p:sp>
         <p:nvSpPr>
-          <p:cNvPr id="10" name="Rectangle 9">
-            <a:extLst>
-              <a:ext uri="{FF2B5EF4-FFF2-40B4-BE49-F238E27FC236}">
-                <a16:creationId xmlns:a16="http://schemas.microsoft.com/office/drawing/2014/main" id="{823AC064-BC96-4F32-8AE1-B2FD38754823}"/>
-              </a:ext>
-              <a:ext uri="{C183D7F6-B498-43B3-948B-1728B52AA6E4}">
-                <adec:decorative xmlns:adec="http://schemas.microsoft.com/office/drawing/2017/decorative" val="1"/>
-              </a:ext>
-            </a:extLst>
-          </p:cNvPr>
-          <p:cNvSpPr>
-            <a:spLocks noGrp="1" noRot="1" noChangeAspect="1" noMove="1" noResize="1" noEditPoints="1" noAdjustHandles="1" noChangeArrowheads="1" noChangeShapeType="1" noTextEdit="1"/>
-          </p:cNvSpPr>
-          <p:nvPr>
-            <p:extLst>
-              <p:ext uri="{386F3935-93C4-4BCD-93E2-E3B085C9AB24}">
-                <p16:designElem xmlns:p16="http://schemas.microsoft.com/office/powerpoint/2015/main" val="1"/>
-              </p:ext>
-            </p:extLst>
-          </p:nvPr>
-        </p:nvSpPr>
-        <p:spPr bwMode="ltGray">
-          <a:xfrm>
-            <a:off x="396882" y="280374"/>
-            <a:ext cx="11438793" cy="1844256"/>
-          </a:xfrm>
-          <a:prstGeom prst="rect">
-            <a:avLst/>
-          </a:prstGeom>
-          <a:solidFill>
-            <a:srgbClr val="404040"/>
-          </a:solidFill>
-          <a:ln w="127000" cap="sq" cmpd="thinThick">
-            <a:solidFill>
-              <a:srgbClr val="404040"/>
-            </a:solidFill>
-          </a:ln>
-        </p:spPr>
-        <p:style>
-          <a:lnRef idx="2">
-            <a:schemeClr val="accent1">
-              <a:shade val="50000"/>
-            </a:schemeClr>
-          </a:lnRef>
-          <a:fillRef idx="1">
-            <a:schemeClr val="accent1"/>
-          </a:fillRef>
-          <a:effectRef idx="0">
-            <a:schemeClr val="accent1"/>
-          </a:effectRef>
-          <a:fontRef idx="minor">
-            <a:schemeClr val="lt1"/>
-          </a:fontRef>
-        </p:style>
-        <p:txBody>
-          <a:bodyPr rtlCol="0" anchor="ctr"/>
-          <a:lstStyle/>
-          <a:p>
-            <a:pPr algn="ctr"/>
-            <a:endParaRPr lang="en-US"/>
-          </a:p>
-        </p:txBody>
-      </p:sp>
-      <p:sp>
-        <p:nvSpPr>
           <p:cNvPr id="2" name="Title 1">
             <a:extLst>
               <a:ext uri="{FF2B5EF4-FFF2-40B4-BE49-F238E27FC236}">
@@ -3760,58 +8077,6 @@
           </a:p>
         </p:txBody>
       </p:sp>
-      <p:cxnSp>
-        <p:nvCxnSpPr>
-          <p:cNvPr id="12" name="Straight Connector 11">
-            <a:extLst>
-              <a:ext uri="{FF2B5EF4-FFF2-40B4-BE49-F238E27FC236}">
-                <a16:creationId xmlns:a16="http://schemas.microsoft.com/office/drawing/2014/main" id="{7E7C77BC-7138-40B1-A15B-20F57A494629}"/>
-              </a:ext>
-              <a:ext uri="{C183D7F6-B498-43B3-948B-1728B52AA6E4}">
-                <adec:decorative xmlns:adec="http://schemas.microsoft.com/office/drawing/2017/decorative" val="1"/>
-              </a:ext>
-            </a:extLst>
-          </p:cNvPr>
-          <p:cNvCxnSpPr>
-            <a:cxnSpLocks noGrp="1" noRot="1" noChangeAspect="1" noMove="1" noResize="1" noEditPoints="1" noAdjustHandles="1" noChangeArrowheads="1" noChangeShapeType="1"/>
-          </p:cNvCxnSpPr>
-          <p:nvPr>
-            <p:extLst>
-              <p:ext uri="{386F3935-93C4-4BCD-93E2-E3B085C9AB24}">
-                <p16:designElem xmlns:p16="http://schemas.microsoft.com/office/powerpoint/2015/main" val="1"/>
-              </p:ext>
-            </p:extLst>
-          </p:nvPr>
-        </p:nvCxnSpPr>
-        <p:spPr>
-          <a:xfrm>
-            <a:off x="2230078" y="1522292"/>
-            <a:ext cx="7772400" cy="0"/>
-          </a:xfrm>
-          <a:prstGeom prst="line">
-            <a:avLst/>
-          </a:prstGeom>
-          <a:ln w="22225">
-            <a:solidFill>
-              <a:srgbClr val="D9D9D9"/>
-            </a:solidFill>
-          </a:ln>
-        </p:spPr>
-        <p:style>
-          <a:lnRef idx="1">
-            <a:schemeClr val="accent1"/>
-          </a:lnRef>
-          <a:fillRef idx="0">
-            <a:schemeClr val="accent1"/>
-          </a:fillRef>
-          <a:effectRef idx="0">
-            <a:schemeClr val="accent1"/>
-          </a:effectRef>
-          <a:fontRef idx="minor">
-            <a:schemeClr val="tx1"/>
-          </a:fontRef>
-        </p:style>
-      </p:cxnSp>
       <p:pic>
         <p:nvPicPr>
           <p:cNvPr id="4" name="Content Placeholder 3">
@@ -3844,58 +8109,6 @@
           </a:prstGeom>
         </p:spPr>
       </p:pic>
-      <p:cxnSp>
-        <p:nvCxnSpPr>
-          <p:cNvPr id="14" name="Straight Connector 13">
-            <a:extLst>
-              <a:ext uri="{FF2B5EF4-FFF2-40B4-BE49-F238E27FC236}">
-                <a16:creationId xmlns:a16="http://schemas.microsoft.com/office/drawing/2014/main" id="{DB146403-F3D6-484B-B2ED-97F9565D0370}"/>
-              </a:ext>
-              <a:ext uri="{C183D7F6-B498-43B3-948B-1728B52AA6E4}">
-                <adec:decorative xmlns:adec="http://schemas.microsoft.com/office/drawing/2017/decorative" val="1"/>
-              </a:ext>
-            </a:extLst>
-          </p:cNvPr>
-          <p:cNvCxnSpPr>
-            <a:cxnSpLocks noGrp="1" noRot="1" noChangeAspect="1" noMove="1" noResize="1" noEditPoints="1" noAdjustHandles="1" noChangeArrowheads="1" noChangeShapeType="1"/>
-          </p:cNvCxnSpPr>
-          <p:nvPr>
-            <p:extLst>
-              <p:ext uri="{386F3935-93C4-4BCD-93E2-E3B085C9AB24}">
-                <p16:designElem xmlns:p16="http://schemas.microsoft.com/office/powerpoint/2015/main" val="1"/>
-              </p:ext>
-            </p:extLst>
-          </p:nvPr>
-        </p:nvCxnSpPr>
-        <p:spPr>
-          <a:xfrm>
-            <a:off x="6116278" y="2596836"/>
-            <a:ext cx="0" cy="3657600"/>
-          </a:xfrm>
-          <a:prstGeom prst="line">
-            <a:avLst/>
-          </a:prstGeom>
-          <a:ln w="101600" cmpd="dbl">
-            <a:solidFill>
-              <a:srgbClr val="595959"/>
-            </a:solidFill>
-          </a:ln>
-        </p:spPr>
-        <p:style>
-          <a:lnRef idx="1">
-            <a:schemeClr val="accent1"/>
-          </a:lnRef>
-          <a:fillRef idx="0">
-            <a:schemeClr val="accent1"/>
-          </a:fillRef>
-          <a:effectRef idx="0">
-            <a:schemeClr val="accent1"/>
-          </a:effectRef>
-          <a:fontRef idx="minor">
-            <a:schemeClr val="tx1"/>
-          </a:fontRef>
-        </p:style>
-      </p:cxnSp>
       <p:pic>
         <p:nvPicPr>
           <p:cNvPr id="5" name="Picture 4">
@@ -3966,100 +8179,6 @@
       </p:grpSpPr>
       <p:sp>
         <p:nvSpPr>
-          <p:cNvPr id="9" name="Rectangle 8">
-            <a:extLst>
-              <a:ext uri="{FF2B5EF4-FFF2-40B4-BE49-F238E27FC236}">
-                <a16:creationId xmlns:a16="http://schemas.microsoft.com/office/drawing/2014/main" id="{823AC064-BC96-4F32-8AE1-B2FD38754823}"/>
-              </a:ext>
-              <a:ext uri="{C183D7F6-B498-43B3-948B-1728B52AA6E4}">
-                <adec:decorative xmlns:adec="http://schemas.microsoft.com/office/drawing/2017/decorative" val="1"/>
-              </a:ext>
-            </a:extLst>
-          </p:cNvPr>
-          <p:cNvSpPr>
-            <a:spLocks noGrp="1" noRot="1" noChangeAspect="1" noMove="1" noResize="1" noEditPoints="1" noAdjustHandles="1" noChangeArrowheads="1" noChangeShapeType="1" noTextEdit="1"/>
-          </p:cNvSpPr>
-          <p:nvPr>
-            <p:extLst>
-              <p:ext uri="{386F3935-93C4-4BCD-93E2-E3B085C9AB24}">
-                <p16:designElem xmlns:p16="http://schemas.microsoft.com/office/powerpoint/2015/main" val="1"/>
-              </p:ext>
-            </p:extLst>
-          </p:nvPr>
-        </p:nvSpPr>
-        <p:spPr bwMode="ltGray">
-          <a:xfrm>
-            <a:off x="378068" y="343486"/>
-            <a:ext cx="11438793" cy="1844256"/>
-          </a:xfrm>
-          <a:prstGeom prst="rect">
-            <a:avLst/>
-          </a:prstGeom>
-          <a:solidFill>
-            <a:srgbClr val="404040"/>
-          </a:solidFill>
-          <a:ln w="127000" cap="sq" cmpd="thinThick">
-            <a:solidFill>
-              <a:srgbClr val="404040"/>
-            </a:solidFill>
-          </a:ln>
-        </p:spPr>
-        <p:style>
-          <a:lnRef idx="2">
-            <a:schemeClr val="accent1">
-              <a:shade val="50000"/>
-            </a:schemeClr>
-          </a:lnRef>
-          <a:fillRef idx="1">
-            <a:schemeClr val="accent1"/>
-          </a:fillRef>
-          <a:effectRef idx="0">
-            <a:schemeClr val="accent1"/>
-          </a:effectRef>
-          <a:fontRef idx="minor">
-            <a:schemeClr val="lt1"/>
-          </a:fontRef>
-        </p:style>
-        <p:txBody>
-          <a:bodyPr rtlCol="0" anchor="ctr"/>
-          <a:lstStyle/>
-          <a:p>
-            <a:pPr marL="0" marR="0" lvl="0" indent="0" algn="ctr" defTabSz="914400" rtl="0" eaLnBrk="1" fontAlgn="auto" latinLnBrk="0" hangingPunct="1">
-              <a:lnSpc>
-                <a:spcPct val="100000"/>
-              </a:lnSpc>
-              <a:spcBef>
-                <a:spcPts val="0"/>
-              </a:spcBef>
-              <a:spcAft>
-                <a:spcPts val="0"/>
-              </a:spcAft>
-              <a:buClrTx/>
-              <a:buSzTx/>
-              <a:buFontTx/>
-              <a:buNone/>
-              <a:tabLst/>
-              <a:defRPr/>
-            </a:pPr>
-            <a:endParaRPr kumimoji="0" lang="en-US" sz="1800" b="0" i="0" u="none" strike="noStrike" kern="1200" cap="none" spc="0" normalizeH="0" baseline="0" noProof="0">
-              <a:ln>
-                <a:noFill/>
-              </a:ln>
-              <a:solidFill>
-                <a:prstClr val="white"/>
-              </a:solidFill>
-              <a:effectLst/>
-              <a:uLnTx/>
-              <a:uFillTx/>
-              <a:latin typeface="Calibri" panose="020F0502020204030204"/>
-              <a:ea typeface="+mn-ea"/>
-              <a:cs typeface="+mn-cs"/>
-            </a:endParaRPr>
-          </a:p>
-        </p:txBody>
-      </p:sp>
-      <p:sp>
-        <p:nvSpPr>
           <p:cNvPr id="2" name="Title 1">
             <a:extLst>
               <a:ext uri="{FF2B5EF4-FFF2-40B4-BE49-F238E27FC236}">
@@ -4101,58 +8220,6 @@
           </a:p>
         </p:txBody>
       </p:sp>
-      <p:cxnSp>
-        <p:nvCxnSpPr>
-          <p:cNvPr id="15" name="Straight Connector 10">
-            <a:extLst>
-              <a:ext uri="{FF2B5EF4-FFF2-40B4-BE49-F238E27FC236}">
-                <a16:creationId xmlns:a16="http://schemas.microsoft.com/office/drawing/2014/main" id="{7E7C77BC-7138-40B1-A15B-20F57A494629}"/>
-              </a:ext>
-              <a:ext uri="{C183D7F6-B498-43B3-948B-1728B52AA6E4}">
-                <adec:decorative xmlns:adec="http://schemas.microsoft.com/office/drawing/2017/decorative" val="1"/>
-              </a:ext>
-            </a:extLst>
-          </p:cNvPr>
-          <p:cNvCxnSpPr>
-            <a:cxnSpLocks noGrp="1" noRot="1" noChangeAspect="1" noMove="1" noResize="1" noEditPoints="1" noAdjustHandles="1" noChangeArrowheads="1" noChangeShapeType="1"/>
-          </p:cNvCxnSpPr>
-          <p:nvPr>
-            <p:extLst>
-              <p:ext uri="{386F3935-93C4-4BCD-93E2-E3B085C9AB24}">
-                <p16:designElem xmlns:p16="http://schemas.microsoft.com/office/powerpoint/2015/main" val="1"/>
-              </p:ext>
-            </p:extLst>
-          </p:nvPr>
-        </p:nvCxnSpPr>
-        <p:spPr>
-          <a:xfrm>
-            <a:off x="2209800" y="1448631"/>
-            <a:ext cx="7772400" cy="0"/>
-          </a:xfrm>
-          <a:prstGeom prst="line">
-            <a:avLst/>
-          </a:prstGeom>
-          <a:ln w="22225">
-            <a:solidFill>
-              <a:srgbClr val="D9D9D9"/>
-            </a:solidFill>
-          </a:ln>
-        </p:spPr>
-        <p:style>
-          <a:lnRef idx="1">
-            <a:schemeClr val="accent1"/>
-          </a:lnRef>
-          <a:fillRef idx="0">
-            <a:schemeClr val="accent1"/>
-          </a:fillRef>
-          <a:effectRef idx="0">
-            <a:schemeClr val="accent1"/>
-          </a:effectRef>
-          <a:fontRef idx="minor">
-            <a:schemeClr val="tx1"/>
-          </a:fontRef>
-        </p:style>
-      </p:cxnSp>
       <p:pic>
         <p:nvPicPr>
           <p:cNvPr id="4" name="Content Placeholder 3" descr="A screenshot of a cell phone&#10;&#10;Description automatically generated">
@@ -4177,8 +8244,8 @@
         </p:blipFill>
         <p:spPr>
           <a:xfrm>
-            <a:off x="1446905" y="2509911"/>
-            <a:ext cx="9243091" cy="3997637"/>
+            <a:off x="5181600" y="2041382"/>
+            <a:ext cx="6248400" cy="2710149"/>
           </a:xfrm>
           <a:prstGeom prst="rect">
             <a:avLst/>
@@ -4225,100 +8292,6 @@
       </p:grpSpPr>
       <p:sp>
         <p:nvSpPr>
-          <p:cNvPr id="9" name="Rectangle 8">
-            <a:extLst>
-              <a:ext uri="{FF2B5EF4-FFF2-40B4-BE49-F238E27FC236}">
-                <a16:creationId xmlns:a16="http://schemas.microsoft.com/office/drawing/2014/main" id="{823AC064-BC96-4F32-8AE1-B2FD38754823}"/>
-              </a:ext>
-              <a:ext uri="{C183D7F6-B498-43B3-948B-1728B52AA6E4}">
-                <adec:decorative xmlns:adec="http://schemas.microsoft.com/office/drawing/2017/decorative" val="1"/>
-              </a:ext>
-            </a:extLst>
-          </p:cNvPr>
-          <p:cNvSpPr>
-            <a:spLocks noGrp="1" noRot="1" noChangeAspect="1" noMove="1" noResize="1" noEditPoints="1" noAdjustHandles="1" noChangeArrowheads="1" noChangeShapeType="1" noTextEdit="1"/>
-          </p:cNvSpPr>
-          <p:nvPr>
-            <p:extLst>
-              <p:ext uri="{386F3935-93C4-4BCD-93E2-E3B085C9AB24}">
-                <p16:designElem xmlns:p16="http://schemas.microsoft.com/office/powerpoint/2015/main" val="1"/>
-              </p:ext>
-            </p:extLst>
-          </p:nvPr>
-        </p:nvSpPr>
-        <p:spPr bwMode="ltGray">
-          <a:xfrm>
-            <a:off x="378068" y="343486"/>
-            <a:ext cx="11438793" cy="1844256"/>
-          </a:xfrm>
-          <a:prstGeom prst="rect">
-            <a:avLst/>
-          </a:prstGeom>
-          <a:solidFill>
-            <a:srgbClr val="404040"/>
-          </a:solidFill>
-          <a:ln w="127000" cap="sq" cmpd="thinThick">
-            <a:solidFill>
-              <a:srgbClr val="404040"/>
-            </a:solidFill>
-          </a:ln>
-        </p:spPr>
-        <p:style>
-          <a:lnRef idx="2">
-            <a:schemeClr val="accent1">
-              <a:shade val="50000"/>
-            </a:schemeClr>
-          </a:lnRef>
-          <a:fillRef idx="1">
-            <a:schemeClr val="accent1"/>
-          </a:fillRef>
-          <a:effectRef idx="0">
-            <a:schemeClr val="accent1"/>
-          </a:effectRef>
-          <a:fontRef idx="minor">
-            <a:schemeClr val="lt1"/>
-          </a:fontRef>
-        </p:style>
-        <p:txBody>
-          <a:bodyPr rtlCol="0" anchor="ctr"/>
-          <a:lstStyle/>
-          <a:p>
-            <a:pPr marL="0" marR="0" lvl="0" indent="0" algn="ctr" defTabSz="914400" rtl="0" eaLnBrk="1" fontAlgn="auto" latinLnBrk="0" hangingPunct="1">
-              <a:lnSpc>
-                <a:spcPct val="100000"/>
-              </a:lnSpc>
-              <a:spcBef>
-                <a:spcPts val="0"/>
-              </a:spcBef>
-              <a:spcAft>
-                <a:spcPts val="0"/>
-              </a:spcAft>
-              <a:buClrTx/>
-              <a:buSzTx/>
-              <a:buFontTx/>
-              <a:buNone/>
-              <a:tabLst/>
-              <a:defRPr/>
-            </a:pPr>
-            <a:endParaRPr kumimoji="0" lang="en-US" sz="1800" b="0" i="0" u="none" strike="noStrike" kern="1200" cap="none" spc="0" normalizeH="0" baseline="0" noProof="0">
-              <a:ln>
-                <a:noFill/>
-              </a:ln>
-              <a:solidFill>
-                <a:prstClr val="white"/>
-              </a:solidFill>
-              <a:effectLst/>
-              <a:uLnTx/>
-              <a:uFillTx/>
-              <a:latin typeface="Calibri" panose="020F0502020204030204"/>
-              <a:ea typeface="+mn-ea"/>
-              <a:cs typeface="+mn-cs"/>
-            </a:endParaRPr>
-          </a:p>
-        </p:txBody>
-      </p:sp>
-      <p:sp>
-        <p:nvSpPr>
           <p:cNvPr id="2" name="Title 1">
             <a:extLst>
               <a:ext uri="{FF2B5EF4-FFF2-40B4-BE49-F238E27FC236}">
@@ -4360,58 +8333,6 @@
           </a:p>
         </p:txBody>
       </p:sp>
-      <p:cxnSp>
-        <p:nvCxnSpPr>
-          <p:cNvPr id="11" name="Straight Connector 10">
-            <a:extLst>
-              <a:ext uri="{FF2B5EF4-FFF2-40B4-BE49-F238E27FC236}">
-                <a16:creationId xmlns:a16="http://schemas.microsoft.com/office/drawing/2014/main" id="{7E7C77BC-7138-40B1-A15B-20F57A494629}"/>
-              </a:ext>
-              <a:ext uri="{C183D7F6-B498-43B3-948B-1728B52AA6E4}">
-                <adec:decorative xmlns:adec="http://schemas.microsoft.com/office/drawing/2017/decorative" val="1"/>
-              </a:ext>
-            </a:extLst>
-          </p:cNvPr>
-          <p:cNvCxnSpPr>
-            <a:cxnSpLocks noGrp="1" noRot="1" noChangeAspect="1" noMove="1" noResize="1" noEditPoints="1" noAdjustHandles="1" noChangeArrowheads="1" noChangeShapeType="1"/>
-          </p:cNvCxnSpPr>
-          <p:nvPr>
-            <p:extLst>
-              <p:ext uri="{386F3935-93C4-4BCD-93E2-E3B085C9AB24}">
-                <p16:designElem xmlns:p16="http://schemas.microsoft.com/office/powerpoint/2015/main" val="1"/>
-              </p:ext>
-            </p:extLst>
-          </p:nvPr>
-        </p:nvCxnSpPr>
-        <p:spPr>
-          <a:xfrm>
-            <a:off x="2209800" y="1448631"/>
-            <a:ext cx="7772400" cy="0"/>
-          </a:xfrm>
-          <a:prstGeom prst="line">
-            <a:avLst/>
-          </a:prstGeom>
-          <a:ln w="22225">
-            <a:solidFill>
-              <a:srgbClr val="D9D9D9"/>
-            </a:solidFill>
-          </a:ln>
-        </p:spPr>
-        <p:style>
-          <a:lnRef idx="1">
-            <a:schemeClr val="accent1"/>
-          </a:lnRef>
-          <a:fillRef idx="0">
-            <a:schemeClr val="accent1"/>
-          </a:fillRef>
-          <a:effectRef idx="0">
-            <a:schemeClr val="accent1"/>
-          </a:effectRef>
-          <a:fontRef idx="minor">
-            <a:schemeClr val="tx1"/>
-          </a:fontRef>
-        </p:style>
-      </p:cxnSp>
       <p:pic>
         <p:nvPicPr>
           <p:cNvPr id="4" name="Content Placeholder 3">
@@ -4436,8 +8357,8 @@
         </p:blipFill>
         <p:spPr>
           <a:xfrm>
-            <a:off x="2279222" y="2509911"/>
-            <a:ext cx="7578457" cy="3997637"/>
+            <a:off x="5181600" y="1747782"/>
+            <a:ext cx="6248400" cy="3297348"/>
           </a:xfrm>
           <a:prstGeom prst="rect">
             <a:avLst/>
@@ -4484,100 +8405,6 @@
       </p:grpSpPr>
       <p:sp>
         <p:nvSpPr>
-          <p:cNvPr id="9" name="Rectangle 8">
-            <a:extLst>
-              <a:ext uri="{FF2B5EF4-FFF2-40B4-BE49-F238E27FC236}">
-                <a16:creationId xmlns:a16="http://schemas.microsoft.com/office/drawing/2014/main" id="{823AC064-BC96-4F32-8AE1-B2FD38754823}"/>
-              </a:ext>
-              <a:ext uri="{C183D7F6-B498-43B3-948B-1728B52AA6E4}">
-                <adec:decorative xmlns:adec="http://schemas.microsoft.com/office/drawing/2017/decorative" val="1"/>
-              </a:ext>
-            </a:extLst>
-          </p:cNvPr>
-          <p:cNvSpPr>
-            <a:spLocks noGrp="1" noRot="1" noChangeAspect="1" noMove="1" noResize="1" noEditPoints="1" noAdjustHandles="1" noChangeArrowheads="1" noChangeShapeType="1" noTextEdit="1"/>
-          </p:cNvSpPr>
-          <p:nvPr>
-            <p:extLst>
-              <p:ext uri="{386F3935-93C4-4BCD-93E2-E3B085C9AB24}">
-                <p16:designElem xmlns:p16="http://schemas.microsoft.com/office/powerpoint/2015/main" val="1"/>
-              </p:ext>
-            </p:extLst>
-          </p:nvPr>
-        </p:nvSpPr>
-        <p:spPr bwMode="ltGray">
-          <a:xfrm>
-            <a:off x="378068" y="343486"/>
-            <a:ext cx="11438793" cy="1844256"/>
-          </a:xfrm>
-          <a:prstGeom prst="rect">
-            <a:avLst/>
-          </a:prstGeom>
-          <a:solidFill>
-            <a:srgbClr val="404040"/>
-          </a:solidFill>
-          <a:ln w="127000" cap="sq" cmpd="thinThick">
-            <a:solidFill>
-              <a:srgbClr val="404040"/>
-            </a:solidFill>
-          </a:ln>
-        </p:spPr>
-        <p:style>
-          <a:lnRef idx="2">
-            <a:schemeClr val="accent1">
-              <a:shade val="50000"/>
-            </a:schemeClr>
-          </a:lnRef>
-          <a:fillRef idx="1">
-            <a:schemeClr val="accent1"/>
-          </a:fillRef>
-          <a:effectRef idx="0">
-            <a:schemeClr val="accent1"/>
-          </a:effectRef>
-          <a:fontRef idx="minor">
-            <a:schemeClr val="lt1"/>
-          </a:fontRef>
-        </p:style>
-        <p:txBody>
-          <a:bodyPr rtlCol="0" anchor="ctr"/>
-          <a:lstStyle/>
-          <a:p>
-            <a:pPr marL="0" marR="0" lvl="0" indent="0" algn="ctr" defTabSz="914400" rtl="0" eaLnBrk="1" fontAlgn="auto" latinLnBrk="0" hangingPunct="1">
-              <a:lnSpc>
-                <a:spcPct val="100000"/>
-              </a:lnSpc>
-              <a:spcBef>
-                <a:spcPts val="0"/>
-              </a:spcBef>
-              <a:spcAft>
-                <a:spcPts val="0"/>
-              </a:spcAft>
-              <a:buClrTx/>
-              <a:buSzTx/>
-              <a:buFontTx/>
-              <a:buNone/>
-              <a:tabLst/>
-              <a:defRPr/>
-            </a:pPr>
-            <a:endParaRPr kumimoji="0" lang="en-US" sz="1800" b="0" i="0" u="none" strike="noStrike" kern="1200" cap="none" spc="0" normalizeH="0" baseline="0" noProof="0">
-              <a:ln>
-                <a:noFill/>
-              </a:ln>
-              <a:solidFill>
-                <a:prstClr val="white"/>
-              </a:solidFill>
-              <a:effectLst/>
-              <a:uLnTx/>
-              <a:uFillTx/>
-              <a:latin typeface="Calibri" panose="020F0502020204030204"/>
-              <a:ea typeface="+mn-ea"/>
-              <a:cs typeface="+mn-cs"/>
-            </a:endParaRPr>
-          </a:p>
-        </p:txBody>
-      </p:sp>
-      <p:sp>
-        <p:nvSpPr>
           <p:cNvPr id="2" name="Title 1">
             <a:extLst>
               <a:ext uri="{FF2B5EF4-FFF2-40B4-BE49-F238E27FC236}">
@@ -4619,58 +8446,6 @@
           </a:p>
         </p:txBody>
       </p:sp>
-      <p:cxnSp>
-        <p:nvCxnSpPr>
-          <p:cNvPr id="11" name="Straight Connector 10">
-            <a:extLst>
-              <a:ext uri="{FF2B5EF4-FFF2-40B4-BE49-F238E27FC236}">
-                <a16:creationId xmlns:a16="http://schemas.microsoft.com/office/drawing/2014/main" id="{7E7C77BC-7138-40B1-A15B-20F57A494629}"/>
-              </a:ext>
-              <a:ext uri="{C183D7F6-B498-43B3-948B-1728B52AA6E4}">
-                <adec:decorative xmlns:adec="http://schemas.microsoft.com/office/drawing/2017/decorative" val="1"/>
-              </a:ext>
-            </a:extLst>
-          </p:cNvPr>
-          <p:cNvCxnSpPr>
-            <a:cxnSpLocks noGrp="1" noRot="1" noChangeAspect="1" noMove="1" noResize="1" noEditPoints="1" noAdjustHandles="1" noChangeArrowheads="1" noChangeShapeType="1"/>
-          </p:cNvCxnSpPr>
-          <p:nvPr>
-            <p:extLst>
-              <p:ext uri="{386F3935-93C4-4BCD-93E2-E3B085C9AB24}">
-                <p16:designElem xmlns:p16="http://schemas.microsoft.com/office/powerpoint/2015/main" val="1"/>
-              </p:ext>
-            </p:extLst>
-          </p:nvPr>
-        </p:nvCxnSpPr>
-        <p:spPr>
-          <a:xfrm>
-            <a:off x="2209800" y="1448631"/>
-            <a:ext cx="7772400" cy="0"/>
-          </a:xfrm>
-          <a:prstGeom prst="line">
-            <a:avLst/>
-          </a:prstGeom>
-          <a:ln w="22225">
-            <a:solidFill>
-              <a:srgbClr val="D9D9D9"/>
-            </a:solidFill>
-          </a:ln>
-        </p:spPr>
-        <p:style>
-          <a:lnRef idx="1">
-            <a:schemeClr val="accent1"/>
-          </a:lnRef>
-          <a:fillRef idx="0">
-            <a:schemeClr val="accent1"/>
-          </a:fillRef>
-          <a:effectRef idx="0">
-            <a:schemeClr val="accent1"/>
-          </a:effectRef>
-          <a:fontRef idx="minor">
-            <a:schemeClr val="tx1"/>
-          </a:fontRef>
-        </p:style>
-      </p:cxnSp>
       <p:pic>
         <p:nvPicPr>
           <p:cNvPr id="4" name="Content Placeholder 3" descr="A screen shot of a computer&#10;&#10;Description automatically generated">
@@ -4695,8 +8470,8 @@
         </p:blipFill>
         <p:spPr>
           <a:xfrm>
-            <a:off x="320040" y="3167163"/>
-            <a:ext cx="11496821" cy="2683132"/>
+            <a:off x="5181600" y="2667329"/>
+            <a:ext cx="6248400" cy="1458254"/>
           </a:xfrm>
           <a:prstGeom prst="rect">
             <a:avLst/>
@@ -4785,10 +8560,233 @@
 </p:sld>
 </file>
 
+<file path=ppt/slides/slide7.xml><?xml version="1.0" encoding="utf-8"?>
+<p:sld xmlns:a="http://schemas.openxmlformats.org/drawingml/2006/main" xmlns:r="http://schemas.openxmlformats.org/officeDocument/2006/relationships" xmlns:p="http://schemas.openxmlformats.org/presentationml/2006/main">
+  <p:cSld>
+    <p:bg>
+      <p:bgPr>
+        <a:solidFill>
+          <a:schemeClr val="bg2"/>
+        </a:solidFill>
+        <a:effectLst/>
+      </p:bgPr>
+    </p:bg>
+    <p:spTree>
+      <p:nvGrpSpPr>
+        <p:cNvPr id="1" name=""/>
+        <p:cNvGrpSpPr/>
+        <p:nvPr/>
+      </p:nvGrpSpPr>
+      <p:grpSpPr>
+        <a:xfrm>
+          <a:off x="0" y="0"/>
+          <a:ext cx="0" cy="0"/>
+          <a:chOff x="0" y="0"/>
+          <a:chExt cx="0" cy="0"/>
+        </a:xfrm>
+      </p:grpSpPr>
+      <p:sp>
+        <p:nvSpPr>
+          <p:cNvPr id="10" name="Rectangle 9">
+            <a:extLst>
+              <a:ext uri="{FF2B5EF4-FFF2-40B4-BE49-F238E27FC236}">
+                <a16:creationId xmlns:a16="http://schemas.microsoft.com/office/drawing/2014/main" id="{68575C10-8187-4AC4-AD72-C754EAFD2867}"/>
+              </a:ext>
+              <a:ext uri="{C183D7F6-B498-43B3-948B-1728B52AA6E4}">
+                <adec:decorative xmlns:adec="http://schemas.microsoft.com/office/drawing/2017/decorative" val="1"/>
+              </a:ext>
+            </a:extLst>
+          </p:cNvPr>
+          <p:cNvSpPr>
+            <a:spLocks noGrp="1" noRot="1" noChangeAspect="1" noMove="1" noResize="1" noEditPoints="1" noAdjustHandles="1" noChangeArrowheads="1" noChangeShapeType="1" noTextEdit="1"/>
+          </p:cNvSpPr>
+          <p:nvPr>
+            <p:extLst>
+              <p:ext uri="{386F3935-93C4-4BCD-93E2-E3B085C9AB24}">
+                <p16:designElem xmlns:p16="http://schemas.microsoft.com/office/powerpoint/2015/main" val="1"/>
+              </p:ext>
+            </p:extLst>
+          </p:nvPr>
+        </p:nvSpPr>
+        <p:spPr>
+          <a:xfrm>
+            <a:off x="-1" y="0"/>
+            <a:ext cx="4654295" cy="6858000"/>
+          </a:xfrm>
+          <a:prstGeom prst="rect">
+            <a:avLst/>
+          </a:prstGeom>
+          <a:solidFill>
+            <a:schemeClr val="tx1"/>
+          </a:solidFill>
+          <a:ln>
+            <a:noFill/>
+          </a:ln>
+        </p:spPr>
+        <p:style>
+          <a:lnRef idx="2">
+            <a:schemeClr val="accent1">
+              <a:shade val="50000"/>
+            </a:schemeClr>
+          </a:lnRef>
+          <a:fillRef idx="1">
+            <a:schemeClr val="accent1"/>
+          </a:fillRef>
+          <a:effectRef idx="0">
+            <a:schemeClr val="accent1"/>
+          </a:effectRef>
+          <a:fontRef idx="minor">
+            <a:schemeClr val="lt1"/>
+          </a:fontRef>
+        </p:style>
+        <p:txBody>
+          <a:bodyPr rtlCol="0" anchor="ctr"/>
+          <a:lstStyle/>
+          <a:p>
+            <a:pPr algn="ctr"/>
+            <a:endParaRPr lang="en-US"/>
+          </a:p>
+        </p:txBody>
+      </p:sp>
+      <p:sp>
+        <p:nvSpPr>
+          <p:cNvPr id="2" name="Title 1">
+            <a:extLst>
+              <a:ext uri="{FF2B5EF4-FFF2-40B4-BE49-F238E27FC236}">
+                <a16:creationId xmlns:a16="http://schemas.microsoft.com/office/drawing/2014/main" id="{82776133-7378-4486-B703-39379A8A576D}"/>
+              </a:ext>
+            </a:extLst>
+          </p:cNvPr>
+          <p:cNvSpPr>
+            <a:spLocks noGrp="1"/>
+          </p:cNvSpPr>
+          <p:nvPr>
+            <p:ph type="title"/>
+          </p:nvPr>
+        </p:nvSpPr>
+        <p:spPr>
+          <a:xfrm>
+            <a:off x="762000" y="559678"/>
+            <a:ext cx="3567915" cy="4952492"/>
+          </a:xfrm>
+        </p:spPr>
+        <p:txBody>
+          <a:bodyPr>
+            <a:normAutofit/>
+          </a:bodyPr>
+          <a:lstStyle/>
+          <a:p>
+            <a:r>
+              <a:rPr lang="it-IT">
+                <a:solidFill>
+                  <a:schemeClr val="bg1"/>
+                </a:solidFill>
+              </a:rPr>
+              <a:t>Benchmark Tips</a:t>
+            </a:r>
+          </a:p>
+        </p:txBody>
+      </p:sp>
+      <p:cxnSp>
+        <p:nvCxnSpPr>
+          <p:cNvPr id="12" name="Straight Connector 11">
+            <a:extLst>
+              <a:ext uri="{FF2B5EF4-FFF2-40B4-BE49-F238E27FC236}">
+                <a16:creationId xmlns:a16="http://schemas.microsoft.com/office/drawing/2014/main" id="{74E776C9-ED67-41B7-B3A3-4DF76EF3ACEE}"/>
+              </a:ext>
+              <a:ext uri="{C183D7F6-B498-43B3-948B-1728B52AA6E4}">
+                <adec:decorative xmlns:adec="http://schemas.microsoft.com/office/drawing/2017/decorative" val="1"/>
+              </a:ext>
+            </a:extLst>
+          </p:cNvPr>
+          <p:cNvCxnSpPr>
+            <a:cxnSpLocks noGrp="1" noRot="1" noChangeAspect="1" noMove="1" noResize="1" noEditPoints="1" noAdjustHandles="1" noChangeArrowheads="1" noChangeShapeType="1"/>
+          </p:cNvCxnSpPr>
+          <p:nvPr>
+            <p:extLst>
+              <p:ext uri="{386F3935-93C4-4BCD-93E2-E3B085C9AB24}">
+                <p16:designElem xmlns:p16="http://schemas.microsoft.com/office/powerpoint/2015/main" val="1"/>
+              </p:ext>
+            </p:extLst>
+          </p:nvPr>
+        </p:nvCxnSpPr>
+        <p:spPr>
+          <a:xfrm>
+            <a:off x="0" y="6199730"/>
+            <a:ext cx="4297680" cy="0"/>
+          </a:xfrm>
+          <a:prstGeom prst="line">
+            <a:avLst/>
+          </a:prstGeom>
+          <a:ln w="25400">
+            <a:solidFill>
+              <a:schemeClr val="bg1"/>
+            </a:solidFill>
+          </a:ln>
+        </p:spPr>
+        <p:style>
+          <a:lnRef idx="1">
+            <a:schemeClr val="accent1"/>
+          </a:lnRef>
+          <a:fillRef idx="0">
+            <a:schemeClr val="accent1"/>
+          </a:fillRef>
+          <a:effectRef idx="0">
+            <a:schemeClr val="accent1"/>
+          </a:effectRef>
+          <a:fontRef idx="minor">
+            <a:schemeClr val="tx1"/>
+          </a:fontRef>
+        </p:style>
+      </p:cxnSp>
+      <p:graphicFrame>
+        <p:nvGraphicFramePr>
+          <p:cNvPr id="5" name="Content Placeholder 2">
+            <a:extLst>
+              <a:ext uri="{FF2B5EF4-FFF2-40B4-BE49-F238E27FC236}">
+                <a16:creationId xmlns:a16="http://schemas.microsoft.com/office/drawing/2014/main" id="{B6442570-5599-4B50-A8E1-B4A822546495}"/>
+              </a:ext>
+            </a:extLst>
+          </p:cNvPr>
+          <p:cNvGraphicFramePr>
+            <a:graphicFrameLocks noGrp="1"/>
+          </p:cNvGraphicFramePr>
+          <p:nvPr>
+            <p:ph idx="1"/>
+            <p:extLst>
+              <p:ext uri="{D42A27DB-BD31-4B8C-83A1-F6EECF244321}">
+                <p14:modId xmlns:p14="http://schemas.microsoft.com/office/powerpoint/2010/main" val="4053338142"/>
+              </p:ext>
+            </p:extLst>
+          </p:nvPr>
+        </p:nvGraphicFramePr>
+        <p:xfrm>
+          <a:off x="5181600" y="568325"/>
+          <a:ext cx="6248400" cy="5656263"/>
+        </p:xfrm>
+        <a:graphic>
+          <a:graphicData uri="http://schemas.openxmlformats.org/drawingml/2006/diagram">
+            <dgm:relIds xmlns:dgm="http://schemas.openxmlformats.org/drawingml/2006/diagram" xmlns:r="http://schemas.openxmlformats.org/officeDocument/2006/relationships" r:dm="rId2" r:lo="rId3" r:qs="rId4" r:cs="rId5"/>
+          </a:graphicData>
+        </a:graphic>
+      </p:graphicFrame>
+    </p:spTree>
+    <p:extLst>
+      <p:ext uri="{BB962C8B-B14F-4D97-AF65-F5344CB8AC3E}">
+        <p14:creationId xmlns:p14="http://schemas.microsoft.com/office/powerpoint/2010/main" val="3871599498"/>
+      </p:ext>
+    </p:extLst>
+  </p:cSld>
+  <p:clrMapOvr>
+    <a:masterClrMapping/>
+  </p:clrMapOvr>
+</p:sld>
+</file>
+
 <file path=ppt/theme/theme1.xml><?xml version="1.0" encoding="utf-8"?>
-<a:theme xmlns:a="http://schemas.openxmlformats.org/drawingml/2006/main" name="Office Theme">
+<a:theme xmlns:a="http://schemas.openxmlformats.org/drawingml/2006/main" name="Headlines">
   <a:themeElements>
-    <a:clrScheme name="Office">
+    <a:clrScheme name="Headlines">
       <a:dk1>
         <a:sysClr val="windowText" lastClr="000000"/>
       </a:dk1>
@@ -4796,52 +8794,52 @@
         <a:sysClr val="window" lastClr="FFFFFF"/>
       </a:lt1>
       <a:dk2>
-        <a:srgbClr val="44546A"/>
+        <a:srgbClr val="1D1A1D"/>
       </a:dk2>
       <a:lt2>
-        <a:srgbClr val="E7E6E6"/>
+        <a:srgbClr val="F5F5F5"/>
       </a:lt2>
       <a:accent1>
-        <a:srgbClr val="4472C4"/>
+        <a:srgbClr val="439EB7"/>
       </a:accent1>
       <a:accent2>
-        <a:srgbClr val="ED7D31"/>
+        <a:srgbClr val="E28B55"/>
       </a:accent2>
       <a:accent3>
-        <a:srgbClr val="A5A5A5"/>
+        <a:srgbClr val="DCB64D"/>
       </a:accent3>
       <a:accent4>
-        <a:srgbClr val="FFC000"/>
+        <a:srgbClr val="4CA198"/>
       </a:accent4>
       <a:accent5>
-        <a:srgbClr val="5B9BD5"/>
+        <a:srgbClr val="835B82"/>
       </a:accent5>
       <a:accent6>
-        <a:srgbClr val="70AD47"/>
+        <a:srgbClr val="645135"/>
       </a:accent6>
       <a:hlink>
-        <a:srgbClr val="0563C1"/>
+        <a:srgbClr val="439EB7"/>
       </a:hlink>
       <a:folHlink>
-        <a:srgbClr val="954F72"/>
+        <a:srgbClr val="835B82"/>
       </a:folHlink>
     </a:clrScheme>
-    <a:fontScheme name="Office">
+    <a:fontScheme name="Headlines">
       <a:majorFont>
-        <a:latin typeface="Calibri Light" panose="020F0302020204030204"/>
+        <a:latin typeface="Century Schoolbook" panose="02040604050505020304"/>
         <a:ea typeface=""/>
         <a:cs typeface=""/>
-        <a:font script="Jpan" typeface="游ゴシック Light"/>
+        <a:font script="Jpan" typeface="メイリオ"/>
         <a:font script="Hang" typeface="맑은 고딕"/>
-        <a:font script="Hans" typeface="等线 Light"/>
+        <a:font script="Hans" typeface="宋体"/>
         <a:font script="Hant" typeface="新細明體"/>
-        <a:font script="Arab" typeface="Times New Roman"/>
-        <a:font script="Hebr" typeface="Times New Roman"/>
-        <a:font script="Thai" typeface="Angsana New"/>
+        <a:font script="Arab" typeface="Tahoma"/>
+        <a:font script="Hebr" typeface="Gisha"/>
+        <a:font script="Thai" typeface="DilleniaUPC"/>
         <a:font script="Ethi" typeface="Nyala"/>
         <a:font script="Beng" typeface="Vrinda"/>
         <a:font script="Gujr" typeface="Shruti"/>
-        <a:font script="Khmr" typeface="MoolBoran"/>
+        <a:font script="Khmr" typeface="DaunPenh"/>
         <a:font script="Knda" typeface="Tunga"/>
         <a:font script="Guru" typeface="Raavi"/>
         <a:font script="Cans" typeface="Euphemia"/>
@@ -4858,38 +8856,21 @@
         <a:font script="Laoo" typeface="DokChampa"/>
         <a:font script="Sinh" typeface="Iskoola Pota"/>
         <a:font script="Mong" typeface="Mongolian Baiti"/>
-        <a:font script="Viet" typeface="Times New Roman"/>
+        <a:font script="Viet" typeface="Tahoma"/>
         <a:font script="Uigh" typeface="Microsoft Uighur"/>
         <a:font script="Geor" typeface="Sylfaen"/>
-        <a:font script="Armn" typeface="Arial"/>
-        <a:font script="Bugi" typeface="Leelawadee UI"/>
-        <a:font script="Bopo" typeface="Microsoft JhengHei"/>
-        <a:font script="Java" typeface="Javanese Text"/>
-        <a:font script="Lisu" typeface="Segoe UI"/>
-        <a:font script="Mymr" typeface="Myanmar Text"/>
-        <a:font script="Nkoo" typeface="Ebrima"/>
-        <a:font script="Olck" typeface="Nirmala UI"/>
-        <a:font script="Osma" typeface="Ebrima"/>
-        <a:font script="Phag" typeface="Phagspa"/>
-        <a:font script="Syrn" typeface="Estrangelo Edessa"/>
-        <a:font script="Syrj" typeface="Estrangelo Edessa"/>
-        <a:font script="Syre" typeface="Estrangelo Edessa"/>
-        <a:font script="Sora" typeface="Nirmala UI"/>
-        <a:font script="Tale" typeface="Microsoft Tai Le"/>
-        <a:font script="Talu" typeface="Microsoft New Tai Lue"/>
-        <a:font script="Tfng" typeface="Ebrima"/>
       </a:majorFont>
       <a:minorFont>
-        <a:latin typeface="Calibri" panose="020F0502020204030204"/>
+        <a:latin typeface="Corbel" panose="020B0503020204020204"/>
         <a:ea typeface=""/>
         <a:cs typeface=""/>
-        <a:font script="Jpan" typeface="游ゴシック"/>
-        <a:font script="Hang" typeface="맑은 고딕"/>
-        <a:font script="Hans" typeface="等线"/>
+        <a:font script="Jpan" typeface="メイリオ"/>
+        <a:font script="Hang" typeface="HY엽서L"/>
+        <a:font script="Hans" typeface="华文楷体"/>
         <a:font script="Hant" typeface="新細明體"/>
-        <a:font script="Arab" typeface="Arial"/>
-        <a:font script="Hebr" typeface="Arial"/>
-        <a:font script="Thai" typeface="Cordia New"/>
+        <a:font script="Arab" typeface="Tahoma"/>
+        <a:font script="Hebr" typeface="Miriam"/>
+        <a:font script="Thai" typeface="DilleniaUPC"/>
         <a:font script="Ethi" typeface="Nyala"/>
         <a:font script="Beng" typeface="Vrinda"/>
         <a:font script="Gujr" typeface="Shruti"/>
@@ -4913,104 +8894,68 @@
         <a:font script="Viet" typeface="Arial"/>
         <a:font script="Uigh" typeface="Microsoft Uighur"/>
         <a:font script="Geor" typeface="Sylfaen"/>
-        <a:font script="Armn" typeface="Arial"/>
-        <a:font script="Bugi" typeface="Leelawadee UI"/>
-        <a:font script="Bopo" typeface="Microsoft JhengHei"/>
-        <a:font script="Java" typeface="Javanese Text"/>
-        <a:font script="Lisu" typeface="Segoe UI"/>
-        <a:font script="Mymr" typeface="Myanmar Text"/>
-        <a:font script="Nkoo" typeface="Ebrima"/>
-        <a:font script="Olck" typeface="Nirmala UI"/>
-        <a:font script="Osma" typeface="Ebrima"/>
-        <a:font script="Phag" typeface="Phagspa"/>
-        <a:font script="Syrn" typeface="Estrangelo Edessa"/>
-        <a:font script="Syrj" typeface="Estrangelo Edessa"/>
-        <a:font script="Syre" typeface="Estrangelo Edessa"/>
-        <a:font script="Sora" typeface="Nirmala UI"/>
-        <a:font script="Tale" typeface="Microsoft Tai Le"/>
-        <a:font script="Talu" typeface="Microsoft New Tai Lue"/>
-        <a:font script="Tfng" typeface="Ebrima"/>
       </a:minorFont>
     </a:fontScheme>
-    <a:fmtScheme name="Office">
+    <a:fmtScheme name="Headlines">
       <a:fillStyleLst>
         <a:solidFill>
           <a:schemeClr val="phClr"/>
+        </a:solidFill>
+        <a:solidFill>
+          <a:schemeClr val="phClr">
+            <a:tint val="67000"/>
+            <a:satMod val="105000"/>
+          </a:schemeClr>
         </a:solidFill>
         <a:gradFill rotWithShape="1">
           <a:gsLst>
             <a:gs pos="0">
               <a:schemeClr val="phClr">
-                <a:lumMod val="110000"/>
-                <a:satMod val="105000"/>
-                <a:tint val="67000"/>
+                <a:tint val="100000"/>
+                <a:satMod val="103000"/>
+                <a:lumMod val="102000"/>
               </a:schemeClr>
             </a:gs>
             <a:gs pos="50000">
               <a:schemeClr val="phClr">
-                <a:lumMod val="105000"/>
-                <a:satMod val="103000"/>
-                <a:tint val="73000"/>
+                <a:shade val="100000"/>
+                <a:satMod val="110000"/>
+                <a:lumMod val="100000"/>
               </a:schemeClr>
             </a:gs>
             <a:gs pos="100000">
               <a:schemeClr val="phClr">
-                <a:lumMod val="105000"/>
-                <a:satMod val="109000"/>
-                <a:tint val="81000"/>
+                <a:shade val="70000"/>
+                <a:satMod val="120000"/>
+                <a:lumMod val="99000"/>
               </a:schemeClr>
             </a:gs>
           </a:gsLst>
-          <a:lin ang="5400000" scaled="0"/>
-        </a:gradFill>
-        <a:gradFill rotWithShape="1">
-          <a:gsLst>
-            <a:gs pos="0">
-              <a:schemeClr val="phClr">
-                <a:satMod val="103000"/>
-                <a:lumMod val="102000"/>
-                <a:tint val="94000"/>
-              </a:schemeClr>
-            </a:gs>
-            <a:gs pos="50000">
-              <a:schemeClr val="phClr">
-                <a:satMod val="110000"/>
-                <a:lumMod val="100000"/>
-                <a:shade val="100000"/>
-              </a:schemeClr>
-            </a:gs>
-            <a:gs pos="100000">
-              <a:schemeClr val="phClr">
-                <a:lumMod val="99000"/>
-                <a:satMod val="120000"/>
-                <a:shade val="78000"/>
-              </a:schemeClr>
-            </a:gs>
-          </a:gsLst>
-          <a:lin ang="5400000" scaled="0"/>
+          <a:path path="circle">
+            <a:fillToRect l="100000" t="100000" r="100000" b="100000"/>
+          </a:path>
         </a:gradFill>
       </a:fillStyleLst>
       <a:lnStyleLst>
-        <a:ln w="6350" cap="flat" cmpd="sng" algn="ctr">
+        <a:ln w="6350" cap="flat" cmpd="sng" algn="in">
           <a:solidFill>
             <a:schemeClr val="phClr"/>
           </a:solidFill>
           <a:prstDash val="solid"/>
-          <a:miter lim="800000"/>
         </a:ln>
-        <a:ln w="12700" cap="flat" cmpd="sng" algn="ctr">
+        <a:ln w="12700" cap="flat" cmpd="sng" algn="in">
           <a:solidFill>
             <a:schemeClr val="phClr"/>
           </a:solidFill>
           <a:prstDash val="solid"/>
-          <a:miter lim="800000"/>
         </a:ln>
-        <a:ln w="19050" cap="flat" cmpd="sng" algn="ctr">
+        <a:ln w="19050" cap="flat" cmpd="sng" algn="in">
           <a:solidFill>
-            <a:schemeClr val="phClr"/>
+            <a:schemeClr val="phClr">
+              <a:satMod val="150000"/>
+            </a:schemeClr>
           </a:solidFill>
           <a:prstDash val="solid"/>
-          <a:miter lim="800000"/>
         </a:ln>
       </a:lnStyleLst>
       <a:effectStyleLst>
@@ -5022,9 +8967,14 @@
         </a:effectStyle>
         <a:effectStyle>
           <a:effectLst>
-            <a:outerShdw blurRad="57150" dist="19050" dir="5400000" algn="ctr" rotWithShape="0">
+            <a:innerShdw blurRad="88900" dist="25400" dir="10800000">
               <a:srgbClr val="000000">
-                <a:alpha val="63000"/>
+                <a:alpha val="25000"/>
+              </a:srgbClr>
+            </a:innerShdw>
+            <a:outerShdw blurRad="25400" dist="25400" dir="5400000" rotWithShape="0">
+              <a:srgbClr val="FFFFFF">
+                <a:alpha val="10000"/>
               </a:srgbClr>
             </a:outerShdw>
           </a:effectLst>
@@ -5045,16 +8995,16 @@
             <a:gs pos="0">
               <a:schemeClr val="phClr">
                 <a:tint val="93000"/>
+                <a:shade val="98000"/>
                 <a:satMod val="150000"/>
-                <a:shade val="98000"/>
                 <a:lumMod val="102000"/>
               </a:schemeClr>
             </a:gs>
             <a:gs pos="50000">
               <a:schemeClr val="phClr">
                 <a:tint val="98000"/>
+                <a:shade val="90000"/>
                 <a:satMod val="130000"/>
-                <a:shade val="90000"/>
                 <a:lumMod val="103000"/>
               </a:schemeClr>
             </a:gs>
@@ -5074,7 +9024,7 @@
   <a:extraClrSchemeLst/>
   <a:extLst>
     <a:ext uri="{05A4C25C-085E-4340-85A3-A5531E510DB2}">
-      <thm15:themeFamily xmlns:thm15="http://schemas.microsoft.com/office/thememl/2012/main" name="Office Theme" id="{62F939B6-93AF-4DB8-9C6B-D6C7DFDC589F}" vid="{4A3C46E8-61CC-4603-A589-7422A47A8E4A}"/>
+      <thm15:themeFamily xmlns:thm15="http://schemas.microsoft.com/office/thememl/2012/main" name="Headlines" id="{3841520A-25F2-4EB8-BE4C-611DB5ABEED9}" vid="{ECD25A4C-D97E-4C12-84B1-63580BFFAEEB}"/>
     </a:ext>
   </a:extLst>
 </a:theme>

--- a/Workshop.pptx
+++ b/Workshop.pptx
@@ -11,7 +11,8 @@
     <p:sldId id="259" r:id="rId5"/>
     <p:sldId id="260" r:id="rId6"/>
     <p:sldId id="261" r:id="rId7"/>
-    <p:sldId id="262" r:id="rId8"/>
+    <p:sldId id="263" r:id="rId8"/>
+    <p:sldId id="262" r:id="rId9"/>
   </p:sldIdLst>
   <p:sldSz cx="12192000" cy="6858000"/>
   <p:notesSz cx="6858000" cy="9144000"/>
@@ -110,6 +111,11 @@
       </a:defRPr>
     </a:lvl9pPr>
   </p:defaultTextStyle>
+  <p:extLst>
+    <p:ext uri="{EFAFB233-063F-42B5-8137-9DF3F51BA10A}">
+      <p15:sldGuideLst xmlns:p15="http://schemas.microsoft.com/office/powerpoint/2012/main"/>
+    </p:ext>
+  </p:extLst>
 </p:presentation>
 </file>
 
@@ -4172,7 +4178,7 @@
           <a:p>
             <a:fld id="{A1167A9F-5E02-475A-AA8F-A56623B3A27F}" type="datetimeFigureOut">
               <a:rPr lang="it-IT" smtClean="0"/>
-              <a:t>30/08/2019</a:t>
+              <a:t>31/08/2019</a:t>
             </a:fld>
             <a:endParaRPr lang="it-IT"/>
           </a:p>
@@ -4419,7 +4425,7 @@
           <a:p>
             <a:fld id="{A1167A9F-5E02-475A-AA8F-A56623B3A27F}" type="datetimeFigureOut">
               <a:rPr lang="it-IT" smtClean="0"/>
-              <a:t>30/08/2019</a:t>
+              <a:t>31/08/2019</a:t>
             </a:fld>
             <a:endParaRPr lang="it-IT"/>
           </a:p>
@@ -4805,7 +4811,7 @@
           <a:p>
             <a:fld id="{A1167A9F-5E02-475A-AA8F-A56623B3A27F}" type="datetimeFigureOut">
               <a:rPr lang="it-IT" smtClean="0"/>
-              <a:t>30/08/2019</a:t>
+              <a:t>31/08/2019</a:t>
             </a:fld>
             <a:endParaRPr lang="it-IT"/>
           </a:p>
@@ -5034,7 +5040,7 @@
           <a:p>
             <a:fld id="{A1167A9F-5E02-475A-AA8F-A56623B3A27F}" type="datetimeFigureOut">
               <a:rPr lang="it-IT" smtClean="0"/>
-              <a:t>30/08/2019</a:t>
+              <a:t>31/08/2019</a:t>
             </a:fld>
             <a:endParaRPr lang="it-IT"/>
           </a:p>
@@ -5525,7 +5531,7 @@
           <a:p>
             <a:fld id="{A1167A9F-5E02-475A-AA8F-A56623B3A27F}" type="datetimeFigureOut">
               <a:rPr lang="it-IT" smtClean="0"/>
-              <a:t>30/08/2019</a:t>
+              <a:t>31/08/2019</a:t>
             </a:fld>
             <a:endParaRPr lang="it-IT"/>
           </a:p>
@@ -5835,7 +5841,7 @@
           <a:p>
             <a:fld id="{A1167A9F-5E02-475A-AA8F-A56623B3A27F}" type="datetimeFigureOut">
               <a:rPr lang="it-IT" smtClean="0"/>
-              <a:t>30/08/2019</a:t>
+              <a:t>31/08/2019</a:t>
             </a:fld>
             <a:endParaRPr lang="it-IT"/>
           </a:p>
@@ -6226,7 +6232,7 @@
           <a:p>
             <a:fld id="{A1167A9F-5E02-475A-AA8F-A56623B3A27F}" type="datetimeFigureOut">
               <a:rPr lang="it-IT" smtClean="0"/>
-              <a:t>30/08/2019</a:t>
+              <a:t>31/08/2019</a:t>
             </a:fld>
             <a:endParaRPr lang="it-IT"/>
           </a:p>
@@ -6344,7 +6350,7 @@
           <a:p>
             <a:fld id="{A1167A9F-5E02-475A-AA8F-A56623B3A27F}" type="datetimeFigureOut">
               <a:rPr lang="it-IT" smtClean="0"/>
-              <a:t>30/08/2019</a:t>
+              <a:t>31/08/2019</a:t>
             </a:fld>
             <a:endParaRPr lang="it-IT"/>
           </a:p>
@@ -6439,7 +6445,7 @@
           <a:p>
             <a:fld id="{A1167A9F-5E02-475A-AA8F-A56623B3A27F}" type="datetimeFigureOut">
               <a:rPr lang="it-IT" smtClean="0"/>
-              <a:t>30/08/2019</a:t>
+              <a:t>31/08/2019</a:t>
             </a:fld>
             <a:endParaRPr lang="it-IT"/>
           </a:p>
@@ -6739,7 +6745,7 @@
           <a:p>
             <a:fld id="{A1167A9F-5E02-475A-AA8F-A56623B3A27F}" type="datetimeFigureOut">
               <a:rPr lang="it-IT" smtClean="0"/>
-              <a:t>30/08/2019</a:t>
+              <a:t>31/08/2019</a:t>
             </a:fld>
             <a:endParaRPr lang="it-IT"/>
           </a:p>
@@ -7004,7 +7010,7 @@
           <a:p>
             <a:fld id="{A1167A9F-5E02-475A-AA8F-A56623B3A27F}" type="datetimeFigureOut">
               <a:rPr lang="it-IT" smtClean="0"/>
-              <a:t>30/08/2019</a:t>
+              <a:t>31/08/2019</a:t>
             </a:fld>
             <a:endParaRPr lang="it-IT"/>
           </a:p>
@@ -7422,7 +7428,7 @@
           <a:p>
             <a:fld id="{A1167A9F-5E02-475A-AA8F-A56623B3A27F}" type="datetimeFigureOut">
               <a:rPr lang="it-IT" smtClean="0"/>
-              <a:t>30/08/2019</a:t>
+              <a:t>31/08/2019</a:t>
             </a:fld>
             <a:endParaRPr lang="it-IT"/>
           </a:p>
@@ -8587,10 +8593,384 @@
       </p:grpSpPr>
       <p:sp>
         <p:nvSpPr>
-          <p:cNvPr id="10" name="Rectangle 9">
+          <p:cNvPr id="10" name="Freeform 6">
             <a:extLst>
               <a:ext uri="{FF2B5EF4-FFF2-40B4-BE49-F238E27FC236}">
-                <a16:creationId xmlns:a16="http://schemas.microsoft.com/office/drawing/2014/main" id="{68575C10-8187-4AC4-AD72-C754EAFD2867}"/>
+                <a16:creationId xmlns:a16="http://schemas.microsoft.com/office/drawing/2014/main" id="{E90644A3-6A97-44F2-8AF9-CD44E85BAD3A}"/>
+              </a:ext>
+              <a:ext uri="{C183D7F6-B498-43B3-948B-1728B52AA6E4}">
+                <adec:decorative xmlns:adec="http://schemas.microsoft.com/office/drawing/2017/decorative" val="1"/>
+              </a:ext>
+            </a:extLst>
+          </p:cNvPr>
+          <p:cNvSpPr>
+            <a:spLocks noGrp="1" noRot="1" noChangeAspect="1" noMove="1" noResize="1" noEditPoints="1" noAdjustHandles="1" noChangeArrowheads="1" noChangeShapeType="1" noTextEdit="1"/>
+          </p:cNvSpPr>
+          <p:nvPr>
+            <p:extLst>
+              <p:ext uri="{386F3935-93C4-4BCD-93E2-E3B085C9AB24}">
+                <p16:designElem xmlns:p16="http://schemas.microsoft.com/office/powerpoint/2015/main" val="1"/>
+              </p:ext>
+            </p:extLst>
+          </p:nvPr>
+        </p:nvSpPr>
+        <p:spPr bwMode="auto">
+          <a:xfrm>
+            <a:off x="11784011" y="1189204"/>
+            <a:ext cx="407988" cy="819150"/>
+          </a:xfrm>
+          <a:custGeom>
+            <a:avLst/>
+            <a:gdLst/>
+            <a:ahLst/>
+            <a:cxnLst/>
+            <a:rect l="0" t="0" r="r" b="b"/>
+            <a:pathLst>
+              <a:path w="1799" h="3612">
+                <a:moveTo>
+                  <a:pt x="1799" y="0"/>
+                </a:moveTo>
+                <a:lnTo>
+                  <a:pt x="1799" y="3612"/>
+                </a:lnTo>
+                <a:lnTo>
+                  <a:pt x="1686" y="3609"/>
+                </a:lnTo>
+                <a:lnTo>
+                  <a:pt x="1574" y="3598"/>
+                </a:lnTo>
+                <a:lnTo>
+                  <a:pt x="1464" y="3581"/>
+                </a:lnTo>
+                <a:lnTo>
+                  <a:pt x="1357" y="3557"/>
+                </a:lnTo>
+                <a:lnTo>
+                  <a:pt x="1251" y="3527"/>
+                </a:lnTo>
+                <a:lnTo>
+                  <a:pt x="1150" y="3490"/>
+                </a:lnTo>
+                <a:lnTo>
+                  <a:pt x="1050" y="3448"/>
+                </a:lnTo>
+                <a:lnTo>
+                  <a:pt x="953" y="3401"/>
+                </a:lnTo>
+                <a:lnTo>
+                  <a:pt x="860" y="3347"/>
+                </a:lnTo>
+                <a:lnTo>
+                  <a:pt x="771" y="3289"/>
+                </a:lnTo>
+                <a:lnTo>
+                  <a:pt x="686" y="3224"/>
+                </a:lnTo>
+                <a:lnTo>
+                  <a:pt x="604" y="3156"/>
+                </a:lnTo>
+                <a:lnTo>
+                  <a:pt x="527" y="3083"/>
+                </a:lnTo>
+                <a:lnTo>
+                  <a:pt x="454" y="3005"/>
+                </a:lnTo>
+                <a:lnTo>
+                  <a:pt x="386" y="2923"/>
+                </a:lnTo>
+                <a:lnTo>
+                  <a:pt x="323" y="2838"/>
+                </a:lnTo>
+                <a:lnTo>
+                  <a:pt x="265" y="2748"/>
+                </a:lnTo>
+                <a:lnTo>
+                  <a:pt x="211" y="2655"/>
+                </a:lnTo>
+                <a:lnTo>
+                  <a:pt x="163" y="2559"/>
+                </a:lnTo>
+                <a:lnTo>
+                  <a:pt x="121" y="2459"/>
+                </a:lnTo>
+                <a:lnTo>
+                  <a:pt x="85" y="2356"/>
+                </a:lnTo>
+                <a:lnTo>
+                  <a:pt x="55" y="2251"/>
+                </a:lnTo>
+                <a:lnTo>
+                  <a:pt x="32" y="2143"/>
+                </a:lnTo>
+                <a:lnTo>
+                  <a:pt x="14" y="2033"/>
+                </a:lnTo>
+                <a:lnTo>
+                  <a:pt x="4" y="1920"/>
+                </a:lnTo>
+                <a:lnTo>
+                  <a:pt x="0" y="1806"/>
+                </a:lnTo>
+                <a:lnTo>
+                  <a:pt x="4" y="1692"/>
+                </a:lnTo>
+                <a:lnTo>
+                  <a:pt x="14" y="1580"/>
+                </a:lnTo>
+                <a:lnTo>
+                  <a:pt x="32" y="1469"/>
+                </a:lnTo>
+                <a:lnTo>
+                  <a:pt x="55" y="1362"/>
+                </a:lnTo>
+                <a:lnTo>
+                  <a:pt x="85" y="1256"/>
+                </a:lnTo>
+                <a:lnTo>
+                  <a:pt x="121" y="1154"/>
+                </a:lnTo>
+                <a:lnTo>
+                  <a:pt x="163" y="1054"/>
+                </a:lnTo>
+                <a:lnTo>
+                  <a:pt x="211" y="958"/>
+                </a:lnTo>
+                <a:lnTo>
+                  <a:pt x="265" y="864"/>
+                </a:lnTo>
+                <a:lnTo>
+                  <a:pt x="323" y="774"/>
+                </a:lnTo>
+                <a:lnTo>
+                  <a:pt x="386" y="689"/>
+                </a:lnTo>
+                <a:lnTo>
+                  <a:pt x="454" y="607"/>
+                </a:lnTo>
+                <a:lnTo>
+                  <a:pt x="527" y="529"/>
+                </a:lnTo>
+                <a:lnTo>
+                  <a:pt x="604" y="456"/>
+                </a:lnTo>
+                <a:lnTo>
+                  <a:pt x="686" y="388"/>
+                </a:lnTo>
+                <a:lnTo>
+                  <a:pt x="771" y="325"/>
+                </a:lnTo>
+                <a:lnTo>
+                  <a:pt x="860" y="266"/>
+                </a:lnTo>
+                <a:lnTo>
+                  <a:pt x="953" y="212"/>
+                </a:lnTo>
+                <a:lnTo>
+                  <a:pt x="1050" y="164"/>
+                </a:lnTo>
+                <a:lnTo>
+                  <a:pt x="1150" y="122"/>
+                </a:lnTo>
+                <a:lnTo>
+                  <a:pt x="1251" y="85"/>
+                </a:lnTo>
+                <a:lnTo>
+                  <a:pt x="1357" y="55"/>
+                </a:lnTo>
+                <a:lnTo>
+                  <a:pt x="1464" y="32"/>
+                </a:lnTo>
+                <a:lnTo>
+                  <a:pt x="1574" y="14"/>
+                </a:lnTo>
+                <a:lnTo>
+                  <a:pt x="1686" y="5"/>
+                </a:lnTo>
+                <a:lnTo>
+                  <a:pt x="1799" y="0"/>
+                </a:lnTo>
+                <a:close/>
+              </a:path>
+            </a:pathLst>
+          </a:custGeom>
+          <a:solidFill>
+            <a:schemeClr val="tx2"/>
+          </a:solidFill>
+          <a:ln w="0">
+            <a:noFill/>
+            <a:prstDash val="solid"/>
+            <a:round/>
+            <a:headEnd/>
+            <a:tailEnd/>
+          </a:ln>
+        </p:spPr>
+      </p:sp>
+      <p:cxnSp>
+        <p:nvCxnSpPr>
+          <p:cNvPr id="12" name="Straight Connector 11">
+            <a:extLst>
+              <a:ext uri="{FF2B5EF4-FFF2-40B4-BE49-F238E27FC236}">
+                <a16:creationId xmlns:a16="http://schemas.microsoft.com/office/drawing/2014/main" id="{4245F692-4DA4-4D73-8639-81F3A6A4B3A9}"/>
+              </a:ext>
+              <a:ext uri="{C183D7F6-B498-43B3-948B-1728B52AA6E4}">
+                <adec:decorative xmlns:adec="http://schemas.microsoft.com/office/drawing/2017/decorative" val="1"/>
+              </a:ext>
+            </a:extLst>
+          </p:cNvPr>
+          <p:cNvCxnSpPr>
+            <a:cxnSpLocks noGrp="1" noRot="1" noChangeAspect="1" noMove="1" noResize="1" noEditPoints="1" noAdjustHandles="1" noChangeArrowheads="1" noChangeShapeType="1"/>
+          </p:cNvCxnSpPr>
+          <p:nvPr>
+            <p:extLst>
+              <p:ext uri="{386F3935-93C4-4BCD-93E2-E3B085C9AB24}">
+                <p16:designElem xmlns:p16="http://schemas.microsoft.com/office/powerpoint/2015/main" val="1"/>
+              </p:ext>
+            </p:extLst>
+          </p:nvPr>
+        </p:nvCxnSpPr>
+        <p:spPr>
+          <a:xfrm>
+            <a:off x="773855" y="1257300"/>
+            <a:ext cx="0" cy="5600700"/>
+          </a:xfrm>
+          <a:prstGeom prst="line">
+            <a:avLst/>
+          </a:prstGeom>
+          <a:ln w="25400">
+            <a:solidFill>
+              <a:schemeClr val="tx2"/>
+            </a:solidFill>
+          </a:ln>
+        </p:spPr>
+        <p:style>
+          <a:lnRef idx="1">
+            <a:schemeClr val="accent1"/>
+          </a:lnRef>
+          <a:fillRef idx="0">
+            <a:schemeClr val="accent1"/>
+          </a:fillRef>
+          <a:effectRef idx="0">
+            <a:schemeClr val="accent1"/>
+          </a:effectRef>
+          <a:fontRef idx="minor">
+            <a:schemeClr val="tx1"/>
+          </a:fontRef>
+        </p:style>
+      </p:cxnSp>
+      <p:sp>
+        <p:nvSpPr>
+          <p:cNvPr id="2" name="Title 1">
+            <a:extLst>
+              <a:ext uri="{FF2B5EF4-FFF2-40B4-BE49-F238E27FC236}">
+                <a16:creationId xmlns:a16="http://schemas.microsoft.com/office/drawing/2014/main" id="{1B7039A7-CD3B-4A7B-B106-0669B0F58A7B}"/>
+              </a:ext>
+            </a:extLst>
+          </p:cNvPr>
+          <p:cNvSpPr>
+            <a:spLocks noGrp="1"/>
+          </p:cNvSpPr>
+          <p:nvPr>
+            <p:ph type="title"/>
+          </p:nvPr>
+        </p:nvSpPr>
+        <p:spPr>
+          <a:xfrm>
+            <a:off x="1128096" y="1143293"/>
+            <a:ext cx="4808409" cy="4268965"/>
+          </a:xfrm>
+        </p:spPr>
+        <p:txBody>
+          <a:bodyPr vert="horz" lIns="91440" tIns="45720" rIns="91440" bIns="45720" rtlCol="0" anchor="t">
+            <a:normAutofit/>
+          </a:bodyPr>
+          <a:lstStyle/>
+          <a:p>
+            <a:pPr algn="l">
+              <a:lnSpc>
+                <a:spcPct val="85000"/>
+              </a:lnSpc>
+            </a:pPr>
+            <a:r>
+              <a:rPr lang="en-US" sz="4200" cap="all">
+                <a:solidFill>
+                  <a:schemeClr val="tx2"/>
+                </a:solidFill>
+              </a:rPr>
+              <a:t>Benchmarks – Compare DotNetCore Versions </a:t>
+            </a:r>
+            <a:br>
+              <a:rPr lang="en-US" sz="4200" cap="all">
+                <a:solidFill>
+                  <a:schemeClr val="tx2"/>
+                </a:solidFill>
+              </a:rPr>
+            </a:br>
+            <a:endParaRPr lang="en-US" sz="4200" cap="all">
+              <a:solidFill>
+                <a:schemeClr val="tx2"/>
+              </a:solidFill>
+            </a:endParaRPr>
+          </a:p>
+        </p:txBody>
+      </p:sp>
+      <p:cxnSp>
+        <p:nvCxnSpPr>
+          <p:cNvPr id="14" name="Straight Connector 13">
+            <a:extLst>
+              <a:ext uri="{FF2B5EF4-FFF2-40B4-BE49-F238E27FC236}">
+                <a16:creationId xmlns:a16="http://schemas.microsoft.com/office/drawing/2014/main" id="{251DA50E-BEE6-4967-9558-461737DB91E3}"/>
+              </a:ext>
+              <a:ext uri="{C183D7F6-B498-43B3-948B-1728B52AA6E4}">
+                <adec:decorative xmlns:adec="http://schemas.microsoft.com/office/drawing/2017/decorative" val="1"/>
+              </a:ext>
+            </a:extLst>
+          </p:cNvPr>
+          <p:cNvCxnSpPr>
+            <a:cxnSpLocks noGrp="1" noRot="1" noChangeAspect="1" noMove="1" noResize="1" noEditPoints="1" noAdjustHandles="1" noChangeArrowheads="1" noChangeShapeType="1"/>
+          </p:cNvCxnSpPr>
+          <p:nvPr>
+            <p:extLst>
+              <p:ext uri="{386F3935-93C4-4BCD-93E2-E3B085C9AB24}">
+                <p16:designElem xmlns:p16="http://schemas.microsoft.com/office/powerpoint/2015/main" val="1"/>
+              </p:ext>
+            </p:extLst>
+          </p:nvPr>
+        </p:nvCxnSpPr>
+        <p:spPr>
+          <a:xfrm>
+            <a:off x="773855" y="1257300"/>
+            <a:ext cx="0" cy="5600700"/>
+          </a:xfrm>
+          <a:prstGeom prst="line">
+            <a:avLst/>
+          </a:prstGeom>
+          <a:ln w="25400">
+            <a:solidFill>
+              <a:schemeClr val="tx1"/>
+            </a:solidFill>
+          </a:ln>
+        </p:spPr>
+        <p:style>
+          <a:lnRef idx="1">
+            <a:schemeClr val="accent1"/>
+          </a:lnRef>
+          <a:fillRef idx="0">
+            <a:schemeClr val="accent1"/>
+          </a:fillRef>
+          <a:effectRef idx="0">
+            <a:schemeClr val="accent1"/>
+          </a:effectRef>
+          <a:fontRef idx="minor">
+            <a:schemeClr val="tx1"/>
+          </a:fontRef>
+        </p:style>
+      </p:cxnSp>
+      <p:sp>
+        <p:nvSpPr>
+          <p:cNvPr id="16" name="Rectangle 15">
+            <a:extLst>
+              <a:ext uri="{FF2B5EF4-FFF2-40B4-BE49-F238E27FC236}">
+                <a16:creationId xmlns:a16="http://schemas.microsoft.com/office/drawing/2014/main" id="{421D9EAA-D875-4BD5-BC55-2ADD5204B488}"/>
               </a:ext>
               <a:ext uri="{C183D7F6-B498-43B3-948B-1728B52AA6E4}">
                 <adec:decorative xmlns:adec="http://schemas.microsoft.com/office/drawing/2017/decorative" val="1"/>
@@ -8610,8 +8990,8 @@
         </p:nvSpPr>
         <p:spPr>
           <a:xfrm>
-            <a:off x="-1" y="0"/>
-            <a:ext cx="4654295" cy="6858000"/>
+            <a:off x="6096000" y="0"/>
+            <a:ext cx="6096000" cy="6858000"/>
           </a:xfrm>
           <a:prstGeom prst="rect">
             <a:avLst/>
@@ -8648,6 +9028,317 @@
           </a:p>
         </p:txBody>
       </p:sp>
+      <p:pic>
+        <p:nvPicPr>
+          <p:cNvPr id="5" name="Picture 4">
+            <a:extLst>
+              <a:ext uri="{FF2B5EF4-FFF2-40B4-BE49-F238E27FC236}">
+                <a16:creationId xmlns:a16="http://schemas.microsoft.com/office/drawing/2014/main" id="{8E1694D7-B4ED-461A-8073-826B9268D52B}"/>
+              </a:ext>
+            </a:extLst>
+          </p:cNvPr>
+          <p:cNvPicPr>
+            <a:picLocks noChangeAspect="1"/>
+          </p:cNvPicPr>
+          <p:nvPr/>
+        </p:nvPicPr>
+        <p:blipFill>
+          <a:blip r:embed="rId2"/>
+          <a:stretch>
+            <a:fillRect/>
+          </a:stretch>
+        </p:blipFill>
+        <p:spPr>
+          <a:xfrm>
+            <a:off x="6739467" y="299378"/>
+            <a:ext cx="4809066" cy="889826"/>
+          </a:xfrm>
+          <a:prstGeom prst="rect">
+            <a:avLst/>
+          </a:prstGeom>
+        </p:spPr>
+      </p:pic>
+      <p:sp>
+        <p:nvSpPr>
+          <p:cNvPr id="18" name="Freeform 6">
+            <a:extLst>
+              <a:ext uri="{FF2B5EF4-FFF2-40B4-BE49-F238E27FC236}">
+                <a16:creationId xmlns:a16="http://schemas.microsoft.com/office/drawing/2014/main" id="{EA9D0C1A-C08B-4970-A507-B86133DE748A}"/>
+              </a:ext>
+              <a:ext uri="{C183D7F6-B498-43B3-948B-1728B52AA6E4}">
+                <adec:decorative xmlns:adec="http://schemas.microsoft.com/office/drawing/2017/decorative" val="1"/>
+              </a:ext>
+            </a:extLst>
+          </p:cNvPr>
+          <p:cNvSpPr>
+            <a:spLocks noGrp="1" noRot="1" noChangeAspect="1" noMove="1" noResize="1" noEditPoints="1" noAdjustHandles="1" noChangeArrowheads="1" noChangeShapeType="1" noTextEdit="1"/>
+          </p:cNvSpPr>
+          <p:nvPr>
+            <p:extLst>
+              <p:ext uri="{386F3935-93C4-4BCD-93E2-E3B085C9AB24}">
+                <p16:designElem xmlns:p16="http://schemas.microsoft.com/office/powerpoint/2015/main" val="1"/>
+              </p:ext>
+            </p:extLst>
+          </p:nvPr>
+        </p:nvSpPr>
+        <p:spPr bwMode="auto">
+          <a:xfrm>
+            <a:off x="11784011" y="1189204"/>
+            <a:ext cx="407988" cy="819150"/>
+          </a:xfrm>
+          <a:custGeom>
+            <a:avLst/>
+            <a:gdLst/>
+            <a:ahLst/>
+            <a:cxnLst/>
+            <a:rect l="0" t="0" r="r" b="b"/>
+            <a:pathLst>
+              <a:path w="1799" h="3612">
+                <a:moveTo>
+                  <a:pt x="1799" y="0"/>
+                </a:moveTo>
+                <a:lnTo>
+                  <a:pt x="1799" y="3612"/>
+                </a:lnTo>
+                <a:lnTo>
+                  <a:pt x="1686" y="3609"/>
+                </a:lnTo>
+                <a:lnTo>
+                  <a:pt x="1574" y="3598"/>
+                </a:lnTo>
+                <a:lnTo>
+                  <a:pt x="1464" y="3581"/>
+                </a:lnTo>
+                <a:lnTo>
+                  <a:pt x="1357" y="3557"/>
+                </a:lnTo>
+                <a:lnTo>
+                  <a:pt x="1251" y="3527"/>
+                </a:lnTo>
+                <a:lnTo>
+                  <a:pt x="1150" y="3490"/>
+                </a:lnTo>
+                <a:lnTo>
+                  <a:pt x="1050" y="3448"/>
+                </a:lnTo>
+                <a:lnTo>
+                  <a:pt x="953" y="3401"/>
+                </a:lnTo>
+                <a:lnTo>
+                  <a:pt x="860" y="3347"/>
+                </a:lnTo>
+                <a:lnTo>
+                  <a:pt x="771" y="3289"/>
+                </a:lnTo>
+                <a:lnTo>
+                  <a:pt x="686" y="3224"/>
+                </a:lnTo>
+                <a:lnTo>
+                  <a:pt x="604" y="3156"/>
+                </a:lnTo>
+                <a:lnTo>
+                  <a:pt x="527" y="3083"/>
+                </a:lnTo>
+                <a:lnTo>
+                  <a:pt x="454" y="3005"/>
+                </a:lnTo>
+                <a:lnTo>
+                  <a:pt x="386" y="2923"/>
+                </a:lnTo>
+                <a:lnTo>
+                  <a:pt x="323" y="2838"/>
+                </a:lnTo>
+                <a:lnTo>
+                  <a:pt x="265" y="2748"/>
+                </a:lnTo>
+                <a:lnTo>
+                  <a:pt x="211" y="2655"/>
+                </a:lnTo>
+                <a:lnTo>
+                  <a:pt x="163" y="2559"/>
+                </a:lnTo>
+                <a:lnTo>
+                  <a:pt x="121" y="2459"/>
+                </a:lnTo>
+                <a:lnTo>
+                  <a:pt x="85" y="2356"/>
+                </a:lnTo>
+                <a:lnTo>
+                  <a:pt x="55" y="2251"/>
+                </a:lnTo>
+                <a:lnTo>
+                  <a:pt x="32" y="2143"/>
+                </a:lnTo>
+                <a:lnTo>
+                  <a:pt x="14" y="2033"/>
+                </a:lnTo>
+                <a:lnTo>
+                  <a:pt x="4" y="1920"/>
+                </a:lnTo>
+                <a:lnTo>
+                  <a:pt x="0" y="1806"/>
+                </a:lnTo>
+                <a:lnTo>
+                  <a:pt x="4" y="1692"/>
+                </a:lnTo>
+                <a:lnTo>
+                  <a:pt x="14" y="1580"/>
+                </a:lnTo>
+                <a:lnTo>
+                  <a:pt x="32" y="1469"/>
+                </a:lnTo>
+                <a:lnTo>
+                  <a:pt x="55" y="1362"/>
+                </a:lnTo>
+                <a:lnTo>
+                  <a:pt x="85" y="1256"/>
+                </a:lnTo>
+                <a:lnTo>
+                  <a:pt x="121" y="1154"/>
+                </a:lnTo>
+                <a:lnTo>
+                  <a:pt x="163" y="1054"/>
+                </a:lnTo>
+                <a:lnTo>
+                  <a:pt x="211" y="958"/>
+                </a:lnTo>
+                <a:lnTo>
+                  <a:pt x="265" y="864"/>
+                </a:lnTo>
+                <a:lnTo>
+                  <a:pt x="323" y="774"/>
+                </a:lnTo>
+                <a:lnTo>
+                  <a:pt x="386" y="689"/>
+                </a:lnTo>
+                <a:lnTo>
+                  <a:pt x="454" y="607"/>
+                </a:lnTo>
+                <a:lnTo>
+                  <a:pt x="527" y="529"/>
+                </a:lnTo>
+                <a:lnTo>
+                  <a:pt x="604" y="456"/>
+                </a:lnTo>
+                <a:lnTo>
+                  <a:pt x="686" y="388"/>
+                </a:lnTo>
+                <a:lnTo>
+                  <a:pt x="771" y="325"/>
+                </a:lnTo>
+                <a:lnTo>
+                  <a:pt x="860" y="266"/>
+                </a:lnTo>
+                <a:lnTo>
+                  <a:pt x="953" y="212"/>
+                </a:lnTo>
+                <a:lnTo>
+                  <a:pt x="1050" y="164"/>
+                </a:lnTo>
+                <a:lnTo>
+                  <a:pt x="1150" y="122"/>
+                </a:lnTo>
+                <a:lnTo>
+                  <a:pt x="1251" y="85"/>
+                </a:lnTo>
+                <a:lnTo>
+                  <a:pt x="1357" y="55"/>
+                </a:lnTo>
+                <a:lnTo>
+                  <a:pt x="1464" y="32"/>
+                </a:lnTo>
+                <a:lnTo>
+                  <a:pt x="1574" y="14"/>
+                </a:lnTo>
+                <a:lnTo>
+                  <a:pt x="1686" y="5"/>
+                </a:lnTo>
+                <a:lnTo>
+                  <a:pt x="1799" y="0"/>
+                </a:lnTo>
+                <a:close/>
+              </a:path>
+            </a:pathLst>
+          </a:custGeom>
+          <a:solidFill>
+            <a:schemeClr val="bg2"/>
+          </a:solidFill>
+          <a:ln w="0">
+            <a:noFill/>
+            <a:prstDash val="solid"/>
+            <a:round/>
+            <a:headEnd/>
+            <a:tailEnd/>
+          </a:ln>
+        </p:spPr>
+      </p:sp>
+      <p:pic>
+        <p:nvPicPr>
+          <p:cNvPr id="4" name="Content Placeholder 3">
+            <a:extLst>
+              <a:ext uri="{FF2B5EF4-FFF2-40B4-BE49-F238E27FC236}">
+                <a16:creationId xmlns:a16="http://schemas.microsoft.com/office/drawing/2014/main" id="{41C98533-1D74-4DE3-A94E-0E44996A8523}"/>
+              </a:ext>
+            </a:extLst>
+          </p:cNvPr>
+          <p:cNvPicPr>
+            <a:picLocks noChangeAspect="1"/>
+          </p:cNvPicPr>
+          <p:nvPr/>
+        </p:nvPicPr>
+        <p:blipFill rotWithShape="1">
+          <a:blip r:embed="rId3"/>
+          <a:srcRect l="16513" r="28892" b="2"/>
+          <a:stretch/>
+        </p:blipFill>
+        <p:spPr>
+          <a:xfrm>
+            <a:off x="6739467" y="1257300"/>
+            <a:ext cx="4946240" cy="4838700"/>
+          </a:xfrm>
+          <a:prstGeom prst="rect">
+            <a:avLst/>
+          </a:prstGeom>
+        </p:spPr>
+      </p:pic>
+    </p:spTree>
+    <p:extLst>
+      <p:ext uri="{BB962C8B-B14F-4D97-AF65-F5344CB8AC3E}">
+        <p14:creationId xmlns:p14="http://schemas.microsoft.com/office/powerpoint/2010/main" val="4143671187"/>
+      </p:ext>
+    </p:extLst>
+  </p:cSld>
+  <p:clrMapOvr>
+    <a:masterClrMapping/>
+  </p:clrMapOvr>
+</p:sld>
+</file>
+
+<file path=ppt/slides/slide8.xml><?xml version="1.0" encoding="utf-8"?>
+<p:sld xmlns:a="http://schemas.openxmlformats.org/drawingml/2006/main" xmlns:r="http://schemas.openxmlformats.org/officeDocument/2006/relationships" xmlns:p="http://schemas.openxmlformats.org/presentationml/2006/main">
+  <p:cSld>
+    <p:bg>
+      <p:bgPr>
+        <a:solidFill>
+          <a:schemeClr val="bg2"/>
+        </a:solidFill>
+        <a:effectLst/>
+      </p:bgPr>
+    </p:bg>
+    <p:spTree>
+      <p:nvGrpSpPr>
+        <p:cNvPr id="1" name=""/>
+        <p:cNvGrpSpPr/>
+        <p:nvPr/>
+      </p:nvGrpSpPr>
+      <p:grpSpPr>
+        <a:xfrm>
+          <a:off x="0" y="0"/>
+          <a:ext cx="0" cy="0"/>
+          <a:chOff x="0" y="0"/>
+          <a:chExt cx="0" cy="0"/>
+        </a:xfrm>
+      </p:grpSpPr>
       <p:sp>
         <p:nvSpPr>
           <p:cNvPr id="2" name="Title 1">
@@ -8687,58 +9378,6 @@
           </a:p>
         </p:txBody>
       </p:sp>
-      <p:cxnSp>
-        <p:nvCxnSpPr>
-          <p:cNvPr id="12" name="Straight Connector 11">
-            <a:extLst>
-              <a:ext uri="{FF2B5EF4-FFF2-40B4-BE49-F238E27FC236}">
-                <a16:creationId xmlns:a16="http://schemas.microsoft.com/office/drawing/2014/main" id="{74E776C9-ED67-41B7-B3A3-4DF76EF3ACEE}"/>
-              </a:ext>
-              <a:ext uri="{C183D7F6-B498-43B3-948B-1728B52AA6E4}">
-                <adec:decorative xmlns:adec="http://schemas.microsoft.com/office/drawing/2017/decorative" val="1"/>
-              </a:ext>
-            </a:extLst>
-          </p:cNvPr>
-          <p:cNvCxnSpPr>
-            <a:cxnSpLocks noGrp="1" noRot="1" noChangeAspect="1" noMove="1" noResize="1" noEditPoints="1" noAdjustHandles="1" noChangeArrowheads="1" noChangeShapeType="1"/>
-          </p:cNvCxnSpPr>
-          <p:nvPr>
-            <p:extLst>
-              <p:ext uri="{386F3935-93C4-4BCD-93E2-E3B085C9AB24}">
-                <p16:designElem xmlns:p16="http://schemas.microsoft.com/office/powerpoint/2015/main" val="1"/>
-              </p:ext>
-            </p:extLst>
-          </p:nvPr>
-        </p:nvCxnSpPr>
-        <p:spPr>
-          <a:xfrm>
-            <a:off x="0" y="6199730"/>
-            <a:ext cx="4297680" cy="0"/>
-          </a:xfrm>
-          <a:prstGeom prst="line">
-            <a:avLst/>
-          </a:prstGeom>
-          <a:ln w="25400">
-            <a:solidFill>
-              <a:schemeClr val="bg1"/>
-            </a:solidFill>
-          </a:ln>
-        </p:spPr>
-        <p:style>
-          <a:lnRef idx="1">
-            <a:schemeClr val="accent1"/>
-          </a:lnRef>
-          <a:fillRef idx="0">
-            <a:schemeClr val="accent1"/>
-          </a:fillRef>
-          <a:effectRef idx="0">
-            <a:schemeClr val="accent1"/>
-          </a:effectRef>
-          <a:fontRef idx="minor">
-            <a:schemeClr val="tx1"/>
-          </a:fontRef>
-        </p:style>
-      </p:cxnSp>
       <p:graphicFrame>
         <p:nvGraphicFramePr>
           <p:cNvPr id="5" name="Content Placeholder 2">
